--- a/PPTs/03 Routing.pptx
+++ b/PPTs/03 Routing.pptx
@@ -222,7 +222,7 @@
             <a:fld id="{4991502B-FFA8-47B9-B4E5-980CA415BAFF}" type="datetimeFigureOut">
               <a:rPr lang="en-US" smtClean="0"/>
               <a:pPr/>
-              <a:t>5/9/2017</a:t>
+              <a:t>5/10/2017</a:t>
             </a:fld>
             <a:endParaRPr lang="en-US"/>
           </a:p>
@@ -4607,7 +4607,19 @@
           <a:p>
             <a:r>
               <a:rPr lang="en-US" dirty="0"/>
-              <a:t>Links can be associated to URLs</a:t>
+              <a:t>Links can be associated </a:t>
+            </a:r>
+            <a:r>
+              <a:rPr lang="en-US" dirty="0" smtClean="0"/>
+              <a:t>with</a:t>
+            </a:r>
+            <a:r>
+              <a:rPr lang="en-US" dirty="0" smtClean="0"/>
+              <a:t> </a:t>
+            </a:r>
+            <a:r>
+              <a:rPr lang="en-US" dirty="0"/>
+              <a:t>URLs</a:t>
             </a:r>
           </a:p>
           <a:p>
@@ -4619,8 +4631,13 @@
           <a:p>
             <a:r>
               <a:rPr lang="en-US" dirty="0"/>
-              <a:t>Pass optional parameters to view</a:t>
-            </a:r>
+              <a:t>Pass optional parameters to </a:t>
+            </a:r>
+            <a:r>
+              <a:rPr lang="en-US" dirty="0" smtClean="0"/>
+              <a:t>views</a:t>
+            </a:r>
+            <a:endParaRPr lang="en-US" dirty="0"/>
           </a:p>
         </p:txBody>
       </p:sp>
@@ -4771,7 +4788,18 @@
             <a:pPr lvl="1"/>
             <a:r>
               <a:rPr lang="en-US" dirty="0"/>
-              <a:t>Sharing between users is limited</a:t>
+              <a:t>Sharing between users is </a:t>
+            </a:r>
+            <a:r>
+              <a:rPr lang="en-US" dirty="0" smtClean="0"/>
+              <a:t>limited</a:t>
+            </a:r>
+          </a:p>
+          <a:p>
+            <a:pPr lvl="1"/>
+            <a:r>
+              <a:rPr lang="en-US" dirty="0" smtClean="0"/>
+              <a:t>Not what the user expects</a:t>
             </a:r>
             <a:endParaRPr lang="he-IL" dirty="0"/>
           </a:p>
@@ -5091,8 +5119,20 @@
           </a:p>
           <a:p>
             <a:r>
+              <a:rPr lang="en-US" dirty="0" smtClean="0"/>
+              <a:t>The </a:t>
+            </a:r>
+            <a:r>
+              <a:rPr lang="en-US" dirty="0" smtClean="0"/>
+              <a:t>latter requires that </a:t>
+            </a:r>
+            <a:r>
+              <a:rPr lang="en-US" dirty="0" smtClean="0"/>
+              <a:t>Angular knows </a:t>
+            </a:r>
+            <a:r>
               <a:rPr lang="en-US" dirty="0"/>
-              <a:t>Angular needs to know the base address of the application in order to generate correct URLs</a:t>
+              <a:t>the base address of the application in order to generate correct URLs</a:t>
             </a:r>
           </a:p>
           <a:p>
@@ -5262,17 +5302,18 @@
           <a:p>
             <a:pPr lvl="1"/>
             <a:r>
-              <a:rPr lang="en-US" dirty="0"/>
-              <a:t>The famous </a:t>
-            </a:r>
-            <a:r>
-              <a:rPr lang="en-US" dirty="0" err="1"/>
+              <a:rPr lang="en-US" dirty="0" smtClean="0"/>
+              <a:t>See </a:t>
+            </a:r>
+            <a:r>
+              <a:rPr lang="en-US" dirty="0" err="1" smtClean="0"/>
               <a:t>ui</a:t>
             </a:r>
             <a:r>
-              <a:rPr lang="en-US" dirty="0"/>
-              <a:t>-router has Angular2 compatible implementation</a:t>
-            </a:r>
+              <a:rPr lang="en-US" dirty="0" smtClean="0"/>
+              <a:t>-router</a:t>
+            </a:r>
+            <a:endParaRPr lang="en-US" dirty="0"/>
           </a:p>
           <a:p>
             <a:r>
@@ -5291,7 +5332,7 @@
         </p:nvSpPr>
         <p:spPr>
           <a:xfrm>
-            <a:off x="2925152" y="3622372"/>
+            <a:off x="2925152" y="3356992"/>
             <a:ext cx="3528392" cy="3046988"/>
           </a:xfrm>
           <a:prstGeom prst="rect">
@@ -5870,8 +5911,8 @@
               <a:gd name="adj2" fmla="val -8333"/>
               <a:gd name="adj3" fmla="val 18750"/>
               <a:gd name="adj4" fmla="val -16667"/>
-              <a:gd name="adj5" fmla="val -31751"/>
-              <a:gd name="adj6" fmla="val -75350"/>
+              <a:gd name="adj5" fmla="val -58051"/>
+              <a:gd name="adj6" fmla="val -73961"/>
             </a:avLst>
           </a:prstGeom>
         </p:spPr>
@@ -6027,7 +6068,15 @@
           <a:p>
             <a:r>
               <a:rPr lang="en-US" dirty="0"/>
-              <a:t>Each route consist of </a:t>
+              <a:t>Each route </a:t>
+            </a:r>
+            <a:r>
+              <a:rPr lang="en-US" dirty="0" smtClean="0"/>
+              <a:t>consists </a:t>
+            </a:r>
+            <a:r>
+              <a:rPr lang="en-US" dirty="0"/>
+              <a:t>of </a:t>
             </a:r>
           </a:p>
           <a:p>
@@ -6906,15 +6955,32 @@
           <a:p>
             <a:pPr algn="ctr"/>
             <a:r>
+              <a:rPr lang="en-US" sz="1400" dirty="0" smtClean="0"/>
+              <a:t>Inside app.component.html </a:t>
+            </a:r>
+            <a:endParaRPr lang="en-US" sz="1400" dirty="0"/>
+          </a:p>
+          <a:p>
+            <a:pPr algn="ctr"/>
+            <a:r>
               <a:rPr lang="en-US" sz="1400" dirty="0"/>
-              <a:t>app.component.html </a:t>
-            </a:r>
-          </a:p>
-          <a:p>
-            <a:pPr algn="ctr"/>
+              <a:t>a</a:t>
+            </a:r>
+            <a:r>
+              <a:rPr lang="en-US" sz="1400" dirty="0" smtClean="0"/>
+              <a:t>ll </a:t>
+            </a:r>
             <a:r>
               <a:rPr lang="en-US" sz="1400" dirty="0"/>
-              <a:t>All components are injected after router-outlet</a:t>
+              <a:t>components are injected </a:t>
+            </a:r>
+            <a:r>
+              <a:rPr lang="en-US" sz="1400" u="sng" dirty="0"/>
+              <a:t>after</a:t>
+            </a:r>
+            <a:r>
+              <a:rPr lang="en-US" sz="1400" dirty="0"/>
+              <a:t> router-outlet</a:t>
             </a:r>
           </a:p>
         </p:txBody>

--- a/PPTs/03 Routing.pptx
+++ b/PPTs/03 Routing.pptx
@@ -5,7 +5,7 @@
     <p:sldMasterId id="2147483672" r:id="rId1"/>
   </p:sldMasterIdLst>
   <p:notesMasterIdLst>
-    <p:notesMasterId r:id="rId12"/>
+    <p:notesMasterId r:id="rId23"/>
   </p:notesMasterIdLst>
   <p:sldIdLst>
     <p:sldId id="256" r:id="rId2"/>
@@ -15,9 +15,20 @@
     <p:sldId id="296" r:id="rId6"/>
     <p:sldId id="297" r:id="rId7"/>
     <p:sldId id="298" r:id="rId8"/>
-    <p:sldId id="299" r:id="rId9"/>
-    <p:sldId id="300" r:id="rId10"/>
-    <p:sldId id="292" r:id="rId11"/>
+    <p:sldId id="302" r:id="rId9"/>
+    <p:sldId id="299" r:id="rId10"/>
+    <p:sldId id="300" r:id="rId11"/>
+    <p:sldId id="303" r:id="rId12"/>
+    <p:sldId id="305" r:id="rId13"/>
+    <p:sldId id="306" r:id="rId14"/>
+    <p:sldId id="307" r:id="rId15"/>
+    <p:sldId id="308" r:id="rId16"/>
+    <p:sldId id="311" r:id="rId17"/>
+    <p:sldId id="309" r:id="rId18"/>
+    <p:sldId id="312" r:id="rId19"/>
+    <p:sldId id="304" r:id="rId20"/>
+    <p:sldId id="301" r:id="rId21"/>
+    <p:sldId id="292" r:id="rId22"/>
   </p:sldIdLst>
   <p:sldSz cx="9144000" cy="6858000" type="screen4x3"/>
   <p:notesSz cx="6858000" cy="9144000"/>
@@ -222,7 +233,7 @@
             <a:fld id="{4991502B-FFA8-47B9-B4E5-980CA415BAFF}" type="datetimeFigureOut">
               <a:rPr lang="en-US" smtClean="0"/>
               <a:pPr/>
-              <a:t>5/10/2017</a:t>
+              <a:t>5/11/2017</a:t>
             </a:fld>
             <a:endParaRPr lang="en-US"/>
           </a:p>
@@ -4384,7 +4395,7 @@
           <a:p>
             <a:r>
               <a:rPr lang="en-US" dirty="0"/>
-              <a:t>Summary</a:t>
+              <a:t>Router links</a:t>
             </a:r>
             <a:endParaRPr lang="he-IL" dirty="0"/>
           </a:p>
@@ -4449,19 +4460,6911 @@
             <p:ph sz="quarter" idx="1"/>
           </p:nvPr>
         </p:nvSpPr>
-        <p:spPr/>
+        <p:spPr>
+          <a:xfrm>
+            <a:off x="612648" y="1600200"/>
+            <a:ext cx="8153400" cy="4495800"/>
+          </a:xfrm>
+        </p:spPr>
         <p:txBody>
           <a:bodyPr/>
           <a:lstStyle/>
           <a:p>
+            <a:r>
+              <a:rPr lang="en-US" dirty="0"/>
+              <a:t>Don’t use link with </a:t>
+            </a:r>
+            <a:r>
+              <a:rPr lang="en-US" dirty="0" err="1"/>
+              <a:t>href</a:t>
+            </a:r>
+            <a:r>
+              <a:rPr lang="en-US" dirty="0"/>
+              <a:t> since it causes full page reload</a:t>
+            </a:r>
+          </a:p>
+          <a:p>
+            <a:endParaRPr lang="en-US" dirty="0"/>
+          </a:p>
+          <a:p>
+            <a:pPr marL="0" indent="0">
+              <a:buNone/>
+            </a:pPr>
+            <a:endParaRPr lang="en-US" dirty="0"/>
+          </a:p>
+          <a:p>
+            <a:r>
+              <a:rPr lang="en-US" dirty="0"/>
+              <a:t>Use link with </a:t>
+            </a:r>
+            <a:r>
+              <a:rPr lang="en-US" dirty="0" err="1">
+                <a:solidFill>
+                  <a:srgbClr val="FF0000"/>
+                </a:solidFill>
+              </a:rPr>
+              <a:t>routerLink</a:t>
+            </a:r>
+            <a:r>
+              <a:rPr lang="en-US" dirty="0"/>
+              <a:t> attribute</a:t>
+            </a:r>
             <a:endParaRPr lang="he-IL" dirty="0"/>
+          </a:p>
+        </p:txBody>
+      </p:sp>
+      <p:sp>
+        <p:nvSpPr>
+          <p:cNvPr id="6" name="Rectangle 5"/>
+          <p:cNvSpPr/>
+          <p:nvPr/>
+        </p:nvSpPr>
+        <p:spPr>
+          <a:xfrm>
+            <a:off x="3100966" y="2564904"/>
+            <a:ext cx="3176764" cy="954107"/>
+          </a:xfrm>
+          <a:prstGeom prst="rect">
+            <a:avLst/>
+          </a:prstGeom>
+        </p:spPr>
+        <p:txBody>
+          <a:bodyPr wrap="square">
+            <a:spAutoFit/>
+          </a:bodyPr>
+          <a:lstStyle/>
+          <a:p>
+            <a:r>
+              <a:rPr lang="en-US" sz="1400" dirty="0">
+                <a:solidFill>
+                  <a:srgbClr val="000000"/>
+                </a:solidFill>
+                <a:latin typeface="Calibri" panose="020F0502020204030204" pitchFamily="34" charset="0"/>
+                <a:ea typeface="Calibri" panose="020F0502020204030204" pitchFamily="34" charset="0"/>
+                <a:cs typeface="Arial" panose="020B0604020202020204" pitchFamily="34" charset="0"/>
+              </a:rPr>
+              <a:t>&lt;</a:t>
+            </a:r>
+            <a:r>
+              <a:rPr lang="en-US" sz="1400" b="1" dirty="0">
+                <a:solidFill>
+                  <a:srgbClr val="000080"/>
+                </a:solidFill>
+                <a:latin typeface="Calibri" panose="020F0502020204030204" pitchFamily="34" charset="0"/>
+                <a:ea typeface="Calibri" panose="020F0502020204030204" pitchFamily="34" charset="0"/>
+                <a:cs typeface="Arial" panose="020B0604020202020204" pitchFamily="34" charset="0"/>
+              </a:rPr>
+              <a:t>div </a:t>
+            </a:r>
+            <a:r>
+              <a:rPr lang="en-US" sz="1400" b="1" dirty="0">
+                <a:solidFill>
+                  <a:srgbClr val="0000FF"/>
+                </a:solidFill>
+                <a:latin typeface="Calibri" panose="020F0502020204030204" pitchFamily="34" charset="0"/>
+                <a:ea typeface="Calibri" panose="020F0502020204030204" pitchFamily="34" charset="0"/>
+                <a:cs typeface="Arial" panose="020B0604020202020204" pitchFamily="34" charset="0"/>
+              </a:rPr>
+              <a:t>class=</a:t>
+            </a:r>
+            <a:r>
+              <a:rPr lang="en-US" sz="1400" b="1" dirty="0">
+                <a:solidFill>
+                  <a:srgbClr val="008000"/>
+                </a:solidFill>
+                <a:latin typeface="Calibri" panose="020F0502020204030204" pitchFamily="34" charset="0"/>
+                <a:ea typeface="Calibri" panose="020F0502020204030204" pitchFamily="34" charset="0"/>
+                <a:cs typeface="Arial" panose="020B0604020202020204" pitchFamily="34" charset="0"/>
+              </a:rPr>
+              <a:t>"site-menu"</a:t>
+            </a:r>
+            <a:r>
+              <a:rPr lang="en-US" sz="1400" dirty="0">
+                <a:solidFill>
+                  <a:srgbClr val="000000"/>
+                </a:solidFill>
+                <a:latin typeface="Calibri" panose="020F0502020204030204" pitchFamily="34" charset="0"/>
+                <a:ea typeface="Calibri" panose="020F0502020204030204" pitchFamily="34" charset="0"/>
+                <a:cs typeface="Arial" panose="020B0604020202020204" pitchFamily="34" charset="0"/>
+              </a:rPr>
+              <a:t>&gt;</a:t>
+            </a:r>
+            <a:br>
+              <a:rPr lang="en-US" sz="1400" dirty="0">
+                <a:solidFill>
+                  <a:srgbClr val="000000"/>
+                </a:solidFill>
+                <a:latin typeface="Calibri" panose="020F0502020204030204" pitchFamily="34" charset="0"/>
+                <a:ea typeface="Calibri" panose="020F0502020204030204" pitchFamily="34" charset="0"/>
+                <a:cs typeface="Arial" panose="020B0604020202020204" pitchFamily="34" charset="0"/>
+              </a:rPr>
+            </a:br>
+            <a:r>
+              <a:rPr lang="en-US" sz="1400" dirty="0">
+                <a:solidFill>
+                  <a:srgbClr val="000000"/>
+                </a:solidFill>
+                <a:latin typeface="Calibri" panose="020F0502020204030204" pitchFamily="34" charset="0"/>
+                <a:ea typeface="Calibri" panose="020F0502020204030204" pitchFamily="34" charset="0"/>
+                <a:cs typeface="Arial" panose="020B0604020202020204" pitchFamily="34" charset="0"/>
+              </a:rPr>
+              <a:t>    &lt;</a:t>
+            </a:r>
+            <a:r>
+              <a:rPr lang="en-US" sz="1400" b="1" dirty="0">
+                <a:solidFill>
+                  <a:srgbClr val="000080"/>
+                </a:solidFill>
+                <a:latin typeface="Calibri" panose="020F0502020204030204" pitchFamily="34" charset="0"/>
+                <a:ea typeface="Calibri" panose="020F0502020204030204" pitchFamily="34" charset="0"/>
+                <a:cs typeface="Arial" panose="020B0604020202020204" pitchFamily="34" charset="0"/>
+              </a:rPr>
+              <a:t>a </a:t>
+            </a:r>
+            <a:r>
+              <a:rPr lang="en-US" sz="1400" b="1" dirty="0" err="1">
+                <a:solidFill>
+                  <a:srgbClr val="0000FF"/>
+                </a:solidFill>
+                <a:latin typeface="Calibri" panose="020F0502020204030204" pitchFamily="34" charset="0"/>
+                <a:ea typeface="Calibri" panose="020F0502020204030204" pitchFamily="34" charset="0"/>
+                <a:cs typeface="Arial" panose="020B0604020202020204" pitchFamily="34" charset="0"/>
+              </a:rPr>
+              <a:t>href</a:t>
+            </a:r>
+            <a:r>
+              <a:rPr lang="en-US" sz="1400" b="1" dirty="0">
+                <a:solidFill>
+                  <a:srgbClr val="0000FF"/>
+                </a:solidFill>
+                <a:latin typeface="Calibri" panose="020F0502020204030204" pitchFamily="34" charset="0"/>
+                <a:ea typeface="Calibri" panose="020F0502020204030204" pitchFamily="34" charset="0"/>
+                <a:cs typeface="Arial" panose="020B0604020202020204" pitchFamily="34" charset="0"/>
+              </a:rPr>
+              <a:t>=</a:t>
+            </a:r>
+            <a:r>
+              <a:rPr lang="en-US" sz="1400" b="1" dirty="0">
+                <a:solidFill>
+                  <a:srgbClr val="008000"/>
+                </a:solidFill>
+                <a:latin typeface="Calibri" panose="020F0502020204030204" pitchFamily="34" charset="0"/>
+                <a:ea typeface="Calibri" panose="020F0502020204030204" pitchFamily="34" charset="0"/>
+                <a:cs typeface="Arial" panose="020B0604020202020204" pitchFamily="34" charset="0"/>
+              </a:rPr>
+              <a:t>""</a:t>
+            </a:r>
+            <a:r>
+              <a:rPr lang="en-US" sz="1400" dirty="0">
+                <a:solidFill>
+                  <a:srgbClr val="000000"/>
+                </a:solidFill>
+                <a:latin typeface="Calibri" panose="020F0502020204030204" pitchFamily="34" charset="0"/>
+                <a:ea typeface="Calibri" panose="020F0502020204030204" pitchFamily="34" charset="0"/>
+                <a:cs typeface="Arial" panose="020B0604020202020204" pitchFamily="34" charset="0"/>
+              </a:rPr>
+              <a:t>&gt;Home&lt;/</a:t>
+            </a:r>
+            <a:r>
+              <a:rPr lang="en-US" sz="1400" b="1" dirty="0">
+                <a:solidFill>
+                  <a:srgbClr val="000080"/>
+                </a:solidFill>
+                <a:latin typeface="Calibri" panose="020F0502020204030204" pitchFamily="34" charset="0"/>
+                <a:ea typeface="Calibri" panose="020F0502020204030204" pitchFamily="34" charset="0"/>
+                <a:cs typeface="Arial" panose="020B0604020202020204" pitchFamily="34" charset="0"/>
+              </a:rPr>
+              <a:t>a</a:t>
+            </a:r>
+            <a:r>
+              <a:rPr lang="en-US" sz="1400" dirty="0">
+                <a:solidFill>
+                  <a:srgbClr val="000000"/>
+                </a:solidFill>
+                <a:latin typeface="Calibri" panose="020F0502020204030204" pitchFamily="34" charset="0"/>
+                <a:ea typeface="Calibri" panose="020F0502020204030204" pitchFamily="34" charset="0"/>
+                <a:cs typeface="Arial" panose="020B0604020202020204" pitchFamily="34" charset="0"/>
+              </a:rPr>
+              <a:t>&gt;</a:t>
+            </a:r>
+            <a:br>
+              <a:rPr lang="en-US" sz="1400" dirty="0">
+                <a:solidFill>
+                  <a:srgbClr val="000000"/>
+                </a:solidFill>
+                <a:latin typeface="Calibri" panose="020F0502020204030204" pitchFamily="34" charset="0"/>
+                <a:ea typeface="Calibri" panose="020F0502020204030204" pitchFamily="34" charset="0"/>
+                <a:cs typeface="Arial" panose="020B0604020202020204" pitchFamily="34" charset="0"/>
+              </a:rPr>
+            </a:br>
+            <a:r>
+              <a:rPr lang="en-US" sz="1400" dirty="0">
+                <a:solidFill>
+                  <a:srgbClr val="000000"/>
+                </a:solidFill>
+                <a:latin typeface="Calibri" panose="020F0502020204030204" pitchFamily="34" charset="0"/>
+                <a:ea typeface="Calibri" panose="020F0502020204030204" pitchFamily="34" charset="0"/>
+                <a:cs typeface="Arial" panose="020B0604020202020204" pitchFamily="34" charset="0"/>
+              </a:rPr>
+              <a:t>    &lt;</a:t>
+            </a:r>
+            <a:r>
+              <a:rPr lang="en-US" sz="1400" b="1" dirty="0">
+                <a:solidFill>
+                  <a:srgbClr val="000080"/>
+                </a:solidFill>
+                <a:latin typeface="Calibri" panose="020F0502020204030204" pitchFamily="34" charset="0"/>
+                <a:ea typeface="Calibri" panose="020F0502020204030204" pitchFamily="34" charset="0"/>
+                <a:cs typeface="Arial" panose="020B0604020202020204" pitchFamily="34" charset="0"/>
+              </a:rPr>
+              <a:t>a </a:t>
+            </a:r>
+            <a:r>
+              <a:rPr lang="en-US" sz="1400" b="1" dirty="0" err="1">
+                <a:solidFill>
+                  <a:srgbClr val="0000FF"/>
+                </a:solidFill>
+                <a:latin typeface="Calibri" panose="020F0502020204030204" pitchFamily="34" charset="0"/>
+                <a:ea typeface="Calibri" panose="020F0502020204030204" pitchFamily="34" charset="0"/>
+                <a:cs typeface="Arial" panose="020B0604020202020204" pitchFamily="34" charset="0"/>
+              </a:rPr>
+              <a:t>href</a:t>
+            </a:r>
+            <a:r>
+              <a:rPr lang="en-US" sz="1400" b="1" dirty="0">
+                <a:solidFill>
+                  <a:srgbClr val="0000FF"/>
+                </a:solidFill>
+                <a:latin typeface="Calibri" panose="020F0502020204030204" pitchFamily="34" charset="0"/>
+                <a:ea typeface="Calibri" panose="020F0502020204030204" pitchFamily="34" charset="0"/>
+                <a:cs typeface="Arial" panose="020B0604020202020204" pitchFamily="34" charset="0"/>
+              </a:rPr>
+              <a:t>=</a:t>
+            </a:r>
+            <a:r>
+              <a:rPr lang="en-US" sz="1400" b="1" dirty="0">
+                <a:solidFill>
+                  <a:srgbClr val="008000"/>
+                </a:solidFill>
+                <a:latin typeface="Calibri" panose="020F0502020204030204" pitchFamily="34" charset="0"/>
+                <a:ea typeface="Calibri" panose="020F0502020204030204" pitchFamily="34" charset="0"/>
+                <a:cs typeface="Arial" panose="020B0604020202020204" pitchFamily="34" charset="0"/>
+              </a:rPr>
+              <a:t>"about"</a:t>
+            </a:r>
+            <a:r>
+              <a:rPr lang="en-US" sz="1400" dirty="0">
+                <a:solidFill>
+                  <a:srgbClr val="000000"/>
+                </a:solidFill>
+                <a:latin typeface="Calibri" panose="020F0502020204030204" pitchFamily="34" charset="0"/>
+                <a:ea typeface="Calibri" panose="020F0502020204030204" pitchFamily="34" charset="0"/>
+                <a:cs typeface="Arial" panose="020B0604020202020204" pitchFamily="34" charset="0"/>
+              </a:rPr>
+              <a:t>&gt;About&lt;/</a:t>
+            </a:r>
+            <a:r>
+              <a:rPr lang="en-US" sz="1400" b="1" dirty="0">
+                <a:solidFill>
+                  <a:srgbClr val="000080"/>
+                </a:solidFill>
+                <a:latin typeface="Calibri" panose="020F0502020204030204" pitchFamily="34" charset="0"/>
+                <a:ea typeface="Calibri" panose="020F0502020204030204" pitchFamily="34" charset="0"/>
+                <a:cs typeface="Arial" panose="020B0604020202020204" pitchFamily="34" charset="0"/>
+              </a:rPr>
+              <a:t>a</a:t>
+            </a:r>
+            <a:r>
+              <a:rPr lang="en-US" sz="1400" dirty="0">
+                <a:solidFill>
+                  <a:srgbClr val="000000"/>
+                </a:solidFill>
+                <a:latin typeface="Calibri" panose="020F0502020204030204" pitchFamily="34" charset="0"/>
+                <a:ea typeface="Calibri" panose="020F0502020204030204" pitchFamily="34" charset="0"/>
+                <a:cs typeface="Arial" panose="020B0604020202020204" pitchFamily="34" charset="0"/>
+              </a:rPr>
+              <a:t>&gt;</a:t>
+            </a:r>
+            <a:br>
+              <a:rPr lang="en-US" sz="1400" dirty="0">
+                <a:solidFill>
+                  <a:srgbClr val="000000"/>
+                </a:solidFill>
+                <a:latin typeface="Calibri" panose="020F0502020204030204" pitchFamily="34" charset="0"/>
+                <a:ea typeface="Calibri" panose="020F0502020204030204" pitchFamily="34" charset="0"/>
+                <a:cs typeface="Arial" panose="020B0604020202020204" pitchFamily="34" charset="0"/>
+              </a:rPr>
+            </a:br>
+            <a:r>
+              <a:rPr lang="en-US" sz="1400" dirty="0">
+                <a:solidFill>
+                  <a:srgbClr val="000000"/>
+                </a:solidFill>
+                <a:latin typeface="Calibri" panose="020F0502020204030204" pitchFamily="34" charset="0"/>
+                <a:ea typeface="Calibri" panose="020F0502020204030204" pitchFamily="34" charset="0"/>
+                <a:cs typeface="Arial" panose="020B0604020202020204" pitchFamily="34" charset="0"/>
+              </a:rPr>
+              <a:t>&lt;/</a:t>
+            </a:r>
+            <a:r>
+              <a:rPr lang="en-US" sz="1400" b="1" dirty="0">
+                <a:solidFill>
+                  <a:srgbClr val="000080"/>
+                </a:solidFill>
+                <a:latin typeface="Calibri" panose="020F0502020204030204" pitchFamily="34" charset="0"/>
+                <a:ea typeface="Calibri" panose="020F0502020204030204" pitchFamily="34" charset="0"/>
+                <a:cs typeface="Arial" panose="020B0604020202020204" pitchFamily="34" charset="0"/>
+              </a:rPr>
+              <a:t>div</a:t>
+            </a:r>
+            <a:r>
+              <a:rPr lang="en-US" sz="1400" dirty="0">
+                <a:solidFill>
+                  <a:srgbClr val="000000"/>
+                </a:solidFill>
+                <a:latin typeface="Calibri" panose="020F0502020204030204" pitchFamily="34" charset="0"/>
+                <a:ea typeface="Calibri" panose="020F0502020204030204" pitchFamily="34" charset="0"/>
+                <a:cs typeface="Arial" panose="020B0604020202020204" pitchFamily="34" charset="0"/>
+              </a:rPr>
+              <a:t>&gt;</a:t>
+            </a:r>
+            <a:endParaRPr lang="he-IL" sz="1400" dirty="0"/>
+          </a:p>
+        </p:txBody>
+      </p:sp>
+      <p:sp>
+        <p:nvSpPr>
+          <p:cNvPr id="8" name="Rectangle 7"/>
+          <p:cNvSpPr/>
+          <p:nvPr/>
+        </p:nvSpPr>
+        <p:spPr>
+          <a:xfrm>
+            <a:off x="3042292" y="4483715"/>
+            <a:ext cx="3294112" cy="954107"/>
+          </a:xfrm>
+          <a:prstGeom prst="rect">
+            <a:avLst/>
+          </a:prstGeom>
+        </p:spPr>
+        <p:txBody>
+          <a:bodyPr wrap="square">
+            <a:spAutoFit/>
+          </a:bodyPr>
+          <a:lstStyle/>
+          <a:p>
+            <a:r>
+              <a:rPr lang="en-US" sz="1400" dirty="0">
+                <a:solidFill>
+                  <a:srgbClr val="000000"/>
+                </a:solidFill>
+                <a:latin typeface="Calibri" panose="020F0502020204030204" pitchFamily="34" charset="0"/>
+                <a:ea typeface="Calibri" panose="020F0502020204030204" pitchFamily="34" charset="0"/>
+                <a:cs typeface="Arial" panose="020B0604020202020204" pitchFamily="34" charset="0"/>
+              </a:rPr>
+              <a:t>&lt;</a:t>
+            </a:r>
+            <a:r>
+              <a:rPr lang="en-US" sz="1400" b="1" dirty="0">
+                <a:solidFill>
+                  <a:srgbClr val="000080"/>
+                </a:solidFill>
+                <a:latin typeface="Calibri" panose="020F0502020204030204" pitchFamily="34" charset="0"/>
+                <a:ea typeface="Calibri" panose="020F0502020204030204" pitchFamily="34" charset="0"/>
+                <a:cs typeface="Arial" panose="020B0604020202020204" pitchFamily="34" charset="0"/>
+              </a:rPr>
+              <a:t>div </a:t>
+            </a:r>
+            <a:r>
+              <a:rPr lang="en-US" sz="1400" b="1" dirty="0">
+                <a:solidFill>
+                  <a:srgbClr val="0000FF"/>
+                </a:solidFill>
+                <a:latin typeface="Calibri" panose="020F0502020204030204" pitchFamily="34" charset="0"/>
+                <a:ea typeface="Calibri" panose="020F0502020204030204" pitchFamily="34" charset="0"/>
+                <a:cs typeface="Arial" panose="020B0604020202020204" pitchFamily="34" charset="0"/>
+              </a:rPr>
+              <a:t>class=</a:t>
+            </a:r>
+            <a:r>
+              <a:rPr lang="en-US" sz="1400" b="1" dirty="0">
+                <a:solidFill>
+                  <a:srgbClr val="008000"/>
+                </a:solidFill>
+                <a:latin typeface="Calibri" panose="020F0502020204030204" pitchFamily="34" charset="0"/>
+                <a:ea typeface="Calibri" panose="020F0502020204030204" pitchFamily="34" charset="0"/>
+                <a:cs typeface="Arial" panose="020B0604020202020204" pitchFamily="34" charset="0"/>
+              </a:rPr>
+              <a:t>"site-menu"</a:t>
+            </a:r>
+            <a:r>
+              <a:rPr lang="en-US" sz="1400" dirty="0">
+                <a:solidFill>
+                  <a:srgbClr val="000000"/>
+                </a:solidFill>
+                <a:latin typeface="Calibri" panose="020F0502020204030204" pitchFamily="34" charset="0"/>
+                <a:ea typeface="Calibri" panose="020F0502020204030204" pitchFamily="34" charset="0"/>
+                <a:cs typeface="Arial" panose="020B0604020202020204" pitchFamily="34" charset="0"/>
+              </a:rPr>
+              <a:t>&gt;</a:t>
+            </a:r>
+            <a:br>
+              <a:rPr lang="en-US" sz="1400" dirty="0">
+                <a:solidFill>
+                  <a:srgbClr val="000000"/>
+                </a:solidFill>
+                <a:latin typeface="Calibri" panose="020F0502020204030204" pitchFamily="34" charset="0"/>
+                <a:ea typeface="Calibri" panose="020F0502020204030204" pitchFamily="34" charset="0"/>
+                <a:cs typeface="Arial" panose="020B0604020202020204" pitchFamily="34" charset="0"/>
+              </a:rPr>
+            </a:br>
+            <a:r>
+              <a:rPr lang="en-US" sz="1400" dirty="0">
+                <a:solidFill>
+                  <a:srgbClr val="000000"/>
+                </a:solidFill>
+                <a:latin typeface="Calibri" panose="020F0502020204030204" pitchFamily="34" charset="0"/>
+                <a:ea typeface="Calibri" panose="020F0502020204030204" pitchFamily="34" charset="0"/>
+                <a:cs typeface="Arial" panose="020B0604020202020204" pitchFamily="34" charset="0"/>
+              </a:rPr>
+              <a:t>    &lt;</a:t>
+            </a:r>
+            <a:r>
+              <a:rPr lang="en-US" sz="1400" b="1" dirty="0">
+                <a:solidFill>
+                  <a:srgbClr val="000080"/>
+                </a:solidFill>
+                <a:latin typeface="Calibri" panose="020F0502020204030204" pitchFamily="34" charset="0"/>
+                <a:ea typeface="Calibri" panose="020F0502020204030204" pitchFamily="34" charset="0"/>
+                <a:cs typeface="Arial" panose="020B0604020202020204" pitchFamily="34" charset="0"/>
+              </a:rPr>
+              <a:t>a </a:t>
+            </a:r>
+            <a:r>
+              <a:rPr lang="en-US" sz="1400" b="1" dirty="0" err="1">
+                <a:solidFill>
+                  <a:srgbClr val="0000FF"/>
+                </a:solidFill>
+                <a:latin typeface="Calibri" panose="020F0502020204030204" pitchFamily="34" charset="0"/>
+                <a:ea typeface="Calibri" panose="020F0502020204030204" pitchFamily="34" charset="0"/>
+                <a:cs typeface="Arial" panose="020B0604020202020204" pitchFamily="34" charset="0"/>
+              </a:rPr>
+              <a:t>routerLink</a:t>
+            </a:r>
+            <a:r>
+              <a:rPr lang="en-US" sz="1400" b="1" dirty="0">
+                <a:solidFill>
+                  <a:srgbClr val="0000FF"/>
+                </a:solidFill>
+                <a:latin typeface="Calibri" panose="020F0502020204030204" pitchFamily="34" charset="0"/>
+                <a:ea typeface="Calibri" panose="020F0502020204030204" pitchFamily="34" charset="0"/>
+                <a:cs typeface="Arial" panose="020B0604020202020204" pitchFamily="34" charset="0"/>
+              </a:rPr>
+              <a:t>=</a:t>
+            </a:r>
+            <a:r>
+              <a:rPr lang="en-US" sz="1400" b="1" dirty="0">
+                <a:solidFill>
+                  <a:srgbClr val="008000"/>
+                </a:solidFill>
+                <a:latin typeface="Calibri" panose="020F0502020204030204" pitchFamily="34" charset="0"/>
+                <a:ea typeface="Calibri" panose="020F0502020204030204" pitchFamily="34" charset="0"/>
+                <a:cs typeface="Arial" panose="020B0604020202020204" pitchFamily="34" charset="0"/>
+              </a:rPr>
+              <a:t>""</a:t>
+            </a:r>
+            <a:r>
+              <a:rPr lang="en-US" sz="1400" dirty="0">
+                <a:solidFill>
+                  <a:srgbClr val="000000"/>
+                </a:solidFill>
+                <a:latin typeface="Calibri" panose="020F0502020204030204" pitchFamily="34" charset="0"/>
+                <a:ea typeface="Calibri" panose="020F0502020204030204" pitchFamily="34" charset="0"/>
+                <a:cs typeface="Arial" panose="020B0604020202020204" pitchFamily="34" charset="0"/>
+              </a:rPr>
+              <a:t>&gt;Home&lt;/</a:t>
+            </a:r>
+            <a:r>
+              <a:rPr lang="en-US" sz="1400" b="1" dirty="0">
+                <a:solidFill>
+                  <a:srgbClr val="000080"/>
+                </a:solidFill>
+                <a:latin typeface="Calibri" panose="020F0502020204030204" pitchFamily="34" charset="0"/>
+                <a:ea typeface="Calibri" panose="020F0502020204030204" pitchFamily="34" charset="0"/>
+                <a:cs typeface="Arial" panose="020B0604020202020204" pitchFamily="34" charset="0"/>
+              </a:rPr>
+              <a:t>a</a:t>
+            </a:r>
+            <a:r>
+              <a:rPr lang="en-US" sz="1400" dirty="0">
+                <a:solidFill>
+                  <a:srgbClr val="000000"/>
+                </a:solidFill>
+                <a:latin typeface="Calibri" panose="020F0502020204030204" pitchFamily="34" charset="0"/>
+                <a:ea typeface="Calibri" panose="020F0502020204030204" pitchFamily="34" charset="0"/>
+                <a:cs typeface="Arial" panose="020B0604020202020204" pitchFamily="34" charset="0"/>
+              </a:rPr>
+              <a:t>&gt;</a:t>
+            </a:r>
+            <a:br>
+              <a:rPr lang="en-US" sz="1400" dirty="0">
+                <a:solidFill>
+                  <a:srgbClr val="000000"/>
+                </a:solidFill>
+                <a:latin typeface="Calibri" panose="020F0502020204030204" pitchFamily="34" charset="0"/>
+                <a:ea typeface="Calibri" panose="020F0502020204030204" pitchFamily="34" charset="0"/>
+                <a:cs typeface="Arial" panose="020B0604020202020204" pitchFamily="34" charset="0"/>
+              </a:rPr>
+            </a:br>
+            <a:r>
+              <a:rPr lang="en-US" sz="1400" dirty="0">
+                <a:solidFill>
+                  <a:srgbClr val="000000"/>
+                </a:solidFill>
+                <a:latin typeface="Calibri" panose="020F0502020204030204" pitchFamily="34" charset="0"/>
+                <a:ea typeface="Calibri" panose="020F0502020204030204" pitchFamily="34" charset="0"/>
+                <a:cs typeface="Arial" panose="020B0604020202020204" pitchFamily="34" charset="0"/>
+              </a:rPr>
+              <a:t>    &lt;</a:t>
+            </a:r>
+            <a:r>
+              <a:rPr lang="en-US" sz="1400" b="1" dirty="0">
+                <a:solidFill>
+                  <a:srgbClr val="000080"/>
+                </a:solidFill>
+                <a:latin typeface="Calibri" panose="020F0502020204030204" pitchFamily="34" charset="0"/>
+                <a:ea typeface="Calibri" panose="020F0502020204030204" pitchFamily="34" charset="0"/>
+                <a:cs typeface="Arial" panose="020B0604020202020204" pitchFamily="34" charset="0"/>
+              </a:rPr>
+              <a:t>a </a:t>
+            </a:r>
+            <a:r>
+              <a:rPr lang="en-US" sz="1400" b="1" dirty="0" err="1">
+                <a:solidFill>
+                  <a:srgbClr val="0000FF"/>
+                </a:solidFill>
+                <a:latin typeface="Calibri" panose="020F0502020204030204" pitchFamily="34" charset="0"/>
+                <a:ea typeface="Calibri" panose="020F0502020204030204" pitchFamily="34" charset="0"/>
+                <a:cs typeface="Arial" panose="020B0604020202020204" pitchFamily="34" charset="0"/>
+              </a:rPr>
+              <a:t>routerLink</a:t>
+            </a:r>
+            <a:r>
+              <a:rPr lang="en-US" sz="1400" b="1" dirty="0">
+                <a:solidFill>
+                  <a:srgbClr val="0000FF"/>
+                </a:solidFill>
+                <a:latin typeface="Calibri" panose="020F0502020204030204" pitchFamily="34" charset="0"/>
+                <a:ea typeface="Calibri" panose="020F0502020204030204" pitchFamily="34" charset="0"/>
+                <a:cs typeface="Arial" panose="020B0604020202020204" pitchFamily="34" charset="0"/>
+              </a:rPr>
+              <a:t>=</a:t>
+            </a:r>
+            <a:r>
+              <a:rPr lang="en-US" sz="1400" b="1" dirty="0">
+                <a:solidFill>
+                  <a:srgbClr val="008000"/>
+                </a:solidFill>
+                <a:latin typeface="Calibri" panose="020F0502020204030204" pitchFamily="34" charset="0"/>
+                <a:ea typeface="Calibri" panose="020F0502020204030204" pitchFamily="34" charset="0"/>
+                <a:cs typeface="Arial" panose="020B0604020202020204" pitchFamily="34" charset="0"/>
+              </a:rPr>
+              <a:t>"about"</a:t>
+            </a:r>
+            <a:r>
+              <a:rPr lang="en-US" sz="1400" dirty="0">
+                <a:solidFill>
+                  <a:srgbClr val="000000"/>
+                </a:solidFill>
+                <a:latin typeface="Calibri" panose="020F0502020204030204" pitchFamily="34" charset="0"/>
+                <a:ea typeface="Calibri" panose="020F0502020204030204" pitchFamily="34" charset="0"/>
+                <a:cs typeface="Arial" panose="020B0604020202020204" pitchFamily="34" charset="0"/>
+              </a:rPr>
+              <a:t>&gt;About&lt;/</a:t>
+            </a:r>
+            <a:r>
+              <a:rPr lang="en-US" sz="1400" b="1" dirty="0">
+                <a:solidFill>
+                  <a:srgbClr val="000080"/>
+                </a:solidFill>
+                <a:latin typeface="Calibri" panose="020F0502020204030204" pitchFamily="34" charset="0"/>
+                <a:ea typeface="Calibri" panose="020F0502020204030204" pitchFamily="34" charset="0"/>
+                <a:cs typeface="Arial" panose="020B0604020202020204" pitchFamily="34" charset="0"/>
+              </a:rPr>
+              <a:t>a</a:t>
+            </a:r>
+            <a:r>
+              <a:rPr lang="en-US" sz="1400" dirty="0">
+                <a:solidFill>
+                  <a:srgbClr val="000000"/>
+                </a:solidFill>
+                <a:latin typeface="Calibri" panose="020F0502020204030204" pitchFamily="34" charset="0"/>
+                <a:ea typeface="Calibri" panose="020F0502020204030204" pitchFamily="34" charset="0"/>
+                <a:cs typeface="Arial" panose="020B0604020202020204" pitchFamily="34" charset="0"/>
+              </a:rPr>
+              <a:t>&gt;</a:t>
+            </a:r>
+            <a:br>
+              <a:rPr lang="en-US" sz="1400" dirty="0">
+                <a:solidFill>
+                  <a:srgbClr val="000000"/>
+                </a:solidFill>
+                <a:latin typeface="Calibri" panose="020F0502020204030204" pitchFamily="34" charset="0"/>
+                <a:ea typeface="Calibri" panose="020F0502020204030204" pitchFamily="34" charset="0"/>
+                <a:cs typeface="Arial" panose="020B0604020202020204" pitchFamily="34" charset="0"/>
+              </a:rPr>
+            </a:br>
+            <a:r>
+              <a:rPr lang="en-US" sz="1400" dirty="0">
+                <a:solidFill>
+                  <a:srgbClr val="000000"/>
+                </a:solidFill>
+                <a:latin typeface="Calibri" panose="020F0502020204030204" pitchFamily="34" charset="0"/>
+                <a:ea typeface="Calibri" panose="020F0502020204030204" pitchFamily="34" charset="0"/>
+                <a:cs typeface="Arial" panose="020B0604020202020204" pitchFamily="34" charset="0"/>
+              </a:rPr>
+              <a:t>&lt;/</a:t>
+            </a:r>
+            <a:r>
+              <a:rPr lang="en-US" sz="1400" b="1" dirty="0">
+                <a:solidFill>
+                  <a:srgbClr val="000080"/>
+                </a:solidFill>
+                <a:latin typeface="Calibri" panose="020F0502020204030204" pitchFamily="34" charset="0"/>
+                <a:ea typeface="Calibri" panose="020F0502020204030204" pitchFamily="34" charset="0"/>
+                <a:cs typeface="Arial" panose="020B0604020202020204" pitchFamily="34" charset="0"/>
+              </a:rPr>
+              <a:t>div</a:t>
+            </a:r>
+            <a:r>
+              <a:rPr lang="en-US" sz="1400" dirty="0">
+                <a:solidFill>
+                  <a:srgbClr val="000000"/>
+                </a:solidFill>
+                <a:latin typeface="Calibri" panose="020F0502020204030204" pitchFamily="34" charset="0"/>
+                <a:ea typeface="Calibri" panose="020F0502020204030204" pitchFamily="34" charset="0"/>
+                <a:cs typeface="Arial" panose="020B0604020202020204" pitchFamily="34" charset="0"/>
+              </a:rPr>
+              <a:t>&gt;</a:t>
+            </a:r>
+            <a:endParaRPr lang="he-IL" sz="1400" dirty="0"/>
+          </a:p>
+        </p:txBody>
+      </p:sp>
+      <p:sp>
+        <p:nvSpPr>
+          <p:cNvPr id="9" name="Line Callout 2 6"/>
+          <p:cNvSpPr/>
+          <p:nvPr/>
+        </p:nvSpPr>
+        <p:spPr>
+          <a:xfrm>
+            <a:off x="533400" y="4725144"/>
+            <a:ext cx="1950368" cy="1008112"/>
+          </a:xfrm>
+          <a:prstGeom prst="borderCallout2">
+            <a:avLst>
+              <a:gd name="adj1" fmla="val 39417"/>
+              <a:gd name="adj2" fmla="val 104721"/>
+              <a:gd name="adj3" fmla="val 52046"/>
+              <a:gd name="adj4" fmla="val 104399"/>
+              <a:gd name="adj5" fmla="val 14006"/>
+              <a:gd name="adj6" fmla="val 140385"/>
+            </a:avLst>
+          </a:prstGeom>
+        </p:spPr>
+        <p:style>
+          <a:lnRef idx="2">
+            <a:schemeClr val="accent1">
+              <a:shade val="50000"/>
+            </a:schemeClr>
+          </a:lnRef>
+          <a:fillRef idx="1">
+            <a:schemeClr val="accent1"/>
+          </a:fillRef>
+          <a:effectRef idx="0">
+            <a:schemeClr val="accent1"/>
+          </a:effectRef>
+          <a:fontRef idx="minor">
+            <a:schemeClr val="lt1"/>
+          </a:fontRef>
+        </p:style>
+        <p:txBody>
+          <a:bodyPr rtlCol="0" anchor="ctr"/>
+          <a:lstStyle/>
+          <a:p>
+            <a:pPr algn="ctr"/>
+            <a:r>
+              <a:rPr lang="en-US" sz="1400" dirty="0"/>
+              <a:t>A directive which takes control over the link and does not let it reload</a:t>
+            </a:r>
+          </a:p>
+        </p:txBody>
+      </p:sp>
+      <p:sp>
+        <p:nvSpPr>
+          <p:cNvPr id="10" name="Line Callout 2 6"/>
+          <p:cNvSpPr/>
+          <p:nvPr/>
+        </p:nvSpPr>
+        <p:spPr>
+          <a:xfrm>
+            <a:off x="6991120" y="2564904"/>
+            <a:ext cx="1253288" cy="936104"/>
+          </a:xfrm>
+          <a:prstGeom prst="borderCallout2">
+            <a:avLst>
+              <a:gd name="adj1" fmla="val 18750"/>
+              <a:gd name="adj2" fmla="val -8333"/>
+              <a:gd name="adj3" fmla="val 18750"/>
+              <a:gd name="adj4" fmla="val -16667"/>
+              <a:gd name="adj5" fmla="val 38570"/>
+              <a:gd name="adj6" fmla="val -156597"/>
+            </a:avLst>
+          </a:prstGeom>
+        </p:spPr>
+        <p:style>
+          <a:lnRef idx="2">
+            <a:schemeClr val="accent1">
+              <a:shade val="50000"/>
+            </a:schemeClr>
+          </a:lnRef>
+          <a:fillRef idx="1">
+            <a:schemeClr val="accent1"/>
+          </a:fillRef>
+          <a:effectRef idx="0">
+            <a:schemeClr val="accent1"/>
+          </a:effectRef>
+          <a:fontRef idx="minor">
+            <a:schemeClr val="lt1"/>
+          </a:fontRef>
+        </p:style>
+        <p:txBody>
+          <a:bodyPr rtlCol="0" anchor="ctr"/>
+          <a:lstStyle/>
+          <a:p>
+            <a:pPr algn="ctr"/>
+            <a:r>
+              <a:rPr lang="en-US" sz="1400" dirty="0"/>
+              <a:t>Causes full page reload</a:t>
+            </a:r>
           </a:p>
         </p:txBody>
       </p:sp>
     </p:spTree>
     <p:extLst>
       <p:ext uri="{BB962C8B-B14F-4D97-AF65-F5344CB8AC3E}">
-        <p14:creationId xmlns:p14="http://schemas.microsoft.com/office/powerpoint/2010/main" val="1154696767"/>
+        <p14:creationId xmlns:p14="http://schemas.microsoft.com/office/powerpoint/2010/main" val="4165925904"/>
+      </p:ext>
+    </p:extLst>
+  </p:cSld>
+  <p:clrMapOvr>
+    <a:masterClrMapping/>
+  </p:clrMapOvr>
+</p:sld>
+</file>
+
+<file path=ppt/slides/slide11.xml><?xml version="1.0" encoding="utf-8"?>
+<p:sld xmlns:a="http://schemas.openxmlformats.org/drawingml/2006/main" xmlns:r="http://schemas.openxmlformats.org/officeDocument/2006/relationships" xmlns:p="http://schemas.openxmlformats.org/presentationml/2006/main">
+  <p:cSld>
+    <p:spTree>
+      <p:nvGrpSpPr>
+        <p:cNvPr id="1" name=""/>
+        <p:cNvGrpSpPr/>
+        <p:nvPr/>
+      </p:nvGrpSpPr>
+      <p:grpSpPr>
+        <a:xfrm>
+          <a:off x="0" y="0"/>
+          <a:ext cx="0" cy="0"/>
+          <a:chOff x="0" y="0"/>
+          <a:chExt cx="0" cy="0"/>
+        </a:xfrm>
+      </p:grpSpPr>
+      <p:sp>
+        <p:nvSpPr>
+          <p:cNvPr id="2" name="Title 1"/>
+          <p:cNvSpPr>
+            <a:spLocks noGrp="1"/>
+          </p:cNvSpPr>
+          <p:nvPr>
+            <p:ph type="title"/>
+          </p:nvPr>
+        </p:nvSpPr>
+        <p:spPr/>
+        <p:txBody>
+          <a:bodyPr/>
+          <a:lstStyle/>
+          <a:p>
+            <a:r>
+              <a:rPr lang="en-US" dirty="0" err="1"/>
+              <a:t>RouterLinkActive</a:t>
+            </a:r>
+            <a:r>
+              <a:rPr lang="en-US" dirty="0"/>
+              <a:t> directive</a:t>
+            </a:r>
+            <a:endParaRPr lang="he-IL" dirty="0"/>
+          </a:p>
+        </p:txBody>
+      </p:sp>
+      <p:sp>
+        <p:nvSpPr>
+          <p:cNvPr id="3" name="Footer Placeholder 2"/>
+          <p:cNvSpPr>
+            <a:spLocks noGrp="1"/>
+          </p:cNvSpPr>
+          <p:nvPr>
+            <p:ph type="ftr" sz="quarter" idx="11"/>
+          </p:nvPr>
+        </p:nvSpPr>
+        <p:spPr/>
+        <p:txBody>
+          <a:bodyPr/>
+          <a:lstStyle/>
+          <a:p>
+            <a:r>
+              <a:rPr lang="en-US"/>
+              <a:t>© 2016 Ori Calvo</a:t>
+            </a:r>
+            <a:endParaRPr lang="en-US" dirty="0"/>
+          </a:p>
+        </p:txBody>
+      </p:sp>
+      <p:sp>
+        <p:nvSpPr>
+          <p:cNvPr id="4" name="Slide Number Placeholder 3"/>
+          <p:cNvSpPr>
+            <a:spLocks noGrp="1"/>
+          </p:cNvSpPr>
+          <p:nvPr>
+            <p:ph type="sldNum" sz="quarter" idx="12"/>
+          </p:nvPr>
+        </p:nvSpPr>
+        <p:spPr/>
+        <p:txBody>
+          <a:bodyPr>
+            <a:normAutofit fontScale="85000" lnSpcReduction="20000"/>
+          </a:bodyPr>
+          <a:lstStyle/>
+          <a:p>
+            <a:fld id="{6EDEC3BC-0694-4586-AE63-02B4D54ABF43}" type="slidenum">
+              <a:rPr lang="en-US" smtClean="0"/>
+              <a:pPr/>
+              <a:t>11</a:t>
+            </a:fld>
+            <a:endParaRPr lang="en-US"/>
+          </a:p>
+        </p:txBody>
+      </p:sp>
+      <p:sp>
+        <p:nvSpPr>
+          <p:cNvPr id="5" name="Content Placeholder 4"/>
+          <p:cNvSpPr>
+            <a:spLocks noGrp="1"/>
+          </p:cNvSpPr>
+          <p:nvPr>
+            <p:ph sz="quarter" idx="1"/>
+          </p:nvPr>
+        </p:nvSpPr>
+        <p:spPr/>
+        <p:txBody>
+          <a:bodyPr/>
+          <a:lstStyle/>
+          <a:p>
+            <a:r>
+              <a:rPr lang="en-US" dirty="0"/>
+              <a:t>Assume a site menu</a:t>
+            </a:r>
+          </a:p>
+          <a:p>
+            <a:r>
+              <a:rPr lang="en-US" dirty="0"/>
+              <a:t>It contains multiple links. Each link navigates to different view</a:t>
+            </a:r>
+          </a:p>
+          <a:p>
+            <a:r>
+              <a:rPr lang="en-US" dirty="0"/>
+              <a:t>Usually, you want to indicate which link is the active one</a:t>
+            </a:r>
+            <a:endParaRPr lang="he-IL" dirty="0"/>
+          </a:p>
+        </p:txBody>
+      </p:sp>
+      <p:sp>
+        <p:nvSpPr>
+          <p:cNvPr id="7" name="Rectangle 6"/>
+          <p:cNvSpPr/>
+          <p:nvPr/>
+        </p:nvSpPr>
+        <p:spPr>
+          <a:xfrm>
+            <a:off x="1701016" y="4365104"/>
+            <a:ext cx="5976664" cy="1200329"/>
+          </a:xfrm>
+          <a:prstGeom prst="rect">
+            <a:avLst/>
+          </a:prstGeom>
+        </p:spPr>
+        <p:txBody>
+          <a:bodyPr wrap="square">
+            <a:spAutoFit/>
+          </a:bodyPr>
+          <a:lstStyle/>
+          <a:p>
+            <a:r>
+              <a:rPr lang="en-US" dirty="0">
+                <a:solidFill>
+                  <a:srgbClr val="000000"/>
+                </a:solidFill>
+                <a:latin typeface="Calibri" panose="020F0502020204030204" pitchFamily="34" charset="0"/>
+                <a:ea typeface="Calibri" panose="020F0502020204030204" pitchFamily="34" charset="0"/>
+                <a:cs typeface="Arial" panose="020B0604020202020204" pitchFamily="34" charset="0"/>
+              </a:rPr>
+              <a:t>&lt;</a:t>
+            </a:r>
+            <a:r>
+              <a:rPr lang="en-US" b="1" dirty="0">
+                <a:solidFill>
+                  <a:srgbClr val="000080"/>
+                </a:solidFill>
+                <a:latin typeface="Calibri" panose="020F0502020204030204" pitchFamily="34" charset="0"/>
+                <a:ea typeface="Calibri" panose="020F0502020204030204" pitchFamily="34" charset="0"/>
+                <a:cs typeface="Arial" panose="020B0604020202020204" pitchFamily="34" charset="0"/>
+              </a:rPr>
+              <a:t>div </a:t>
+            </a:r>
+            <a:r>
+              <a:rPr lang="en-US" b="1" dirty="0">
+                <a:solidFill>
+                  <a:srgbClr val="0000FF"/>
+                </a:solidFill>
+                <a:latin typeface="Calibri" panose="020F0502020204030204" pitchFamily="34" charset="0"/>
+                <a:ea typeface="Calibri" panose="020F0502020204030204" pitchFamily="34" charset="0"/>
+                <a:cs typeface="Arial" panose="020B0604020202020204" pitchFamily="34" charset="0"/>
+              </a:rPr>
+              <a:t>class=</a:t>
+            </a:r>
+            <a:r>
+              <a:rPr lang="en-US" b="1" dirty="0">
+                <a:solidFill>
+                  <a:srgbClr val="008000"/>
+                </a:solidFill>
+                <a:latin typeface="Calibri" panose="020F0502020204030204" pitchFamily="34" charset="0"/>
+                <a:ea typeface="Calibri" panose="020F0502020204030204" pitchFamily="34" charset="0"/>
+                <a:cs typeface="Arial" panose="020B0604020202020204" pitchFamily="34" charset="0"/>
+              </a:rPr>
+              <a:t>"site-menu"</a:t>
+            </a:r>
+            <a:r>
+              <a:rPr lang="en-US" dirty="0">
+                <a:solidFill>
+                  <a:srgbClr val="000000"/>
+                </a:solidFill>
+                <a:latin typeface="Calibri" panose="020F0502020204030204" pitchFamily="34" charset="0"/>
+                <a:ea typeface="Calibri" panose="020F0502020204030204" pitchFamily="34" charset="0"/>
+                <a:cs typeface="Arial" panose="020B0604020202020204" pitchFamily="34" charset="0"/>
+              </a:rPr>
+              <a:t>&gt;</a:t>
+            </a:r>
+            <a:br>
+              <a:rPr lang="en-US" dirty="0">
+                <a:solidFill>
+                  <a:srgbClr val="000000"/>
+                </a:solidFill>
+                <a:latin typeface="Calibri" panose="020F0502020204030204" pitchFamily="34" charset="0"/>
+                <a:ea typeface="Calibri" panose="020F0502020204030204" pitchFamily="34" charset="0"/>
+                <a:cs typeface="Arial" panose="020B0604020202020204" pitchFamily="34" charset="0"/>
+              </a:rPr>
+            </a:br>
+            <a:r>
+              <a:rPr lang="en-US" dirty="0">
+                <a:solidFill>
+                  <a:srgbClr val="000000"/>
+                </a:solidFill>
+                <a:latin typeface="Calibri" panose="020F0502020204030204" pitchFamily="34" charset="0"/>
+                <a:ea typeface="Calibri" panose="020F0502020204030204" pitchFamily="34" charset="0"/>
+                <a:cs typeface="Arial" panose="020B0604020202020204" pitchFamily="34" charset="0"/>
+              </a:rPr>
+              <a:t>    &lt;</a:t>
+            </a:r>
+            <a:r>
+              <a:rPr lang="en-US" b="1" dirty="0">
+                <a:solidFill>
+                  <a:srgbClr val="000080"/>
+                </a:solidFill>
+                <a:latin typeface="Calibri" panose="020F0502020204030204" pitchFamily="34" charset="0"/>
+                <a:ea typeface="Calibri" panose="020F0502020204030204" pitchFamily="34" charset="0"/>
+                <a:cs typeface="Arial" panose="020B0604020202020204" pitchFamily="34" charset="0"/>
+              </a:rPr>
+              <a:t>a </a:t>
+            </a:r>
+            <a:r>
+              <a:rPr lang="en-US" b="1" dirty="0" err="1">
+                <a:solidFill>
+                  <a:srgbClr val="0000FF"/>
+                </a:solidFill>
+                <a:latin typeface="Calibri" panose="020F0502020204030204" pitchFamily="34" charset="0"/>
+                <a:ea typeface="Calibri" panose="020F0502020204030204" pitchFamily="34" charset="0"/>
+                <a:cs typeface="Arial" panose="020B0604020202020204" pitchFamily="34" charset="0"/>
+              </a:rPr>
+              <a:t>routerLink</a:t>
+            </a:r>
+            <a:r>
+              <a:rPr lang="en-US" b="1" dirty="0">
+                <a:solidFill>
+                  <a:srgbClr val="0000FF"/>
+                </a:solidFill>
+                <a:latin typeface="Calibri" panose="020F0502020204030204" pitchFamily="34" charset="0"/>
+                <a:ea typeface="Calibri" panose="020F0502020204030204" pitchFamily="34" charset="0"/>
+                <a:cs typeface="Arial" panose="020B0604020202020204" pitchFamily="34" charset="0"/>
+              </a:rPr>
+              <a:t>=</a:t>
+            </a:r>
+            <a:r>
+              <a:rPr lang="en-US" b="1" dirty="0">
+                <a:solidFill>
+                  <a:srgbClr val="008000"/>
+                </a:solidFill>
+                <a:latin typeface="Calibri" panose="020F0502020204030204" pitchFamily="34" charset="0"/>
+                <a:ea typeface="Calibri" panose="020F0502020204030204" pitchFamily="34" charset="0"/>
+                <a:cs typeface="Arial" panose="020B0604020202020204" pitchFamily="34" charset="0"/>
+              </a:rPr>
+              <a:t>"" </a:t>
+            </a:r>
+            <a:r>
+              <a:rPr lang="en-US" b="1" dirty="0" err="1">
+                <a:solidFill>
+                  <a:srgbClr val="0000FF"/>
+                </a:solidFill>
+                <a:latin typeface="Calibri" panose="020F0502020204030204" pitchFamily="34" charset="0"/>
+                <a:ea typeface="Calibri" panose="020F0502020204030204" pitchFamily="34" charset="0"/>
+                <a:cs typeface="Arial" panose="020B0604020202020204" pitchFamily="34" charset="0"/>
+              </a:rPr>
+              <a:t>routerLinkActive</a:t>
+            </a:r>
+            <a:r>
+              <a:rPr lang="en-US" b="1" dirty="0">
+                <a:solidFill>
+                  <a:srgbClr val="0000FF"/>
+                </a:solidFill>
+                <a:latin typeface="Calibri" panose="020F0502020204030204" pitchFamily="34" charset="0"/>
+                <a:ea typeface="Calibri" panose="020F0502020204030204" pitchFamily="34" charset="0"/>
+                <a:cs typeface="Arial" panose="020B0604020202020204" pitchFamily="34" charset="0"/>
+              </a:rPr>
+              <a:t>=</a:t>
+            </a:r>
+            <a:r>
+              <a:rPr lang="en-US" b="1" dirty="0">
+                <a:solidFill>
+                  <a:srgbClr val="008000"/>
+                </a:solidFill>
+                <a:latin typeface="Calibri" panose="020F0502020204030204" pitchFamily="34" charset="0"/>
+                <a:ea typeface="Calibri" panose="020F0502020204030204" pitchFamily="34" charset="0"/>
+                <a:cs typeface="Arial" panose="020B0604020202020204" pitchFamily="34" charset="0"/>
+              </a:rPr>
+              <a:t>"x"</a:t>
+            </a:r>
+            <a:r>
+              <a:rPr lang="en-US" dirty="0">
+                <a:solidFill>
+                  <a:srgbClr val="000000"/>
+                </a:solidFill>
+                <a:latin typeface="Calibri" panose="020F0502020204030204" pitchFamily="34" charset="0"/>
+                <a:ea typeface="Calibri" panose="020F0502020204030204" pitchFamily="34" charset="0"/>
+                <a:cs typeface="Arial" panose="020B0604020202020204" pitchFamily="34" charset="0"/>
+              </a:rPr>
+              <a:t>&gt;Home&lt;/</a:t>
+            </a:r>
+            <a:r>
+              <a:rPr lang="en-US" b="1" dirty="0">
+                <a:solidFill>
+                  <a:srgbClr val="000080"/>
+                </a:solidFill>
+                <a:latin typeface="Calibri" panose="020F0502020204030204" pitchFamily="34" charset="0"/>
+                <a:ea typeface="Calibri" panose="020F0502020204030204" pitchFamily="34" charset="0"/>
+                <a:cs typeface="Arial" panose="020B0604020202020204" pitchFamily="34" charset="0"/>
+              </a:rPr>
+              <a:t>a</a:t>
+            </a:r>
+            <a:r>
+              <a:rPr lang="en-US" dirty="0">
+                <a:solidFill>
+                  <a:srgbClr val="000000"/>
+                </a:solidFill>
+                <a:latin typeface="Calibri" panose="020F0502020204030204" pitchFamily="34" charset="0"/>
+                <a:ea typeface="Calibri" panose="020F0502020204030204" pitchFamily="34" charset="0"/>
+                <a:cs typeface="Arial" panose="020B0604020202020204" pitchFamily="34" charset="0"/>
+              </a:rPr>
+              <a:t>&gt;</a:t>
+            </a:r>
+            <a:br>
+              <a:rPr lang="en-US" dirty="0">
+                <a:solidFill>
+                  <a:srgbClr val="000000"/>
+                </a:solidFill>
+                <a:latin typeface="Calibri" panose="020F0502020204030204" pitchFamily="34" charset="0"/>
+                <a:ea typeface="Calibri" panose="020F0502020204030204" pitchFamily="34" charset="0"/>
+                <a:cs typeface="Arial" panose="020B0604020202020204" pitchFamily="34" charset="0"/>
+              </a:rPr>
+            </a:br>
+            <a:r>
+              <a:rPr lang="en-US" dirty="0">
+                <a:solidFill>
+                  <a:srgbClr val="000000"/>
+                </a:solidFill>
+                <a:latin typeface="Calibri" panose="020F0502020204030204" pitchFamily="34" charset="0"/>
+                <a:ea typeface="Calibri" panose="020F0502020204030204" pitchFamily="34" charset="0"/>
+                <a:cs typeface="Arial" panose="020B0604020202020204" pitchFamily="34" charset="0"/>
+              </a:rPr>
+              <a:t>    &lt;</a:t>
+            </a:r>
+            <a:r>
+              <a:rPr lang="en-US" b="1" dirty="0">
+                <a:solidFill>
+                  <a:srgbClr val="000080"/>
+                </a:solidFill>
+                <a:latin typeface="Calibri" panose="020F0502020204030204" pitchFamily="34" charset="0"/>
+                <a:ea typeface="Calibri" panose="020F0502020204030204" pitchFamily="34" charset="0"/>
+                <a:cs typeface="Arial" panose="020B0604020202020204" pitchFamily="34" charset="0"/>
+              </a:rPr>
+              <a:t>a </a:t>
+            </a:r>
+            <a:r>
+              <a:rPr lang="en-US" b="1" dirty="0" err="1">
+                <a:solidFill>
+                  <a:srgbClr val="0000FF"/>
+                </a:solidFill>
+                <a:latin typeface="Calibri" panose="020F0502020204030204" pitchFamily="34" charset="0"/>
+                <a:ea typeface="Calibri" panose="020F0502020204030204" pitchFamily="34" charset="0"/>
+                <a:cs typeface="Arial" panose="020B0604020202020204" pitchFamily="34" charset="0"/>
+              </a:rPr>
+              <a:t>routerLink</a:t>
+            </a:r>
+            <a:r>
+              <a:rPr lang="en-US" b="1" dirty="0">
+                <a:solidFill>
+                  <a:srgbClr val="0000FF"/>
+                </a:solidFill>
+                <a:latin typeface="Calibri" panose="020F0502020204030204" pitchFamily="34" charset="0"/>
+                <a:ea typeface="Calibri" panose="020F0502020204030204" pitchFamily="34" charset="0"/>
+                <a:cs typeface="Arial" panose="020B0604020202020204" pitchFamily="34" charset="0"/>
+              </a:rPr>
+              <a:t>=</a:t>
+            </a:r>
+            <a:r>
+              <a:rPr lang="en-US" b="1" dirty="0">
+                <a:solidFill>
+                  <a:srgbClr val="008000"/>
+                </a:solidFill>
+                <a:latin typeface="Calibri" panose="020F0502020204030204" pitchFamily="34" charset="0"/>
+                <a:ea typeface="Calibri" panose="020F0502020204030204" pitchFamily="34" charset="0"/>
+                <a:cs typeface="Arial" panose="020B0604020202020204" pitchFamily="34" charset="0"/>
+              </a:rPr>
+              <a:t>"about" </a:t>
+            </a:r>
+            <a:r>
+              <a:rPr lang="en-US" b="1" dirty="0" err="1">
+                <a:solidFill>
+                  <a:srgbClr val="0000FF"/>
+                </a:solidFill>
+                <a:latin typeface="Calibri" panose="020F0502020204030204" pitchFamily="34" charset="0"/>
+                <a:ea typeface="Calibri" panose="020F0502020204030204" pitchFamily="34" charset="0"/>
+                <a:cs typeface="Arial" panose="020B0604020202020204" pitchFamily="34" charset="0"/>
+              </a:rPr>
+              <a:t>routerLinkActive</a:t>
+            </a:r>
+            <a:r>
+              <a:rPr lang="en-US" b="1" dirty="0">
+                <a:solidFill>
+                  <a:srgbClr val="0000FF"/>
+                </a:solidFill>
+                <a:latin typeface="Calibri" panose="020F0502020204030204" pitchFamily="34" charset="0"/>
+                <a:ea typeface="Calibri" panose="020F0502020204030204" pitchFamily="34" charset="0"/>
+                <a:cs typeface="Arial" panose="020B0604020202020204" pitchFamily="34" charset="0"/>
+              </a:rPr>
+              <a:t>=</a:t>
+            </a:r>
+            <a:r>
+              <a:rPr lang="en-US" b="1" dirty="0">
+                <a:solidFill>
+                  <a:srgbClr val="008000"/>
+                </a:solidFill>
+                <a:latin typeface="Calibri" panose="020F0502020204030204" pitchFamily="34" charset="0"/>
+                <a:ea typeface="Calibri" panose="020F0502020204030204" pitchFamily="34" charset="0"/>
+                <a:cs typeface="Arial" panose="020B0604020202020204" pitchFamily="34" charset="0"/>
+              </a:rPr>
+              <a:t>"y"</a:t>
+            </a:r>
+            <a:r>
+              <a:rPr lang="en-US" dirty="0">
+                <a:solidFill>
+                  <a:srgbClr val="000000"/>
+                </a:solidFill>
+                <a:latin typeface="Calibri" panose="020F0502020204030204" pitchFamily="34" charset="0"/>
+                <a:ea typeface="Calibri" panose="020F0502020204030204" pitchFamily="34" charset="0"/>
+                <a:cs typeface="Arial" panose="020B0604020202020204" pitchFamily="34" charset="0"/>
+              </a:rPr>
+              <a:t>&gt;About&lt;/</a:t>
+            </a:r>
+            <a:r>
+              <a:rPr lang="en-US" b="1" dirty="0">
+                <a:solidFill>
+                  <a:srgbClr val="000080"/>
+                </a:solidFill>
+                <a:latin typeface="Calibri" panose="020F0502020204030204" pitchFamily="34" charset="0"/>
+                <a:ea typeface="Calibri" panose="020F0502020204030204" pitchFamily="34" charset="0"/>
+                <a:cs typeface="Arial" panose="020B0604020202020204" pitchFamily="34" charset="0"/>
+              </a:rPr>
+              <a:t>a</a:t>
+            </a:r>
+            <a:r>
+              <a:rPr lang="en-US" dirty="0">
+                <a:solidFill>
+                  <a:srgbClr val="000000"/>
+                </a:solidFill>
+                <a:latin typeface="Calibri" panose="020F0502020204030204" pitchFamily="34" charset="0"/>
+                <a:ea typeface="Calibri" panose="020F0502020204030204" pitchFamily="34" charset="0"/>
+                <a:cs typeface="Arial" panose="020B0604020202020204" pitchFamily="34" charset="0"/>
+              </a:rPr>
+              <a:t>&gt;</a:t>
+            </a:r>
+            <a:br>
+              <a:rPr lang="en-US" dirty="0">
+                <a:solidFill>
+                  <a:srgbClr val="000000"/>
+                </a:solidFill>
+                <a:latin typeface="Calibri" panose="020F0502020204030204" pitchFamily="34" charset="0"/>
+                <a:ea typeface="Calibri" panose="020F0502020204030204" pitchFamily="34" charset="0"/>
+                <a:cs typeface="Arial" panose="020B0604020202020204" pitchFamily="34" charset="0"/>
+              </a:rPr>
+            </a:br>
+            <a:r>
+              <a:rPr lang="en-US" dirty="0">
+                <a:solidFill>
+                  <a:srgbClr val="000000"/>
+                </a:solidFill>
+                <a:latin typeface="Calibri" panose="020F0502020204030204" pitchFamily="34" charset="0"/>
+                <a:ea typeface="Calibri" panose="020F0502020204030204" pitchFamily="34" charset="0"/>
+                <a:cs typeface="Arial" panose="020B0604020202020204" pitchFamily="34" charset="0"/>
+              </a:rPr>
+              <a:t>&lt;/</a:t>
+            </a:r>
+            <a:r>
+              <a:rPr lang="en-US" b="1" dirty="0">
+                <a:solidFill>
+                  <a:srgbClr val="000080"/>
+                </a:solidFill>
+                <a:latin typeface="Calibri" panose="020F0502020204030204" pitchFamily="34" charset="0"/>
+                <a:ea typeface="Calibri" panose="020F0502020204030204" pitchFamily="34" charset="0"/>
+                <a:cs typeface="Arial" panose="020B0604020202020204" pitchFamily="34" charset="0"/>
+              </a:rPr>
+              <a:t>div</a:t>
+            </a:r>
+            <a:r>
+              <a:rPr lang="en-US" dirty="0">
+                <a:solidFill>
+                  <a:srgbClr val="000000"/>
+                </a:solidFill>
+                <a:latin typeface="Calibri" panose="020F0502020204030204" pitchFamily="34" charset="0"/>
+                <a:ea typeface="Calibri" panose="020F0502020204030204" pitchFamily="34" charset="0"/>
+                <a:cs typeface="Arial" panose="020B0604020202020204" pitchFamily="34" charset="0"/>
+              </a:rPr>
+              <a:t>&gt;</a:t>
+            </a:r>
+            <a:endParaRPr lang="he-IL" dirty="0"/>
+          </a:p>
+        </p:txBody>
+      </p:sp>
+      <p:sp>
+        <p:nvSpPr>
+          <p:cNvPr id="8" name="Line Callout 2 6"/>
+          <p:cNvSpPr/>
+          <p:nvPr/>
+        </p:nvSpPr>
+        <p:spPr>
+          <a:xfrm>
+            <a:off x="7051036" y="5530433"/>
+            <a:ext cx="1253288" cy="936104"/>
+          </a:xfrm>
+          <a:prstGeom prst="borderCallout2">
+            <a:avLst>
+              <a:gd name="adj1" fmla="val 18750"/>
+              <a:gd name="adj2" fmla="val -8333"/>
+              <a:gd name="adj3" fmla="val 18750"/>
+              <a:gd name="adj4" fmla="val -16667"/>
+              <a:gd name="adj5" fmla="val -63439"/>
+              <a:gd name="adj6" fmla="val -127505"/>
+            </a:avLst>
+          </a:prstGeom>
+        </p:spPr>
+        <p:style>
+          <a:lnRef idx="2">
+            <a:schemeClr val="accent1">
+              <a:shade val="50000"/>
+            </a:schemeClr>
+          </a:lnRef>
+          <a:fillRef idx="1">
+            <a:schemeClr val="accent1"/>
+          </a:fillRef>
+          <a:effectRef idx="0">
+            <a:schemeClr val="accent1"/>
+          </a:effectRef>
+          <a:fontRef idx="minor">
+            <a:schemeClr val="lt1"/>
+          </a:fontRef>
+        </p:style>
+        <p:txBody>
+          <a:bodyPr rtlCol="0" anchor="ctr"/>
+          <a:lstStyle/>
+          <a:p>
+            <a:pPr algn="ctr"/>
+            <a:r>
+              <a:rPr lang="en-US" sz="1400" dirty="0"/>
+              <a:t>Will append a CSS class named “x” to the a element</a:t>
+            </a:r>
+          </a:p>
+        </p:txBody>
+      </p:sp>
+    </p:spTree>
+    <p:extLst>
+      <p:ext uri="{BB962C8B-B14F-4D97-AF65-F5344CB8AC3E}">
+        <p14:creationId xmlns:p14="http://schemas.microsoft.com/office/powerpoint/2010/main" val="2527952247"/>
+      </p:ext>
+    </p:extLst>
+  </p:cSld>
+  <p:clrMapOvr>
+    <a:masterClrMapping/>
+  </p:clrMapOvr>
+</p:sld>
+</file>
+
+<file path=ppt/slides/slide12.xml><?xml version="1.0" encoding="utf-8"?>
+<p:sld xmlns:a="http://schemas.openxmlformats.org/drawingml/2006/main" xmlns:r="http://schemas.openxmlformats.org/officeDocument/2006/relationships" xmlns:p="http://schemas.openxmlformats.org/presentationml/2006/main">
+  <p:cSld>
+    <p:spTree>
+      <p:nvGrpSpPr>
+        <p:cNvPr id="1" name=""/>
+        <p:cNvGrpSpPr/>
+        <p:nvPr/>
+      </p:nvGrpSpPr>
+      <p:grpSpPr>
+        <a:xfrm>
+          <a:off x="0" y="0"/>
+          <a:ext cx="0" cy="0"/>
+          <a:chOff x="0" y="0"/>
+          <a:chExt cx="0" cy="0"/>
+        </a:xfrm>
+      </p:grpSpPr>
+      <p:sp>
+        <p:nvSpPr>
+          <p:cNvPr id="2" name="Title 1"/>
+          <p:cNvSpPr>
+            <a:spLocks noGrp="1"/>
+          </p:cNvSpPr>
+          <p:nvPr>
+            <p:ph type="title"/>
+          </p:nvPr>
+        </p:nvSpPr>
+        <p:spPr/>
+        <p:txBody>
+          <a:bodyPr/>
+          <a:lstStyle/>
+          <a:p>
+            <a:r>
+              <a:rPr lang="en-US" dirty="0"/>
+              <a:t>Required Parameter</a:t>
+            </a:r>
+            <a:endParaRPr lang="he-IL" dirty="0"/>
+          </a:p>
+        </p:txBody>
+      </p:sp>
+      <p:sp>
+        <p:nvSpPr>
+          <p:cNvPr id="3" name="Footer Placeholder 2"/>
+          <p:cNvSpPr>
+            <a:spLocks noGrp="1"/>
+          </p:cNvSpPr>
+          <p:nvPr>
+            <p:ph type="ftr" sz="quarter" idx="11"/>
+          </p:nvPr>
+        </p:nvSpPr>
+        <p:spPr/>
+        <p:txBody>
+          <a:bodyPr/>
+          <a:lstStyle/>
+          <a:p>
+            <a:r>
+              <a:rPr lang="en-US"/>
+              <a:t>© 2016 Ori Calvo</a:t>
+            </a:r>
+            <a:endParaRPr lang="en-US" dirty="0"/>
+          </a:p>
+        </p:txBody>
+      </p:sp>
+      <p:sp>
+        <p:nvSpPr>
+          <p:cNvPr id="4" name="Slide Number Placeholder 3"/>
+          <p:cNvSpPr>
+            <a:spLocks noGrp="1"/>
+          </p:cNvSpPr>
+          <p:nvPr>
+            <p:ph type="sldNum" sz="quarter" idx="12"/>
+          </p:nvPr>
+        </p:nvSpPr>
+        <p:spPr/>
+        <p:txBody>
+          <a:bodyPr>
+            <a:normAutofit fontScale="85000" lnSpcReduction="20000"/>
+          </a:bodyPr>
+          <a:lstStyle/>
+          <a:p>
+            <a:fld id="{6EDEC3BC-0694-4586-AE63-02B4D54ABF43}" type="slidenum">
+              <a:rPr lang="en-US" smtClean="0"/>
+              <a:pPr/>
+              <a:t>12</a:t>
+            </a:fld>
+            <a:endParaRPr lang="en-US"/>
+          </a:p>
+        </p:txBody>
+      </p:sp>
+      <p:sp>
+        <p:nvSpPr>
+          <p:cNvPr id="5" name="Content Placeholder 4"/>
+          <p:cNvSpPr>
+            <a:spLocks noGrp="1"/>
+          </p:cNvSpPr>
+          <p:nvPr>
+            <p:ph sz="quarter" idx="1"/>
+          </p:nvPr>
+        </p:nvSpPr>
+        <p:spPr/>
+        <p:txBody>
+          <a:bodyPr/>
+          <a:lstStyle/>
+          <a:p>
+            <a:r>
+              <a:rPr lang="en-US" dirty="0"/>
+              <a:t>Use :id syntax inside route definition</a:t>
+            </a:r>
+          </a:p>
+          <a:p>
+            <a:endParaRPr lang="en-US" dirty="0"/>
+          </a:p>
+          <a:p>
+            <a:endParaRPr lang="en-US" dirty="0"/>
+          </a:p>
+          <a:p>
+            <a:r>
+              <a:rPr lang="en-US" dirty="0"/>
+              <a:t>Add id value to the link</a:t>
+            </a:r>
+          </a:p>
+          <a:p>
+            <a:endParaRPr lang="en-US" dirty="0"/>
+          </a:p>
+          <a:p>
+            <a:r>
+              <a:rPr lang="en-US" dirty="0"/>
+              <a:t>Or</a:t>
+            </a:r>
+            <a:endParaRPr lang="he-IL" dirty="0"/>
+          </a:p>
+        </p:txBody>
+      </p:sp>
+      <p:sp>
+        <p:nvSpPr>
+          <p:cNvPr id="6" name="Rectangle 5"/>
+          <p:cNvSpPr/>
+          <p:nvPr/>
+        </p:nvSpPr>
+        <p:spPr>
+          <a:xfrm>
+            <a:off x="2920946" y="2204864"/>
+            <a:ext cx="3536804" cy="954107"/>
+          </a:xfrm>
+          <a:prstGeom prst="rect">
+            <a:avLst/>
+          </a:prstGeom>
+        </p:spPr>
+        <p:txBody>
+          <a:bodyPr wrap="square">
+            <a:spAutoFit/>
+          </a:bodyPr>
+          <a:lstStyle/>
+          <a:p>
+            <a:r>
+              <a:rPr lang="en-US" sz="1400" dirty="0">
+                <a:solidFill>
+                  <a:srgbClr val="000000"/>
+                </a:solidFill>
+                <a:latin typeface="Calibri" panose="020F0502020204030204" pitchFamily="34" charset="0"/>
+                <a:ea typeface="Calibri" panose="020F0502020204030204" pitchFamily="34" charset="0"/>
+                <a:cs typeface="Arial" panose="020B0604020202020204" pitchFamily="34" charset="0"/>
+              </a:rPr>
+              <a:t>{</a:t>
+            </a:r>
+            <a:br>
+              <a:rPr lang="en-US" sz="1400" dirty="0">
+                <a:solidFill>
+                  <a:srgbClr val="000000"/>
+                </a:solidFill>
+                <a:latin typeface="Calibri" panose="020F0502020204030204" pitchFamily="34" charset="0"/>
+                <a:ea typeface="Calibri" panose="020F0502020204030204" pitchFamily="34" charset="0"/>
+                <a:cs typeface="Arial" panose="020B0604020202020204" pitchFamily="34" charset="0"/>
+              </a:rPr>
+            </a:br>
+            <a:r>
+              <a:rPr lang="en-US" sz="1400" dirty="0">
+                <a:solidFill>
+                  <a:srgbClr val="000000"/>
+                </a:solidFill>
+                <a:latin typeface="Calibri" panose="020F0502020204030204" pitchFamily="34" charset="0"/>
+                <a:ea typeface="Calibri" panose="020F0502020204030204" pitchFamily="34" charset="0"/>
+                <a:cs typeface="Arial" panose="020B0604020202020204" pitchFamily="34" charset="0"/>
+              </a:rPr>
+              <a:t>    </a:t>
+            </a:r>
+            <a:r>
+              <a:rPr lang="en-US" sz="1400" b="1" dirty="0">
+                <a:solidFill>
+                  <a:srgbClr val="660E7A"/>
+                </a:solidFill>
+                <a:latin typeface="Calibri" panose="020F0502020204030204" pitchFamily="34" charset="0"/>
+                <a:ea typeface="Calibri" panose="020F0502020204030204" pitchFamily="34" charset="0"/>
+                <a:cs typeface="Arial" panose="020B0604020202020204" pitchFamily="34" charset="0"/>
+              </a:rPr>
+              <a:t>path</a:t>
+            </a:r>
+            <a:r>
+              <a:rPr lang="en-US" sz="1400" dirty="0">
+                <a:solidFill>
+                  <a:srgbClr val="000000"/>
+                </a:solidFill>
+                <a:latin typeface="Calibri" panose="020F0502020204030204" pitchFamily="34" charset="0"/>
+                <a:ea typeface="Calibri" panose="020F0502020204030204" pitchFamily="34" charset="0"/>
+                <a:cs typeface="Arial" panose="020B0604020202020204" pitchFamily="34" charset="0"/>
+              </a:rPr>
+              <a:t>: </a:t>
+            </a:r>
+            <a:r>
+              <a:rPr lang="en-US" sz="1400" b="1" dirty="0">
+                <a:solidFill>
+                  <a:srgbClr val="008000"/>
+                </a:solidFill>
+                <a:latin typeface="Calibri" panose="020F0502020204030204" pitchFamily="34" charset="0"/>
+                <a:ea typeface="Calibri" panose="020F0502020204030204" pitchFamily="34" charset="0"/>
+                <a:cs typeface="Arial" panose="020B0604020202020204" pitchFamily="34" charset="0"/>
+              </a:rPr>
+              <a:t>'contact/:id'</a:t>
+            </a:r>
+            <a:r>
+              <a:rPr lang="en-US" sz="1400" dirty="0">
+                <a:solidFill>
+                  <a:srgbClr val="000000"/>
+                </a:solidFill>
+                <a:latin typeface="Calibri" panose="020F0502020204030204" pitchFamily="34" charset="0"/>
+                <a:ea typeface="Calibri" panose="020F0502020204030204" pitchFamily="34" charset="0"/>
+                <a:cs typeface="Arial" panose="020B0604020202020204" pitchFamily="34" charset="0"/>
+              </a:rPr>
+              <a:t>,</a:t>
+            </a:r>
+            <a:br>
+              <a:rPr lang="en-US" sz="1400" dirty="0">
+                <a:solidFill>
+                  <a:srgbClr val="000000"/>
+                </a:solidFill>
+                <a:latin typeface="Calibri" panose="020F0502020204030204" pitchFamily="34" charset="0"/>
+                <a:ea typeface="Calibri" panose="020F0502020204030204" pitchFamily="34" charset="0"/>
+                <a:cs typeface="Arial" panose="020B0604020202020204" pitchFamily="34" charset="0"/>
+              </a:rPr>
+            </a:br>
+            <a:r>
+              <a:rPr lang="en-US" sz="1400" dirty="0">
+                <a:solidFill>
+                  <a:srgbClr val="000000"/>
+                </a:solidFill>
+                <a:latin typeface="Calibri" panose="020F0502020204030204" pitchFamily="34" charset="0"/>
+                <a:ea typeface="Calibri" panose="020F0502020204030204" pitchFamily="34" charset="0"/>
+                <a:cs typeface="Arial" panose="020B0604020202020204" pitchFamily="34" charset="0"/>
+              </a:rPr>
+              <a:t>    </a:t>
+            </a:r>
+            <a:r>
+              <a:rPr lang="en-US" sz="1400" b="1" dirty="0">
+                <a:solidFill>
+                  <a:srgbClr val="660E7A"/>
+                </a:solidFill>
+                <a:latin typeface="Calibri" panose="020F0502020204030204" pitchFamily="34" charset="0"/>
+                <a:ea typeface="Calibri" panose="020F0502020204030204" pitchFamily="34" charset="0"/>
+                <a:cs typeface="Arial" panose="020B0604020202020204" pitchFamily="34" charset="0"/>
+              </a:rPr>
+              <a:t>component</a:t>
+            </a:r>
+            <a:r>
+              <a:rPr lang="en-US" sz="1400" dirty="0">
+                <a:solidFill>
+                  <a:srgbClr val="000000"/>
+                </a:solidFill>
+                <a:latin typeface="Calibri" panose="020F0502020204030204" pitchFamily="34" charset="0"/>
+                <a:ea typeface="Calibri" panose="020F0502020204030204" pitchFamily="34" charset="0"/>
+                <a:cs typeface="Arial" panose="020B0604020202020204" pitchFamily="34" charset="0"/>
+              </a:rPr>
+              <a:t>: </a:t>
+            </a:r>
+            <a:r>
+              <a:rPr lang="en-US" sz="1400" dirty="0" err="1">
+                <a:solidFill>
+                  <a:srgbClr val="000000"/>
+                </a:solidFill>
+                <a:latin typeface="Calibri" panose="020F0502020204030204" pitchFamily="34" charset="0"/>
+                <a:ea typeface="Calibri" panose="020F0502020204030204" pitchFamily="34" charset="0"/>
+                <a:cs typeface="Arial" panose="020B0604020202020204" pitchFamily="34" charset="0"/>
+              </a:rPr>
+              <a:t>ContactComponent</a:t>
+            </a:r>
+            <a:r>
+              <a:rPr lang="en-US" sz="1400" dirty="0">
+                <a:solidFill>
+                  <a:srgbClr val="000000"/>
+                </a:solidFill>
+                <a:latin typeface="Calibri" panose="020F0502020204030204" pitchFamily="34" charset="0"/>
+                <a:ea typeface="Calibri" panose="020F0502020204030204" pitchFamily="34" charset="0"/>
+                <a:cs typeface="Arial" panose="020B0604020202020204" pitchFamily="34" charset="0"/>
+              </a:rPr>
+              <a:t>,</a:t>
+            </a:r>
+            <a:br>
+              <a:rPr lang="en-US" sz="1400" dirty="0">
+                <a:solidFill>
+                  <a:srgbClr val="000000"/>
+                </a:solidFill>
+                <a:latin typeface="Calibri" panose="020F0502020204030204" pitchFamily="34" charset="0"/>
+                <a:ea typeface="Calibri" panose="020F0502020204030204" pitchFamily="34" charset="0"/>
+                <a:cs typeface="Arial" panose="020B0604020202020204" pitchFamily="34" charset="0"/>
+              </a:rPr>
+            </a:br>
+            <a:r>
+              <a:rPr lang="en-US" sz="1400" dirty="0">
+                <a:solidFill>
+                  <a:srgbClr val="000000"/>
+                </a:solidFill>
+                <a:latin typeface="Calibri" panose="020F0502020204030204" pitchFamily="34" charset="0"/>
+                <a:ea typeface="Calibri" panose="020F0502020204030204" pitchFamily="34" charset="0"/>
+                <a:cs typeface="Arial" panose="020B0604020202020204" pitchFamily="34" charset="0"/>
+              </a:rPr>
+              <a:t>}</a:t>
+            </a:r>
+            <a:endParaRPr lang="he-IL" sz="1400" dirty="0"/>
+          </a:p>
+        </p:txBody>
+      </p:sp>
+      <p:sp>
+        <p:nvSpPr>
+          <p:cNvPr id="8" name="Rectangle 7"/>
+          <p:cNvSpPr/>
+          <p:nvPr/>
+        </p:nvSpPr>
+        <p:spPr>
+          <a:xfrm>
+            <a:off x="2960990" y="3753062"/>
+            <a:ext cx="3456716" cy="307777"/>
+          </a:xfrm>
+          <a:prstGeom prst="rect">
+            <a:avLst/>
+          </a:prstGeom>
+        </p:spPr>
+        <p:txBody>
+          <a:bodyPr wrap="none">
+            <a:spAutoFit/>
+          </a:bodyPr>
+          <a:lstStyle/>
+          <a:p>
+            <a:r>
+              <a:rPr lang="en-US" sz="1400" dirty="0">
+                <a:solidFill>
+                  <a:srgbClr val="000000"/>
+                </a:solidFill>
+                <a:latin typeface="Calibri" panose="020F0502020204030204" pitchFamily="34" charset="0"/>
+                <a:ea typeface="Calibri" panose="020F0502020204030204" pitchFamily="34" charset="0"/>
+                <a:cs typeface="Arial" panose="020B0604020202020204" pitchFamily="34" charset="0"/>
+              </a:rPr>
+              <a:t>&lt;</a:t>
+            </a:r>
+            <a:r>
+              <a:rPr lang="en-US" sz="1400" b="1" dirty="0">
+                <a:solidFill>
+                  <a:srgbClr val="000080"/>
+                </a:solidFill>
+                <a:latin typeface="Calibri" panose="020F0502020204030204" pitchFamily="34" charset="0"/>
+                <a:ea typeface="Calibri" panose="020F0502020204030204" pitchFamily="34" charset="0"/>
+                <a:cs typeface="Arial" panose="020B0604020202020204" pitchFamily="34" charset="0"/>
+              </a:rPr>
+              <a:t>a </a:t>
+            </a:r>
+            <a:r>
+              <a:rPr lang="en-US" sz="1400" b="1" dirty="0">
+                <a:solidFill>
+                  <a:srgbClr val="0000FF"/>
+                </a:solidFill>
+                <a:latin typeface="Calibri" panose="020F0502020204030204" pitchFamily="34" charset="0"/>
+                <a:ea typeface="Calibri" panose="020F0502020204030204" pitchFamily="34" charset="0"/>
+                <a:cs typeface="Arial" panose="020B0604020202020204" pitchFamily="34" charset="0"/>
+              </a:rPr>
+              <a:t>[</a:t>
+            </a:r>
+            <a:r>
+              <a:rPr lang="en-US" sz="1400" b="1" dirty="0" err="1">
+                <a:solidFill>
+                  <a:srgbClr val="0000FF"/>
+                </a:solidFill>
+                <a:latin typeface="Calibri" panose="020F0502020204030204" pitchFamily="34" charset="0"/>
+                <a:ea typeface="Calibri" panose="020F0502020204030204" pitchFamily="34" charset="0"/>
+                <a:cs typeface="Arial" panose="020B0604020202020204" pitchFamily="34" charset="0"/>
+              </a:rPr>
+              <a:t>routerLink</a:t>
+            </a:r>
+            <a:r>
+              <a:rPr lang="en-US" sz="1400" b="1" dirty="0">
+                <a:solidFill>
+                  <a:srgbClr val="0000FF"/>
+                </a:solidFill>
+                <a:latin typeface="Calibri" panose="020F0502020204030204" pitchFamily="34" charset="0"/>
+                <a:ea typeface="Calibri" panose="020F0502020204030204" pitchFamily="34" charset="0"/>
+                <a:cs typeface="Arial" panose="020B0604020202020204" pitchFamily="34" charset="0"/>
+              </a:rPr>
+              <a:t>]=</a:t>
+            </a:r>
+            <a:r>
+              <a:rPr lang="en-US" sz="1400" b="1" dirty="0">
+                <a:solidFill>
+                  <a:srgbClr val="008000"/>
+                </a:solidFill>
+                <a:latin typeface="Calibri" panose="020F0502020204030204" pitchFamily="34" charset="0"/>
+                <a:ea typeface="Calibri" panose="020F0502020204030204" pitchFamily="34" charset="0"/>
+                <a:cs typeface="Arial" panose="020B0604020202020204" pitchFamily="34" charset="0"/>
+              </a:rPr>
+              <a:t>"['contact', 1]"</a:t>
+            </a:r>
+            <a:r>
+              <a:rPr lang="en-US" sz="1400" dirty="0">
+                <a:solidFill>
+                  <a:srgbClr val="000000"/>
+                </a:solidFill>
+                <a:latin typeface="Calibri" panose="020F0502020204030204" pitchFamily="34" charset="0"/>
+                <a:ea typeface="Calibri" panose="020F0502020204030204" pitchFamily="34" charset="0"/>
+                <a:cs typeface="Arial" panose="020B0604020202020204" pitchFamily="34" charset="0"/>
+              </a:rPr>
+              <a:t>&gt;Contact&lt;/</a:t>
+            </a:r>
+            <a:r>
+              <a:rPr lang="en-US" sz="1400" b="1" dirty="0">
+                <a:solidFill>
+                  <a:srgbClr val="000080"/>
+                </a:solidFill>
+                <a:latin typeface="Calibri" panose="020F0502020204030204" pitchFamily="34" charset="0"/>
+                <a:ea typeface="Calibri" panose="020F0502020204030204" pitchFamily="34" charset="0"/>
+                <a:cs typeface="Arial" panose="020B0604020202020204" pitchFamily="34" charset="0"/>
+              </a:rPr>
+              <a:t>a</a:t>
+            </a:r>
+            <a:r>
+              <a:rPr lang="en-US" sz="1400" dirty="0">
+                <a:solidFill>
+                  <a:srgbClr val="000000"/>
+                </a:solidFill>
+                <a:latin typeface="Calibri" panose="020F0502020204030204" pitchFamily="34" charset="0"/>
+                <a:ea typeface="Calibri" panose="020F0502020204030204" pitchFamily="34" charset="0"/>
+                <a:cs typeface="Arial" panose="020B0604020202020204" pitchFamily="34" charset="0"/>
+              </a:rPr>
+              <a:t>&gt;</a:t>
+            </a:r>
+            <a:endParaRPr lang="he-IL" sz="1400" dirty="0"/>
+          </a:p>
+        </p:txBody>
+      </p:sp>
+      <p:sp>
+        <p:nvSpPr>
+          <p:cNvPr id="10" name="Rectangle 9"/>
+          <p:cNvSpPr/>
+          <p:nvPr/>
+        </p:nvSpPr>
+        <p:spPr>
+          <a:xfrm>
+            <a:off x="3122893" y="4817077"/>
+            <a:ext cx="3132909" cy="307777"/>
+          </a:xfrm>
+          <a:prstGeom prst="rect">
+            <a:avLst/>
+          </a:prstGeom>
+        </p:spPr>
+        <p:txBody>
+          <a:bodyPr wrap="none">
+            <a:spAutoFit/>
+          </a:bodyPr>
+          <a:lstStyle/>
+          <a:p>
+            <a:r>
+              <a:rPr lang="en-US" sz="1400" dirty="0">
+                <a:solidFill>
+                  <a:srgbClr val="000000"/>
+                </a:solidFill>
+                <a:latin typeface="Calibri" panose="020F0502020204030204" pitchFamily="34" charset="0"/>
+                <a:ea typeface="Calibri" panose="020F0502020204030204" pitchFamily="34" charset="0"/>
+                <a:cs typeface="Arial" panose="020B0604020202020204" pitchFamily="34" charset="0"/>
+              </a:rPr>
+              <a:t>&lt;</a:t>
+            </a:r>
+            <a:r>
+              <a:rPr lang="en-US" sz="1400" b="1" dirty="0">
+                <a:solidFill>
+                  <a:srgbClr val="000080"/>
+                </a:solidFill>
+                <a:latin typeface="Calibri" panose="020F0502020204030204" pitchFamily="34" charset="0"/>
+                <a:ea typeface="Calibri" panose="020F0502020204030204" pitchFamily="34" charset="0"/>
+                <a:cs typeface="Arial" panose="020B0604020202020204" pitchFamily="34" charset="0"/>
+              </a:rPr>
+              <a:t>a </a:t>
+            </a:r>
+            <a:r>
+              <a:rPr lang="en-US" sz="1400" b="1" dirty="0" err="1">
+                <a:solidFill>
+                  <a:srgbClr val="0000FF"/>
+                </a:solidFill>
+                <a:latin typeface="Calibri" panose="020F0502020204030204" pitchFamily="34" charset="0"/>
+                <a:ea typeface="Calibri" panose="020F0502020204030204" pitchFamily="34" charset="0"/>
+                <a:cs typeface="Arial" panose="020B0604020202020204" pitchFamily="34" charset="0"/>
+              </a:rPr>
+              <a:t>routerLink</a:t>
+            </a:r>
+            <a:r>
+              <a:rPr lang="en-US" sz="1400" b="1" dirty="0">
+                <a:solidFill>
+                  <a:srgbClr val="0000FF"/>
+                </a:solidFill>
+                <a:latin typeface="Calibri" panose="020F0502020204030204" pitchFamily="34" charset="0"/>
+                <a:ea typeface="Calibri" panose="020F0502020204030204" pitchFamily="34" charset="0"/>
+                <a:cs typeface="Arial" panose="020B0604020202020204" pitchFamily="34" charset="0"/>
+              </a:rPr>
+              <a:t>=</a:t>
+            </a:r>
+            <a:r>
+              <a:rPr lang="en-US" sz="1400" b="1" dirty="0">
+                <a:solidFill>
+                  <a:srgbClr val="008000"/>
+                </a:solidFill>
+                <a:latin typeface="Calibri" panose="020F0502020204030204" pitchFamily="34" charset="0"/>
+                <a:ea typeface="Calibri" panose="020F0502020204030204" pitchFamily="34" charset="0"/>
+                <a:cs typeface="Arial" panose="020B0604020202020204" pitchFamily="34" charset="0"/>
+              </a:rPr>
+              <a:t>"contact/1"</a:t>
+            </a:r>
+            <a:r>
+              <a:rPr lang="en-US" sz="1400" dirty="0">
+                <a:solidFill>
+                  <a:srgbClr val="000000"/>
+                </a:solidFill>
+                <a:latin typeface="Calibri" panose="020F0502020204030204" pitchFamily="34" charset="0"/>
+                <a:ea typeface="Calibri" panose="020F0502020204030204" pitchFamily="34" charset="0"/>
+                <a:cs typeface="Arial" panose="020B0604020202020204" pitchFamily="34" charset="0"/>
+              </a:rPr>
+              <a:t>&gt;Contact&lt;/</a:t>
+            </a:r>
+            <a:r>
+              <a:rPr lang="en-US" sz="1400" b="1" dirty="0">
+                <a:solidFill>
+                  <a:srgbClr val="000080"/>
+                </a:solidFill>
+                <a:latin typeface="Calibri" panose="020F0502020204030204" pitchFamily="34" charset="0"/>
+                <a:ea typeface="Calibri" panose="020F0502020204030204" pitchFamily="34" charset="0"/>
+                <a:cs typeface="Arial" panose="020B0604020202020204" pitchFamily="34" charset="0"/>
+              </a:rPr>
+              <a:t>a</a:t>
+            </a:r>
+            <a:r>
+              <a:rPr lang="en-US" sz="1400" dirty="0">
+                <a:solidFill>
+                  <a:srgbClr val="000000"/>
+                </a:solidFill>
+                <a:latin typeface="Calibri" panose="020F0502020204030204" pitchFamily="34" charset="0"/>
+                <a:ea typeface="Calibri" panose="020F0502020204030204" pitchFamily="34" charset="0"/>
+                <a:cs typeface="Arial" panose="020B0604020202020204" pitchFamily="34" charset="0"/>
+              </a:rPr>
+              <a:t>&gt;</a:t>
+            </a:r>
+            <a:endParaRPr lang="he-IL" sz="1400" dirty="0"/>
+          </a:p>
+        </p:txBody>
+      </p:sp>
+    </p:spTree>
+    <p:extLst>
+      <p:ext uri="{BB962C8B-B14F-4D97-AF65-F5344CB8AC3E}">
+        <p14:creationId xmlns:p14="http://schemas.microsoft.com/office/powerpoint/2010/main" val="3010854268"/>
+      </p:ext>
+    </p:extLst>
+  </p:cSld>
+  <p:clrMapOvr>
+    <a:masterClrMapping/>
+  </p:clrMapOvr>
+</p:sld>
+</file>
+
+<file path=ppt/slides/slide13.xml><?xml version="1.0" encoding="utf-8"?>
+<p:sld xmlns:a="http://schemas.openxmlformats.org/drawingml/2006/main" xmlns:r="http://schemas.openxmlformats.org/officeDocument/2006/relationships" xmlns:p="http://schemas.openxmlformats.org/presentationml/2006/main">
+  <p:cSld>
+    <p:spTree>
+      <p:nvGrpSpPr>
+        <p:cNvPr id="1" name=""/>
+        <p:cNvGrpSpPr/>
+        <p:nvPr/>
+      </p:nvGrpSpPr>
+      <p:grpSpPr>
+        <a:xfrm>
+          <a:off x="0" y="0"/>
+          <a:ext cx="0" cy="0"/>
+          <a:chOff x="0" y="0"/>
+          <a:chExt cx="0" cy="0"/>
+        </a:xfrm>
+      </p:grpSpPr>
+      <p:sp>
+        <p:nvSpPr>
+          <p:cNvPr id="2" name="Title 1"/>
+          <p:cNvSpPr>
+            <a:spLocks noGrp="1"/>
+          </p:cNvSpPr>
+          <p:nvPr>
+            <p:ph type="title"/>
+          </p:nvPr>
+        </p:nvSpPr>
+        <p:spPr/>
+        <p:txBody>
+          <a:bodyPr/>
+          <a:lstStyle/>
+          <a:p>
+            <a:r>
+              <a:rPr lang="en-US" dirty="0"/>
+              <a:t>Reading parameters</a:t>
+            </a:r>
+            <a:endParaRPr lang="he-IL" dirty="0"/>
+          </a:p>
+        </p:txBody>
+      </p:sp>
+      <p:sp>
+        <p:nvSpPr>
+          <p:cNvPr id="3" name="Footer Placeholder 2"/>
+          <p:cNvSpPr>
+            <a:spLocks noGrp="1"/>
+          </p:cNvSpPr>
+          <p:nvPr>
+            <p:ph type="ftr" sz="quarter" idx="11"/>
+          </p:nvPr>
+        </p:nvSpPr>
+        <p:spPr/>
+        <p:txBody>
+          <a:bodyPr/>
+          <a:lstStyle/>
+          <a:p>
+            <a:r>
+              <a:rPr lang="en-US"/>
+              <a:t>© 2016 Ori Calvo</a:t>
+            </a:r>
+            <a:endParaRPr lang="en-US" dirty="0"/>
+          </a:p>
+        </p:txBody>
+      </p:sp>
+      <p:sp>
+        <p:nvSpPr>
+          <p:cNvPr id="4" name="Slide Number Placeholder 3"/>
+          <p:cNvSpPr>
+            <a:spLocks noGrp="1"/>
+          </p:cNvSpPr>
+          <p:nvPr>
+            <p:ph type="sldNum" sz="quarter" idx="12"/>
+          </p:nvPr>
+        </p:nvSpPr>
+        <p:spPr/>
+        <p:txBody>
+          <a:bodyPr>
+            <a:normAutofit fontScale="85000" lnSpcReduction="20000"/>
+          </a:bodyPr>
+          <a:lstStyle/>
+          <a:p>
+            <a:fld id="{6EDEC3BC-0694-4586-AE63-02B4D54ABF43}" type="slidenum">
+              <a:rPr lang="en-US" smtClean="0"/>
+              <a:pPr/>
+              <a:t>13</a:t>
+            </a:fld>
+            <a:endParaRPr lang="en-US"/>
+          </a:p>
+        </p:txBody>
+      </p:sp>
+      <p:sp>
+        <p:nvSpPr>
+          <p:cNvPr id="5" name="Content Placeholder 4"/>
+          <p:cNvSpPr>
+            <a:spLocks noGrp="1"/>
+          </p:cNvSpPr>
+          <p:nvPr>
+            <p:ph sz="quarter" idx="1"/>
+          </p:nvPr>
+        </p:nvSpPr>
+        <p:spPr/>
+        <p:txBody>
+          <a:bodyPr/>
+          <a:lstStyle/>
+          <a:p>
+            <a:r>
+              <a:rPr lang="en-US" dirty="0"/>
+              <a:t>Use </a:t>
+            </a:r>
+            <a:r>
+              <a:rPr lang="en-US" dirty="0" err="1">
+                <a:solidFill>
+                  <a:srgbClr val="FF0000"/>
+                </a:solidFill>
+              </a:rPr>
+              <a:t>ActivatedRoute</a:t>
+            </a:r>
+            <a:r>
+              <a:rPr lang="en-US" dirty="0"/>
+              <a:t> provider</a:t>
+            </a:r>
+          </a:p>
+          <a:p>
+            <a:pPr lvl="1"/>
+            <a:r>
+              <a:rPr lang="en-US" dirty="0"/>
+              <a:t>Most of its properties are Observable which means you can react to URL changes</a:t>
+            </a:r>
+          </a:p>
+          <a:p>
+            <a:pPr lvl="1"/>
+            <a:r>
+              <a:rPr lang="en-US" dirty="0"/>
+              <a:t>See later discussion</a:t>
+            </a:r>
+          </a:p>
+          <a:p>
+            <a:r>
+              <a:rPr lang="en-US" dirty="0"/>
+              <a:t>Use </a:t>
+            </a:r>
+            <a:r>
+              <a:rPr lang="en-US" dirty="0" err="1">
+                <a:solidFill>
+                  <a:srgbClr val="FF0000"/>
+                </a:solidFill>
+              </a:rPr>
+              <a:t>ActivatedRoute.snapshot</a:t>
+            </a:r>
+            <a:r>
+              <a:rPr lang="en-US" dirty="0">
+                <a:solidFill>
+                  <a:srgbClr val="FF0000"/>
+                </a:solidFill>
+              </a:rPr>
+              <a:t> </a:t>
+            </a:r>
+            <a:r>
+              <a:rPr lang="en-US" dirty="0"/>
+              <a:t>for a single read</a:t>
+            </a:r>
+            <a:endParaRPr lang="he-IL" dirty="0"/>
+          </a:p>
+        </p:txBody>
+      </p:sp>
+      <p:sp>
+        <p:nvSpPr>
+          <p:cNvPr id="6" name="Rectangle 5"/>
+          <p:cNvSpPr/>
+          <p:nvPr/>
+        </p:nvSpPr>
+        <p:spPr>
+          <a:xfrm>
+            <a:off x="2403348" y="4365104"/>
+            <a:ext cx="4572000" cy="1600438"/>
+          </a:xfrm>
+          <a:prstGeom prst="rect">
+            <a:avLst/>
+          </a:prstGeom>
+        </p:spPr>
+        <p:txBody>
+          <a:bodyPr>
+            <a:spAutoFit/>
+          </a:bodyPr>
+          <a:lstStyle/>
+          <a:p>
+            <a:r>
+              <a:rPr lang="en-US" sz="1400" b="1" dirty="0">
+                <a:solidFill>
+                  <a:srgbClr val="000080"/>
+                </a:solidFill>
+                <a:latin typeface="Calibri" panose="020F0502020204030204" pitchFamily="34" charset="0"/>
+                <a:ea typeface="Calibri" panose="020F0502020204030204" pitchFamily="34" charset="0"/>
+                <a:cs typeface="Arial" panose="020B0604020202020204" pitchFamily="34" charset="0"/>
+              </a:rPr>
+              <a:t>export class </a:t>
+            </a:r>
+            <a:r>
+              <a:rPr lang="en-US" sz="1400" dirty="0" err="1">
+                <a:solidFill>
+                  <a:srgbClr val="000000"/>
+                </a:solidFill>
+                <a:latin typeface="Calibri" panose="020F0502020204030204" pitchFamily="34" charset="0"/>
+                <a:ea typeface="Calibri" panose="020F0502020204030204" pitchFamily="34" charset="0"/>
+                <a:cs typeface="Arial" panose="020B0604020202020204" pitchFamily="34" charset="0"/>
+              </a:rPr>
+              <a:t>ContactComponent</a:t>
+            </a:r>
+            <a:r>
+              <a:rPr lang="en-US" sz="1400" dirty="0">
+                <a:solidFill>
+                  <a:srgbClr val="000000"/>
+                </a:solidFill>
+                <a:latin typeface="Calibri" panose="020F0502020204030204" pitchFamily="34" charset="0"/>
+                <a:ea typeface="Calibri" panose="020F0502020204030204" pitchFamily="34" charset="0"/>
+                <a:cs typeface="Arial" panose="020B0604020202020204" pitchFamily="34" charset="0"/>
+              </a:rPr>
+              <a:t> {</a:t>
+            </a:r>
+            <a:br>
+              <a:rPr lang="en-US" sz="1400" dirty="0">
+                <a:solidFill>
+                  <a:srgbClr val="000000"/>
+                </a:solidFill>
+                <a:latin typeface="Calibri" panose="020F0502020204030204" pitchFamily="34" charset="0"/>
+                <a:ea typeface="Calibri" panose="020F0502020204030204" pitchFamily="34" charset="0"/>
+                <a:cs typeface="Arial" panose="020B0604020202020204" pitchFamily="34" charset="0"/>
+              </a:rPr>
+            </a:br>
+            <a:r>
+              <a:rPr lang="en-US" sz="1400" dirty="0">
+                <a:solidFill>
+                  <a:srgbClr val="000000"/>
+                </a:solidFill>
+                <a:latin typeface="Calibri" panose="020F0502020204030204" pitchFamily="34" charset="0"/>
+                <a:ea typeface="Calibri" panose="020F0502020204030204" pitchFamily="34" charset="0"/>
+                <a:cs typeface="Arial" panose="020B0604020202020204" pitchFamily="34" charset="0"/>
+              </a:rPr>
+              <a:t>    </a:t>
+            </a:r>
+            <a:r>
+              <a:rPr lang="en-US" sz="1400" b="1" dirty="0">
+                <a:solidFill>
+                  <a:srgbClr val="660E7A"/>
+                </a:solidFill>
+                <a:latin typeface="Calibri" panose="020F0502020204030204" pitchFamily="34" charset="0"/>
+                <a:ea typeface="Calibri" panose="020F0502020204030204" pitchFamily="34" charset="0"/>
+                <a:cs typeface="Arial" panose="020B0604020202020204" pitchFamily="34" charset="0"/>
+              </a:rPr>
+              <a:t>id</a:t>
+            </a:r>
+            <a:r>
+              <a:rPr lang="en-US" sz="1400" dirty="0">
+                <a:solidFill>
+                  <a:srgbClr val="000000"/>
+                </a:solidFill>
+                <a:latin typeface="Calibri" panose="020F0502020204030204" pitchFamily="34" charset="0"/>
+                <a:ea typeface="Calibri" panose="020F0502020204030204" pitchFamily="34" charset="0"/>
+                <a:cs typeface="Arial" panose="020B0604020202020204" pitchFamily="34" charset="0"/>
+              </a:rPr>
+              <a:t>: </a:t>
+            </a:r>
+            <a:r>
+              <a:rPr lang="en-US" sz="1400" b="1" dirty="0">
+                <a:solidFill>
+                  <a:srgbClr val="000080"/>
+                </a:solidFill>
+                <a:latin typeface="Calibri" panose="020F0502020204030204" pitchFamily="34" charset="0"/>
+                <a:ea typeface="Calibri" panose="020F0502020204030204" pitchFamily="34" charset="0"/>
+                <a:cs typeface="Arial" panose="020B0604020202020204" pitchFamily="34" charset="0"/>
+              </a:rPr>
+              <a:t>number</a:t>
+            </a:r>
+            <a:r>
+              <a:rPr lang="en-US" sz="1400" dirty="0">
+                <a:solidFill>
+                  <a:srgbClr val="000000"/>
+                </a:solidFill>
+                <a:latin typeface="Calibri" panose="020F0502020204030204" pitchFamily="34" charset="0"/>
+                <a:ea typeface="Calibri" panose="020F0502020204030204" pitchFamily="34" charset="0"/>
+                <a:cs typeface="Arial" panose="020B0604020202020204" pitchFamily="34" charset="0"/>
+              </a:rPr>
+              <a:t>;</a:t>
+            </a:r>
+            <a:br>
+              <a:rPr lang="en-US" sz="1400" dirty="0">
+                <a:solidFill>
+                  <a:srgbClr val="000000"/>
+                </a:solidFill>
+                <a:latin typeface="Calibri" panose="020F0502020204030204" pitchFamily="34" charset="0"/>
+                <a:ea typeface="Calibri" panose="020F0502020204030204" pitchFamily="34" charset="0"/>
+                <a:cs typeface="Arial" panose="020B0604020202020204" pitchFamily="34" charset="0"/>
+              </a:rPr>
+            </a:br>
+            <a:br>
+              <a:rPr lang="en-US" sz="1400" dirty="0">
+                <a:solidFill>
+                  <a:srgbClr val="000000"/>
+                </a:solidFill>
+                <a:latin typeface="Calibri" panose="020F0502020204030204" pitchFamily="34" charset="0"/>
+                <a:ea typeface="Calibri" panose="020F0502020204030204" pitchFamily="34" charset="0"/>
+                <a:cs typeface="Arial" panose="020B0604020202020204" pitchFamily="34" charset="0"/>
+              </a:rPr>
+            </a:br>
+            <a:r>
+              <a:rPr lang="en-US" sz="1400" dirty="0">
+                <a:solidFill>
+                  <a:srgbClr val="000000"/>
+                </a:solidFill>
+                <a:latin typeface="Calibri" panose="020F0502020204030204" pitchFamily="34" charset="0"/>
+                <a:ea typeface="Calibri" panose="020F0502020204030204" pitchFamily="34" charset="0"/>
+                <a:cs typeface="Arial" panose="020B0604020202020204" pitchFamily="34" charset="0"/>
+              </a:rPr>
+              <a:t>    </a:t>
+            </a:r>
+            <a:r>
+              <a:rPr lang="en-US" sz="1400" b="1" dirty="0">
+                <a:solidFill>
+                  <a:srgbClr val="000080"/>
+                </a:solidFill>
+                <a:latin typeface="Calibri" panose="020F0502020204030204" pitchFamily="34" charset="0"/>
+                <a:ea typeface="Calibri" panose="020F0502020204030204" pitchFamily="34" charset="0"/>
+                <a:cs typeface="Arial" panose="020B0604020202020204" pitchFamily="34" charset="0"/>
+              </a:rPr>
+              <a:t>constructor</a:t>
+            </a:r>
+            <a:r>
+              <a:rPr lang="en-US" sz="1400" dirty="0">
+                <a:solidFill>
+                  <a:srgbClr val="000000"/>
+                </a:solidFill>
+                <a:latin typeface="Calibri" panose="020F0502020204030204" pitchFamily="34" charset="0"/>
+                <a:ea typeface="Calibri" panose="020F0502020204030204" pitchFamily="34" charset="0"/>
+                <a:cs typeface="Arial" panose="020B0604020202020204" pitchFamily="34" charset="0"/>
+              </a:rPr>
+              <a:t>(</a:t>
+            </a:r>
+            <a:r>
+              <a:rPr lang="en-US" sz="1400" b="1" dirty="0">
+                <a:solidFill>
+                  <a:srgbClr val="000080"/>
+                </a:solidFill>
+                <a:latin typeface="Calibri" panose="020F0502020204030204" pitchFamily="34" charset="0"/>
+                <a:ea typeface="Calibri" panose="020F0502020204030204" pitchFamily="34" charset="0"/>
+                <a:cs typeface="Arial" panose="020B0604020202020204" pitchFamily="34" charset="0"/>
+              </a:rPr>
+              <a:t>private </a:t>
+            </a:r>
+            <a:r>
+              <a:rPr lang="en-US" sz="1400" dirty="0" err="1">
+                <a:solidFill>
+                  <a:srgbClr val="000000"/>
+                </a:solidFill>
+                <a:latin typeface="Calibri" panose="020F0502020204030204" pitchFamily="34" charset="0"/>
+                <a:ea typeface="Calibri" panose="020F0502020204030204" pitchFamily="34" charset="0"/>
+                <a:cs typeface="Arial" panose="020B0604020202020204" pitchFamily="34" charset="0"/>
+              </a:rPr>
+              <a:t>activatedRoute</a:t>
+            </a:r>
+            <a:r>
+              <a:rPr lang="en-US" sz="1400" dirty="0">
+                <a:solidFill>
+                  <a:srgbClr val="000000"/>
+                </a:solidFill>
+                <a:latin typeface="Calibri" panose="020F0502020204030204" pitchFamily="34" charset="0"/>
+                <a:ea typeface="Calibri" panose="020F0502020204030204" pitchFamily="34" charset="0"/>
+                <a:cs typeface="Arial" panose="020B0604020202020204" pitchFamily="34" charset="0"/>
+              </a:rPr>
+              <a:t>: </a:t>
+            </a:r>
+            <a:r>
+              <a:rPr lang="en-US" sz="1400" dirty="0" err="1">
+                <a:solidFill>
+                  <a:srgbClr val="000000"/>
+                </a:solidFill>
+                <a:latin typeface="Calibri" panose="020F0502020204030204" pitchFamily="34" charset="0"/>
+                <a:ea typeface="Calibri" panose="020F0502020204030204" pitchFamily="34" charset="0"/>
+                <a:cs typeface="Arial" panose="020B0604020202020204" pitchFamily="34" charset="0"/>
+              </a:rPr>
+              <a:t>ActivatedRoute</a:t>
+            </a:r>
+            <a:r>
+              <a:rPr lang="en-US" sz="1400" dirty="0">
+                <a:solidFill>
+                  <a:srgbClr val="000000"/>
+                </a:solidFill>
+                <a:latin typeface="Calibri" panose="020F0502020204030204" pitchFamily="34" charset="0"/>
+                <a:ea typeface="Calibri" panose="020F0502020204030204" pitchFamily="34" charset="0"/>
+                <a:cs typeface="Arial" panose="020B0604020202020204" pitchFamily="34" charset="0"/>
+              </a:rPr>
+              <a:t>) {</a:t>
+            </a:r>
+            <a:br>
+              <a:rPr lang="en-US" sz="1400" dirty="0">
+                <a:solidFill>
+                  <a:srgbClr val="000000"/>
+                </a:solidFill>
+                <a:latin typeface="Calibri" panose="020F0502020204030204" pitchFamily="34" charset="0"/>
+                <a:ea typeface="Calibri" panose="020F0502020204030204" pitchFamily="34" charset="0"/>
+                <a:cs typeface="Arial" panose="020B0604020202020204" pitchFamily="34" charset="0"/>
+              </a:rPr>
+            </a:br>
+            <a:r>
+              <a:rPr lang="en-US" sz="1400" dirty="0">
+                <a:solidFill>
+                  <a:srgbClr val="000000"/>
+                </a:solidFill>
+                <a:latin typeface="Calibri" panose="020F0502020204030204" pitchFamily="34" charset="0"/>
+                <a:ea typeface="Calibri" panose="020F0502020204030204" pitchFamily="34" charset="0"/>
+                <a:cs typeface="Arial" panose="020B0604020202020204" pitchFamily="34" charset="0"/>
+              </a:rPr>
+              <a:t>        </a:t>
+            </a:r>
+            <a:r>
+              <a:rPr lang="en-US" sz="1400" b="1" dirty="0">
+                <a:solidFill>
+                  <a:srgbClr val="000080"/>
+                </a:solidFill>
+                <a:latin typeface="Calibri" panose="020F0502020204030204" pitchFamily="34" charset="0"/>
+                <a:ea typeface="Calibri" panose="020F0502020204030204" pitchFamily="34" charset="0"/>
+                <a:cs typeface="Arial" panose="020B0604020202020204" pitchFamily="34" charset="0"/>
+              </a:rPr>
+              <a:t>this</a:t>
+            </a:r>
+            <a:r>
+              <a:rPr lang="en-US" sz="1400" dirty="0">
+                <a:solidFill>
+                  <a:srgbClr val="000000"/>
+                </a:solidFill>
+                <a:latin typeface="Calibri" panose="020F0502020204030204" pitchFamily="34" charset="0"/>
+                <a:ea typeface="Calibri" panose="020F0502020204030204" pitchFamily="34" charset="0"/>
+                <a:cs typeface="Arial" panose="020B0604020202020204" pitchFamily="34" charset="0"/>
+              </a:rPr>
+              <a:t>.</a:t>
+            </a:r>
+            <a:r>
+              <a:rPr lang="en-US" sz="1400" b="1" dirty="0">
+                <a:solidFill>
+                  <a:srgbClr val="660E7A"/>
+                </a:solidFill>
+                <a:latin typeface="Calibri" panose="020F0502020204030204" pitchFamily="34" charset="0"/>
+                <a:ea typeface="Calibri" panose="020F0502020204030204" pitchFamily="34" charset="0"/>
+                <a:cs typeface="Arial" panose="020B0604020202020204" pitchFamily="34" charset="0"/>
+              </a:rPr>
+              <a:t>id </a:t>
+            </a:r>
+            <a:r>
+              <a:rPr lang="en-US" sz="1400" dirty="0">
+                <a:solidFill>
+                  <a:srgbClr val="000000"/>
+                </a:solidFill>
+                <a:latin typeface="Calibri" panose="020F0502020204030204" pitchFamily="34" charset="0"/>
+                <a:ea typeface="Calibri" panose="020F0502020204030204" pitchFamily="34" charset="0"/>
+                <a:cs typeface="Arial" panose="020B0604020202020204" pitchFamily="34" charset="0"/>
+              </a:rPr>
+              <a:t>= </a:t>
+            </a:r>
+            <a:r>
+              <a:rPr lang="en-US" sz="1400" b="1" dirty="0">
+                <a:solidFill>
+                  <a:srgbClr val="000080"/>
+                </a:solidFill>
+                <a:latin typeface="Calibri" panose="020F0502020204030204" pitchFamily="34" charset="0"/>
+                <a:ea typeface="Calibri" panose="020F0502020204030204" pitchFamily="34" charset="0"/>
+                <a:cs typeface="Arial" panose="020B0604020202020204" pitchFamily="34" charset="0"/>
+              </a:rPr>
+              <a:t>this</a:t>
+            </a:r>
+            <a:r>
+              <a:rPr lang="en-US" sz="1400" dirty="0">
+                <a:solidFill>
+                  <a:srgbClr val="000000"/>
+                </a:solidFill>
+                <a:latin typeface="Calibri" panose="020F0502020204030204" pitchFamily="34" charset="0"/>
+                <a:ea typeface="Calibri" panose="020F0502020204030204" pitchFamily="34" charset="0"/>
+                <a:cs typeface="Arial" panose="020B0604020202020204" pitchFamily="34" charset="0"/>
+              </a:rPr>
+              <a:t>.activatedRoute.</a:t>
+            </a:r>
+            <a:r>
+              <a:rPr lang="en-US" sz="1400" b="1" dirty="0">
+                <a:solidFill>
+                  <a:srgbClr val="660E7A"/>
+                </a:solidFill>
+                <a:latin typeface="Calibri" panose="020F0502020204030204" pitchFamily="34" charset="0"/>
+                <a:ea typeface="Calibri" panose="020F0502020204030204" pitchFamily="34" charset="0"/>
+                <a:cs typeface="Arial" panose="020B0604020202020204" pitchFamily="34" charset="0"/>
+              </a:rPr>
+              <a:t>snapshot</a:t>
+            </a:r>
+            <a:r>
+              <a:rPr lang="en-US" sz="1400" dirty="0">
+                <a:solidFill>
+                  <a:srgbClr val="000000"/>
+                </a:solidFill>
+                <a:latin typeface="Calibri" panose="020F0502020204030204" pitchFamily="34" charset="0"/>
+                <a:ea typeface="Calibri" panose="020F0502020204030204" pitchFamily="34" charset="0"/>
+                <a:cs typeface="Arial" panose="020B0604020202020204" pitchFamily="34" charset="0"/>
+              </a:rPr>
+              <a:t>.</a:t>
+            </a:r>
+            <a:r>
+              <a:rPr lang="en-US" sz="1400" b="1" dirty="0">
+                <a:solidFill>
+                  <a:srgbClr val="660E7A"/>
+                </a:solidFill>
+                <a:latin typeface="Calibri" panose="020F0502020204030204" pitchFamily="34" charset="0"/>
+                <a:ea typeface="Calibri" panose="020F0502020204030204" pitchFamily="34" charset="0"/>
+                <a:cs typeface="Arial" panose="020B0604020202020204" pitchFamily="34" charset="0"/>
+              </a:rPr>
+              <a:t>params</a:t>
+            </a:r>
+            <a:r>
+              <a:rPr lang="en-US" sz="1400" dirty="0">
+                <a:solidFill>
+                  <a:srgbClr val="000000"/>
+                </a:solidFill>
+                <a:latin typeface="Calibri" panose="020F0502020204030204" pitchFamily="34" charset="0"/>
+                <a:ea typeface="Calibri" panose="020F0502020204030204" pitchFamily="34" charset="0"/>
+                <a:cs typeface="Arial" panose="020B0604020202020204" pitchFamily="34" charset="0"/>
+              </a:rPr>
+              <a:t>.id;</a:t>
+            </a:r>
+            <a:br>
+              <a:rPr lang="en-US" sz="1400" dirty="0">
+                <a:solidFill>
+                  <a:srgbClr val="000000"/>
+                </a:solidFill>
+                <a:latin typeface="Calibri" panose="020F0502020204030204" pitchFamily="34" charset="0"/>
+                <a:ea typeface="Calibri" panose="020F0502020204030204" pitchFamily="34" charset="0"/>
+                <a:cs typeface="Arial" panose="020B0604020202020204" pitchFamily="34" charset="0"/>
+              </a:rPr>
+            </a:br>
+            <a:r>
+              <a:rPr lang="en-US" sz="1400" dirty="0">
+                <a:solidFill>
+                  <a:srgbClr val="000000"/>
+                </a:solidFill>
+                <a:latin typeface="Calibri" panose="020F0502020204030204" pitchFamily="34" charset="0"/>
+                <a:ea typeface="Calibri" panose="020F0502020204030204" pitchFamily="34" charset="0"/>
+                <a:cs typeface="Arial" panose="020B0604020202020204" pitchFamily="34" charset="0"/>
+              </a:rPr>
+              <a:t>    }</a:t>
+            </a:r>
+            <a:br>
+              <a:rPr lang="en-US" sz="1400" dirty="0">
+                <a:solidFill>
+                  <a:srgbClr val="000000"/>
+                </a:solidFill>
+                <a:latin typeface="Calibri" panose="020F0502020204030204" pitchFamily="34" charset="0"/>
+                <a:ea typeface="Calibri" panose="020F0502020204030204" pitchFamily="34" charset="0"/>
+                <a:cs typeface="Arial" panose="020B0604020202020204" pitchFamily="34" charset="0"/>
+              </a:rPr>
+            </a:br>
+            <a:r>
+              <a:rPr lang="en-US" sz="1400" dirty="0">
+                <a:solidFill>
+                  <a:srgbClr val="000000"/>
+                </a:solidFill>
+                <a:latin typeface="Calibri" panose="020F0502020204030204" pitchFamily="34" charset="0"/>
+                <a:ea typeface="Calibri" panose="020F0502020204030204" pitchFamily="34" charset="0"/>
+                <a:cs typeface="Arial" panose="020B0604020202020204" pitchFamily="34" charset="0"/>
+              </a:rPr>
+              <a:t>}</a:t>
+            </a:r>
+            <a:endParaRPr lang="he-IL" sz="1400" dirty="0"/>
+          </a:p>
+        </p:txBody>
+      </p:sp>
+    </p:spTree>
+    <p:extLst>
+      <p:ext uri="{BB962C8B-B14F-4D97-AF65-F5344CB8AC3E}">
+        <p14:creationId xmlns:p14="http://schemas.microsoft.com/office/powerpoint/2010/main" val="3818483280"/>
+      </p:ext>
+    </p:extLst>
+  </p:cSld>
+  <p:clrMapOvr>
+    <a:masterClrMapping/>
+  </p:clrMapOvr>
+</p:sld>
+</file>
+
+<file path=ppt/slides/slide14.xml><?xml version="1.0" encoding="utf-8"?>
+<p:sld xmlns:a="http://schemas.openxmlformats.org/drawingml/2006/main" xmlns:r="http://schemas.openxmlformats.org/officeDocument/2006/relationships" xmlns:p="http://schemas.openxmlformats.org/presentationml/2006/main">
+  <p:cSld>
+    <p:spTree>
+      <p:nvGrpSpPr>
+        <p:cNvPr id="1" name=""/>
+        <p:cNvGrpSpPr/>
+        <p:nvPr/>
+      </p:nvGrpSpPr>
+      <p:grpSpPr>
+        <a:xfrm>
+          <a:off x="0" y="0"/>
+          <a:ext cx="0" cy="0"/>
+          <a:chOff x="0" y="0"/>
+          <a:chExt cx="0" cy="0"/>
+        </a:xfrm>
+      </p:grpSpPr>
+      <p:sp>
+        <p:nvSpPr>
+          <p:cNvPr id="2" name="Title 1"/>
+          <p:cNvSpPr>
+            <a:spLocks noGrp="1"/>
+          </p:cNvSpPr>
+          <p:nvPr>
+            <p:ph type="title"/>
+          </p:nvPr>
+        </p:nvSpPr>
+        <p:spPr/>
+        <p:txBody>
+          <a:bodyPr/>
+          <a:lstStyle/>
+          <a:p>
+            <a:r>
+              <a:rPr lang="en-US" dirty="0"/>
+              <a:t>Optional Parameter</a:t>
+            </a:r>
+            <a:endParaRPr lang="he-IL" dirty="0"/>
+          </a:p>
+        </p:txBody>
+      </p:sp>
+      <p:sp>
+        <p:nvSpPr>
+          <p:cNvPr id="3" name="Footer Placeholder 2"/>
+          <p:cNvSpPr>
+            <a:spLocks noGrp="1"/>
+          </p:cNvSpPr>
+          <p:nvPr>
+            <p:ph type="ftr" sz="quarter" idx="11"/>
+          </p:nvPr>
+        </p:nvSpPr>
+        <p:spPr/>
+        <p:txBody>
+          <a:bodyPr/>
+          <a:lstStyle/>
+          <a:p>
+            <a:r>
+              <a:rPr lang="en-US"/>
+              <a:t>© 2016 Ori Calvo</a:t>
+            </a:r>
+            <a:endParaRPr lang="en-US" dirty="0"/>
+          </a:p>
+        </p:txBody>
+      </p:sp>
+      <p:sp>
+        <p:nvSpPr>
+          <p:cNvPr id="4" name="Slide Number Placeholder 3"/>
+          <p:cNvSpPr>
+            <a:spLocks noGrp="1"/>
+          </p:cNvSpPr>
+          <p:nvPr>
+            <p:ph type="sldNum" sz="quarter" idx="12"/>
+          </p:nvPr>
+        </p:nvSpPr>
+        <p:spPr/>
+        <p:txBody>
+          <a:bodyPr>
+            <a:normAutofit fontScale="85000" lnSpcReduction="20000"/>
+          </a:bodyPr>
+          <a:lstStyle/>
+          <a:p>
+            <a:fld id="{6EDEC3BC-0694-4586-AE63-02B4D54ABF43}" type="slidenum">
+              <a:rPr lang="en-US" smtClean="0"/>
+              <a:pPr/>
+              <a:t>14</a:t>
+            </a:fld>
+            <a:endParaRPr lang="en-US"/>
+          </a:p>
+        </p:txBody>
+      </p:sp>
+      <p:sp>
+        <p:nvSpPr>
+          <p:cNvPr id="5" name="Content Placeholder 4"/>
+          <p:cNvSpPr>
+            <a:spLocks noGrp="1"/>
+          </p:cNvSpPr>
+          <p:nvPr>
+            <p:ph sz="quarter" idx="1"/>
+          </p:nvPr>
+        </p:nvSpPr>
+        <p:spPr/>
+        <p:txBody>
+          <a:bodyPr/>
+          <a:lstStyle/>
+          <a:p>
+            <a:r>
+              <a:rPr lang="en-US" u="sng" dirty="0"/>
+              <a:t>Each route</a:t>
+            </a:r>
+            <a:r>
+              <a:rPr lang="en-US" dirty="0"/>
+              <a:t> can has its own optional parameters</a:t>
+            </a:r>
+          </a:p>
+          <a:p>
+            <a:r>
+              <a:rPr lang="en-US" dirty="0"/>
+              <a:t>The syntax is a bit weird</a:t>
+            </a:r>
+          </a:p>
+          <a:p>
+            <a:endParaRPr lang="en-US" dirty="0"/>
+          </a:p>
+          <a:p>
+            <a:endParaRPr lang="en-US" dirty="0"/>
+          </a:p>
+          <a:p>
+            <a:endParaRPr lang="en-US" dirty="0"/>
+          </a:p>
+          <a:p>
+            <a:endParaRPr lang="en-US" dirty="0"/>
+          </a:p>
+          <a:p>
+            <a:r>
+              <a:rPr lang="en-US" dirty="0"/>
+              <a:t>Please note that “normal” query parameters are considered global for all routes</a:t>
+            </a:r>
+            <a:endParaRPr lang="he-IL" dirty="0"/>
+          </a:p>
+        </p:txBody>
+      </p:sp>
+      <p:sp>
+        <p:nvSpPr>
+          <p:cNvPr id="6" name="Rectangle 5"/>
+          <p:cNvSpPr/>
+          <p:nvPr/>
+        </p:nvSpPr>
+        <p:spPr>
+          <a:xfrm>
+            <a:off x="1782152" y="2780928"/>
+            <a:ext cx="5814392" cy="369332"/>
+          </a:xfrm>
+          <a:prstGeom prst="rect">
+            <a:avLst/>
+          </a:prstGeom>
+        </p:spPr>
+        <p:txBody>
+          <a:bodyPr wrap="square">
+            <a:spAutoFit/>
+          </a:bodyPr>
+          <a:lstStyle/>
+          <a:p>
+            <a:r>
+              <a:rPr lang="en-US" dirty="0">
+                <a:solidFill>
+                  <a:srgbClr val="000000"/>
+                </a:solidFill>
+                <a:latin typeface="Calibri" panose="020F0502020204030204" pitchFamily="34" charset="0"/>
+                <a:ea typeface="Calibri" panose="020F0502020204030204" pitchFamily="34" charset="0"/>
+                <a:cs typeface="Arial" panose="020B0604020202020204" pitchFamily="34" charset="0"/>
+              </a:rPr>
+              <a:t>&lt;</a:t>
+            </a:r>
+            <a:r>
+              <a:rPr lang="en-US" b="1" dirty="0">
+                <a:solidFill>
+                  <a:srgbClr val="000080"/>
+                </a:solidFill>
+                <a:latin typeface="Calibri" panose="020F0502020204030204" pitchFamily="34" charset="0"/>
+                <a:ea typeface="Calibri" panose="020F0502020204030204" pitchFamily="34" charset="0"/>
+                <a:cs typeface="Arial" panose="020B0604020202020204" pitchFamily="34" charset="0"/>
+              </a:rPr>
+              <a:t>a </a:t>
+            </a:r>
+            <a:r>
+              <a:rPr lang="en-US" b="1" dirty="0">
+                <a:solidFill>
+                  <a:srgbClr val="0000FF"/>
+                </a:solidFill>
+                <a:latin typeface="Calibri" panose="020F0502020204030204" pitchFamily="34" charset="0"/>
+                <a:ea typeface="Calibri" panose="020F0502020204030204" pitchFamily="34" charset="0"/>
+                <a:cs typeface="Arial" panose="020B0604020202020204" pitchFamily="34" charset="0"/>
+              </a:rPr>
+              <a:t>[</a:t>
+            </a:r>
+            <a:r>
+              <a:rPr lang="en-US" b="1" dirty="0" err="1">
+                <a:solidFill>
+                  <a:srgbClr val="0000FF"/>
+                </a:solidFill>
+                <a:latin typeface="Calibri" panose="020F0502020204030204" pitchFamily="34" charset="0"/>
+                <a:ea typeface="Calibri" panose="020F0502020204030204" pitchFamily="34" charset="0"/>
+                <a:cs typeface="Arial" panose="020B0604020202020204" pitchFamily="34" charset="0"/>
+              </a:rPr>
+              <a:t>routerLink</a:t>
+            </a:r>
+            <a:r>
+              <a:rPr lang="en-US" b="1" dirty="0">
+                <a:solidFill>
+                  <a:srgbClr val="0000FF"/>
+                </a:solidFill>
+                <a:latin typeface="Calibri" panose="020F0502020204030204" pitchFamily="34" charset="0"/>
+                <a:ea typeface="Calibri" panose="020F0502020204030204" pitchFamily="34" charset="0"/>
+                <a:cs typeface="Arial" panose="020B0604020202020204" pitchFamily="34" charset="0"/>
+              </a:rPr>
+              <a:t>]=</a:t>
+            </a:r>
+            <a:r>
+              <a:rPr lang="en-US" b="1" dirty="0">
+                <a:solidFill>
+                  <a:srgbClr val="008000"/>
+                </a:solidFill>
+                <a:latin typeface="Calibri" panose="020F0502020204030204" pitchFamily="34" charset="0"/>
+                <a:ea typeface="Calibri" panose="020F0502020204030204" pitchFamily="34" charset="0"/>
+                <a:cs typeface="Arial" panose="020B0604020202020204" pitchFamily="34" charset="0"/>
+              </a:rPr>
+              <a:t>"['contact', 1, {</a:t>
+            </a:r>
+            <a:r>
+              <a:rPr lang="en-US" b="1" dirty="0">
+                <a:solidFill>
+                  <a:srgbClr val="660E7A"/>
+                </a:solidFill>
+                <a:latin typeface="Calibri" panose="020F0502020204030204" pitchFamily="34" charset="0"/>
+                <a:ea typeface="Calibri" panose="020F0502020204030204" pitchFamily="34" charset="0"/>
+                <a:cs typeface="Arial" panose="020B0604020202020204" pitchFamily="34" charset="0"/>
+              </a:rPr>
+              <a:t>more</a:t>
+            </a:r>
+            <a:r>
+              <a:rPr lang="en-US" b="1" dirty="0">
+                <a:solidFill>
+                  <a:srgbClr val="008000"/>
+                </a:solidFill>
+                <a:latin typeface="Calibri" panose="020F0502020204030204" pitchFamily="34" charset="0"/>
+                <a:ea typeface="Calibri" panose="020F0502020204030204" pitchFamily="34" charset="0"/>
+                <a:cs typeface="Arial" panose="020B0604020202020204" pitchFamily="34" charset="0"/>
+              </a:rPr>
+              <a:t>: true}]"</a:t>
+            </a:r>
+            <a:r>
+              <a:rPr lang="en-US" dirty="0">
+                <a:solidFill>
+                  <a:srgbClr val="000000"/>
+                </a:solidFill>
+                <a:latin typeface="Calibri" panose="020F0502020204030204" pitchFamily="34" charset="0"/>
+                <a:ea typeface="Calibri" panose="020F0502020204030204" pitchFamily="34" charset="0"/>
+                <a:cs typeface="Arial" panose="020B0604020202020204" pitchFamily="34" charset="0"/>
+              </a:rPr>
+              <a:t>&gt;Contact&lt;/</a:t>
+            </a:r>
+            <a:r>
+              <a:rPr lang="en-US" b="1" dirty="0">
+                <a:solidFill>
+                  <a:srgbClr val="000080"/>
+                </a:solidFill>
+                <a:latin typeface="Calibri" panose="020F0502020204030204" pitchFamily="34" charset="0"/>
+                <a:ea typeface="Calibri" panose="020F0502020204030204" pitchFamily="34" charset="0"/>
+                <a:cs typeface="Arial" panose="020B0604020202020204" pitchFamily="34" charset="0"/>
+              </a:rPr>
+              <a:t>a</a:t>
+            </a:r>
+            <a:r>
+              <a:rPr lang="en-US" dirty="0">
+                <a:solidFill>
+                  <a:srgbClr val="000000"/>
+                </a:solidFill>
+                <a:latin typeface="Calibri" panose="020F0502020204030204" pitchFamily="34" charset="0"/>
+                <a:ea typeface="Calibri" panose="020F0502020204030204" pitchFamily="34" charset="0"/>
+                <a:cs typeface="Arial" panose="020B0604020202020204" pitchFamily="34" charset="0"/>
+              </a:rPr>
+              <a:t>&gt;</a:t>
+            </a:r>
+            <a:endParaRPr lang="he-IL" dirty="0"/>
+          </a:p>
+        </p:txBody>
+      </p:sp>
+      <p:sp>
+        <p:nvSpPr>
+          <p:cNvPr id="7" name="Arrow: Down 6"/>
+          <p:cNvSpPr/>
+          <p:nvPr/>
+        </p:nvSpPr>
+        <p:spPr>
+          <a:xfrm>
+            <a:off x="4365312" y="3356992"/>
+            <a:ext cx="648072" cy="432048"/>
+          </a:xfrm>
+          <a:prstGeom prst="downArrow">
+            <a:avLst/>
+          </a:prstGeom>
+        </p:spPr>
+        <p:style>
+          <a:lnRef idx="2">
+            <a:schemeClr val="accent1">
+              <a:shade val="50000"/>
+            </a:schemeClr>
+          </a:lnRef>
+          <a:fillRef idx="1">
+            <a:schemeClr val="accent1"/>
+          </a:fillRef>
+          <a:effectRef idx="0">
+            <a:schemeClr val="accent1"/>
+          </a:effectRef>
+          <a:fontRef idx="minor">
+            <a:schemeClr val="lt1"/>
+          </a:fontRef>
+        </p:style>
+        <p:txBody>
+          <a:bodyPr rtlCol="1" anchor="ctr"/>
+          <a:lstStyle/>
+          <a:p>
+            <a:pPr algn="ctr"/>
+            <a:endParaRPr lang="he-IL"/>
+          </a:p>
+        </p:txBody>
+      </p:sp>
+      <p:sp>
+        <p:nvSpPr>
+          <p:cNvPr id="9" name="Rectangle 8"/>
+          <p:cNvSpPr/>
+          <p:nvPr/>
+        </p:nvSpPr>
+        <p:spPr>
+          <a:xfrm>
+            <a:off x="2563541" y="3995772"/>
+            <a:ext cx="4251613" cy="369332"/>
+          </a:xfrm>
+          <a:prstGeom prst="rect">
+            <a:avLst/>
+          </a:prstGeom>
+        </p:spPr>
+        <p:txBody>
+          <a:bodyPr wrap="none">
+            <a:spAutoFit/>
+          </a:bodyPr>
+          <a:lstStyle/>
+          <a:p>
+            <a:r>
+              <a:rPr lang="en-US" dirty="0">
+                <a:solidFill>
+                  <a:srgbClr val="000000"/>
+                </a:solidFill>
+                <a:latin typeface="Calibri" panose="020F0502020204030204" pitchFamily="34" charset="0"/>
+                <a:ea typeface="Calibri" panose="020F0502020204030204" pitchFamily="34" charset="0"/>
+                <a:cs typeface="Arial" panose="020B0604020202020204" pitchFamily="34" charset="0"/>
+              </a:rPr>
+              <a:t>http://localhost:8080/contact/1;more=true</a:t>
+            </a:r>
+            <a:endParaRPr lang="he-IL" dirty="0"/>
+          </a:p>
+        </p:txBody>
+      </p:sp>
+    </p:spTree>
+    <p:extLst>
+      <p:ext uri="{BB962C8B-B14F-4D97-AF65-F5344CB8AC3E}">
+        <p14:creationId xmlns:p14="http://schemas.microsoft.com/office/powerpoint/2010/main" val="1559122996"/>
+      </p:ext>
+    </p:extLst>
+  </p:cSld>
+  <p:clrMapOvr>
+    <a:masterClrMapping/>
+  </p:clrMapOvr>
+</p:sld>
+</file>
+
+<file path=ppt/slides/slide15.xml><?xml version="1.0" encoding="utf-8"?>
+<p:sld xmlns:a="http://schemas.openxmlformats.org/drawingml/2006/main" xmlns:r="http://schemas.openxmlformats.org/officeDocument/2006/relationships" xmlns:p="http://schemas.openxmlformats.org/presentationml/2006/main">
+  <p:cSld>
+    <p:spTree>
+      <p:nvGrpSpPr>
+        <p:cNvPr id="1" name=""/>
+        <p:cNvGrpSpPr/>
+        <p:nvPr/>
+      </p:nvGrpSpPr>
+      <p:grpSpPr>
+        <a:xfrm>
+          <a:off x="0" y="0"/>
+          <a:ext cx="0" cy="0"/>
+          <a:chOff x="0" y="0"/>
+          <a:chExt cx="0" cy="0"/>
+        </a:xfrm>
+      </p:grpSpPr>
+      <p:sp>
+        <p:nvSpPr>
+          <p:cNvPr id="2" name="Title 1"/>
+          <p:cNvSpPr>
+            <a:spLocks noGrp="1"/>
+          </p:cNvSpPr>
+          <p:nvPr>
+            <p:ph type="title"/>
+          </p:nvPr>
+        </p:nvSpPr>
+        <p:spPr/>
+        <p:txBody>
+          <a:bodyPr/>
+          <a:lstStyle/>
+          <a:p>
+            <a:r>
+              <a:rPr lang="en-US" dirty="0"/>
+              <a:t>Persist Preferences</a:t>
+            </a:r>
+            <a:endParaRPr lang="he-IL" dirty="0"/>
+          </a:p>
+        </p:txBody>
+      </p:sp>
+      <p:sp>
+        <p:nvSpPr>
+          <p:cNvPr id="3" name="Footer Placeholder 2"/>
+          <p:cNvSpPr>
+            <a:spLocks noGrp="1"/>
+          </p:cNvSpPr>
+          <p:nvPr>
+            <p:ph type="ftr" sz="quarter" idx="11"/>
+          </p:nvPr>
+        </p:nvSpPr>
+        <p:spPr/>
+        <p:txBody>
+          <a:bodyPr/>
+          <a:lstStyle/>
+          <a:p>
+            <a:r>
+              <a:rPr lang="en-US"/>
+              <a:t>© 2016 Ori Calvo</a:t>
+            </a:r>
+            <a:endParaRPr lang="en-US" dirty="0"/>
+          </a:p>
+        </p:txBody>
+      </p:sp>
+      <p:sp>
+        <p:nvSpPr>
+          <p:cNvPr id="4" name="Slide Number Placeholder 3"/>
+          <p:cNvSpPr>
+            <a:spLocks noGrp="1"/>
+          </p:cNvSpPr>
+          <p:nvPr>
+            <p:ph type="sldNum" sz="quarter" idx="12"/>
+          </p:nvPr>
+        </p:nvSpPr>
+        <p:spPr/>
+        <p:txBody>
+          <a:bodyPr>
+            <a:normAutofit fontScale="85000" lnSpcReduction="20000"/>
+          </a:bodyPr>
+          <a:lstStyle/>
+          <a:p>
+            <a:fld id="{6EDEC3BC-0694-4586-AE63-02B4D54ABF43}" type="slidenum">
+              <a:rPr lang="en-US" smtClean="0"/>
+              <a:pPr/>
+              <a:t>15</a:t>
+            </a:fld>
+            <a:endParaRPr lang="en-US"/>
+          </a:p>
+        </p:txBody>
+      </p:sp>
+      <p:sp>
+        <p:nvSpPr>
+          <p:cNvPr id="5" name="Content Placeholder 4"/>
+          <p:cNvSpPr>
+            <a:spLocks noGrp="1"/>
+          </p:cNvSpPr>
+          <p:nvPr>
+            <p:ph sz="quarter" idx="1"/>
+          </p:nvPr>
+        </p:nvSpPr>
+        <p:spPr/>
+        <p:txBody>
+          <a:bodyPr>
+            <a:normAutofit/>
+          </a:bodyPr>
+          <a:lstStyle/>
+          <a:p>
+            <a:r>
+              <a:rPr lang="en-US" dirty="0"/>
+              <a:t>Assume a component that supports a “show/hide more” button</a:t>
+            </a:r>
+          </a:p>
+          <a:p>
+            <a:r>
+              <a:rPr lang="en-US" dirty="0"/>
+              <a:t>Each time the button is clicked the component can navigate to itself with a new “</a:t>
+            </a:r>
+            <a:r>
+              <a:rPr lang="en-US" dirty="0" err="1"/>
+              <a:t>showMore</a:t>
+            </a:r>
+            <a:r>
+              <a:rPr lang="en-US" dirty="0"/>
+              <a:t>” value</a:t>
+            </a:r>
+          </a:p>
+          <a:p>
+            <a:endParaRPr lang="he-IL" dirty="0"/>
+          </a:p>
+        </p:txBody>
+      </p:sp>
+      <p:sp>
+        <p:nvSpPr>
+          <p:cNvPr id="6" name="Rectangle 5"/>
+          <p:cNvSpPr/>
+          <p:nvPr/>
+        </p:nvSpPr>
+        <p:spPr>
+          <a:xfrm>
+            <a:off x="3253813" y="3848100"/>
+            <a:ext cx="4752528" cy="2677656"/>
+          </a:xfrm>
+          <a:prstGeom prst="rect">
+            <a:avLst/>
+          </a:prstGeom>
+        </p:spPr>
+        <p:txBody>
+          <a:bodyPr wrap="square">
+            <a:spAutoFit/>
+          </a:bodyPr>
+          <a:lstStyle/>
+          <a:p>
+            <a:r>
+              <a:rPr lang="en-US" sz="1200" b="1" dirty="0">
+                <a:solidFill>
+                  <a:srgbClr val="000080"/>
+                </a:solidFill>
+                <a:latin typeface="Calibri" panose="020F0502020204030204" pitchFamily="34" charset="0"/>
+                <a:ea typeface="Calibri" panose="020F0502020204030204" pitchFamily="34" charset="0"/>
+                <a:cs typeface="Arial" panose="020B0604020202020204" pitchFamily="34" charset="0"/>
+              </a:rPr>
+              <a:t>get </a:t>
+            </a:r>
+            <a:r>
+              <a:rPr lang="en-US" sz="1200" dirty="0" err="1">
+                <a:solidFill>
+                  <a:srgbClr val="7A7A43"/>
+                </a:solidFill>
+                <a:latin typeface="Calibri" panose="020F0502020204030204" pitchFamily="34" charset="0"/>
+                <a:ea typeface="Calibri" panose="020F0502020204030204" pitchFamily="34" charset="0"/>
+                <a:cs typeface="Arial" panose="020B0604020202020204" pitchFamily="34" charset="0"/>
+              </a:rPr>
+              <a:t>showMore</a:t>
+            </a:r>
+            <a:r>
+              <a:rPr lang="en-US" sz="1200" dirty="0">
+                <a:solidFill>
+                  <a:srgbClr val="000000"/>
+                </a:solidFill>
+                <a:latin typeface="Calibri" panose="020F0502020204030204" pitchFamily="34" charset="0"/>
+                <a:ea typeface="Calibri" panose="020F0502020204030204" pitchFamily="34" charset="0"/>
+                <a:cs typeface="Arial" panose="020B0604020202020204" pitchFamily="34" charset="0"/>
+              </a:rPr>
+              <a:t>() {</a:t>
+            </a:r>
+            <a:br>
+              <a:rPr lang="en-US" sz="1200" dirty="0">
+                <a:solidFill>
+                  <a:srgbClr val="000000"/>
+                </a:solidFill>
+                <a:latin typeface="Calibri" panose="020F0502020204030204" pitchFamily="34" charset="0"/>
+                <a:ea typeface="Calibri" panose="020F0502020204030204" pitchFamily="34" charset="0"/>
+                <a:cs typeface="Arial" panose="020B0604020202020204" pitchFamily="34" charset="0"/>
+              </a:rPr>
+            </a:br>
+            <a:r>
+              <a:rPr lang="en-US" sz="1200" dirty="0">
+                <a:solidFill>
+                  <a:srgbClr val="000000"/>
+                </a:solidFill>
+                <a:latin typeface="Calibri" panose="020F0502020204030204" pitchFamily="34" charset="0"/>
+                <a:ea typeface="Calibri" panose="020F0502020204030204" pitchFamily="34" charset="0"/>
+                <a:cs typeface="Arial" panose="020B0604020202020204" pitchFamily="34" charset="0"/>
+              </a:rPr>
+              <a:t>    </a:t>
+            </a:r>
+            <a:r>
+              <a:rPr lang="en-US" sz="1200" b="1" dirty="0" err="1">
+                <a:solidFill>
+                  <a:srgbClr val="000080"/>
+                </a:solidFill>
+                <a:latin typeface="Calibri" panose="020F0502020204030204" pitchFamily="34" charset="0"/>
+                <a:ea typeface="Calibri" panose="020F0502020204030204" pitchFamily="34" charset="0"/>
+                <a:cs typeface="Arial" panose="020B0604020202020204" pitchFamily="34" charset="0"/>
+              </a:rPr>
+              <a:t>const</a:t>
+            </a:r>
+            <a:r>
+              <a:rPr lang="en-US" sz="1200" b="1" dirty="0">
+                <a:solidFill>
+                  <a:srgbClr val="000080"/>
+                </a:solidFill>
+                <a:latin typeface="Calibri" panose="020F0502020204030204" pitchFamily="34" charset="0"/>
+                <a:ea typeface="Calibri" panose="020F0502020204030204" pitchFamily="34" charset="0"/>
+                <a:cs typeface="Arial" panose="020B0604020202020204" pitchFamily="34" charset="0"/>
+              </a:rPr>
+              <a:t> </a:t>
+            </a:r>
+            <a:r>
+              <a:rPr lang="en-US" sz="1200" dirty="0" err="1">
+                <a:solidFill>
+                  <a:srgbClr val="458383"/>
+                </a:solidFill>
+                <a:latin typeface="Calibri" panose="020F0502020204030204" pitchFamily="34" charset="0"/>
+                <a:ea typeface="Calibri" panose="020F0502020204030204" pitchFamily="34" charset="0"/>
+                <a:cs typeface="Arial" panose="020B0604020202020204" pitchFamily="34" charset="0"/>
+              </a:rPr>
+              <a:t>showMore</a:t>
+            </a:r>
+            <a:r>
+              <a:rPr lang="en-US" sz="1200" dirty="0">
+                <a:solidFill>
+                  <a:srgbClr val="458383"/>
+                </a:solidFill>
+                <a:latin typeface="Calibri" panose="020F0502020204030204" pitchFamily="34" charset="0"/>
+                <a:ea typeface="Calibri" panose="020F0502020204030204" pitchFamily="34" charset="0"/>
+                <a:cs typeface="Arial" panose="020B0604020202020204" pitchFamily="34" charset="0"/>
+              </a:rPr>
+              <a:t> </a:t>
+            </a:r>
+            <a:r>
+              <a:rPr lang="en-US" sz="1200" dirty="0">
+                <a:solidFill>
+                  <a:srgbClr val="000000"/>
+                </a:solidFill>
+                <a:latin typeface="Calibri" panose="020F0502020204030204" pitchFamily="34" charset="0"/>
+                <a:ea typeface="Calibri" panose="020F0502020204030204" pitchFamily="34" charset="0"/>
+                <a:cs typeface="Arial" panose="020B0604020202020204" pitchFamily="34" charset="0"/>
+              </a:rPr>
+              <a:t>= </a:t>
+            </a:r>
+            <a:r>
+              <a:rPr lang="en-US" sz="1200" b="1" dirty="0" err="1">
+                <a:solidFill>
+                  <a:srgbClr val="000080"/>
+                </a:solidFill>
+                <a:latin typeface="Calibri" panose="020F0502020204030204" pitchFamily="34" charset="0"/>
+                <a:ea typeface="Calibri" panose="020F0502020204030204" pitchFamily="34" charset="0"/>
+                <a:cs typeface="Arial" panose="020B0604020202020204" pitchFamily="34" charset="0"/>
+              </a:rPr>
+              <a:t>this</a:t>
+            </a:r>
+            <a:r>
+              <a:rPr lang="en-US" sz="1200" dirty="0" err="1">
+                <a:solidFill>
+                  <a:srgbClr val="000000"/>
+                </a:solidFill>
+                <a:latin typeface="Calibri" panose="020F0502020204030204" pitchFamily="34" charset="0"/>
+                <a:ea typeface="Calibri" panose="020F0502020204030204" pitchFamily="34" charset="0"/>
+                <a:cs typeface="Arial" panose="020B0604020202020204" pitchFamily="34" charset="0"/>
+              </a:rPr>
+              <a:t>.activatedRoute.</a:t>
+            </a:r>
+            <a:r>
+              <a:rPr lang="en-US" sz="1200" b="1" dirty="0" err="1">
+                <a:solidFill>
+                  <a:srgbClr val="660E7A"/>
+                </a:solidFill>
+                <a:latin typeface="Calibri" panose="020F0502020204030204" pitchFamily="34" charset="0"/>
+                <a:ea typeface="Calibri" panose="020F0502020204030204" pitchFamily="34" charset="0"/>
+                <a:cs typeface="Arial" panose="020B0604020202020204" pitchFamily="34" charset="0"/>
+              </a:rPr>
+              <a:t>snapshot</a:t>
+            </a:r>
+            <a:r>
+              <a:rPr lang="en-US" sz="1200" dirty="0" err="1">
+                <a:solidFill>
+                  <a:srgbClr val="000000"/>
+                </a:solidFill>
+                <a:latin typeface="Calibri" panose="020F0502020204030204" pitchFamily="34" charset="0"/>
+                <a:ea typeface="Calibri" panose="020F0502020204030204" pitchFamily="34" charset="0"/>
+                <a:cs typeface="Arial" panose="020B0604020202020204" pitchFamily="34" charset="0"/>
+              </a:rPr>
+              <a:t>.</a:t>
+            </a:r>
+            <a:r>
+              <a:rPr lang="en-US" sz="1200" b="1" dirty="0" err="1">
+                <a:solidFill>
+                  <a:srgbClr val="660E7A"/>
+                </a:solidFill>
+                <a:latin typeface="Calibri" panose="020F0502020204030204" pitchFamily="34" charset="0"/>
+                <a:ea typeface="Calibri" panose="020F0502020204030204" pitchFamily="34" charset="0"/>
+                <a:cs typeface="Arial" panose="020B0604020202020204" pitchFamily="34" charset="0"/>
+              </a:rPr>
+              <a:t>params</a:t>
+            </a:r>
+            <a:r>
+              <a:rPr lang="en-US" sz="1200" dirty="0" err="1">
+                <a:solidFill>
+                  <a:srgbClr val="000000"/>
+                </a:solidFill>
+                <a:latin typeface="Calibri" panose="020F0502020204030204" pitchFamily="34" charset="0"/>
+                <a:ea typeface="Calibri" panose="020F0502020204030204" pitchFamily="34" charset="0"/>
+                <a:cs typeface="Arial" panose="020B0604020202020204" pitchFamily="34" charset="0"/>
+              </a:rPr>
+              <a:t>.showMore</a:t>
+            </a:r>
+            <a:r>
+              <a:rPr lang="en-US" sz="1200" dirty="0">
+                <a:solidFill>
+                  <a:srgbClr val="000000"/>
+                </a:solidFill>
+                <a:latin typeface="Calibri" panose="020F0502020204030204" pitchFamily="34" charset="0"/>
+                <a:ea typeface="Calibri" panose="020F0502020204030204" pitchFamily="34" charset="0"/>
+                <a:cs typeface="Arial" panose="020B0604020202020204" pitchFamily="34" charset="0"/>
+              </a:rPr>
+              <a:t>;</a:t>
+            </a:r>
+            <a:br>
+              <a:rPr lang="en-US" sz="1200" dirty="0">
+                <a:solidFill>
+                  <a:srgbClr val="000000"/>
+                </a:solidFill>
+                <a:latin typeface="Calibri" panose="020F0502020204030204" pitchFamily="34" charset="0"/>
+                <a:ea typeface="Calibri" panose="020F0502020204030204" pitchFamily="34" charset="0"/>
+                <a:cs typeface="Arial" panose="020B0604020202020204" pitchFamily="34" charset="0"/>
+              </a:rPr>
+            </a:br>
+            <a:r>
+              <a:rPr lang="en-US" sz="1200" dirty="0">
+                <a:solidFill>
+                  <a:srgbClr val="000000"/>
+                </a:solidFill>
+                <a:latin typeface="Calibri" panose="020F0502020204030204" pitchFamily="34" charset="0"/>
+                <a:ea typeface="Calibri" panose="020F0502020204030204" pitchFamily="34" charset="0"/>
+                <a:cs typeface="Arial" panose="020B0604020202020204" pitchFamily="34" charset="0"/>
+              </a:rPr>
+              <a:t>    </a:t>
+            </a:r>
+            <a:r>
+              <a:rPr lang="en-US" sz="1200" b="1" dirty="0">
+                <a:solidFill>
+                  <a:srgbClr val="000080"/>
+                </a:solidFill>
+                <a:latin typeface="Calibri" panose="020F0502020204030204" pitchFamily="34" charset="0"/>
+                <a:ea typeface="Calibri" panose="020F0502020204030204" pitchFamily="34" charset="0"/>
+                <a:cs typeface="Arial" panose="020B0604020202020204" pitchFamily="34" charset="0"/>
+              </a:rPr>
+              <a:t>return </a:t>
+            </a:r>
+            <a:r>
+              <a:rPr lang="en-US" sz="1200" dirty="0" err="1">
+                <a:solidFill>
+                  <a:srgbClr val="458383"/>
+                </a:solidFill>
+                <a:latin typeface="Calibri" panose="020F0502020204030204" pitchFamily="34" charset="0"/>
+                <a:ea typeface="Calibri" panose="020F0502020204030204" pitchFamily="34" charset="0"/>
+                <a:cs typeface="Arial" panose="020B0604020202020204" pitchFamily="34" charset="0"/>
+              </a:rPr>
+              <a:t>showMore</a:t>
+            </a:r>
+            <a:r>
+              <a:rPr lang="en-US" sz="1200" dirty="0">
+                <a:solidFill>
+                  <a:srgbClr val="000000"/>
+                </a:solidFill>
+                <a:latin typeface="Calibri" panose="020F0502020204030204" pitchFamily="34" charset="0"/>
+                <a:ea typeface="Calibri" panose="020F0502020204030204" pitchFamily="34" charset="0"/>
+                <a:cs typeface="Arial" panose="020B0604020202020204" pitchFamily="34" charset="0"/>
+              </a:rPr>
+              <a:t>===</a:t>
+            </a:r>
+            <a:r>
+              <a:rPr lang="en-US" sz="1200" b="1" dirty="0">
+                <a:solidFill>
+                  <a:srgbClr val="008000"/>
+                </a:solidFill>
+                <a:latin typeface="Calibri" panose="020F0502020204030204" pitchFamily="34" charset="0"/>
+                <a:ea typeface="Calibri" panose="020F0502020204030204" pitchFamily="34" charset="0"/>
+                <a:cs typeface="Arial" panose="020B0604020202020204" pitchFamily="34" charset="0"/>
+              </a:rPr>
+              <a:t>"true" </a:t>
+            </a:r>
+            <a:r>
+              <a:rPr lang="en-US" sz="1200" dirty="0">
+                <a:solidFill>
+                  <a:srgbClr val="000000"/>
+                </a:solidFill>
+                <a:latin typeface="Calibri" panose="020F0502020204030204" pitchFamily="34" charset="0"/>
+                <a:ea typeface="Calibri" panose="020F0502020204030204" pitchFamily="34" charset="0"/>
+                <a:cs typeface="Arial" panose="020B0604020202020204" pitchFamily="34" charset="0"/>
+              </a:rPr>
+              <a:t>|| </a:t>
+            </a:r>
+            <a:r>
+              <a:rPr lang="en-US" sz="1200" dirty="0" err="1">
+                <a:solidFill>
+                  <a:srgbClr val="458383"/>
+                </a:solidFill>
+                <a:latin typeface="Calibri" panose="020F0502020204030204" pitchFamily="34" charset="0"/>
+                <a:ea typeface="Calibri" panose="020F0502020204030204" pitchFamily="34" charset="0"/>
+                <a:cs typeface="Arial" panose="020B0604020202020204" pitchFamily="34" charset="0"/>
+              </a:rPr>
+              <a:t>showMore</a:t>
+            </a:r>
+            <a:r>
+              <a:rPr lang="en-US" sz="1200" dirty="0">
+                <a:solidFill>
+                  <a:srgbClr val="000000"/>
+                </a:solidFill>
+                <a:latin typeface="Calibri" panose="020F0502020204030204" pitchFamily="34" charset="0"/>
+                <a:ea typeface="Calibri" panose="020F0502020204030204" pitchFamily="34" charset="0"/>
+                <a:cs typeface="Arial" panose="020B0604020202020204" pitchFamily="34" charset="0"/>
+              </a:rPr>
+              <a:t>===</a:t>
+            </a:r>
+            <a:r>
+              <a:rPr lang="en-US" sz="1200" b="1" dirty="0">
+                <a:solidFill>
+                  <a:srgbClr val="000080"/>
+                </a:solidFill>
+                <a:latin typeface="Calibri" panose="020F0502020204030204" pitchFamily="34" charset="0"/>
+                <a:ea typeface="Calibri" panose="020F0502020204030204" pitchFamily="34" charset="0"/>
+                <a:cs typeface="Arial" panose="020B0604020202020204" pitchFamily="34" charset="0"/>
+              </a:rPr>
+              <a:t>true</a:t>
+            </a:r>
+            <a:r>
+              <a:rPr lang="en-US" sz="1200" dirty="0">
+                <a:solidFill>
+                  <a:srgbClr val="000000"/>
+                </a:solidFill>
+                <a:latin typeface="Calibri" panose="020F0502020204030204" pitchFamily="34" charset="0"/>
+                <a:ea typeface="Calibri" panose="020F0502020204030204" pitchFamily="34" charset="0"/>
+                <a:cs typeface="Arial" panose="020B0604020202020204" pitchFamily="34" charset="0"/>
+              </a:rPr>
+              <a:t>;</a:t>
+            </a:r>
+            <a:br>
+              <a:rPr lang="en-US" sz="1200" dirty="0">
+                <a:solidFill>
+                  <a:srgbClr val="000000"/>
+                </a:solidFill>
+                <a:latin typeface="Calibri" panose="020F0502020204030204" pitchFamily="34" charset="0"/>
+                <a:ea typeface="Calibri" panose="020F0502020204030204" pitchFamily="34" charset="0"/>
+                <a:cs typeface="Arial" panose="020B0604020202020204" pitchFamily="34" charset="0"/>
+              </a:rPr>
+            </a:br>
+            <a:r>
+              <a:rPr lang="en-US" sz="1200" dirty="0">
+                <a:solidFill>
+                  <a:srgbClr val="000000"/>
+                </a:solidFill>
+                <a:latin typeface="Calibri" panose="020F0502020204030204" pitchFamily="34" charset="0"/>
+                <a:ea typeface="Calibri" panose="020F0502020204030204" pitchFamily="34" charset="0"/>
+                <a:cs typeface="Arial" panose="020B0604020202020204" pitchFamily="34" charset="0"/>
+              </a:rPr>
+              <a:t>}</a:t>
+            </a:r>
+            <a:br>
+              <a:rPr lang="en-US" sz="1200" dirty="0">
+                <a:solidFill>
+                  <a:srgbClr val="000000"/>
+                </a:solidFill>
+                <a:latin typeface="Calibri" panose="020F0502020204030204" pitchFamily="34" charset="0"/>
+                <a:ea typeface="Calibri" panose="020F0502020204030204" pitchFamily="34" charset="0"/>
+                <a:cs typeface="Arial" panose="020B0604020202020204" pitchFamily="34" charset="0"/>
+              </a:rPr>
+            </a:br>
+            <a:br>
+              <a:rPr lang="en-US" sz="1200" dirty="0">
+                <a:solidFill>
+                  <a:srgbClr val="000000"/>
+                </a:solidFill>
+                <a:latin typeface="Calibri" panose="020F0502020204030204" pitchFamily="34" charset="0"/>
+                <a:ea typeface="Calibri" panose="020F0502020204030204" pitchFamily="34" charset="0"/>
+                <a:cs typeface="Arial" panose="020B0604020202020204" pitchFamily="34" charset="0"/>
+              </a:rPr>
+            </a:br>
+            <a:r>
+              <a:rPr lang="en-US" sz="1200" b="1" dirty="0" err="1">
+                <a:solidFill>
+                  <a:srgbClr val="000080"/>
+                </a:solidFill>
+                <a:latin typeface="Calibri" panose="020F0502020204030204" pitchFamily="34" charset="0"/>
+                <a:ea typeface="Calibri" panose="020F0502020204030204" pitchFamily="34" charset="0"/>
+                <a:cs typeface="Arial" panose="020B0604020202020204" pitchFamily="34" charset="0"/>
+              </a:rPr>
+              <a:t>async</a:t>
+            </a:r>
+            <a:r>
+              <a:rPr lang="en-US" sz="1200" b="1" dirty="0">
+                <a:solidFill>
+                  <a:srgbClr val="000080"/>
+                </a:solidFill>
+                <a:latin typeface="Calibri" panose="020F0502020204030204" pitchFamily="34" charset="0"/>
+                <a:ea typeface="Calibri" panose="020F0502020204030204" pitchFamily="34" charset="0"/>
+                <a:cs typeface="Arial" panose="020B0604020202020204" pitchFamily="34" charset="0"/>
+              </a:rPr>
+              <a:t> </a:t>
+            </a:r>
+            <a:r>
+              <a:rPr lang="en-US" sz="1200" dirty="0" err="1">
+                <a:solidFill>
+                  <a:srgbClr val="7A7A43"/>
+                </a:solidFill>
+                <a:latin typeface="Calibri" panose="020F0502020204030204" pitchFamily="34" charset="0"/>
+                <a:ea typeface="Calibri" panose="020F0502020204030204" pitchFamily="34" charset="0"/>
+                <a:cs typeface="Arial" panose="020B0604020202020204" pitchFamily="34" charset="0"/>
+              </a:rPr>
+              <a:t>toggleMore</a:t>
+            </a:r>
+            <a:r>
+              <a:rPr lang="en-US" sz="1200" dirty="0">
+                <a:solidFill>
+                  <a:srgbClr val="000000"/>
+                </a:solidFill>
+                <a:latin typeface="Calibri" panose="020F0502020204030204" pitchFamily="34" charset="0"/>
+                <a:ea typeface="Calibri" panose="020F0502020204030204" pitchFamily="34" charset="0"/>
+                <a:cs typeface="Arial" panose="020B0604020202020204" pitchFamily="34" charset="0"/>
+              </a:rPr>
+              <a:t>() {</a:t>
+            </a:r>
+            <a:br>
+              <a:rPr lang="en-US" sz="1200" dirty="0">
+                <a:solidFill>
+                  <a:srgbClr val="000000"/>
+                </a:solidFill>
+                <a:latin typeface="Calibri" panose="020F0502020204030204" pitchFamily="34" charset="0"/>
+                <a:ea typeface="Calibri" panose="020F0502020204030204" pitchFamily="34" charset="0"/>
+                <a:cs typeface="Arial" panose="020B0604020202020204" pitchFamily="34" charset="0"/>
+              </a:rPr>
+            </a:br>
+            <a:r>
+              <a:rPr lang="en-US" sz="1200" dirty="0">
+                <a:solidFill>
+                  <a:srgbClr val="000000"/>
+                </a:solidFill>
+                <a:latin typeface="Calibri" panose="020F0502020204030204" pitchFamily="34" charset="0"/>
+                <a:ea typeface="Calibri" panose="020F0502020204030204" pitchFamily="34" charset="0"/>
+                <a:cs typeface="Arial" panose="020B0604020202020204" pitchFamily="34" charset="0"/>
+              </a:rPr>
+              <a:t>    </a:t>
+            </a:r>
+            <a:r>
+              <a:rPr lang="en-US" sz="1200" b="1" dirty="0" err="1">
+                <a:solidFill>
+                  <a:srgbClr val="000080"/>
+                </a:solidFill>
+                <a:latin typeface="Calibri" panose="020F0502020204030204" pitchFamily="34" charset="0"/>
+                <a:ea typeface="Calibri" panose="020F0502020204030204" pitchFamily="34" charset="0"/>
+                <a:cs typeface="Arial" panose="020B0604020202020204" pitchFamily="34" charset="0"/>
+              </a:rPr>
+              <a:t>this</a:t>
+            </a:r>
+            <a:r>
+              <a:rPr lang="en-US" sz="1200" dirty="0" err="1">
+                <a:solidFill>
+                  <a:srgbClr val="000000"/>
+                </a:solidFill>
+                <a:latin typeface="Calibri" panose="020F0502020204030204" pitchFamily="34" charset="0"/>
+                <a:ea typeface="Calibri" panose="020F0502020204030204" pitchFamily="34" charset="0"/>
+                <a:cs typeface="Arial" panose="020B0604020202020204" pitchFamily="34" charset="0"/>
+              </a:rPr>
+              <a:t>.router.</a:t>
+            </a:r>
+            <a:r>
+              <a:rPr lang="en-US" sz="1200" dirty="0" err="1">
+                <a:solidFill>
+                  <a:srgbClr val="7A7A43"/>
+                </a:solidFill>
+                <a:latin typeface="Calibri" panose="020F0502020204030204" pitchFamily="34" charset="0"/>
+                <a:ea typeface="Calibri" panose="020F0502020204030204" pitchFamily="34" charset="0"/>
+                <a:cs typeface="Arial" panose="020B0604020202020204" pitchFamily="34" charset="0"/>
+              </a:rPr>
+              <a:t>navigate</a:t>
+            </a:r>
+            <a:r>
+              <a:rPr lang="en-US" sz="1200" dirty="0">
+                <a:solidFill>
+                  <a:srgbClr val="000000"/>
+                </a:solidFill>
+                <a:latin typeface="Calibri" panose="020F0502020204030204" pitchFamily="34" charset="0"/>
+                <a:ea typeface="Calibri" panose="020F0502020204030204" pitchFamily="34" charset="0"/>
+                <a:cs typeface="Arial" panose="020B0604020202020204" pitchFamily="34" charset="0"/>
+              </a:rPr>
+              <a:t>(</a:t>
+            </a:r>
+            <a:br>
+              <a:rPr lang="en-US" sz="1200" dirty="0">
+                <a:solidFill>
+                  <a:srgbClr val="000000"/>
+                </a:solidFill>
+                <a:latin typeface="Calibri" panose="020F0502020204030204" pitchFamily="34" charset="0"/>
+                <a:ea typeface="Calibri" panose="020F0502020204030204" pitchFamily="34" charset="0"/>
+                <a:cs typeface="Arial" panose="020B0604020202020204" pitchFamily="34" charset="0"/>
+              </a:rPr>
+            </a:br>
+            <a:r>
+              <a:rPr lang="en-US" sz="1200" dirty="0">
+                <a:solidFill>
+                  <a:srgbClr val="000000"/>
+                </a:solidFill>
+                <a:latin typeface="Calibri" panose="020F0502020204030204" pitchFamily="34" charset="0"/>
+                <a:ea typeface="Calibri" panose="020F0502020204030204" pitchFamily="34" charset="0"/>
+                <a:cs typeface="Arial" panose="020B0604020202020204" pitchFamily="34" charset="0"/>
+              </a:rPr>
+              <a:t>        [</a:t>
+            </a:r>
+            <a:br>
+              <a:rPr lang="en-US" sz="1200" dirty="0">
+                <a:solidFill>
+                  <a:srgbClr val="000000"/>
+                </a:solidFill>
+                <a:latin typeface="Calibri" panose="020F0502020204030204" pitchFamily="34" charset="0"/>
+                <a:ea typeface="Calibri" panose="020F0502020204030204" pitchFamily="34" charset="0"/>
+                <a:cs typeface="Arial" panose="020B0604020202020204" pitchFamily="34" charset="0"/>
+              </a:rPr>
+            </a:br>
+            <a:r>
+              <a:rPr lang="en-US" sz="1200" dirty="0">
+                <a:solidFill>
+                  <a:srgbClr val="000000"/>
+                </a:solidFill>
+                <a:latin typeface="Calibri" panose="020F0502020204030204" pitchFamily="34" charset="0"/>
+                <a:ea typeface="Calibri" panose="020F0502020204030204" pitchFamily="34" charset="0"/>
+                <a:cs typeface="Arial" panose="020B0604020202020204" pitchFamily="34" charset="0"/>
+              </a:rPr>
+              <a:t>            {</a:t>
+            </a:r>
+            <a:r>
+              <a:rPr lang="en-US" sz="1200" b="1" dirty="0" err="1">
+                <a:solidFill>
+                  <a:srgbClr val="660E7A"/>
+                </a:solidFill>
+                <a:latin typeface="Calibri" panose="020F0502020204030204" pitchFamily="34" charset="0"/>
+                <a:ea typeface="Calibri" panose="020F0502020204030204" pitchFamily="34" charset="0"/>
+                <a:cs typeface="Arial" panose="020B0604020202020204" pitchFamily="34" charset="0"/>
+              </a:rPr>
+              <a:t>showMore</a:t>
+            </a:r>
+            <a:r>
+              <a:rPr lang="en-US" sz="1200" dirty="0">
+                <a:solidFill>
+                  <a:srgbClr val="000000"/>
+                </a:solidFill>
+                <a:latin typeface="Calibri" panose="020F0502020204030204" pitchFamily="34" charset="0"/>
+                <a:ea typeface="Calibri" panose="020F0502020204030204" pitchFamily="34" charset="0"/>
+                <a:cs typeface="Arial" panose="020B0604020202020204" pitchFamily="34" charset="0"/>
+              </a:rPr>
+              <a:t>: !</a:t>
+            </a:r>
+            <a:r>
+              <a:rPr lang="en-US" sz="1200" b="1" dirty="0" err="1">
+                <a:solidFill>
+                  <a:srgbClr val="000080"/>
+                </a:solidFill>
+                <a:latin typeface="Calibri" panose="020F0502020204030204" pitchFamily="34" charset="0"/>
+                <a:ea typeface="Calibri" panose="020F0502020204030204" pitchFamily="34" charset="0"/>
+                <a:cs typeface="Arial" panose="020B0604020202020204" pitchFamily="34" charset="0"/>
+              </a:rPr>
+              <a:t>this</a:t>
+            </a:r>
+            <a:r>
+              <a:rPr lang="en-US" sz="1200" dirty="0" err="1">
+                <a:solidFill>
+                  <a:srgbClr val="000000"/>
+                </a:solidFill>
+                <a:latin typeface="Calibri" panose="020F0502020204030204" pitchFamily="34" charset="0"/>
+                <a:ea typeface="Calibri" panose="020F0502020204030204" pitchFamily="34" charset="0"/>
+                <a:cs typeface="Arial" panose="020B0604020202020204" pitchFamily="34" charset="0"/>
+              </a:rPr>
+              <a:t>.</a:t>
+            </a:r>
+            <a:r>
+              <a:rPr lang="en-US" sz="1200" dirty="0" err="1">
+                <a:solidFill>
+                  <a:srgbClr val="7A7A43"/>
+                </a:solidFill>
+                <a:latin typeface="Calibri" panose="020F0502020204030204" pitchFamily="34" charset="0"/>
+                <a:ea typeface="Calibri" panose="020F0502020204030204" pitchFamily="34" charset="0"/>
+                <a:cs typeface="Arial" panose="020B0604020202020204" pitchFamily="34" charset="0"/>
+              </a:rPr>
+              <a:t>showMore</a:t>
+            </a:r>
+            <a:r>
+              <a:rPr lang="en-US" sz="1200" dirty="0">
+                <a:solidFill>
+                  <a:srgbClr val="000000"/>
+                </a:solidFill>
+                <a:latin typeface="Calibri" panose="020F0502020204030204" pitchFamily="34" charset="0"/>
+                <a:ea typeface="Calibri" panose="020F0502020204030204" pitchFamily="34" charset="0"/>
+                <a:cs typeface="Arial" panose="020B0604020202020204" pitchFamily="34" charset="0"/>
+              </a:rPr>
+              <a:t>}</a:t>
+            </a:r>
+            <a:br>
+              <a:rPr lang="en-US" sz="1200" dirty="0">
+                <a:solidFill>
+                  <a:srgbClr val="000000"/>
+                </a:solidFill>
+                <a:latin typeface="Calibri" panose="020F0502020204030204" pitchFamily="34" charset="0"/>
+                <a:ea typeface="Calibri" panose="020F0502020204030204" pitchFamily="34" charset="0"/>
+                <a:cs typeface="Arial" panose="020B0604020202020204" pitchFamily="34" charset="0"/>
+              </a:rPr>
+            </a:br>
+            <a:r>
+              <a:rPr lang="en-US" sz="1200" dirty="0">
+                <a:solidFill>
+                  <a:srgbClr val="000000"/>
+                </a:solidFill>
+                <a:latin typeface="Calibri" panose="020F0502020204030204" pitchFamily="34" charset="0"/>
+                <a:ea typeface="Calibri" panose="020F0502020204030204" pitchFamily="34" charset="0"/>
+                <a:cs typeface="Arial" panose="020B0604020202020204" pitchFamily="34" charset="0"/>
+              </a:rPr>
+              <a:t>        ],</a:t>
+            </a:r>
+            <a:br>
+              <a:rPr lang="en-US" sz="1200" dirty="0">
+                <a:solidFill>
+                  <a:srgbClr val="000000"/>
+                </a:solidFill>
+                <a:latin typeface="Calibri" panose="020F0502020204030204" pitchFamily="34" charset="0"/>
+                <a:ea typeface="Calibri" panose="020F0502020204030204" pitchFamily="34" charset="0"/>
+                <a:cs typeface="Arial" panose="020B0604020202020204" pitchFamily="34" charset="0"/>
+              </a:rPr>
+            </a:br>
+            <a:r>
+              <a:rPr lang="en-US" sz="1200" dirty="0">
+                <a:solidFill>
+                  <a:srgbClr val="000000"/>
+                </a:solidFill>
+                <a:latin typeface="Calibri" panose="020F0502020204030204" pitchFamily="34" charset="0"/>
+                <a:ea typeface="Calibri" panose="020F0502020204030204" pitchFamily="34" charset="0"/>
+                <a:cs typeface="Arial" panose="020B0604020202020204" pitchFamily="34" charset="0"/>
+              </a:rPr>
+              <a:t>        {</a:t>
+            </a:r>
+            <a:br>
+              <a:rPr lang="en-US" sz="1200" dirty="0">
+                <a:solidFill>
+                  <a:srgbClr val="000000"/>
+                </a:solidFill>
+                <a:latin typeface="Calibri" panose="020F0502020204030204" pitchFamily="34" charset="0"/>
+                <a:ea typeface="Calibri" panose="020F0502020204030204" pitchFamily="34" charset="0"/>
+                <a:cs typeface="Arial" panose="020B0604020202020204" pitchFamily="34" charset="0"/>
+              </a:rPr>
+            </a:br>
+            <a:r>
+              <a:rPr lang="en-US" sz="1200" dirty="0">
+                <a:solidFill>
+                  <a:srgbClr val="000000"/>
+                </a:solidFill>
+                <a:latin typeface="Calibri" panose="020F0502020204030204" pitchFamily="34" charset="0"/>
+                <a:ea typeface="Calibri" panose="020F0502020204030204" pitchFamily="34" charset="0"/>
+                <a:cs typeface="Arial" panose="020B0604020202020204" pitchFamily="34" charset="0"/>
+              </a:rPr>
+              <a:t>            </a:t>
+            </a:r>
+            <a:r>
+              <a:rPr lang="en-US" sz="1200" b="1" dirty="0" err="1">
+                <a:solidFill>
+                  <a:srgbClr val="660E7A"/>
+                </a:solidFill>
+                <a:latin typeface="Calibri" panose="020F0502020204030204" pitchFamily="34" charset="0"/>
+                <a:ea typeface="Calibri" panose="020F0502020204030204" pitchFamily="34" charset="0"/>
+                <a:cs typeface="Arial" panose="020B0604020202020204" pitchFamily="34" charset="0"/>
+              </a:rPr>
+              <a:t>relativeTo</a:t>
+            </a:r>
+            <a:r>
+              <a:rPr lang="en-US" sz="1200" dirty="0">
+                <a:solidFill>
+                  <a:srgbClr val="000000"/>
+                </a:solidFill>
+                <a:latin typeface="Calibri" panose="020F0502020204030204" pitchFamily="34" charset="0"/>
+                <a:ea typeface="Calibri" panose="020F0502020204030204" pitchFamily="34" charset="0"/>
+                <a:cs typeface="Arial" panose="020B0604020202020204" pitchFamily="34" charset="0"/>
+              </a:rPr>
+              <a:t>: </a:t>
+            </a:r>
+            <a:r>
+              <a:rPr lang="en-US" sz="1200" b="1" dirty="0" err="1">
+                <a:solidFill>
+                  <a:srgbClr val="000080"/>
+                </a:solidFill>
+                <a:latin typeface="Calibri" panose="020F0502020204030204" pitchFamily="34" charset="0"/>
+                <a:ea typeface="Calibri" panose="020F0502020204030204" pitchFamily="34" charset="0"/>
+                <a:cs typeface="Arial" panose="020B0604020202020204" pitchFamily="34" charset="0"/>
+              </a:rPr>
+              <a:t>this</a:t>
+            </a:r>
+            <a:r>
+              <a:rPr lang="en-US" sz="1200" dirty="0" err="1">
+                <a:solidFill>
+                  <a:srgbClr val="000000"/>
+                </a:solidFill>
+                <a:latin typeface="Calibri" panose="020F0502020204030204" pitchFamily="34" charset="0"/>
+                <a:ea typeface="Calibri" panose="020F0502020204030204" pitchFamily="34" charset="0"/>
+                <a:cs typeface="Arial" panose="020B0604020202020204" pitchFamily="34" charset="0"/>
+              </a:rPr>
+              <a:t>.activatedRoute</a:t>
+            </a:r>
+            <a:br>
+              <a:rPr lang="en-US" sz="1200" dirty="0">
+                <a:solidFill>
+                  <a:srgbClr val="000000"/>
+                </a:solidFill>
+                <a:latin typeface="Calibri" panose="020F0502020204030204" pitchFamily="34" charset="0"/>
+                <a:ea typeface="Calibri" panose="020F0502020204030204" pitchFamily="34" charset="0"/>
+                <a:cs typeface="Arial" panose="020B0604020202020204" pitchFamily="34" charset="0"/>
+              </a:rPr>
+            </a:br>
+            <a:r>
+              <a:rPr lang="en-US" sz="1200" dirty="0">
+                <a:solidFill>
+                  <a:srgbClr val="000000"/>
+                </a:solidFill>
+                <a:latin typeface="Calibri" panose="020F0502020204030204" pitchFamily="34" charset="0"/>
+                <a:ea typeface="Calibri" panose="020F0502020204030204" pitchFamily="34" charset="0"/>
+                <a:cs typeface="Arial" panose="020B0604020202020204" pitchFamily="34" charset="0"/>
+              </a:rPr>
+              <a:t>        });</a:t>
+            </a:r>
+            <a:br>
+              <a:rPr lang="en-US" sz="1200" dirty="0">
+                <a:solidFill>
+                  <a:srgbClr val="000000"/>
+                </a:solidFill>
+                <a:latin typeface="Calibri" panose="020F0502020204030204" pitchFamily="34" charset="0"/>
+                <a:ea typeface="Calibri" panose="020F0502020204030204" pitchFamily="34" charset="0"/>
+                <a:cs typeface="Arial" panose="020B0604020202020204" pitchFamily="34" charset="0"/>
+              </a:rPr>
+            </a:br>
+            <a:r>
+              <a:rPr lang="en-US" sz="1200" dirty="0">
+                <a:solidFill>
+                  <a:srgbClr val="000000"/>
+                </a:solidFill>
+                <a:latin typeface="Calibri" panose="020F0502020204030204" pitchFamily="34" charset="0"/>
+                <a:ea typeface="Calibri" panose="020F0502020204030204" pitchFamily="34" charset="0"/>
+                <a:cs typeface="Arial" panose="020B0604020202020204" pitchFamily="34" charset="0"/>
+              </a:rPr>
+              <a:t>}</a:t>
+            </a:r>
+            <a:endParaRPr lang="he-IL" sz="1200" dirty="0"/>
+          </a:p>
+        </p:txBody>
+      </p:sp>
+      <p:sp>
+        <p:nvSpPr>
+          <p:cNvPr id="7" name="Line Callout 2 6"/>
+          <p:cNvSpPr/>
+          <p:nvPr/>
+        </p:nvSpPr>
+        <p:spPr>
+          <a:xfrm>
+            <a:off x="679942" y="4149080"/>
+            <a:ext cx="1587801" cy="1152128"/>
+          </a:xfrm>
+          <a:prstGeom prst="borderCallout2">
+            <a:avLst>
+              <a:gd name="adj1" fmla="val 23696"/>
+              <a:gd name="adj2" fmla="val 107572"/>
+              <a:gd name="adj3" fmla="val 38534"/>
+              <a:gd name="adj4" fmla="val 106626"/>
+              <a:gd name="adj5" fmla="val 9629"/>
+              <a:gd name="adj6" fmla="val 164732"/>
+            </a:avLst>
+          </a:prstGeom>
+        </p:spPr>
+        <p:style>
+          <a:lnRef idx="2">
+            <a:schemeClr val="accent1">
+              <a:shade val="50000"/>
+            </a:schemeClr>
+          </a:lnRef>
+          <a:fillRef idx="1">
+            <a:schemeClr val="accent1"/>
+          </a:fillRef>
+          <a:effectRef idx="0">
+            <a:schemeClr val="accent1"/>
+          </a:effectRef>
+          <a:fontRef idx="minor">
+            <a:schemeClr val="lt1"/>
+          </a:fontRef>
+        </p:style>
+        <p:txBody>
+          <a:bodyPr rtlCol="0" anchor="ctr"/>
+          <a:lstStyle/>
+          <a:p>
+            <a:pPr algn="ctr"/>
+            <a:r>
+              <a:rPr lang="en-US" sz="1400" dirty="0"/>
+              <a:t>The property can be bound to the view thus it will be updated for each change</a:t>
+            </a:r>
+          </a:p>
+        </p:txBody>
+      </p:sp>
+      <p:sp>
+        <p:nvSpPr>
+          <p:cNvPr id="8" name="Line Callout 2 6"/>
+          <p:cNvSpPr/>
+          <p:nvPr/>
+        </p:nvSpPr>
+        <p:spPr>
+          <a:xfrm>
+            <a:off x="7051036" y="5530433"/>
+            <a:ext cx="1553412" cy="922904"/>
+          </a:xfrm>
+          <a:prstGeom prst="borderCallout2">
+            <a:avLst>
+              <a:gd name="adj1" fmla="val 53139"/>
+              <a:gd name="adj2" fmla="val -85535"/>
+              <a:gd name="adj3" fmla="val 46571"/>
+              <a:gd name="adj4" fmla="val -6970"/>
+              <a:gd name="adj5" fmla="val -4621"/>
+              <a:gd name="adj6" fmla="val -88981"/>
+            </a:avLst>
+          </a:prstGeom>
+        </p:spPr>
+        <p:style>
+          <a:lnRef idx="2">
+            <a:schemeClr val="accent1">
+              <a:shade val="50000"/>
+            </a:schemeClr>
+          </a:lnRef>
+          <a:fillRef idx="1">
+            <a:schemeClr val="accent1"/>
+          </a:fillRef>
+          <a:effectRef idx="0">
+            <a:schemeClr val="accent1"/>
+          </a:effectRef>
+          <a:fontRef idx="minor">
+            <a:schemeClr val="lt1"/>
+          </a:fontRef>
+        </p:style>
+        <p:txBody>
+          <a:bodyPr rtlCol="0" anchor="ctr"/>
+          <a:lstStyle/>
+          <a:p>
+            <a:pPr algn="ctr"/>
+            <a:r>
+              <a:rPr lang="en-US" sz="1400" dirty="0"/>
+              <a:t>Navigate to “self” and change the </a:t>
+            </a:r>
+            <a:r>
+              <a:rPr lang="en-US" sz="1400" dirty="0" err="1"/>
+              <a:t>showMore</a:t>
+            </a:r>
+            <a:r>
+              <a:rPr lang="en-US" sz="1400" dirty="0"/>
+              <a:t> settings</a:t>
+            </a:r>
+          </a:p>
+        </p:txBody>
+      </p:sp>
+    </p:spTree>
+    <p:extLst>
+      <p:ext uri="{BB962C8B-B14F-4D97-AF65-F5344CB8AC3E}">
+        <p14:creationId xmlns:p14="http://schemas.microsoft.com/office/powerpoint/2010/main" val="3443040395"/>
+      </p:ext>
+    </p:extLst>
+  </p:cSld>
+  <p:clrMapOvr>
+    <a:masterClrMapping/>
+  </p:clrMapOvr>
+</p:sld>
+</file>
+
+<file path=ppt/slides/slide16.xml><?xml version="1.0" encoding="utf-8"?>
+<p:sld xmlns:a="http://schemas.openxmlformats.org/drawingml/2006/main" xmlns:r="http://schemas.openxmlformats.org/officeDocument/2006/relationships" xmlns:p="http://schemas.openxmlformats.org/presentationml/2006/main">
+  <p:cSld>
+    <p:spTree>
+      <p:nvGrpSpPr>
+        <p:cNvPr id="1" name=""/>
+        <p:cNvGrpSpPr/>
+        <p:nvPr/>
+      </p:nvGrpSpPr>
+      <p:grpSpPr>
+        <a:xfrm>
+          <a:off x="0" y="0"/>
+          <a:ext cx="0" cy="0"/>
+          <a:chOff x="0" y="0"/>
+          <a:chExt cx="0" cy="0"/>
+        </a:xfrm>
+      </p:grpSpPr>
+      <p:sp>
+        <p:nvSpPr>
+          <p:cNvPr id="2" name="Title 1"/>
+          <p:cNvSpPr>
+            <a:spLocks noGrp="1"/>
+          </p:cNvSpPr>
+          <p:nvPr>
+            <p:ph type="title"/>
+          </p:nvPr>
+        </p:nvSpPr>
+        <p:spPr/>
+        <p:txBody>
+          <a:bodyPr/>
+          <a:lstStyle/>
+          <a:p>
+            <a:r>
+              <a:rPr lang="en-US" dirty="0"/>
+              <a:t>Persist Preferences</a:t>
+            </a:r>
+            <a:endParaRPr lang="he-IL" dirty="0"/>
+          </a:p>
+        </p:txBody>
+      </p:sp>
+      <p:sp>
+        <p:nvSpPr>
+          <p:cNvPr id="3" name="Footer Placeholder 2"/>
+          <p:cNvSpPr>
+            <a:spLocks noGrp="1"/>
+          </p:cNvSpPr>
+          <p:nvPr>
+            <p:ph type="ftr" sz="quarter" idx="11"/>
+          </p:nvPr>
+        </p:nvSpPr>
+        <p:spPr/>
+        <p:txBody>
+          <a:bodyPr/>
+          <a:lstStyle/>
+          <a:p>
+            <a:r>
+              <a:rPr lang="en-US"/>
+              <a:t>© 2016 Ori Calvo</a:t>
+            </a:r>
+            <a:endParaRPr lang="en-US" dirty="0"/>
+          </a:p>
+        </p:txBody>
+      </p:sp>
+      <p:sp>
+        <p:nvSpPr>
+          <p:cNvPr id="4" name="Slide Number Placeholder 3"/>
+          <p:cNvSpPr>
+            <a:spLocks noGrp="1"/>
+          </p:cNvSpPr>
+          <p:nvPr>
+            <p:ph type="sldNum" sz="quarter" idx="12"/>
+          </p:nvPr>
+        </p:nvSpPr>
+        <p:spPr/>
+        <p:txBody>
+          <a:bodyPr>
+            <a:normAutofit fontScale="85000" lnSpcReduction="20000"/>
+          </a:bodyPr>
+          <a:lstStyle/>
+          <a:p>
+            <a:fld id="{6EDEC3BC-0694-4586-AE63-02B4D54ABF43}" type="slidenum">
+              <a:rPr lang="en-US" smtClean="0"/>
+              <a:pPr/>
+              <a:t>16</a:t>
+            </a:fld>
+            <a:endParaRPr lang="en-US"/>
+          </a:p>
+        </p:txBody>
+      </p:sp>
+      <p:sp>
+        <p:nvSpPr>
+          <p:cNvPr id="5" name="Content Placeholder 4"/>
+          <p:cNvSpPr>
+            <a:spLocks noGrp="1"/>
+          </p:cNvSpPr>
+          <p:nvPr>
+            <p:ph sz="quarter" idx="1"/>
+          </p:nvPr>
+        </p:nvSpPr>
+        <p:spPr>
+          <a:xfrm>
+            <a:off x="612648" y="1600200"/>
+            <a:ext cx="8153400" cy="4495800"/>
+          </a:xfrm>
+        </p:spPr>
+        <p:txBody>
+          <a:bodyPr>
+            <a:normAutofit lnSpcReduction="10000"/>
+          </a:bodyPr>
+          <a:lstStyle/>
+          <a:p>
+            <a:r>
+              <a:rPr lang="en-US" dirty="0"/>
+              <a:t>Using URL to store preferences means the user can refresh the browser and keep current selection</a:t>
+            </a:r>
+          </a:p>
+          <a:p>
+            <a:r>
+              <a:rPr lang="en-US" dirty="0"/>
+              <a:t>The state can be extracted during </a:t>
+            </a:r>
+            <a:r>
+              <a:rPr lang="en-US" dirty="0" err="1"/>
+              <a:t>ngOnInit</a:t>
+            </a:r>
+            <a:endParaRPr lang="en-US" dirty="0"/>
+          </a:p>
+          <a:p>
+            <a:endParaRPr lang="en-US" dirty="0"/>
+          </a:p>
+          <a:p>
+            <a:endParaRPr lang="en-US" dirty="0"/>
+          </a:p>
+          <a:p>
+            <a:endParaRPr lang="en-US" dirty="0"/>
+          </a:p>
+          <a:p>
+            <a:r>
+              <a:rPr lang="en-US" dirty="0"/>
+              <a:t>But </a:t>
+            </a:r>
+            <a:r>
+              <a:rPr lang="en-US" dirty="0" err="1"/>
+              <a:t>ngOnInit</a:t>
+            </a:r>
+            <a:r>
+              <a:rPr lang="en-US" dirty="0"/>
+              <a:t> is executed only once during component lifetime</a:t>
+            </a:r>
+          </a:p>
+          <a:p>
+            <a:r>
+              <a:rPr lang="en-US" dirty="0"/>
+              <a:t>How can we react to changes inside </a:t>
+            </a:r>
+            <a:r>
+              <a:rPr lang="en-US" dirty="0">
+                <a:solidFill>
+                  <a:srgbClr val="FF0000"/>
+                </a:solidFill>
+              </a:rPr>
+              <a:t>params.id</a:t>
+            </a:r>
+            <a:r>
+              <a:rPr lang="en-US" dirty="0"/>
+              <a:t> ?</a:t>
+            </a:r>
+            <a:endParaRPr lang="he-IL" dirty="0"/>
+          </a:p>
+        </p:txBody>
+      </p:sp>
+      <p:sp>
+        <p:nvSpPr>
+          <p:cNvPr id="7" name="Rectangle 6"/>
+          <p:cNvSpPr/>
+          <p:nvPr/>
+        </p:nvSpPr>
+        <p:spPr>
+          <a:xfrm>
+            <a:off x="2956950" y="2996952"/>
+            <a:ext cx="3464796" cy="1384995"/>
+          </a:xfrm>
+          <a:prstGeom prst="rect">
+            <a:avLst/>
+          </a:prstGeom>
+        </p:spPr>
+        <p:txBody>
+          <a:bodyPr wrap="square">
+            <a:spAutoFit/>
+          </a:bodyPr>
+          <a:lstStyle/>
+          <a:p>
+            <a:r>
+              <a:rPr lang="en-US" sz="1200" dirty="0" err="1">
+                <a:solidFill>
+                  <a:srgbClr val="7A7A43"/>
+                </a:solidFill>
+                <a:latin typeface="Calibri" panose="020F0502020204030204" pitchFamily="34" charset="0"/>
+                <a:ea typeface="Calibri" panose="020F0502020204030204" pitchFamily="34" charset="0"/>
+                <a:cs typeface="Arial" panose="020B0604020202020204" pitchFamily="34" charset="0"/>
+              </a:rPr>
+              <a:t>ngOnInit</a:t>
+            </a:r>
+            <a:r>
+              <a:rPr lang="en-US" sz="1200" dirty="0">
+                <a:solidFill>
+                  <a:srgbClr val="000000"/>
+                </a:solidFill>
+                <a:latin typeface="Calibri" panose="020F0502020204030204" pitchFamily="34" charset="0"/>
+                <a:ea typeface="Calibri" panose="020F0502020204030204" pitchFamily="34" charset="0"/>
+                <a:cs typeface="Arial" panose="020B0604020202020204" pitchFamily="34" charset="0"/>
+              </a:rPr>
+              <a:t>() {</a:t>
+            </a:r>
+            <a:br>
+              <a:rPr lang="en-US" sz="1200" dirty="0">
+                <a:solidFill>
+                  <a:srgbClr val="000000"/>
+                </a:solidFill>
+                <a:latin typeface="Calibri" panose="020F0502020204030204" pitchFamily="34" charset="0"/>
+                <a:ea typeface="Calibri" panose="020F0502020204030204" pitchFamily="34" charset="0"/>
+                <a:cs typeface="Arial" panose="020B0604020202020204" pitchFamily="34" charset="0"/>
+              </a:rPr>
+            </a:br>
+            <a:r>
+              <a:rPr lang="en-US" sz="1200" dirty="0">
+                <a:solidFill>
+                  <a:srgbClr val="000000"/>
+                </a:solidFill>
+                <a:latin typeface="Calibri" panose="020F0502020204030204" pitchFamily="34" charset="0"/>
+                <a:ea typeface="Calibri" panose="020F0502020204030204" pitchFamily="34" charset="0"/>
+                <a:cs typeface="Arial" panose="020B0604020202020204" pitchFamily="34" charset="0"/>
+              </a:rPr>
+              <a:t>    </a:t>
+            </a:r>
+            <a:r>
+              <a:rPr lang="en-US" sz="1200" b="1" dirty="0" err="1">
+                <a:solidFill>
+                  <a:srgbClr val="000080"/>
+                </a:solidFill>
+                <a:latin typeface="Calibri" panose="020F0502020204030204" pitchFamily="34" charset="0"/>
+                <a:ea typeface="Calibri" panose="020F0502020204030204" pitchFamily="34" charset="0"/>
+                <a:cs typeface="Arial" panose="020B0604020202020204" pitchFamily="34" charset="0"/>
+              </a:rPr>
+              <a:t>this</a:t>
+            </a:r>
+            <a:r>
+              <a:rPr lang="en-US" sz="1200" dirty="0" err="1">
+                <a:solidFill>
+                  <a:srgbClr val="000000"/>
+                </a:solidFill>
+                <a:latin typeface="Calibri" panose="020F0502020204030204" pitchFamily="34" charset="0"/>
+                <a:ea typeface="Calibri" panose="020F0502020204030204" pitchFamily="34" charset="0"/>
+                <a:cs typeface="Arial" panose="020B0604020202020204" pitchFamily="34" charset="0"/>
+              </a:rPr>
+              <a:t>.</a:t>
+            </a:r>
+            <a:r>
+              <a:rPr lang="en-US" sz="1200" b="1" dirty="0" err="1">
+                <a:solidFill>
+                  <a:srgbClr val="660E7A"/>
+                </a:solidFill>
+                <a:latin typeface="Calibri" panose="020F0502020204030204" pitchFamily="34" charset="0"/>
+                <a:ea typeface="Calibri" panose="020F0502020204030204" pitchFamily="34" charset="0"/>
+                <a:cs typeface="Arial" panose="020B0604020202020204" pitchFamily="34" charset="0"/>
+              </a:rPr>
+              <a:t>contact</a:t>
+            </a:r>
+            <a:r>
+              <a:rPr lang="en-US" sz="1200" b="1" dirty="0">
+                <a:solidFill>
+                  <a:srgbClr val="660E7A"/>
+                </a:solidFill>
+                <a:latin typeface="Calibri" panose="020F0502020204030204" pitchFamily="34" charset="0"/>
+                <a:ea typeface="Calibri" panose="020F0502020204030204" pitchFamily="34" charset="0"/>
+                <a:cs typeface="Arial" panose="020B0604020202020204" pitchFamily="34" charset="0"/>
+              </a:rPr>
+              <a:t> </a:t>
+            </a:r>
+            <a:r>
+              <a:rPr lang="en-US" sz="1200" dirty="0">
+                <a:solidFill>
+                  <a:srgbClr val="000000"/>
+                </a:solidFill>
+                <a:latin typeface="Calibri" panose="020F0502020204030204" pitchFamily="34" charset="0"/>
+                <a:ea typeface="Calibri" panose="020F0502020204030204" pitchFamily="34" charset="0"/>
+                <a:cs typeface="Arial" panose="020B0604020202020204" pitchFamily="34" charset="0"/>
+              </a:rPr>
+              <a:t>= </a:t>
+            </a:r>
+            <a:r>
+              <a:rPr lang="en-US" sz="1200" b="1" dirty="0" err="1">
+                <a:solidFill>
+                  <a:srgbClr val="000080"/>
+                </a:solidFill>
+                <a:latin typeface="Calibri" panose="020F0502020204030204" pitchFamily="34" charset="0"/>
+                <a:ea typeface="Calibri" panose="020F0502020204030204" pitchFamily="34" charset="0"/>
+                <a:cs typeface="Arial" panose="020B0604020202020204" pitchFamily="34" charset="0"/>
+              </a:rPr>
+              <a:t>this</a:t>
+            </a:r>
+            <a:r>
+              <a:rPr lang="en-US" sz="1200" dirty="0" err="1">
+                <a:solidFill>
+                  <a:srgbClr val="000000"/>
+                </a:solidFill>
+                <a:latin typeface="Calibri" panose="020F0502020204030204" pitchFamily="34" charset="0"/>
+                <a:ea typeface="Calibri" panose="020F0502020204030204" pitchFamily="34" charset="0"/>
+                <a:cs typeface="Arial" panose="020B0604020202020204" pitchFamily="34" charset="0"/>
+              </a:rPr>
+              <a:t>.contactService.</a:t>
+            </a:r>
+            <a:r>
+              <a:rPr lang="en-US" sz="1200" dirty="0" err="1">
+                <a:solidFill>
+                  <a:srgbClr val="7A7A43"/>
+                </a:solidFill>
+                <a:latin typeface="Calibri" panose="020F0502020204030204" pitchFamily="34" charset="0"/>
+                <a:ea typeface="Calibri" panose="020F0502020204030204" pitchFamily="34" charset="0"/>
+                <a:cs typeface="Arial" panose="020B0604020202020204" pitchFamily="34" charset="0"/>
+              </a:rPr>
+              <a:t>getById</a:t>
+            </a:r>
+            <a:r>
+              <a:rPr lang="en-US" sz="1200" dirty="0">
+                <a:solidFill>
+                  <a:srgbClr val="000000"/>
+                </a:solidFill>
+                <a:latin typeface="Calibri" panose="020F0502020204030204" pitchFamily="34" charset="0"/>
+                <a:ea typeface="Calibri" panose="020F0502020204030204" pitchFamily="34" charset="0"/>
+                <a:cs typeface="Arial" panose="020B0604020202020204" pitchFamily="34" charset="0"/>
+              </a:rPr>
+              <a:t>(</a:t>
+            </a:r>
+            <a:r>
+              <a:rPr lang="en-US" sz="1200" b="1" dirty="0">
+                <a:solidFill>
+                  <a:srgbClr val="000080"/>
+                </a:solidFill>
+                <a:latin typeface="Calibri" panose="020F0502020204030204" pitchFamily="34" charset="0"/>
+                <a:ea typeface="Calibri" panose="020F0502020204030204" pitchFamily="34" charset="0"/>
+                <a:cs typeface="Arial" panose="020B0604020202020204" pitchFamily="34" charset="0"/>
+              </a:rPr>
+              <a:t>this</a:t>
+            </a:r>
+            <a:r>
+              <a:rPr lang="en-US" sz="1200" dirty="0">
+                <a:solidFill>
+                  <a:srgbClr val="000000"/>
+                </a:solidFill>
+                <a:latin typeface="Calibri" panose="020F0502020204030204" pitchFamily="34" charset="0"/>
+                <a:ea typeface="Calibri" panose="020F0502020204030204" pitchFamily="34" charset="0"/>
+                <a:cs typeface="Arial" panose="020B0604020202020204" pitchFamily="34" charset="0"/>
+              </a:rPr>
+              <a:t>.</a:t>
+            </a:r>
+            <a:r>
+              <a:rPr lang="en-US" sz="1200" dirty="0">
+                <a:solidFill>
+                  <a:srgbClr val="7A7A43"/>
+                </a:solidFill>
+                <a:latin typeface="Calibri" panose="020F0502020204030204" pitchFamily="34" charset="0"/>
+                <a:ea typeface="Calibri" panose="020F0502020204030204" pitchFamily="34" charset="0"/>
+                <a:cs typeface="Arial" panose="020B0604020202020204" pitchFamily="34" charset="0"/>
+              </a:rPr>
+              <a:t>id</a:t>
+            </a:r>
+            <a:r>
+              <a:rPr lang="en-US" sz="1200" dirty="0">
+                <a:solidFill>
+                  <a:srgbClr val="000000"/>
+                </a:solidFill>
+                <a:latin typeface="Calibri" panose="020F0502020204030204" pitchFamily="34" charset="0"/>
+                <a:ea typeface="Calibri" panose="020F0502020204030204" pitchFamily="34" charset="0"/>
+                <a:cs typeface="Arial" panose="020B0604020202020204" pitchFamily="34" charset="0"/>
+              </a:rPr>
+              <a:t>);</a:t>
+            </a:r>
+            <a:br>
+              <a:rPr lang="en-US" sz="1200" dirty="0">
+                <a:solidFill>
+                  <a:srgbClr val="000000"/>
+                </a:solidFill>
+                <a:latin typeface="Calibri" panose="020F0502020204030204" pitchFamily="34" charset="0"/>
+                <a:ea typeface="Calibri" panose="020F0502020204030204" pitchFamily="34" charset="0"/>
+                <a:cs typeface="Arial" panose="020B0604020202020204" pitchFamily="34" charset="0"/>
+              </a:rPr>
+            </a:br>
+            <a:r>
+              <a:rPr lang="en-US" sz="1200" dirty="0">
+                <a:solidFill>
+                  <a:srgbClr val="000000"/>
+                </a:solidFill>
+                <a:latin typeface="Calibri" panose="020F0502020204030204" pitchFamily="34" charset="0"/>
+                <a:ea typeface="Calibri" panose="020F0502020204030204" pitchFamily="34" charset="0"/>
+                <a:cs typeface="Arial" panose="020B0604020202020204" pitchFamily="34" charset="0"/>
+              </a:rPr>
+              <a:t>}</a:t>
+            </a:r>
+            <a:br>
+              <a:rPr lang="en-US" sz="1200" dirty="0">
+                <a:solidFill>
+                  <a:srgbClr val="000000"/>
+                </a:solidFill>
+                <a:latin typeface="Calibri" panose="020F0502020204030204" pitchFamily="34" charset="0"/>
+                <a:ea typeface="Calibri" panose="020F0502020204030204" pitchFamily="34" charset="0"/>
+                <a:cs typeface="Arial" panose="020B0604020202020204" pitchFamily="34" charset="0"/>
+              </a:rPr>
+            </a:br>
+            <a:br>
+              <a:rPr lang="en-US" sz="1200" dirty="0">
+                <a:solidFill>
+                  <a:srgbClr val="000000"/>
+                </a:solidFill>
+                <a:latin typeface="Calibri" panose="020F0502020204030204" pitchFamily="34" charset="0"/>
+                <a:ea typeface="Calibri" panose="020F0502020204030204" pitchFamily="34" charset="0"/>
+                <a:cs typeface="Arial" panose="020B0604020202020204" pitchFamily="34" charset="0"/>
+              </a:rPr>
+            </a:br>
+            <a:r>
+              <a:rPr lang="en-US" sz="1200" b="1" dirty="0">
+                <a:solidFill>
+                  <a:srgbClr val="000080"/>
+                </a:solidFill>
+                <a:latin typeface="Calibri" panose="020F0502020204030204" pitchFamily="34" charset="0"/>
+                <a:ea typeface="Calibri" panose="020F0502020204030204" pitchFamily="34" charset="0"/>
+                <a:cs typeface="Arial" panose="020B0604020202020204" pitchFamily="34" charset="0"/>
+              </a:rPr>
+              <a:t>get </a:t>
+            </a:r>
+            <a:r>
+              <a:rPr lang="en-US" sz="1200" dirty="0">
+                <a:solidFill>
+                  <a:srgbClr val="7A7A43"/>
+                </a:solidFill>
+                <a:latin typeface="Calibri" panose="020F0502020204030204" pitchFamily="34" charset="0"/>
+                <a:ea typeface="Calibri" panose="020F0502020204030204" pitchFamily="34" charset="0"/>
+                <a:cs typeface="Arial" panose="020B0604020202020204" pitchFamily="34" charset="0"/>
+              </a:rPr>
+              <a:t>id</a:t>
+            </a:r>
+            <a:r>
+              <a:rPr lang="en-US" sz="1200" dirty="0">
+                <a:solidFill>
+                  <a:srgbClr val="000000"/>
+                </a:solidFill>
+                <a:latin typeface="Calibri" panose="020F0502020204030204" pitchFamily="34" charset="0"/>
+                <a:ea typeface="Calibri" panose="020F0502020204030204" pitchFamily="34" charset="0"/>
+                <a:cs typeface="Arial" panose="020B0604020202020204" pitchFamily="34" charset="0"/>
+              </a:rPr>
+              <a:t>() {</a:t>
+            </a:r>
+            <a:br>
+              <a:rPr lang="en-US" sz="1200" dirty="0">
+                <a:solidFill>
+                  <a:srgbClr val="000000"/>
+                </a:solidFill>
+                <a:latin typeface="Calibri" panose="020F0502020204030204" pitchFamily="34" charset="0"/>
+                <a:ea typeface="Calibri" panose="020F0502020204030204" pitchFamily="34" charset="0"/>
+                <a:cs typeface="Arial" panose="020B0604020202020204" pitchFamily="34" charset="0"/>
+              </a:rPr>
+            </a:br>
+            <a:r>
+              <a:rPr lang="en-US" sz="1200" dirty="0">
+                <a:solidFill>
+                  <a:srgbClr val="000000"/>
+                </a:solidFill>
+                <a:latin typeface="Calibri" panose="020F0502020204030204" pitchFamily="34" charset="0"/>
+                <a:ea typeface="Calibri" panose="020F0502020204030204" pitchFamily="34" charset="0"/>
+                <a:cs typeface="Arial" panose="020B0604020202020204" pitchFamily="34" charset="0"/>
+              </a:rPr>
+              <a:t>    </a:t>
+            </a:r>
+            <a:r>
+              <a:rPr lang="en-US" sz="1200" b="1" dirty="0">
+                <a:solidFill>
+                  <a:srgbClr val="000080"/>
+                </a:solidFill>
+                <a:latin typeface="Calibri" panose="020F0502020204030204" pitchFamily="34" charset="0"/>
+                <a:ea typeface="Calibri" panose="020F0502020204030204" pitchFamily="34" charset="0"/>
+                <a:cs typeface="Arial" panose="020B0604020202020204" pitchFamily="34" charset="0"/>
+              </a:rPr>
+              <a:t>return this</a:t>
+            </a:r>
+            <a:r>
+              <a:rPr lang="en-US" sz="1200" dirty="0">
+                <a:solidFill>
+                  <a:srgbClr val="000000"/>
+                </a:solidFill>
+                <a:latin typeface="Calibri" panose="020F0502020204030204" pitchFamily="34" charset="0"/>
+                <a:ea typeface="Calibri" panose="020F0502020204030204" pitchFamily="34" charset="0"/>
+                <a:cs typeface="Arial" panose="020B0604020202020204" pitchFamily="34" charset="0"/>
+              </a:rPr>
+              <a:t>.activatedRoute.</a:t>
+            </a:r>
+            <a:r>
+              <a:rPr lang="en-US" sz="1200" b="1" dirty="0">
+                <a:solidFill>
+                  <a:srgbClr val="660E7A"/>
+                </a:solidFill>
+                <a:latin typeface="Calibri" panose="020F0502020204030204" pitchFamily="34" charset="0"/>
+                <a:ea typeface="Calibri" panose="020F0502020204030204" pitchFamily="34" charset="0"/>
+                <a:cs typeface="Arial" panose="020B0604020202020204" pitchFamily="34" charset="0"/>
+              </a:rPr>
+              <a:t>snapshot</a:t>
+            </a:r>
+            <a:r>
+              <a:rPr lang="en-US" sz="1200" dirty="0">
+                <a:solidFill>
+                  <a:srgbClr val="000000"/>
+                </a:solidFill>
+                <a:latin typeface="Calibri" panose="020F0502020204030204" pitchFamily="34" charset="0"/>
+                <a:ea typeface="Calibri" panose="020F0502020204030204" pitchFamily="34" charset="0"/>
+                <a:cs typeface="Arial" panose="020B0604020202020204" pitchFamily="34" charset="0"/>
+              </a:rPr>
+              <a:t>.</a:t>
+            </a:r>
+            <a:r>
+              <a:rPr lang="en-US" sz="1200" b="1" dirty="0">
+                <a:solidFill>
+                  <a:srgbClr val="660E7A"/>
+                </a:solidFill>
+                <a:latin typeface="Calibri" panose="020F0502020204030204" pitchFamily="34" charset="0"/>
+                <a:ea typeface="Calibri" panose="020F0502020204030204" pitchFamily="34" charset="0"/>
+                <a:cs typeface="Arial" panose="020B0604020202020204" pitchFamily="34" charset="0"/>
+              </a:rPr>
+              <a:t>params</a:t>
+            </a:r>
+            <a:r>
+              <a:rPr lang="en-US" sz="1200" dirty="0">
+                <a:solidFill>
+                  <a:srgbClr val="000000"/>
+                </a:solidFill>
+                <a:latin typeface="Calibri" panose="020F0502020204030204" pitchFamily="34" charset="0"/>
+                <a:ea typeface="Calibri" panose="020F0502020204030204" pitchFamily="34" charset="0"/>
+                <a:cs typeface="Arial" panose="020B0604020202020204" pitchFamily="34" charset="0"/>
+              </a:rPr>
+              <a:t>.id;</a:t>
+            </a:r>
+            <a:br>
+              <a:rPr lang="en-US" sz="1200" dirty="0">
+                <a:solidFill>
+                  <a:srgbClr val="000000"/>
+                </a:solidFill>
+                <a:latin typeface="Calibri" panose="020F0502020204030204" pitchFamily="34" charset="0"/>
+                <a:ea typeface="Calibri" panose="020F0502020204030204" pitchFamily="34" charset="0"/>
+                <a:cs typeface="Arial" panose="020B0604020202020204" pitchFamily="34" charset="0"/>
+              </a:rPr>
+            </a:br>
+            <a:r>
+              <a:rPr lang="en-US" sz="1200" dirty="0">
+                <a:solidFill>
+                  <a:srgbClr val="000000"/>
+                </a:solidFill>
+                <a:latin typeface="Calibri" panose="020F0502020204030204" pitchFamily="34" charset="0"/>
+                <a:ea typeface="Calibri" panose="020F0502020204030204" pitchFamily="34" charset="0"/>
+                <a:cs typeface="Arial" panose="020B0604020202020204" pitchFamily="34" charset="0"/>
+              </a:rPr>
+              <a:t>}</a:t>
+            </a:r>
+            <a:endParaRPr lang="he-IL" sz="1200" dirty="0"/>
+          </a:p>
+        </p:txBody>
+      </p:sp>
+    </p:spTree>
+    <p:extLst>
+      <p:ext uri="{BB962C8B-B14F-4D97-AF65-F5344CB8AC3E}">
+        <p14:creationId xmlns:p14="http://schemas.microsoft.com/office/powerpoint/2010/main" val="2077537003"/>
+      </p:ext>
+    </p:extLst>
+  </p:cSld>
+  <p:clrMapOvr>
+    <a:masterClrMapping/>
+  </p:clrMapOvr>
+</p:sld>
+</file>
+
+<file path=ppt/slides/slide17.xml><?xml version="1.0" encoding="utf-8"?>
+<p:sld xmlns:a="http://schemas.openxmlformats.org/drawingml/2006/main" xmlns:r="http://schemas.openxmlformats.org/officeDocument/2006/relationships" xmlns:p="http://schemas.openxmlformats.org/presentationml/2006/main">
+  <p:cSld>
+    <p:spTree>
+      <p:nvGrpSpPr>
+        <p:cNvPr id="1" name=""/>
+        <p:cNvGrpSpPr/>
+        <p:nvPr/>
+      </p:nvGrpSpPr>
+      <p:grpSpPr>
+        <a:xfrm>
+          <a:off x="0" y="0"/>
+          <a:ext cx="0" cy="0"/>
+          <a:chOff x="0" y="0"/>
+          <a:chExt cx="0" cy="0"/>
+        </a:xfrm>
+      </p:grpSpPr>
+      <p:sp>
+        <p:nvSpPr>
+          <p:cNvPr id="2" name="Title 1"/>
+          <p:cNvSpPr>
+            <a:spLocks noGrp="1"/>
+          </p:cNvSpPr>
+          <p:nvPr>
+            <p:ph type="title"/>
+          </p:nvPr>
+        </p:nvSpPr>
+        <p:spPr/>
+        <p:txBody>
+          <a:bodyPr>
+            <a:normAutofit/>
+          </a:bodyPr>
+          <a:lstStyle/>
+          <a:p>
+            <a:r>
+              <a:rPr lang="en-US" dirty="0"/>
+              <a:t>Reactive Route Parameters</a:t>
+            </a:r>
+            <a:endParaRPr lang="he-IL" dirty="0"/>
+          </a:p>
+        </p:txBody>
+      </p:sp>
+      <p:sp>
+        <p:nvSpPr>
+          <p:cNvPr id="3" name="Footer Placeholder 2"/>
+          <p:cNvSpPr>
+            <a:spLocks noGrp="1"/>
+          </p:cNvSpPr>
+          <p:nvPr>
+            <p:ph type="ftr" sz="quarter" idx="11"/>
+          </p:nvPr>
+        </p:nvSpPr>
+        <p:spPr/>
+        <p:txBody>
+          <a:bodyPr/>
+          <a:lstStyle/>
+          <a:p>
+            <a:r>
+              <a:rPr lang="en-US"/>
+              <a:t>© 2016 Ori Calvo</a:t>
+            </a:r>
+            <a:endParaRPr lang="en-US" dirty="0"/>
+          </a:p>
+        </p:txBody>
+      </p:sp>
+      <p:sp>
+        <p:nvSpPr>
+          <p:cNvPr id="4" name="Slide Number Placeholder 3"/>
+          <p:cNvSpPr>
+            <a:spLocks noGrp="1"/>
+          </p:cNvSpPr>
+          <p:nvPr>
+            <p:ph type="sldNum" sz="quarter" idx="12"/>
+          </p:nvPr>
+        </p:nvSpPr>
+        <p:spPr/>
+        <p:txBody>
+          <a:bodyPr>
+            <a:normAutofit fontScale="85000" lnSpcReduction="20000"/>
+          </a:bodyPr>
+          <a:lstStyle/>
+          <a:p>
+            <a:fld id="{6EDEC3BC-0694-4586-AE63-02B4D54ABF43}" type="slidenum">
+              <a:rPr lang="en-US" smtClean="0"/>
+              <a:pPr/>
+              <a:t>17</a:t>
+            </a:fld>
+            <a:endParaRPr lang="en-US"/>
+          </a:p>
+        </p:txBody>
+      </p:sp>
+      <p:sp>
+        <p:nvSpPr>
+          <p:cNvPr id="16" name="Rectangle 15"/>
+          <p:cNvSpPr/>
+          <p:nvPr/>
+        </p:nvSpPr>
+        <p:spPr>
+          <a:xfrm>
+            <a:off x="584892" y="1772816"/>
+            <a:ext cx="8208912" cy="1277273"/>
+          </a:xfrm>
+          <a:prstGeom prst="rect">
+            <a:avLst/>
+          </a:prstGeom>
+          <a:solidFill>
+            <a:schemeClr val="accent1">
+              <a:lumMod val="60000"/>
+              <a:lumOff val="40000"/>
+            </a:schemeClr>
+          </a:solidFill>
+        </p:spPr>
+        <p:txBody>
+          <a:bodyPr wrap="square">
+            <a:spAutoFit/>
+          </a:bodyPr>
+          <a:lstStyle/>
+          <a:p>
+            <a:r>
+              <a:rPr lang="en-US" sz="1100" b="1" dirty="0">
+                <a:solidFill>
+                  <a:srgbClr val="000080"/>
+                </a:solidFill>
+                <a:latin typeface="Calibri" panose="020F0502020204030204" pitchFamily="34" charset="0"/>
+                <a:ea typeface="Calibri" panose="020F0502020204030204" pitchFamily="34" charset="0"/>
+                <a:cs typeface="Arial" panose="020B0604020202020204" pitchFamily="34" charset="0"/>
+              </a:rPr>
+              <a:t>constructor</a:t>
+            </a:r>
+            <a:r>
+              <a:rPr lang="en-US" sz="1100" dirty="0">
+                <a:solidFill>
+                  <a:srgbClr val="000000"/>
+                </a:solidFill>
+                <a:latin typeface="Calibri" panose="020F0502020204030204" pitchFamily="34" charset="0"/>
+                <a:ea typeface="Calibri" panose="020F0502020204030204" pitchFamily="34" charset="0"/>
+                <a:cs typeface="Arial" panose="020B0604020202020204" pitchFamily="34" charset="0"/>
+              </a:rPr>
+              <a:t>(</a:t>
+            </a:r>
+            <a:r>
+              <a:rPr lang="en-US" sz="1100" b="1" dirty="0">
+                <a:solidFill>
+                  <a:srgbClr val="000080"/>
+                </a:solidFill>
+                <a:latin typeface="Calibri" panose="020F0502020204030204" pitchFamily="34" charset="0"/>
+                <a:ea typeface="Calibri" panose="020F0502020204030204" pitchFamily="34" charset="0"/>
+                <a:cs typeface="Arial" panose="020B0604020202020204" pitchFamily="34" charset="0"/>
+              </a:rPr>
+              <a:t>private </a:t>
+            </a:r>
+            <a:r>
+              <a:rPr lang="en-US" sz="1100" dirty="0" err="1">
+                <a:solidFill>
+                  <a:srgbClr val="000000"/>
+                </a:solidFill>
+                <a:latin typeface="Calibri" panose="020F0502020204030204" pitchFamily="34" charset="0"/>
+                <a:ea typeface="Calibri" panose="020F0502020204030204" pitchFamily="34" charset="0"/>
+                <a:cs typeface="Arial" panose="020B0604020202020204" pitchFamily="34" charset="0"/>
+              </a:rPr>
+              <a:t>activatedRoute</a:t>
+            </a:r>
+            <a:r>
+              <a:rPr lang="en-US" sz="1100" dirty="0">
+                <a:solidFill>
+                  <a:srgbClr val="000000"/>
+                </a:solidFill>
+                <a:latin typeface="Calibri" panose="020F0502020204030204" pitchFamily="34" charset="0"/>
+                <a:ea typeface="Calibri" panose="020F0502020204030204" pitchFamily="34" charset="0"/>
+                <a:cs typeface="Arial" panose="020B0604020202020204" pitchFamily="34" charset="0"/>
+              </a:rPr>
+              <a:t>: </a:t>
+            </a:r>
+            <a:r>
+              <a:rPr lang="en-US" sz="1100" dirty="0" err="1">
+                <a:solidFill>
+                  <a:srgbClr val="000000"/>
+                </a:solidFill>
+                <a:latin typeface="Calibri" panose="020F0502020204030204" pitchFamily="34" charset="0"/>
+                <a:ea typeface="Calibri" panose="020F0502020204030204" pitchFamily="34" charset="0"/>
+                <a:cs typeface="Arial" panose="020B0604020202020204" pitchFamily="34" charset="0"/>
+              </a:rPr>
+              <a:t>ActivatedRoute</a:t>
+            </a:r>
+            <a:r>
+              <a:rPr lang="en-US" sz="1100" dirty="0">
+                <a:solidFill>
+                  <a:srgbClr val="000000"/>
+                </a:solidFill>
+                <a:latin typeface="Calibri" panose="020F0502020204030204" pitchFamily="34" charset="0"/>
+                <a:ea typeface="Calibri" panose="020F0502020204030204" pitchFamily="34" charset="0"/>
+                <a:cs typeface="Arial" panose="020B0604020202020204" pitchFamily="34" charset="0"/>
+              </a:rPr>
+              <a:t>, </a:t>
+            </a:r>
+            <a:r>
+              <a:rPr lang="en-US" sz="1100" b="1" dirty="0">
+                <a:solidFill>
+                  <a:srgbClr val="000080"/>
+                </a:solidFill>
+                <a:latin typeface="Calibri" panose="020F0502020204030204" pitchFamily="34" charset="0"/>
+                <a:ea typeface="Calibri" panose="020F0502020204030204" pitchFamily="34" charset="0"/>
+                <a:cs typeface="Arial" panose="020B0604020202020204" pitchFamily="34" charset="0"/>
+              </a:rPr>
+              <a:t>private </a:t>
+            </a:r>
+            <a:r>
+              <a:rPr lang="en-US" sz="1100" dirty="0">
+                <a:solidFill>
+                  <a:srgbClr val="000000"/>
+                </a:solidFill>
+                <a:latin typeface="Calibri" panose="020F0502020204030204" pitchFamily="34" charset="0"/>
+                <a:ea typeface="Calibri" panose="020F0502020204030204" pitchFamily="34" charset="0"/>
+                <a:cs typeface="Arial" panose="020B0604020202020204" pitchFamily="34" charset="0"/>
+              </a:rPr>
+              <a:t>router: Router, </a:t>
+            </a:r>
+            <a:r>
+              <a:rPr lang="en-US" sz="1100" b="1" dirty="0">
+                <a:solidFill>
+                  <a:srgbClr val="000080"/>
+                </a:solidFill>
+                <a:latin typeface="Calibri" panose="020F0502020204030204" pitchFamily="34" charset="0"/>
+                <a:ea typeface="Calibri" panose="020F0502020204030204" pitchFamily="34" charset="0"/>
+                <a:cs typeface="Arial" panose="020B0604020202020204" pitchFamily="34" charset="0"/>
+              </a:rPr>
+              <a:t>private </a:t>
+            </a:r>
+            <a:r>
+              <a:rPr lang="en-US" sz="1100" dirty="0" err="1">
+                <a:solidFill>
+                  <a:srgbClr val="000000"/>
+                </a:solidFill>
+                <a:latin typeface="Calibri" panose="020F0502020204030204" pitchFamily="34" charset="0"/>
+                <a:ea typeface="Calibri" panose="020F0502020204030204" pitchFamily="34" charset="0"/>
+                <a:cs typeface="Arial" panose="020B0604020202020204" pitchFamily="34" charset="0"/>
+              </a:rPr>
+              <a:t>contactService</a:t>
+            </a:r>
+            <a:r>
+              <a:rPr lang="en-US" sz="1100" dirty="0">
+                <a:solidFill>
+                  <a:srgbClr val="000000"/>
+                </a:solidFill>
+                <a:latin typeface="Calibri" panose="020F0502020204030204" pitchFamily="34" charset="0"/>
+                <a:ea typeface="Calibri" panose="020F0502020204030204" pitchFamily="34" charset="0"/>
+                <a:cs typeface="Arial" panose="020B0604020202020204" pitchFamily="34" charset="0"/>
+              </a:rPr>
+              <a:t>: </a:t>
+            </a:r>
+            <a:r>
+              <a:rPr lang="en-US" sz="1100" dirty="0" err="1">
+                <a:solidFill>
+                  <a:srgbClr val="000000"/>
+                </a:solidFill>
+                <a:latin typeface="Calibri" panose="020F0502020204030204" pitchFamily="34" charset="0"/>
+                <a:ea typeface="Calibri" panose="020F0502020204030204" pitchFamily="34" charset="0"/>
+                <a:cs typeface="Arial" panose="020B0604020202020204" pitchFamily="34" charset="0"/>
+              </a:rPr>
+              <a:t>ContactService</a:t>
+            </a:r>
+            <a:r>
+              <a:rPr lang="en-US" sz="1100" dirty="0">
+                <a:solidFill>
+                  <a:srgbClr val="000000"/>
+                </a:solidFill>
+                <a:latin typeface="Calibri" panose="020F0502020204030204" pitchFamily="34" charset="0"/>
+                <a:ea typeface="Calibri" panose="020F0502020204030204" pitchFamily="34" charset="0"/>
+                <a:cs typeface="Arial" panose="020B0604020202020204" pitchFamily="34" charset="0"/>
+              </a:rPr>
+              <a:t>) {</a:t>
+            </a:r>
+            <a:br>
+              <a:rPr lang="en-US" sz="1100" dirty="0">
+                <a:solidFill>
+                  <a:srgbClr val="000000"/>
+                </a:solidFill>
+                <a:latin typeface="Calibri" panose="020F0502020204030204" pitchFamily="34" charset="0"/>
+                <a:ea typeface="Calibri" panose="020F0502020204030204" pitchFamily="34" charset="0"/>
+                <a:cs typeface="Arial" panose="020B0604020202020204" pitchFamily="34" charset="0"/>
+              </a:rPr>
+            </a:br>
+            <a:r>
+              <a:rPr lang="en-US" sz="1100" dirty="0">
+                <a:solidFill>
+                  <a:srgbClr val="000000"/>
+                </a:solidFill>
+                <a:latin typeface="Calibri" panose="020F0502020204030204" pitchFamily="34" charset="0"/>
+                <a:ea typeface="Calibri" panose="020F0502020204030204" pitchFamily="34" charset="0"/>
+                <a:cs typeface="Arial" panose="020B0604020202020204" pitchFamily="34" charset="0"/>
+              </a:rPr>
+              <a:t>    </a:t>
+            </a:r>
+            <a:r>
+              <a:rPr lang="en-US" sz="1100" b="1" dirty="0">
+                <a:solidFill>
+                  <a:srgbClr val="000080"/>
+                </a:solidFill>
+                <a:latin typeface="Calibri" panose="020F0502020204030204" pitchFamily="34" charset="0"/>
+                <a:ea typeface="Calibri" panose="020F0502020204030204" pitchFamily="34" charset="0"/>
+                <a:cs typeface="Arial" panose="020B0604020202020204" pitchFamily="34" charset="0"/>
+              </a:rPr>
+              <a:t>this</a:t>
+            </a:r>
+            <a:r>
+              <a:rPr lang="en-US" sz="1100" dirty="0">
+                <a:solidFill>
+                  <a:srgbClr val="000000"/>
+                </a:solidFill>
+                <a:latin typeface="Calibri" panose="020F0502020204030204" pitchFamily="34" charset="0"/>
+                <a:ea typeface="Calibri" panose="020F0502020204030204" pitchFamily="34" charset="0"/>
+                <a:cs typeface="Arial" panose="020B0604020202020204" pitchFamily="34" charset="0"/>
+              </a:rPr>
+              <a:t>.</a:t>
+            </a:r>
+            <a:r>
+              <a:rPr lang="en-US" sz="1100" b="1" dirty="0">
+                <a:solidFill>
+                  <a:srgbClr val="660E7A"/>
+                </a:solidFill>
+                <a:latin typeface="Calibri" panose="020F0502020204030204" pitchFamily="34" charset="0"/>
+                <a:ea typeface="Calibri" panose="020F0502020204030204" pitchFamily="34" charset="0"/>
+                <a:cs typeface="Arial" panose="020B0604020202020204" pitchFamily="34" charset="0"/>
+              </a:rPr>
+              <a:t>id </a:t>
+            </a:r>
+            <a:r>
+              <a:rPr lang="en-US" sz="1100" dirty="0">
+                <a:solidFill>
+                  <a:srgbClr val="000000"/>
+                </a:solidFill>
+                <a:latin typeface="Calibri" panose="020F0502020204030204" pitchFamily="34" charset="0"/>
+                <a:ea typeface="Calibri" panose="020F0502020204030204" pitchFamily="34" charset="0"/>
+                <a:cs typeface="Arial" panose="020B0604020202020204" pitchFamily="34" charset="0"/>
+              </a:rPr>
+              <a:t>= </a:t>
+            </a:r>
+            <a:r>
+              <a:rPr lang="en-US" sz="1100" b="1" dirty="0" err="1">
+                <a:solidFill>
+                  <a:srgbClr val="000080"/>
+                </a:solidFill>
+                <a:latin typeface="Calibri" panose="020F0502020204030204" pitchFamily="34" charset="0"/>
+                <a:ea typeface="Calibri" panose="020F0502020204030204" pitchFamily="34" charset="0"/>
+                <a:cs typeface="Arial" panose="020B0604020202020204" pitchFamily="34" charset="0"/>
+              </a:rPr>
+              <a:t>this</a:t>
+            </a:r>
+            <a:r>
+              <a:rPr lang="en-US" sz="1100" dirty="0" err="1">
+                <a:solidFill>
+                  <a:srgbClr val="000000"/>
+                </a:solidFill>
+                <a:latin typeface="Calibri" panose="020F0502020204030204" pitchFamily="34" charset="0"/>
+                <a:ea typeface="Calibri" panose="020F0502020204030204" pitchFamily="34" charset="0"/>
+                <a:cs typeface="Arial" panose="020B0604020202020204" pitchFamily="34" charset="0"/>
+              </a:rPr>
+              <a:t>.activatedRoute.</a:t>
+            </a:r>
+            <a:r>
+              <a:rPr lang="en-US" sz="1100" b="1" dirty="0" err="1">
+                <a:solidFill>
+                  <a:srgbClr val="660E7A"/>
+                </a:solidFill>
+                <a:latin typeface="Calibri" panose="020F0502020204030204" pitchFamily="34" charset="0"/>
+                <a:ea typeface="Calibri" panose="020F0502020204030204" pitchFamily="34" charset="0"/>
+                <a:cs typeface="Arial" panose="020B0604020202020204" pitchFamily="34" charset="0"/>
+              </a:rPr>
+              <a:t>params</a:t>
+            </a:r>
+            <a:r>
+              <a:rPr lang="en-US" sz="1100" dirty="0" err="1">
+                <a:solidFill>
+                  <a:srgbClr val="000000"/>
+                </a:solidFill>
+                <a:latin typeface="Calibri" panose="020F0502020204030204" pitchFamily="34" charset="0"/>
+                <a:ea typeface="Calibri" panose="020F0502020204030204" pitchFamily="34" charset="0"/>
+                <a:cs typeface="Arial" panose="020B0604020202020204" pitchFamily="34" charset="0"/>
+              </a:rPr>
+              <a:t>.</a:t>
+            </a:r>
+            <a:r>
+              <a:rPr lang="en-US" sz="1100" b="1" dirty="0" err="1">
+                <a:solidFill>
+                  <a:srgbClr val="660E7A"/>
+                </a:solidFill>
+                <a:latin typeface="Calibri" panose="020F0502020204030204" pitchFamily="34" charset="0"/>
+                <a:ea typeface="Calibri" panose="020F0502020204030204" pitchFamily="34" charset="0"/>
+                <a:cs typeface="Arial" panose="020B0604020202020204" pitchFamily="34" charset="0"/>
+              </a:rPr>
+              <a:t>map</a:t>
+            </a:r>
+            <a:r>
+              <a:rPr lang="en-US" sz="1100" dirty="0">
+                <a:solidFill>
+                  <a:srgbClr val="000000"/>
+                </a:solidFill>
+                <a:latin typeface="Calibri" panose="020F0502020204030204" pitchFamily="34" charset="0"/>
+                <a:ea typeface="Calibri" panose="020F0502020204030204" pitchFamily="34" charset="0"/>
+                <a:cs typeface="Arial" panose="020B0604020202020204" pitchFamily="34" charset="0"/>
+              </a:rPr>
+              <a:t>(p =&gt; p.id);</a:t>
+            </a:r>
+            <a:br>
+              <a:rPr lang="en-US" sz="1100" dirty="0">
+                <a:solidFill>
+                  <a:srgbClr val="000000"/>
+                </a:solidFill>
+                <a:latin typeface="Calibri" panose="020F0502020204030204" pitchFamily="34" charset="0"/>
+                <a:ea typeface="Calibri" panose="020F0502020204030204" pitchFamily="34" charset="0"/>
+                <a:cs typeface="Arial" panose="020B0604020202020204" pitchFamily="34" charset="0"/>
+              </a:rPr>
+            </a:br>
+            <a:r>
+              <a:rPr lang="en-US" sz="1100" dirty="0">
+                <a:solidFill>
+                  <a:srgbClr val="000000"/>
+                </a:solidFill>
+                <a:latin typeface="Calibri" panose="020F0502020204030204" pitchFamily="34" charset="0"/>
+                <a:ea typeface="Calibri" panose="020F0502020204030204" pitchFamily="34" charset="0"/>
+                <a:cs typeface="Arial" panose="020B0604020202020204" pitchFamily="34" charset="0"/>
+              </a:rPr>
+              <a:t>    </a:t>
+            </a:r>
+            <a:r>
+              <a:rPr lang="en-US" sz="1100" b="1" dirty="0" err="1">
+                <a:solidFill>
+                  <a:srgbClr val="000080"/>
+                </a:solidFill>
+                <a:latin typeface="Calibri" panose="020F0502020204030204" pitchFamily="34" charset="0"/>
+                <a:ea typeface="Calibri" panose="020F0502020204030204" pitchFamily="34" charset="0"/>
+                <a:cs typeface="Arial" panose="020B0604020202020204" pitchFamily="34" charset="0"/>
+              </a:rPr>
+              <a:t>this</a:t>
+            </a:r>
+            <a:r>
+              <a:rPr lang="en-US" sz="1100" dirty="0" err="1">
+                <a:solidFill>
+                  <a:srgbClr val="000000"/>
+                </a:solidFill>
+                <a:latin typeface="Calibri" panose="020F0502020204030204" pitchFamily="34" charset="0"/>
+                <a:ea typeface="Calibri" panose="020F0502020204030204" pitchFamily="34" charset="0"/>
+                <a:cs typeface="Arial" panose="020B0604020202020204" pitchFamily="34" charset="0"/>
+              </a:rPr>
+              <a:t>.</a:t>
+            </a:r>
+            <a:r>
+              <a:rPr lang="en-US" sz="1100" b="1" dirty="0" err="1">
+                <a:solidFill>
+                  <a:srgbClr val="660E7A"/>
+                </a:solidFill>
+                <a:latin typeface="Calibri" panose="020F0502020204030204" pitchFamily="34" charset="0"/>
+                <a:ea typeface="Calibri" panose="020F0502020204030204" pitchFamily="34" charset="0"/>
+                <a:cs typeface="Arial" panose="020B0604020202020204" pitchFamily="34" charset="0"/>
+              </a:rPr>
+              <a:t>contact</a:t>
+            </a:r>
+            <a:r>
+              <a:rPr lang="en-US" sz="1100" b="1" dirty="0">
+                <a:solidFill>
+                  <a:srgbClr val="660E7A"/>
+                </a:solidFill>
+                <a:latin typeface="Calibri" panose="020F0502020204030204" pitchFamily="34" charset="0"/>
+                <a:ea typeface="Calibri" panose="020F0502020204030204" pitchFamily="34" charset="0"/>
+                <a:cs typeface="Arial" panose="020B0604020202020204" pitchFamily="34" charset="0"/>
+              </a:rPr>
+              <a:t> </a:t>
+            </a:r>
+            <a:r>
+              <a:rPr lang="en-US" sz="1100" dirty="0">
+                <a:solidFill>
+                  <a:srgbClr val="000000"/>
+                </a:solidFill>
+                <a:latin typeface="Calibri" panose="020F0502020204030204" pitchFamily="34" charset="0"/>
+                <a:ea typeface="Calibri" panose="020F0502020204030204" pitchFamily="34" charset="0"/>
+                <a:cs typeface="Arial" panose="020B0604020202020204" pitchFamily="34" charset="0"/>
+              </a:rPr>
+              <a:t>= </a:t>
+            </a:r>
+            <a:r>
+              <a:rPr lang="en-US" sz="1100" b="1" dirty="0" err="1">
+                <a:solidFill>
+                  <a:srgbClr val="000080"/>
+                </a:solidFill>
+                <a:latin typeface="Calibri" panose="020F0502020204030204" pitchFamily="34" charset="0"/>
+                <a:ea typeface="Calibri" panose="020F0502020204030204" pitchFamily="34" charset="0"/>
+                <a:cs typeface="Arial" panose="020B0604020202020204" pitchFamily="34" charset="0"/>
+              </a:rPr>
+              <a:t>this</a:t>
+            </a:r>
+            <a:r>
+              <a:rPr lang="en-US" sz="1100" dirty="0" err="1">
+                <a:solidFill>
+                  <a:srgbClr val="000000"/>
+                </a:solidFill>
+                <a:latin typeface="Calibri" panose="020F0502020204030204" pitchFamily="34" charset="0"/>
+                <a:ea typeface="Calibri" panose="020F0502020204030204" pitchFamily="34" charset="0"/>
+                <a:cs typeface="Arial" panose="020B0604020202020204" pitchFamily="34" charset="0"/>
+              </a:rPr>
+              <a:t>.</a:t>
+            </a:r>
+            <a:r>
+              <a:rPr lang="en-US" sz="1100" b="1" dirty="0" err="1">
+                <a:solidFill>
+                  <a:srgbClr val="660E7A"/>
+                </a:solidFill>
+                <a:latin typeface="Calibri" panose="020F0502020204030204" pitchFamily="34" charset="0"/>
+                <a:ea typeface="Calibri" panose="020F0502020204030204" pitchFamily="34" charset="0"/>
+                <a:cs typeface="Arial" panose="020B0604020202020204" pitchFamily="34" charset="0"/>
+              </a:rPr>
+              <a:t>id</a:t>
+            </a:r>
+            <a:r>
+              <a:rPr lang="en-US" sz="1100" dirty="0" err="1">
+                <a:solidFill>
+                  <a:srgbClr val="000000"/>
+                </a:solidFill>
+                <a:latin typeface="Calibri" panose="020F0502020204030204" pitchFamily="34" charset="0"/>
+                <a:ea typeface="Calibri" panose="020F0502020204030204" pitchFamily="34" charset="0"/>
+                <a:cs typeface="Arial" panose="020B0604020202020204" pitchFamily="34" charset="0"/>
+              </a:rPr>
+              <a:t>.</a:t>
+            </a:r>
+            <a:r>
+              <a:rPr lang="en-US" sz="1100" b="1" dirty="0" err="1">
+                <a:solidFill>
+                  <a:srgbClr val="660E7A"/>
+                </a:solidFill>
+                <a:latin typeface="Calibri" panose="020F0502020204030204" pitchFamily="34" charset="0"/>
+                <a:ea typeface="Calibri" panose="020F0502020204030204" pitchFamily="34" charset="0"/>
+                <a:cs typeface="Arial" panose="020B0604020202020204" pitchFamily="34" charset="0"/>
+              </a:rPr>
+              <a:t>map</a:t>
+            </a:r>
+            <a:r>
+              <a:rPr lang="en-US" sz="1100" dirty="0">
+                <a:solidFill>
+                  <a:srgbClr val="000000"/>
+                </a:solidFill>
+                <a:latin typeface="Calibri" panose="020F0502020204030204" pitchFamily="34" charset="0"/>
+                <a:ea typeface="Calibri" panose="020F0502020204030204" pitchFamily="34" charset="0"/>
+                <a:cs typeface="Arial" panose="020B0604020202020204" pitchFamily="34" charset="0"/>
+              </a:rPr>
+              <a:t>(id =&gt; </a:t>
+            </a:r>
+            <a:r>
+              <a:rPr lang="en-US" sz="1100" dirty="0" err="1">
+                <a:solidFill>
+                  <a:srgbClr val="000000"/>
+                </a:solidFill>
+                <a:latin typeface="Calibri" panose="020F0502020204030204" pitchFamily="34" charset="0"/>
+                <a:ea typeface="Calibri" panose="020F0502020204030204" pitchFamily="34" charset="0"/>
+                <a:cs typeface="Arial" panose="020B0604020202020204" pitchFamily="34" charset="0"/>
+              </a:rPr>
+              <a:t>contactService.</a:t>
+            </a:r>
+            <a:r>
+              <a:rPr lang="en-US" sz="1100" dirty="0" err="1">
+                <a:solidFill>
+                  <a:srgbClr val="7A7A43"/>
+                </a:solidFill>
+                <a:latin typeface="Calibri" panose="020F0502020204030204" pitchFamily="34" charset="0"/>
+                <a:ea typeface="Calibri" panose="020F0502020204030204" pitchFamily="34" charset="0"/>
+                <a:cs typeface="Arial" panose="020B0604020202020204" pitchFamily="34" charset="0"/>
+              </a:rPr>
+              <a:t>getById</a:t>
+            </a:r>
+            <a:r>
+              <a:rPr lang="en-US" sz="1100" dirty="0">
+                <a:solidFill>
+                  <a:srgbClr val="000000"/>
+                </a:solidFill>
+                <a:latin typeface="Calibri" panose="020F0502020204030204" pitchFamily="34" charset="0"/>
+                <a:ea typeface="Calibri" panose="020F0502020204030204" pitchFamily="34" charset="0"/>
+                <a:cs typeface="Arial" panose="020B0604020202020204" pitchFamily="34" charset="0"/>
+              </a:rPr>
+              <a:t>(id));</a:t>
+            </a:r>
+            <a:br>
+              <a:rPr lang="en-US" sz="1100" dirty="0">
+                <a:solidFill>
+                  <a:srgbClr val="000000"/>
+                </a:solidFill>
+                <a:latin typeface="Calibri" panose="020F0502020204030204" pitchFamily="34" charset="0"/>
+                <a:ea typeface="Calibri" panose="020F0502020204030204" pitchFamily="34" charset="0"/>
+                <a:cs typeface="Arial" panose="020B0604020202020204" pitchFamily="34" charset="0"/>
+              </a:rPr>
+            </a:br>
+            <a:r>
+              <a:rPr lang="en-US" sz="1100" dirty="0">
+                <a:solidFill>
+                  <a:srgbClr val="000000"/>
+                </a:solidFill>
+                <a:latin typeface="Calibri" panose="020F0502020204030204" pitchFamily="34" charset="0"/>
+                <a:ea typeface="Calibri" panose="020F0502020204030204" pitchFamily="34" charset="0"/>
+                <a:cs typeface="Arial" panose="020B0604020202020204" pitchFamily="34" charset="0"/>
+              </a:rPr>
+              <a:t>    </a:t>
+            </a:r>
+            <a:r>
+              <a:rPr lang="en-US" sz="1100" b="1" dirty="0">
+                <a:solidFill>
+                  <a:srgbClr val="000080"/>
+                </a:solidFill>
+                <a:latin typeface="Calibri" panose="020F0502020204030204" pitchFamily="34" charset="0"/>
+                <a:ea typeface="Calibri" panose="020F0502020204030204" pitchFamily="34" charset="0"/>
+                <a:cs typeface="Arial" panose="020B0604020202020204" pitchFamily="34" charset="0"/>
+              </a:rPr>
+              <a:t>this</a:t>
+            </a:r>
+            <a:r>
+              <a:rPr lang="en-US" sz="1100" dirty="0">
+                <a:solidFill>
+                  <a:srgbClr val="000000"/>
+                </a:solidFill>
+                <a:latin typeface="Calibri" panose="020F0502020204030204" pitchFamily="34" charset="0"/>
+                <a:ea typeface="Calibri" panose="020F0502020204030204" pitchFamily="34" charset="0"/>
+                <a:cs typeface="Arial" panose="020B0604020202020204" pitchFamily="34" charset="0"/>
+              </a:rPr>
+              <a:t>.</a:t>
+            </a:r>
+            <a:r>
+              <a:rPr lang="en-US" sz="1100" b="1" dirty="0">
+                <a:solidFill>
+                  <a:srgbClr val="660E7A"/>
+                </a:solidFill>
+                <a:latin typeface="Calibri" panose="020F0502020204030204" pitchFamily="34" charset="0"/>
+                <a:ea typeface="Calibri" panose="020F0502020204030204" pitchFamily="34" charset="0"/>
+                <a:cs typeface="Arial" panose="020B0604020202020204" pitchFamily="34" charset="0"/>
+              </a:rPr>
+              <a:t>name </a:t>
+            </a:r>
+            <a:r>
+              <a:rPr lang="en-US" sz="1100" dirty="0">
+                <a:solidFill>
+                  <a:srgbClr val="000000"/>
+                </a:solidFill>
+                <a:latin typeface="Calibri" panose="020F0502020204030204" pitchFamily="34" charset="0"/>
+                <a:ea typeface="Calibri" panose="020F0502020204030204" pitchFamily="34" charset="0"/>
+                <a:cs typeface="Arial" panose="020B0604020202020204" pitchFamily="34" charset="0"/>
+              </a:rPr>
+              <a:t>= </a:t>
+            </a:r>
+            <a:r>
+              <a:rPr lang="en-US" sz="1100" b="1" dirty="0" err="1">
+                <a:solidFill>
+                  <a:srgbClr val="000080"/>
+                </a:solidFill>
+                <a:latin typeface="Calibri" panose="020F0502020204030204" pitchFamily="34" charset="0"/>
+                <a:ea typeface="Calibri" panose="020F0502020204030204" pitchFamily="34" charset="0"/>
+                <a:cs typeface="Arial" panose="020B0604020202020204" pitchFamily="34" charset="0"/>
+              </a:rPr>
+              <a:t>this</a:t>
+            </a:r>
+            <a:r>
+              <a:rPr lang="en-US" sz="1100" dirty="0" err="1">
+                <a:solidFill>
+                  <a:srgbClr val="000000"/>
+                </a:solidFill>
+                <a:latin typeface="Calibri" panose="020F0502020204030204" pitchFamily="34" charset="0"/>
+                <a:ea typeface="Calibri" panose="020F0502020204030204" pitchFamily="34" charset="0"/>
+                <a:cs typeface="Arial" panose="020B0604020202020204" pitchFamily="34" charset="0"/>
+              </a:rPr>
+              <a:t>.</a:t>
+            </a:r>
+            <a:r>
+              <a:rPr lang="en-US" sz="1100" b="1" dirty="0" err="1">
+                <a:solidFill>
+                  <a:srgbClr val="660E7A"/>
+                </a:solidFill>
+                <a:latin typeface="Calibri" panose="020F0502020204030204" pitchFamily="34" charset="0"/>
+                <a:ea typeface="Calibri" panose="020F0502020204030204" pitchFamily="34" charset="0"/>
+                <a:cs typeface="Arial" panose="020B0604020202020204" pitchFamily="34" charset="0"/>
+              </a:rPr>
+              <a:t>contact</a:t>
+            </a:r>
+            <a:r>
+              <a:rPr lang="en-US" sz="1100" dirty="0" err="1">
+                <a:solidFill>
+                  <a:srgbClr val="000000"/>
+                </a:solidFill>
+                <a:latin typeface="Calibri" panose="020F0502020204030204" pitchFamily="34" charset="0"/>
+                <a:ea typeface="Calibri" panose="020F0502020204030204" pitchFamily="34" charset="0"/>
+                <a:cs typeface="Arial" panose="020B0604020202020204" pitchFamily="34" charset="0"/>
+              </a:rPr>
+              <a:t>.</a:t>
+            </a:r>
+            <a:r>
+              <a:rPr lang="en-US" sz="1100" b="1" dirty="0" err="1">
+                <a:solidFill>
+                  <a:srgbClr val="660E7A"/>
+                </a:solidFill>
+                <a:latin typeface="Calibri" panose="020F0502020204030204" pitchFamily="34" charset="0"/>
+                <a:ea typeface="Calibri" panose="020F0502020204030204" pitchFamily="34" charset="0"/>
+                <a:cs typeface="Arial" panose="020B0604020202020204" pitchFamily="34" charset="0"/>
+              </a:rPr>
+              <a:t>map</a:t>
+            </a:r>
+            <a:r>
+              <a:rPr lang="en-US" sz="1100" dirty="0">
+                <a:solidFill>
+                  <a:srgbClr val="000000"/>
+                </a:solidFill>
+                <a:latin typeface="Calibri" panose="020F0502020204030204" pitchFamily="34" charset="0"/>
+                <a:ea typeface="Calibri" panose="020F0502020204030204" pitchFamily="34" charset="0"/>
+                <a:cs typeface="Arial" panose="020B0604020202020204" pitchFamily="34" charset="0"/>
+              </a:rPr>
+              <a:t>(c =&gt; c.name);</a:t>
+            </a:r>
+            <a:br>
+              <a:rPr lang="en-US" sz="1100" dirty="0">
+                <a:solidFill>
+                  <a:srgbClr val="000000"/>
+                </a:solidFill>
+                <a:latin typeface="Calibri" panose="020F0502020204030204" pitchFamily="34" charset="0"/>
+                <a:ea typeface="Calibri" panose="020F0502020204030204" pitchFamily="34" charset="0"/>
+                <a:cs typeface="Arial" panose="020B0604020202020204" pitchFamily="34" charset="0"/>
+              </a:rPr>
+            </a:br>
+            <a:r>
+              <a:rPr lang="en-US" sz="1100" dirty="0">
+                <a:solidFill>
+                  <a:srgbClr val="000000"/>
+                </a:solidFill>
+                <a:latin typeface="Calibri" panose="020F0502020204030204" pitchFamily="34" charset="0"/>
+                <a:ea typeface="Calibri" panose="020F0502020204030204" pitchFamily="34" charset="0"/>
+                <a:cs typeface="Arial" panose="020B0604020202020204" pitchFamily="34" charset="0"/>
+              </a:rPr>
+              <a:t>    </a:t>
+            </a:r>
+            <a:r>
+              <a:rPr lang="en-US" sz="1100" b="1" dirty="0" err="1">
+                <a:solidFill>
+                  <a:srgbClr val="000080"/>
+                </a:solidFill>
+                <a:latin typeface="Calibri" panose="020F0502020204030204" pitchFamily="34" charset="0"/>
+                <a:ea typeface="Calibri" panose="020F0502020204030204" pitchFamily="34" charset="0"/>
+                <a:cs typeface="Arial" panose="020B0604020202020204" pitchFamily="34" charset="0"/>
+              </a:rPr>
+              <a:t>this</a:t>
+            </a:r>
+            <a:r>
+              <a:rPr lang="en-US" sz="1100" dirty="0" err="1">
+                <a:solidFill>
+                  <a:srgbClr val="000000"/>
+                </a:solidFill>
+                <a:latin typeface="Calibri" panose="020F0502020204030204" pitchFamily="34" charset="0"/>
+                <a:ea typeface="Calibri" panose="020F0502020204030204" pitchFamily="34" charset="0"/>
+                <a:cs typeface="Arial" panose="020B0604020202020204" pitchFamily="34" charset="0"/>
+              </a:rPr>
+              <a:t>.</a:t>
+            </a:r>
+            <a:r>
+              <a:rPr lang="en-US" sz="1100" b="1" dirty="0" err="1">
+                <a:solidFill>
+                  <a:srgbClr val="660E7A"/>
+                </a:solidFill>
+                <a:latin typeface="Calibri" panose="020F0502020204030204" pitchFamily="34" charset="0"/>
+                <a:ea typeface="Calibri" panose="020F0502020204030204" pitchFamily="34" charset="0"/>
+                <a:cs typeface="Arial" panose="020B0604020202020204" pitchFamily="34" charset="0"/>
+              </a:rPr>
+              <a:t>showMore</a:t>
+            </a:r>
+            <a:r>
+              <a:rPr lang="en-US" sz="1100" b="1" dirty="0">
+                <a:solidFill>
+                  <a:srgbClr val="660E7A"/>
+                </a:solidFill>
+                <a:latin typeface="Calibri" panose="020F0502020204030204" pitchFamily="34" charset="0"/>
+                <a:ea typeface="Calibri" panose="020F0502020204030204" pitchFamily="34" charset="0"/>
+                <a:cs typeface="Arial" panose="020B0604020202020204" pitchFamily="34" charset="0"/>
+              </a:rPr>
+              <a:t> </a:t>
+            </a:r>
+            <a:r>
+              <a:rPr lang="en-US" sz="1100" dirty="0">
+                <a:solidFill>
+                  <a:srgbClr val="000000"/>
+                </a:solidFill>
+                <a:latin typeface="Calibri" panose="020F0502020204030204" pitchFamily="34" charset="0"/>
+                <a:ea typeface="Calibri" panose="020F0502020204030204" pitchFamily="34" charset="0"/>
+                <a:cs typeface="Arial" panose="020B0604020202020204" pitchFamily="34" charset="0"/>
+              </a:rPr>
+              <a:t>= </a:t>
+            </a:r>
+            <a:r>
+              <a:rPr lang="en-US" sz="1100" b="1" dirty="0" err="1">
+                <a:solidFill>
+                  <a:srgbClr val="000080"/>
+                </a:solidFill>
+                <a:latin typeface="Calibri" panose="020F0502020204030204" pitchFamily="34" charset="0"/>
+                <a:ea typeface="Calibri" panose="020F0502020204030204" pitchFamily="34" charset="0"/>
+                <a:cs typeface="Arial" panose="020B0604020202020204" pitchFamily="34" charset="0"/>
+              </a:rPr>
+              <a:t>this</a:t>
+            </a:r>
+            <a:r>
+              <a:rPr lang="en-US" sz="1100" dirty="0" err="1">
+                <a:solidFill>
+                  <a:srgbClr val="000000"/>
+                </a:solidFill>
+                <a:latin typeface="Calibri" panose="020F0502020204030204" pitchFamily="34" charset="0"/>
+                <a:ea typeface="Calibri" panose="020F0502020204030204" pitchFamily="34" charset="0"/>
+                <a:cs typeface="Arial" panose="020B0604020202020204" pitchFamily="34" charset="0"/>
+              </a:rPr>
+              <a:t>.activatedRoute.</a:t>
+            </a:r>
+            <a:r>
+              <a:rPr lang="en-US" sz="1100" b="1" dirty="0" err="1">
+                <a:solidFill>
+                  <a:srgbClr val="660E7A"/>
+                </a:solidFill>
+                <a:latin typeface="Calibri" panose="020F0502020204030204" pitchFamily="34" charset="0"/>
+                <a:ea typeface="Calibri" panose="020F0502020204030204" pitchFamily="34" charset="0"/>
+                <a:cs typeface="Arial" panose="020B0604020202020204" pitchFamily="34" charset="0"/>
+              </a:rPr>
+              <a:t>params</a:t>
+            </a:r>
+            <a:r>
+              <a:rPr lang="en-US" sz="1100" dirty="0" err="1">
+                <a:solidFill>
+                  <a:srgbClr val="000000"/>
+                </a:solidFill>
+                <a:latin typeface="Calibri" panose="020F0502020204030204" pitchFamily="34" charset="0"/>
+                <a:ea typeface="Calibri" panose="020F0502020204030204" pitchFamily="34" charset="0"/>
+                <a:cs typeface="Arial" panose="020B0604020202020204" pitchFamily="34" charset="0"/>
+              </a:rPr>
+              <a:t>.</a:t>
+            </a:r>
+            <a:r>
+              <a:rPr lang="en-US" sz="1100" b="1" dirty="0" err="1">
+                <a:solidFill>
+                  <a:srgbClr val="660E7A"/>
+                </a:solidFill>
+                <a:latin typeface="Calibri" panose="020F0502020204030204" pitchFamily="34" charset="0"/>
+                <a:ea typeface="Calibri" panose="020F0502020204030204" pitchFamily="34" charset="0"/>
+                <a:cs typeface="Arial" panose="020B0604020202020204" pitchFamily="34" charset="0"/>
+              </a:rPr>
+              <a:t>map</a:t>
+            </a:r>
+            <a:r>
+              <a:rPr lang="en-US" sz="1100" dirty="0">
+                <a:solidFill>
+                  <a:srgbClr val="000000"/>
+                </a:solidFill>
+                <a:latin typeface="Calibri" panose="020F0502020204030204" pitchFamily="34" charset="0"/>
+                <a:ea typeface="Calibri" panose="020F0502020204030204" pitchFamily="34" charset="0"/>
+                <a:cs typeface="Arial" panose="020B0604020202020204" pitchFamily="34" charset="0"/>
+              </a:rPr>
+              <a:t>(p =&gt; </a:t>
+            </a:r>
+            <a:r>
+              <a:rPr lang="en-US" sz="1100" dirty="0" err="1">
+                <a:solidFill>
+                  <a:srgbClr val="000000"/>
+                </a:solidFill>
+                <a:latin typeface="Calibri" panose="020F0502020204030204" pitchFamily="34" charset="0"/>
+                <a:ea typeface="Calibri" panose="020F0502020204030204" pitchFamily="34" charset="0"/>
+                <a:cs typeface="Arial" panose="020B0604020202020204" pitchFamily="34" charset="0"/>
+              </a:rPr>
+              <a:t>p.</a:t>
+            </a:r>
+            <a:r>
+              <a:rPr lang="en-US" sz="1100" b="1" dirty="0" err="1">
+                <a:solidFill>
+                  <a:srgbClr val="660E7A"/>
+                </a:solidFill>
+                <a:latin typeface="Calibri" panose="020F0502020204030204" pitchFamily="34" charset="0"/>
+                <a:ea typeface="Calibri" panose="020F0502020204030204" pitchFamily="34" charset="0"/>
+                <a:cs typeface="Arial" panose="020B0604020202020204" pitchFamily="34" charset="0"/>
+              </a:rPr>
+              <a:t>showMore</a:t>
+            </a:r>
+            <a:r>
+              <a:rPr lang="en-US" sz="1100" dirty="0">
+                <a:solidFill>
+                  <a:srgbClr val="000000"/>
+                </a:solidFill>
+                <a:latin typeface="Calibri" panose="020F0502020204030204" pitchFamily="34" charset="0"/>
+                <a:ea typeface="Calibri" panose="020F0502020204030204" pitchFamily="34" charset="0"/>
+                <a:cs typeface="Arial" panose="020B0604020202020204" pitchFamily="34" charset="0"/>
+              </a:rPr>
+              <a:t>).</a:t>
+            </a:r>
+            <a:r>
+              <a:rPr lang="en-US" sz="1100" b="1" dirty="0">
+                <a:solidFill>
+                  <a:srgbClr val="660E7A"/>
+                </a:solidFill>
+                <a:latin typeface="Calibri" panose="020F0502020204030204" pitchFamily="34" charset="0"/>
+                <a:ea typeface="Calibri" panose="020F0502020204030204" pitchFamily="34" charset="0"/>
+                <a:cs typeface="Arial" panose="020B0604020202020204" pitchFamily="34" charset="0"/>
+              </a:rPr>
+              <a:t>map</a:t>
+            </a:r>
+            <a:r>
+              <a:rPr lang="en-US" sz="1100" dirty="0">
+                <a:solidFill>
+                  <a:srgbClr val="000000"/>
+                </a:solidFill>
+                <a:latin typeface="Calibri" panose="020F0502020204030204" pitchFamily="34" charset="0"/>
+                <a:ea typeface="Calibri" panose="020F0502020204030204" pitchFamily="34" charset="0"/>
+                <a:cs typeface="Arial" panose="020B0604020202020204" pitchFamily="34" charset="0"/>
+              </a:rPr>
+              <a:t>(</a:t>
+            </a:r>
+            <a:r>
+              <a:rPr lang="en-US" sz="1100" dirty="0" err="1">
+                <a:solidFill>
+                  <a:srgbClr val="000000"/>
+                </a:solidFill>
+                <a:latin typeface="Calibri" panose="020F0502020204030204" pitchFamily="34" charset="0"/>
+                <a:ea typeface="Calibri" panose="020F0502020204030204" pitchFamily="34" charset="0"/>
+                <a:cs typeface="Arial" panose="020B0604020202020204" pitchFamily="34" charset="0"/>
+              </a:rPr>
+              <a:t>showMore</a:t>
+            </a:r>
+            <a:r>
+              <a:rPr lang="en-US" sz="1100" dirty="0">
+                <a:solidFill>
+                  <a:srgbClr val="000000"/>
+                </a:solidFill>
+                <a:latin typeface="Calibri" panose="020F0502020204030204" pitchFamily="34" charset="0"/>
+                <a:ea typeface="Calibri" panose="020F0502020204030204" pitchFamily="34" charset="0"/>
+                <a:cs typeface="Arial" panose="020B0604020202020204" pitchFamily="34" charset="0"/>
+              </a:rPr>
+              <a:t> =&gt; (</a:t>
+            </a:r>
+            <a:r>
+              <a:rPr lang="en-US" sz="1100" dirty="0" err="1">
+                <a:solidFill>
+                  <a:srgbClr val="000000"/>
+                </a:solidFill>
+                <a:latin typeface="Calibri" panose="020F0502020204030204" pitchFamily="34" charset="0"/>
+                <a:ea typeface="Calibri" panose="020F0502020204030204" pitchFamily="34" charset="0"/>
+                <a:cs typeface="Arial" panose="020B0604020202020204" pitchFamily="34" charset="0"/>
+              </a:rPr>
+              <a:t>showMore</a:t>
+            </a:r>
+            <a:r>
+              <a:rPr lang="en-US" sz="1100" dirty="0">
+                <a:solidFill>
+                  <a:srgbClr val="000000"/>
+                </a:solidFill>
+                <a:latin typeface="Calibri" panose="020F0502020204030204" pitchFamily="34" charset="0"/>
+                <a:ea typeface="Calibri" panose="020F0502020204030204" pitchFamily="34" charset="0"/>
+                <a:cs typeface="Arial" panose="020B0604020202020204" pitchFamily="34" charset="0"/>
+              </a:rPr>
+              <a:t> === </a:t>
+            </a:r>
+            <a:r>
+              <a:rPr lang="en-US" sz="1100" b="1" dirty="0">
+                <a:solidFill>
+                  <a:srgbClr val="000080"/>
+                </a:solidFill>
+                <a:latin typeface="Calibri" panose="020F0502020204030204" pitchFamily="34" charset="0"/>
+                <a:ea typeface="Calibri" panose="020F0502020204030204" pitchFamily="34" charset="0"/>
+                <a:cs typeface="Arial" panose="020B0604020202020204" pitchFamily="34" charset="0"/>
+              </a:rPr>
+              <a:t>true </a:t>
+            </a:r>
+            <a:r>
+              <a:rPr lang="en-US" sz="1100" dirty="0">
+                <a:solidFill>
+                  <a:srgbClr val="000000"/>
+                </a:solidFill>
+                <a:latin typeface="Calibri" panose="020F0502020204030204" pitchFamily="34" charset="0"/>
+                <a:ea typeface="Calibri" panose="020F0502020204030204" pitchFamily="34" charset="0"/>
+                <a:cs typeface="Arial" panose="020B0604020202020204" pitchFamily="34" charset="0"/>
+              </a:rPr>
+              <a:t>|| </a:t>
+            </a:r>
+            <a:r>
+              <a:rPr lang="en-US" sz="1100" dirty="0" err="1">
+                <a:solidFill>
+                  <a:srgbClr val="000000"/>
+                </a:solidFill>
+                <a:latin typeface="Calibri" panose="020F0502020204030204" pitchFamily="34" charset="0"/>
+                <a:ea typeface="Calibri" panose="020F0502020204030204" pitchFamily="34" charset="0"/>
+                <a:cs typeface="Arial" panose="020B0604020202020204" pitchFamily="34" charset="0"/>
+              </a:rPr>
+              <a:t>showMore</a:t>
+            </a:r>
+            <a:r>
+              <a:rPr lang="en-US" sz="1100" dirty="0">
+                <a:solidFill>
+                  <a:srgbClr val="000000"/>
+                </a:solidFill>
+                <a:latin typeface="Calibri" panose="020F0502020204030204" pitchFamily="34" charset="0"/>
+                <a:ea typeface="Calibri" panose="020F0502020204030204" pitchFamily="34" charset="0"/>
+                <a:cs typeface="Arial" panose="020B0604020202020204" pitchFamily="34" charset="0"/>
+              </a:rPr>
+              <a:t> === </a:t>
+            </a:r>
+            <a:r>
+              <a:rPr lang="en-US" sz="1100" b="1" dirty="0">
+                <a:solidFill>
+                  <a:srgbClr val="008000"/>
+                </a:solidFill>
+                <a:latin typeface="Calibri" panose="020F0502020204030204" pitchFamily="34" charset="0"/>
+                <a:ea typeface="Calibri" panose="020F0502020204030204" pitchFamily="34" charset="0"/>
+                <a:cs typeface="Arial" panose="020B0604020202020204" pitchFamily="34" charset="0"/>
+              </a:rPr>
+              <a:t>"true"</a:t>
+            </a:r>
+            <a:r>
+              <a:rPr lang="en-US" sz="1100" dirty="0">
+                <a:solidFill>
+                  <a:srgbClr val="000000"/>
+                </a:solidFill>
+                <a:latin typeface="Calibri" panose="020F0502020204030204" pitchFamily="34" charset="0"/>
+                <a:ea typeface="Calibri" panose="020F0502020204030204" pitchFamily="34" charset="0"/>
+                <a:cs typeface="Arial" panose="020B0604020202020204" pitchFamily="34" charset="0"/>
+              </a:rPr>
+              <a:t>));</a:t>
+            </a:r>
+            <a:br>
+              <a:rPr lang="en-US" sz="1100" dirty="0">
+                <a:solidFill>
+                  <a:srgbClr val="000000"/>
+                </a:solidFill>
+                <a:latin typeface="Calibri" panose="020F0502020204030204" pitchFamily="34" charset="0"/>
+                <a:ea typeface="Calibri" panose="020F0502020204030204" pitchFamily="34" charset="0"/>
+                <a:cs typeface="Arial" panose="020B0604020202020204" pitchFamily="34" charset="0"/>
+              </a:rPr>
+            </a:br>
+            <a:r>
+              <a:rPr lang="en-US" sz="1100" dirty="0">
+                <a:solidFill>
+                  <a:srgbClr val="000000"/>
+                </a:solidFill>
+                <a:latin typeface="Calibri" panose="020F0502020204030204" pitchFamily="34" charset="0"/>
+                <a:ea typeface="Calibri" panose="020F0502020204030204" pitchFamily="34" charset="0"/>
+                <a:cs typeface="Arial" panose="020B0604020202020204" pitchFamily="34" charset="0"/>
+              </a:rPr>
+              <a:t>    </a:t>
+            </a:r>
+            <a:r>
+              <a:rPr lang="en-US" sz="1100" b="1" dirty="0" err="1">
+                <a:solidFill>
+                  <a:srgbClr val="000080"/>
+                </a:solidFill>
+                <a:latin typeface="Calibri" panose="020F0502020204030204" pitchFamily="34" charset="0"/>
+                <a:ea typeface="Calibri" panose="020F0502020204030204" pitchFamily="34" charset="0"/>
+                <a:cs typeface="Arial" panose="020B0604020202020204" pitchFamily="34" charset="0"/>
+              </a:rPr>
+              <a:t>this</a:t>
+            </a:r>
+            <a:r>
+              <a:rPr lang="en-US" sz="1100" dirty="0" err="1">
+                <a:solidFill>
+                  <a:srgbClr val="000000"/>
+                </a:solidFill>
+                <a:latin typeface="Calibri" panose="020F0502020204030204" pitchFamily="34" charset="0"/>
+                <a:ea typeface="Calibri" panose="020F0502020204030204" pitchFamily="34" charset="0"/>
+                <a:cs typeface="Arial" panose="020B0604020202020204" pitchFamily="34" charset="0"/>
+              </a:rPr>
+              <a:t>.</a:t>
+            </a:r>
+            <a:r>
+              <a:rPr lang="en-US" sz="1100" b="1" dirty="0" err="1">
+                <a:solidFill>
+                  <a:srgbClr val="660E7A"/>
+                </a:solidFill>
+                <a:latin typeface="Calibri" panose="020F0502020204030204" pitchFamily="34" charset="0"/>
+                <a:ea typeface="Calibri" panose="020F0502020204030204" pitchFamily="34" charset="0"/>
+                <a:cs typeface="Arial" panose="020B0604020202020204" pitchFamily="34" charset="0"/>
+              </a:rPr>
+              <a:t>showMoreCaption</a:t>
+            </a:r>
+            <a:r>
+              <a:rPr lang="en-US" sz="1100" b="1" dirty="0">
+                <a:solidFill>
+                  <a:srgbClr val="660E7A"/>
+                </a:solidFill>
+                <a:latin typeface="Calibri" panose="020F0502020204030204" pitchFamily="34" charset="0"/>
+                <a:ea typeface="Calibri" panose="020F0502020204030204" pitchFamily="34" charset="0"/>
+                <a:cs typeface="Arial" panose="020B0604020202020204" pitchFamily="34" charset="0"/>
+              </a:rPr>
+              <a:t> </a:t>
+            </a:r>
+            <a:r>
+              <a:rPr lang="en-US" sz="1100" dirty="0">
+                <a:solidFill>
+                  <a:srgbClr val="000000"/>
+                </a:solidFill>
+                <a:latin typeface="Calibri" panose="020F0502020204030204" pitchFamily="34" charset="0"/>
+                <a:ea typeface="Calibri" panose="020F0502020204030204" pitchFamily="34" charset="0"/>
+                <a:cs typeface="Arial" panose="020B0604020202020204" pitchFamily="34" charset="0"/>
+              </a:rPr>
+              <a:t>= </a:t>
+            </a:r>
+            <a:r>
+              <a:rPr lang="en-US" sz="1100" b="1" dirty="0" err="1">
+                <a:solidFill>
+                  <a:srgbClr val="000080"/>
+                </a:solidFill>
+                <a:latin typeface="Calibri" panose="020F0502020204030204" pitchFamily="34" charset="0"/>
+                <a:ea typeface="Calibri" panose="020F0502020204030204" pitchFamily="34" charset="0"/>
+                <a:cs typeface="Arial" panose="020B0604020202020204" pitchFamily="34" charset="0"/>
+              </a:rPr>
+              <a:t>this</a:t>
+            </a:r>
+            <a:r>
+              <a:rPr lang="en-US" sz="1100" dirty="0" err="1">
+                <a:solidFill>
+                  <a:srgbClr val="000000"/>
+                </a:solidFill>
+                <a:latin typeface="Calibri" panose="020F0502020204030204" pitchFamily="34" charset="0"/>
+                <a:ea typeface="Calibri" panose="020F0502020204030204" pitchFamily="34" charset="0"/>
+                <a:cs typeface="Arial" panose="020B0604020202020204" pitchFamily="34" charset="0"/>
+              </a:rPr>
+              <a:t>.</a:t>
+            </a:r>
+            <a:r>
+              <a:rPr lang="en-US" sz="1100" b="1" dirty="0" err="1">
+                <a:solidFill>
+                  <a:srgbClr val="660E7A"/>
+                </a:solidFill>
+                <a:latin typeface="Calibri" panose="020F0502020204030204" pitchFamily="34" charset="0"/>
+                <a:ea typeface="Calibri" panose="020F0502020204030204" pitchFamily="34" charset="0"/>
+                <a:cs typeface="Arial" panose="020B0604020202020204" pitchFamily="34" charset="0"/>
+              </a:rPr>
+              <a:t>showMore</a:t>
+            </a:r>
+            <a:r>
+              <a:rPr lang="en-US" sz="1100" dirty="0" err="1">
+                <a:solidFill>
+                  <a:srgbClr val="000000"/>
+                </a:solidFill>
+                <a:latin typeface="Calibri" panose="020F0502020204030204" pitchFamily="34" charset="0"/>
+                <a:ea typeface="Calibri" panose="020F0502020204030204" pitchFamily="34" charset="0"/>
+                <a:cs typeface="Arial" panose="020B0604020202020204" pitchFamily="34" charset="0"/>
+              </a:rPr>
+              <a:t>.</a:t>
+            </a:r>
+            <a:r>
+              <a:rPr lang="en-US" sz="1100" b="1" dirty="0" err="1">
+                <a:solidFill>
+                  <a:srgbClr val="660E7A"/>
+                </a:solidFill>
+                <a:latin typeface="Calibri" panose="020F0502020204030204" pitchFamily="34" charset="0"/>
+                <a:ea typeface="Calibri" panose="020F0502020204030204" pitchFamily="34" charset="0"/>
+                <a:cs typeface="Arial" panose="020B0604020202020204" pitchFamily="34" charset="0"/>
+              </a:rPr>
+              <a:t>map</a:t>
+            </a:r>
+            <a:r>
+              <a:rPr lang="en-US" sz="1100" dirty="0">
+                <a:solidFill>
+                  <a:srgbClr val="000000"/>
+                </a:solidFill>
+                <a:latin typeface="Calibri" panose="020F0502020204030204" pitchFamily="34" charset="0"/>
+                <a:ea typeface="Calibri" panose="020F0502020204030204" pitchFamily="34" charset="0"/>
+                <a:cs typeface="Arial" panose="020B0604020202020204" pitchFamily="34" charset="0"/>
+              </a:rPr>
+              <a:t>(more =&gt; (more ? </a:t>
+            </a:r>
+            <a:r>
+              <a:rPr lang="en-US" sz="1100" b="1" dirty="0">
+                <a:solidFill>
+                  <a:srgbClr val="008000"/>
+                </a:solidFill>
+                <a:latin typeface="Calibri" panose="020F0502020204030204" pitchFamily="34" charset="0"/>
+                <a:ea typeface="Calibri" panose="020F0502020204030204" pitchFamily="34" charset="0"/>
+                <a:cs typeface="Arial" panose="020B0604020202020204" pitchFamily="34" charset="0"/>
+              </a:rPr>
+              <a:t>"Less" </a:t>
+            </a:r>
+            <a:r>
+              <a:rPr lang="en-US" sz="1100" dirty="0">
+                <a:solidFill>
+                  <a:srgbClr val="000000"/>
+                </a:solidFill>
+                <a:latin typeface="Calibri" panose="020F0502020204030204" pitchFamily="34" charset="0"/>
+                <a:ea typeface="Calibri" panose="020F0502020204030204" pitchFamily="34" charset="0"/>
+                <a:cs typeface="Arial" panose="020B0604020202020204" pitchFamily="34" charset="0"/>
+              </a:rPr>
+              <a:t>: </a:t>
+            </a:r>
+            <a:r>
+              <a:rPr lang="en-US" sz="1100" b="1" dirty="0">
+                <a:solidFill>
+                  <a:srgbClr val="008000"/>
+                </a:solidFill>
+                <a:latin typeface="Calibri" panose="020F0502020204030204" pitchFamily="34" charset="0"/>
+                <a:ea typeface="Calibri" panose="020F0502020204030204" pitchFamily="34" charset="0"/>
+                <a:cs typeface="Arial" panose="020B0604020202020204" pitchFamily="34" charset="0"/>
+              </a:rPr>
+              <a:t>"More"</a:t>
+            </a:r>
+            <a:r>
+              <a:rPr lang="en-US" sz="1100" dirty="0">
+                <a:solidFill>
+                  <a:srgbClr val="000000"/>
+                </a:solidFill>
+                <a:latin typeface="Calibri" panose="020F0502020204030204" pitchFamily="34" charset="0"/>
+                <a:ea typeface="Calibri" panose="020F0502020204030204" pitchFamily="34" charset="0"/>
+                <a:cs typeface="Arial" panose="020B0604020202020204" pitchFamily="34" charset="0"/>
+              </a:rPr>
+              <a:t>));</a:t>
+            </a:r>
+            <a:br>
+              <a:rPr lang="en-US" sz="1100" dirty="0">
+                <a:solidFill>
+                  <a:srgbClr val="000000"/>
+                </a:solidFill>
+                <a:latin typeface="Calibri" panose="020F0502020204030204" pitchFamily="34" charset="0"/>
+                <a:ea typeface="Calibri" panose="020F0502020204030204" pitchFamily="34" charset="0"/>
+                <a:cs typeface="Arial" panose="020B0604020202020204" pitchFamily="34" charset="0"/>
+              </a:rPr>
+            </a:br>
+            <a:r>
+              <a:rPr lang="en-US" sz="1100" dirty="0">
+                <a:solidFill>
+                  <a:srgbClr val="000000"/>
+                </a:solidFill>
+                <a:latin typeface="Calibri" panose="020F0502020204030204" pitchFamily="34" charset="0"/>
+                <a:ea typeface="Calibri" panose="020F0502020204030204" pitchFamily="34" charset="0"/>
+                <a:cs typeface="Arial" panose="020B0604020202020204" pitchFamily="34" charset="0"/>
+              </a:rPr>
+              <a:t>}</a:t>
+            </a:r>
+            <a:endParaRPr lang="he-IL" sz="1100" dirty="0"/>
+          </a:p>
+        </p:txBody>
+      </p:sp>
+      <p:sp>
+        <p:nvSpPr>
+          <p:cNvPr id="17" name="Rectangle 16"/>
+          <p:cNvSpPr/>
+          <p:nvPr/>
+        </p:nvSpPr>
+        <p:spPr>
+          <a:xfrm>
+            <a:off x="3321196" y="3601896"/>
+            <a:ext cx="5472608" cy="1169551"/>
+          </a:xfrm>
+          <a:prstGeom prst="rect">
+            <a:avLst/>
+          </a:prstGeom>
+          <a:solidFill>
+            <a:schemeClr val="accent1">
+              <a:lumMod val="60000"/>
+              <a:lumOff val="40000"/>
+            </a:schemeClr>
+          </a:solidFill>
+        </p:spPr>
+        <p:txBody>
+          <a:bodyPr wrap="square">
+            <a:spAutoFit/>
+          </a:bodyPr>
+          <a:lstStyle/>
+          <a:p>
+            <a:r>
+              <a:rPr lang="en-US" sz="1400" dirty="0">
+                <a:solidFill>
+                  <a:srgbClr val="000000"/>
+                </a:solidFill>
+                <a:latin typeface="Calibri" panose="020F0502020204030204" pitchFamily="34" charset="0"/>
+                <a:ea typeface="Calibri" panose="020F0502020204030204" pitchFamily="34" charset="0"/>
+                <a:cs typeface="Arial" panose="020B0604020202020204" pitchFamily="34" charset="0"/>
+              </a:rPr>
+              <a:t>&lt;</a:t>
+            </a:r>
+            <a:r>
+              <a:rPr lang="en-US" sz="1400" b="1" dirty="0">
+                <a:solidFill>
+                  <a:srgbClr val="000080"/>
+                </a:solidFill>
+                <a:latin typeface="Calibri" panose="020F0502020204030204" pitchFamily="34" charset="0"/>
+                <a:ea typeface="Calibri" panose="020F0502020204030204" pitchFamily="34" charset="0"/>
+                <a:cs typeface="Arial" panose="020B0604020202020204" pitchFamily="34" charset="0"/>
+              </a:rPr>
+              <a:t>h1</a:t>
+            </a:r>
+            <a:r>
+              <a:rPr lang="en-US" sz="1400" dirty="0">
+                <a:solidFill>
+                  <a:srgbClr val="000000"/>
+                </a:solidFill>
+                <a:latin typeface="Calibri" panose="020F0502020204030204" pitchFamily="34" charset="0"/>
+                <a:ea typeface="Calibri" panose="020F0502020204030204" pitchFamily="34" charset="0"/>
+                <a:cs typeface="Arial" panose="020B0604020202020204" pitchFamily="34" charset="0"/>
+              </a:rPr>
+              <a:t>&gt;Contact Details {{</a:t>
+            </a:r>
+            <a:r>
+              <a:rPr lang="en-US" sz="1400" b="1" dirty="0">
+                <a:solidFill>
+                  <a:srgbClr val="660E7A"/>
+                </a:solidFill>
+                <a:latin typeface="Calibri" panose="020F0502020204030204" pitchFamily="34" charset="0"/>
+                <a:ea typeface="Calibri" panose="020F0502020204030204" pitchFamily="34" charset="0"/>
+                <a:cs typeface="Arial" panose="020B0604020202020204" pitchFamily="34" charset="0"/>
+              </a:rPr>
+              <a:t>name </a:t>
+            </a:r>
+            <a:r>
+              <a:rPr lang="en-US" sz="1400" dirty="0">
+                <a:solidFill>
+                  <a:srgbClr val="000000"/>
+                </a:solidFill>
+                <a:latin typeface="Calibri" panose="020F0502020204030204" pitchFamily="34" charset="0"/>
+                <a:ea typeface="Calibri" panose="020F0502020204030204" pitchFamily="34" charset="0"/>
+                <a:cs typeface="Arial" panose="020B0604020202020204" pitchFamily="34" charset="0"/>
+              </a:rPr>
+              <a:t>| </a:t>
+            </a:r>
+            <a:r>
+              <a:rPr lang="en-US" sz="1400" dirty="0" err="1">
+                <a:solidFill>
+                  <a:srgbClr val="000000"/>
+                </a:solidFill>
+                <a:latin typeface="Calibri" panose="020F0502020204030204" pitchFamily="34" charset="0"/>
+                <a:ea typeface="Calibri" panose="020F0502020204030204" pitchFamily="34" charset="0"/>
+                <a:cs typeface="Arial" panose="020B0604020202020204" pitchFamily="34" charset="0"/>
+              </a:rPr>
+              <a:t>async</a:t>
+            </a:r>
+            <a:r>
+              <a:rPr lang="en-US" sz="1400" dirty="0">
+                <a:solidFill>
+                  <a:srgbClr val="000000"/>
+                </a:solidFill>
+                <a:latin typeface="Calibri" panose="020F0502020204030204" pitchFamily="34" charset="0"/>
+                <a:ea typeface="Calibri" panose="020F0502020204030204" pitchFamily="34" charset="0"/>
+                <a:cs typeface="Arial" panose="020B0604020202020204" pitchFamily="34" charset="0"/>
+              </a:rPr>
+              <a:t>}}&lt;/</a:t>
+            </a:r>
+            <a:r>
+              <a:rPr lang="en-US" sz="1400" b="1" dirty="0">
+                <a:solidFill>
+                  <a:srgbClr val="000080"/>
+                </a:solidFill>
+                <a:latin typeface="Calibri" panose="020F0502020204030204" pitchFamily="34" charset="0"/>
+                <a:ea typeface="Calibri" panose="020F0502020204030204" pitchFamily="34" charset="0"/>
+                <a:cs typeface="Arial" panose="020B0604020202020204" pitchFamily="34" charset="0"/>
+              </a:rPr>
+              <a:t>h1</a:t>
+            </a:r>
+            <a:r>
+              <a:rPr lang="en-US" sz="1400" dirty="0">
+                <a:solidFill>
+                  <a:srgbClr val="000000"/>
+                </a:solidFill>
+                <a:latin typeface="Calibri" panose="020F0502020204030204" pitchFamily="34" charset="0"/>
+                <a:ea typeface="Calibri" panose="020F0502020204030204" pitchFamily="34" charset="0"/>
+                <a:cs typeface="Arial" panose="020B0604020202020204" pitchFamily="34" charset="0"/>
+              </a:rPr>
+              <a:t>&gt;</a:t>
+            </a:r>
+            <a:br>
+              <a:rPr lang="en-US" sz="1400" dirty="0">
+                <a:solidFill>
+                  <a:srgbClr val="000000"/>
+                </a:solidFill>
+                <a:latin typeface="Calibri" panose="020F0502020204030204" pitchFamily="34" charset="0"/>
+                <a:ea typeface="Calibri" panose="020F0502020204030204" pitchFamily="34" charset="0"/>
+                <a:cs typeface="Arial" panose="020B0604020202020204" pitchFamily="34" charset="0"/>
+              </a:rPr>
+            </a:br>
+            <a:br>
+              <a:rPr lang="en-US" sz="1400" dirty="0">
+                <a:solidFill>
+                  <a:srgbClr val="000000"/>
+                </a:solidFill>
+                <a:latin typeface="Calibri" panose="020F0502020204030204" pitchFamily="34" charset="0"/>
+                <a:ea typeface="Calibri" panose="020F0502020204030204" pitchFamily="34" charset="0"/>
+                <a:cs typeface="Arial" panose="020B0604020202020204" pitchFamily="34" charset="0"/>
+              </a:rPr>
+            </a:br>
+            <a:r>
+              <a:rPr lang="en-US" sz="1400" dirty="0">
+                <a:solidFill>
+                  <a:srgbClr val="000000"/>
+                </a:solidFill>
+                <a:latin typeface="Calibri" panose="020F0502020204030204" pitchFamily="34" charset="0"/>
+                <a:ea typeface="Calibri" panose="020F0502020204030204" pitchFamily="34" charset="0"/>
+                <a:cs typeface="Arial" panose="020B0604020202020204" pitchFamily="34" charset="0"/>
+              </a:rPr>
+              <a:t>&lt;</a:t>
+            </a:r>
+            <a:r>
+              <a:rPr lang="en-US" sz="1400" b="1" dirty="0">
+                <a:solidFill>
+                  <a:srgbClr val="000080"/>
+                </a:solidFill>
+                <a:latin typeface="Calibri" panose="020F0502020204030204" pitchFamily="34" charset="0"/>
+                <a:ea typeface="Calibri" panose="020F0502020204030204" pitchFamily="34" charset="0"/>
+                <a:cs typeface="Arial" panose="020B0604020202020204" pitchFamily="34" charset="0"/>
+              </a:rPr>
+              <a:t>a </a:t>
+            </a:r>
+            <a:r>
+              <a:rPr lang="en-US" sz="1400" b="1" dirty="0">
+                <a:solidFill>
+                  <a:srgbClr val="0000FF"/>
+                </a:solidFill>
+                <a:latin typeface="Calibri" panose="020F0502020204030204" pitchFamily="34" charset="0"/>
+                <a:ea typeface="Calibri" panose="020F0502020204030204" pitchFamily="34" charset="0"/>
+                <a:cs typeface="Arial" panose="020B0604020202020204" pitchFamily="34" charset="0"/>
+              </a:rPr>
+              <a:t>[</a:t>
+            </a:r>
+            <a:r>
+              <a:rPr lang="en-US" sz="1400" b="1" dirty="0" err="1">
+                <a:solidFill>
+                  <a:srgbClr val="0000FF"/>
+                </a:solidFill>
+                <a:latin typeface="Calibri" panose="020F0502020204030204" pitchFamily="34" charset="0"/>
+                <a:ea typeface="Calibri" panose="020F0502020204030204" pitchFamily="34" charset="0"/>
+                <a:cs typeface="Arial" panose="020B0604020202020204" pitchFamily="34" charset="0"/>
+              </a:rPr>
+              <a:t>routerLink</a:t>
+            </a:r>
+            <a:r>
+              <a:rPr lang="en-US" sz="1400" b="1" dirty="0">
+                <a:solidFill>
+                  <a:srgbClr val="0000FF"/>
+                </a:solidFill>
+                <a:latin typeface="Calibri" panose="020F0502020204030204" pitchFamily="34" charset="0"/>
+                <a:ea typeface="Calibri" panose="020F0502020204030204" pitchFamily="34" charset="0"/>
+                <a:cs typeface="Arial" panose="020B0604020202020204" pitchFamily="34" charset="0"/>
+              </a:rPr>
+              <a:t>]=</a:t>
+            </a:r>
+            <a:r>
+              <a:rPr lang="en-US" sz="1400" b="1" dirty="0">
+                <a:solidFill>
+                  <a:srgbClr val="008000"/>
+                </a:solidFill>
+                <a:latin typeface="Calibri" panose="020F0502020204030204" pitchFamily="34" charset="0"/>
+                <a:ea typeface="Calibri" panose="020F0502020204030204" pitchFamily="34" charset="0"/>
+                <a:cs typeface="Arial" panose="020B0604020202020204" pitchFamily="34" charset="0"/>
+              </a:rPr>
+              <a:t>"['/contact', 2]"</a:t>
+            </a:r>
+            <a:r>
+              <a:rPr lang="en-US" sz="1400" dirty="0">
+                <a:solidFill>
+                  <a:srgbClr val="000000"/>
+                </a:solidFill>
+                <a:latin typeface="Calibri" panose="020F0502020204030204" pitchFamily="34" charset="0"/>
+                <a:ea typeface="Calibri" panose="020F0502020204030204" pitchFamily="34" charset="0"/>
+                <a:cs typeface="Arial" panose="020B0604020202020204" pitchFamily="34" charset="0"/>
+              </a:rPr>
+              <a:t>&gt;</a:t>
+            </a:r>
+            <a:r>
+              <a:rPr lang="en-US" sz="1400" dirty="0" err="1">
+                <a:solidFill>
+                  <a:srgbClr val="000000"/>
+                </a:solidFill>
+                <a:latin typeface="Calibri" panose="020F0502020204030204" pitchFamily="34" charset="0"/>
+                <a:ea typeface="Calibri" panose="020F0502020204030204" pitchFamily="34" charset="0"/>
+                <a:cs typeface="Arial" panose="020B0604020202020204" pitchFamily="34" charset="0"/>
+              </a:rPr>
+              <a:t>Goto</a:t>
+            </a:r>
+            <a:r>
+              <a:rPr lang="en-US" sz="1400" dirty="0">
+                <a:solidFill>
+                  <a:srgbClr val="000000"/>
+                </a:solidFill>
+                <a:latin typeface="Calibri" panose="020F0502020204030204" pitchFamily="34" charset="0"/>
+                <a:ea typeface="Calibri" panose="020F0502020204030204" pitchFamily="34" charset="0"/>
+                <a:cs typeface="Arial" panose="020B0604020202020204" pitchFamily="34" charset="0"/>
+              </a:rPr>
+              <a:t> Parent&lt;/</a:t>
+            </a:r>
+            <a:r>
+              <a:rPr lang="en-US" sz="1400" b="1" dirty="0">
+                <a:solidFill>
+                  <a:srgbClr val="000080"/>
+                </a:solidFill>
+                <a:latin typeface="Calibri" panose="020F0502020204030204" pitchFamily="34" charset="0"/>
+                <a:ea typeface="Calibri" panose="020F0502020204030204" pitchFamily="34" charset="0"/>
+                <a:cs typeface="Arial" panose="020B0604020202020204" pitchFamily="34" charset="0"/>
+              </a:rPr>
+              <a:t>a</a:t>
+            </a:r>
+            <a:r>
+              <a:rPr lang="en-US" sz="1400" dirty="0">
+                <a:solidFill>
+                  <a:srgbClr val="000000"/>
+                </a:solidFill>
+                <a:latin typeface="Calibri" panose="020F0502020204030204" pitchFamily="34" charset="0"/>
+                <a:ea typeface="Calibri" panose="020F0502020204030204" pitchFamily="34" charset="0"/>
+                <a:cs typeface="Arial" panose="020B0604020202020204" pitchFamily="34" charset="0"/>
+              </a:rPr>
+              <a:t>&gt;</a:t>
+            </a:r>
+            <a:br>
+              <a:rPr lang="en-US" sz="1400" dirty="0">
+                <a:solidFill>
+                  <a:srgbClr val="000000"/>
+                </a:solidFill>
+                <a:latin typeface="Calibri" panose="020F0502020204030204" pitchFamily="34" charset="0"/>
+                <a:ea typeface="Calibri" panose="020F0502020204030204" pitchFamily="34" charset="0"/>
+                <a:cs typeface="Arial" panose="020B0604020202020204" pitchFamily="34" charset="0"/>
+              </a:rPr>
+            </a:br>
+            <a:br>
+              <a:rPr lang="en-US" sz="1400" dirty="0">
+                <a:solidFill>
+                  <a:srgbClr val="000000"/>
+                </a:solidFill>
+                <a:latin typeface="Calibri" panose="020F0502020204030204" pitchFamily="34" charset="0"/>
+                <a:ea typeface="Calibri" panose="020F0502020204030204" pitchFamily="34" charset="0"/>
+                <a:cs typeface="Arial" panose="020B0604020202020204" pitchFamily="34" charset="0"/>
+              </a:rPr>
+            </a:br>
+            <a:r>
+              <a:rPr lang="en-US" sz="1400" dirty="0">
+                <a:solidFill>
+                  <a:srgbClr val="000000"/>
+                </a:solidFill>
+                <a:latin typeface="Calibri" panose="020F0502020204030204" pitchFamily="34" charset="0"/>
+                <a:ea typeface="Calibri" panose="020F0502020204030204" pitchFamily="34" charset="0"/>
+                <a:cs typeface="Arial" panose="020B0604020202020204" pitchFamily="34" charset="0"/>
+              </a:rPr>
+              <a:t>&lt;</a:t>
+            </a:r>
+            <a:r>
+              <a:rPr lang="en-US" sz="1400" b="1" dirty="0">
+                <a:solidFill>
+                  <a:srgbClr val="000080"/>
+                </a:solidFill>
+                <a:latin typeface="Calibri" panose="020F0502020204030204" pitchFamily="34" charset="0"/>
+                <a:ea typeface="Calibri" panose="020F0502020204030204" pitchFamily="34" charset="0"/>
+                <a:cs typeface="Arial" panose="020B0604020202020204" pitchFamily="34" charset="0"/>
+              </a:rPr>
+              <a:t>button </a:t>
+            </a:r>
+            <a:r>
+              <a:rPr lang="en-US" sz="1400" b="1" dirty="0">
+                <a:solidFill>
+                  <a:srgbClr val="0000FF"/>
+                </a:solidFill>
+                <a:latin typeface="Calibri" panose="020F0502020204030204" pitchFamily="34" charset="0"/>
+                <a:ea typeface="Calibri" panose="020F0502020204030204" pitchFamily="34" charset="0"/>
+                <a:cs typeface="Arial" panose="020B0604020202020204" pitchFamily="34" charset="0"/>
+              </a:rPr>
+              <a:t>(click)=</a:t>
+            </a:r>
+            <a:r>
+              <a:rPr lang="en-US" sz="1400" b="1" dirty="0">
+                <a:solidFill>
+                  <a:srgbClr val="008000"/>
+                </a:solidFill>
+                <a:latin typeface="Calibri" panose="020F0502020204030204" pitchFamily="34" charset="0"/>
+                <a:ea typeface="Calibri" panose="020F0502020204030204" pitchFamily="34" charset="0"/>
+                <a:cs typeface="Arial" panose="020B0604020202020204" pitchFamily="34" charset="0"/>
+              </a:rPr>
+              <a:t>"</a:t>
+            </a:r>
+            <a:r>
+              <a:rPr lang="en-US" sz="1400" b="1" dirty="0" err="1">
+                <a:solidFill>
+                  <a:srgbClr val="7A7A43"/>
+                </a:solidFill>
+                <a:latin typeface="Calibri" panose="020F0502020204030204" pitchFamily="34" charset="0"/>
+                <a:ea typeface="Calibri" panose="020F0502020204030204" pitchFamily="34" charset="0"/>
+                <a:cs typeface="Arial" panose="020B0604020202020204" pitchFamily="34" charset="0"/>
+              </a:rPr>
+              <a:t>toggleMore</a:t>
+            </a:r>
+            <a:r>
+              <a:rPr lang="en-US" sz="1400" b="1" dirty="0">
+                <a:solidFill>
+                  <a:srgbClr val="008000"/>
+                </a:solidFill>
+                <a:latin typeface="Calibri" panose="020F0502020204030204" pitchFamily="34" charset="0"/>
+                <a:ea typeface="Calibri" panose="020F0502020204030204" pitchFamily="34" charset="0"/>
+                <a:cs typeface="Arial" panose="020B0604020202020204" pitchFamily="34" charset="0"/>
+              </a:rPr>
+              <a:t>()"</a:t>
+            </a:r>
+            <a:r>
+              <a:rPr lang="en-US" sz="1400" dirty="0">
+                <a:solidFill>
+                  <a:srgbClr val="000000"/>
+                </a:solidFill>
+                <a:latin typeface="Calibri" panose="020F0502020204030204" pitchFamily="34" charset="0"/>
+                <a:ea typeface="Calibri" panose="020F0502020204030204" pitchFamily="34" charset="0"/>
+                <a:cs typeface="Arial" panose="020B0604020202020204" pitchFamily="34" charset="0"/>
+              </a:rPr>
+              <a:t>&gt;{{</a:t>
+            </a:r>
+            <a:r>
+              <a:rPr lang="en-US" sz="1400" b="1" dirty="0" err="1">
+                <a:solidFill>
+                  <a:srgbClr val="660E7A"/>
+                </a:solidFill>
+                <a:latin typeface="Calibri" panose="020F0502020204030204" pitchFamily="34" charset="0"/>
+                <a:ea typeface="Calibri" panose="020F0502020204030204" pitchFamily="34" charset="0"/>
+                <a:cs typeface="Arial" panose="020B0604020202020204" pitchFamily="34" charset="0"/>
+              </a:rPr>
+              <a:t>showMoreCaption</a:t>
+            </a:r>
+            <a:r>
+              <a:rPr lang="en-US" sz="1400" b="1" dirty="0">
+                <a:solidFill>
+                  <a:srgbClr val="660E7A"/>
+                </a:solidFill>
+                <a:latin typeface="Calibri" panose="020F0502020204030204" pitchFamily="34" charset="0"/>
+                <a:ea typeface="Calibri" panose="020F0502020204030204" pitchFamily="34" charset="0"/>
+                <a:cs typeface="Arial" panose="020B0604020202020204" pitchFamily="34" charset="0"/>
+              </a:rPr>
+              <a:t> </a:t>
+            </a:r>
+            <a:r>
+              <a:rPr lang="en-US" sz="1400" dirty="0">
+                <a:solidFill>
+                  <a:srgbClr val="000000"/>
+                </a:solidFill>
+                <a:latin typeface="Calibri" panose="020F0502020204030204" pitchFamily="34" charset="0"/>
+                <a:ea typeface="Calibri" panose="020F0502020204030204" pitchFamily="34" charset="0"/>
+                <a:cs typeface="Arial" panose="020B0604020202020204" pitchFamily="34" charset="0"/>
+              </a:rPr>
+              <a:t>| </a:t>
+            </a:r>
+            <a:r>
+              <a:rPr lang="en-US" sz="1400" dirty="0" err="1">
+                <a:solidFill>
+                  <a:srgbClr val="000000"/>
+                </a:solidFill>
+                <a:latin typeface="Calibri" panose="020F0502020204030204" pitchFamily="34" charset="0"/>
+                <a:ea typeface="Calibri" panose="020F0502020204030204" pitchFamily="34" charset="0"/>
+                <a:cs typeface="Arial" panose="020B0604020202020204" pitchFamily="34" charset="0"/>
+              </a:rPr>
+              <a:t>async</a:t>
+            </a:r>
+            <a:r>
+              <a:rPr lang="en-US" sz="1400" dirty="0">
+                <a:solidFill>
+                  <a:srgbClr val="000000"/>
+                </a:solidFill>
+                <a:latin typeface="Calibri" panose="020F0502020204030204" pitchFamily="34" charset="0"/>
+                <a:ea typeface="Calibri" panose="020F0502020204030204" pitchFamily="34" charset="0"/>
+                <a:cs typeface="Arial" panose="020B0604020202020204" pitchFamily="34" charset="0"/>
+              </a:rPr>
+              <a:t>}}&lt;/</a:t>
+            </a:r>
+            <a:r>
+              <a:rPr lang="en-US" sz="1400" b="1" dirty="0">
+                <a:solidFill>
+                  <a:srgbClr val="000080"/>
+                </a:solidFill>
+                <a:latin typeface="Calibri" panose="020F0502020204030204" pitchFamily="34" charset="0"/>
+                <a:ea typeface="Calibri" panose="020F0502020204030204" pitchFamily="34" charset="0"/>
+                <a:cs typeface="Arial" panose="020B0604020202020204" pitchFamily="34" charset="0"/>
+              </a:rPr>
+              <a:t>button</a:t>
+            </a:r>
+            <a:r>
+              <a:rPr lang="en-US" sz="1400" dirty="0">
+                <a:solidFill>
+                  <a:srgbClr val="000000"/>
+                </a:solidFill>
+                <a:latin typeface="Calibri" panose="020F0502020204030204" pitchFamily="34" charset="0"/>
+                <a:ea typeface="Calibri" panose="020F0502020204030204" pitchFamily="34" charset="0"/>
+                <a:cs typeface="Arial" panose="020B0604020202020204" pitchFamily="34" charset="0"/>
+              </a:rPr>
+              <a:t>&gt;</a:t>
+            </a:r>
+            <a:endParaRPr lang="he-IL" sz="1400" dirty="0"/>
+          </a:p>
+        </p:txBody>
+      </p:sp>
+      <p:sp>
+        <p:nvSpPr>
+          <p:cNvPr id="18" name="Line Callout 2 6"/>
+          <p:cNvSpPr/>
+          <p:nvPr/>
+        </p:nvSpPr>
+        <p:spPr>
+          <a:xfrm>
+            <a:off x="467544" y="4257685"/>
+            <a:ext cx="2160240" cy="1296144"/>
+          </a:xfrm>
+          <a:prstGeom prst="borderCallout2">
+            <a:avLst>
+              <a:gd name="adj1" fmla="val 23696"/>
+              <a:gd name="adj2" fmla="val 107572"/>
+              <a:gd name="adj3" fmla="val 38534"/>
+              <a:gd name="adj4" fmla="val 106626"/>
+              <a:gd name="adj5" fmla="val -6278"/>
+              <a:gd name="adj6" fmla="val 134906"/>
+            </a:avLst>
+          </a:prstGeom>
+          <a:solidFill>
+            <a:schemeClr val="accent4"/>
+          </a:solidFill>
+        </p:spPr>
+        <p:style>
+          <a:lnRef idx="2">
+            <a:schemeClr val="accent1">
+              <a:shade val="50000"/>
+            </a:schemeClr>
+          </a:lnRef>
+          <a:fillRef idx="1">
+            <a:schemeClr val="accent1"/>
+          </a:fillRef>
+          <a:effectRef idx="0">
+            <a:schemeClr val="accent1"/>
+          </a:effectRef>
+          <a:fontRef idx="minor">
+            <a:schemeClr val="lt1"/>
+          </a:fontRef>
+        </p:style>
+        <p:txBody>
+          <a:bodyPr rtlCol="0" anchor="ctr"/>
+          <a:lstStyle/>
+          <a:p>
+            <a:pPr algn="ctr"/>
+            <a:r>
+              <a:rPr lang="en-US" sz="1400" dirty="0"/>
+              <a:t>Clicking the link causes a change inside </a:t>
+            </a:r>
+            <a:r>
+              <a:rPr lang="en-US" sz="1400" dirty="0" err="1"/>
+              <a:t>activatedRoute.params</a:t>
+            </a:r>
+            <a:r>
+              <a:rPr lang="en-US" sz="1400" dirty="0"/>
+              <a:t> and then all other observables are updated too</a:t>
+            </a:r>
+          </a:p>
+        </p:txBody>
+      </p:sp>
+      <p:sp>
+        <p:nvSpPr>
+          <p:cNvPr id="20" name="Line Callout 2 6"/>
+          <p:cNvSpPr/>
+          <p:nvPr/>
+        </p:nvSpPr>
+        <p:spPr>
+          <a:xfrm>
+            <a:off x="3419872" y="5445224"/>
+            <a:ext cx="1656184" cy="1105406"/>
+          </a:xfrm>
+          <a:prstGeom prst="borderCallout2">
+            <a:avLst>
+              <a:gd name="adj1" fmla="val -139651"/>
+              <a:gd name="adj2" fmla="val 142516"/>
+              <a:gd name="adj3" fmla="val 38534"/>
+              <a:gd name="adj4" fmla="val 106626"/>
+              <a:gd name="adj5" fmla="val -64457"/>
+              <a:gd name="adj6" fmla="val 249650"/>
+            </a:avLst>
+          </a:prstGeom>
+          <a:solidFill>
+            <a:schemeClr val="accent4"/>
+          </a:solidFill>
+        </p:spPr>
+        <p:style>
+          <a:lnRef idx="2">
+            <a:schemeClr val="accent1">
+              <a:shade val="50000"/>
+            </a:schemeClr>
+          </a:lnRef>
+          <a:fillRef idx="1">
+            <a:schemeClr val="accent1"/>
+          </a:fillRef>
+          <a:effectRef idx="0">
+            <a:schemeClr val="accent1"/>
+          </a:effectRef>
+          <a:fontRef idx="minor">
+            <a:schemeClr val="lt1"/>
+          </a:fontRef>
+        </p:style>
+        <p:txBody>
+          <a:bodyPr rtlCol="0" anchor="ctr"/>
+          <a:lstStyle/>
+          <a:p>
+            <a:pPr algn="ctr"/>
+            <a:r>
+              <a:rPr lang="en-US" sz="1400" dirty="0"/>
+              <a:t>The </a:t>
+            </a:r>
+            <a:r>
+              <a:rPr lang="en-US" sz="1400" dirty="0" err="1"/>
+              <a:t>async</a:t>
+            </a:r>
+            <a:r>
+              <a:rPr lang="en-US" sz="1400" dirty="0"/>
+              <a:t> pipe tells Angular to subscribe to the observable</a:t>
+            </a:r>
+          </a:p>
+        </p:txBody>
+      </p:sp>
+    </p:spTree>
+    <p:extLst>
+      <p:ext uri="{BB962C8B-B14F-4D97-AF65-F5344CB8AC3E}">
+        <p14:creationId xmlns:p14="http://schemas.microsoft.com/office/powerpoint/2010/main" val="2608419805"/>
+      </p:ext>
+    </p:extLst>
+  </p:cSld>
+  <p:clrMapOvr>
+    <a:masterClrMapping/>
+  </p:clrMapOvr>
+</p:sld>
+</file>
+
+<file path=ppt/slides/slide18.xml><?xml version="1.0" encoding="utf-8"?>
+<p:sld xmlns:a="http://schemas.openxmlformats.org/drawingml/2006/main" xmlns:r="http://schemas.openxmlformats.org/officeDocument/2006/relationships" xmlns:p="http://schemas.openxmlformats.org/presentationml/2006/main">
+  <p:cSld>
+    <p:spTree>
+      <p:nvGrpSpPr>
+        <p:cNvPr id="1" name=""/>
+        <p:cNvGrpSpPr/>
+        <p:nvPr/>
+      </p:nvGrpSpPr>
+      <p:grpSpPr>
+        <a:xfrm>
+          <a:off x="0" y="0"/>
+          <a:ext cx="0" cy="0"/>
+          <a:chOff x="0" y="0"/>
+          <a:chExt cx="0" cy="0"/>
+        </a:xfrm>
+      </p:grpSpPr>
+      <p:sp>
+        <p:nvSpPr>
+          <p:cNvPr id="2" name="Title 1"/>
+          <p:cNvSpPr>
+            <a:spLocks noGrp="1"/>
+          </p:cNvSpPr>
+          <p:nvPr>
+            <p:ph type="title"/>
+          </p:nvPr>
+        </p:nvSpPr>
+        <p:spPr/>
+        <p:txBody>
+          <a:bodyPr/>
+          <a:lstStyle/>
+          <a:p>
+            <a:r>
+              <a:rPr lang="en-US" dirty="0"/>
+              <a:t>Nested Route</a:t>
+            </a:r>
+            <a:endParaRPr lang="he-IL" dirty="0"/>
+          </a:p>
+        </p:txBody>
+      </p:sp>
+      <p:sp>
+        <p:nvSpPr>
+          <p:cNvPr id="3" name="Footer Placeholder 2"/>
+          <p:cNvSpPr>
+            <a:spLocks noGrp="1"/>
+          </p:cNvSpPr>
+          <p:nvPr>
+            <p:ph type="ftr" sz="quarter" idx="11"/>
+          </p:nvPr>
+        </p:nvSpPr>
+        <p:spPr/>
+        <p:txBody>
+          <a:bodyPr/>
+          <a:lstStyle/>
+          <a:p>
+            <a:r>
+              <a:rPr lang="en-US"/>
+              <a:t>© 2016 Ori Calvo</a:t>
+            </a:r>
+            <a:endParaRPr lang="en-US" dirty="0"/>
+          </a:p>
+        </p:txBody>
+      </p:sp>
+      <p:sp>
+        <p:nvSpPr>
+          <p:cNvPr id="4" name="Slide Number Placeholder 3"/>
+          <p:cNvSpPr>
+            <a:spLocks noGrp="1"/>
+          </p:cNvSpPr>
+          <p:nvPr>
+            <p:ph type="sldNum" sz="quarter" idx="12"/>
+          </p:nvPr>
+        </p:nvSpPr>
+        <p:spPr/>
+        <p:txBody>
+          <a:bodyPr>
+            <a:normAutofit fontScale="85000" lnSpcReduction="20000"/>
+          </a:bodyPr>
+          <a:lstStyle/>
+          <a:p>
+            <a:fld id="{6EDEC3BC-0694-4586-AE63-02B4D54ABF43}" type="slidenum">
+              <a:rPr lang="en-US" smtClean="0"/>
+              <a:pPr/>
+              <a:t>18</a:t>
+            </a:fld>
+            <a:endParaRPr lang="en-US"/>
+          </a:p>
+        </p:txBody>
+      </p:sp>
+      <p:sp>
+        <p:nvSpPr>
+          <p:cNvPr id="5" name="Content Placeholder 4"/>
+          <p:cNvSpPr>
+            <a:spLocks noGrp="1"/>
+          </p:cNvSpPr>
+          <p:nvPr>
+            <p:ph sz="quarter" idx="1"/>
+          </p:nvPr>
+        </p:nvSpPr>
+        <p:spPr/>
+        <p:txBody>
+          <a:bodyPr/>
+          <a:lstStyle/>
+          <a:p>
+            <a:r>
+              <a:rPr lang="en-US" dirty="0"/>
+              <a:t>Each route may have a children routes</a:t>
+            </a:r>
+            <a:endParaRPr lang="he-IL" dirty="0"/>
+          </a:p>
+        </p:txBody>
+      </p:sp>
+    </p:spTree>
+    <p:extLst>
+      <p:ext uri="{BB962C8B-B14F-4D97-AF65-F5344CB8AC3E}">
+        <p14:creationId xmlns:p14="http://schemas.microsoft.com/office/powerpoint/2010/main" val="2658791497"/>
+      </p:ext>
+    </p:extLst>
+  </p:cSld>
+  <p:clrMapOvr>
+    <a:masterClrMapping/>
+  </p:clrMapOvr>
+</p:sld>
+</file>
+
+<file path=ppt/slides/slide19.xml><?xml version="1.0" encoding="utf-8"?>
+<p:sld xmlns:a="http://schemas.openxmlformats.org/drawingml/2006/main" xmlns:r="http://schemas.openxmlformats.org/officeDocument/2006/relationships" xmlns:p="http://schemas.openxmlformats.org/presentationml/2006/main">
+  <p:cSld>
+    <p:spTree>
+      <p:nvGrpSpPr>
+        <p:cNvPr id="1" name=""/>
+        <p:cNvGrpSpPr/>
+        <p:nvPr/>
+      </p:nvGrpSpPr>
+      <p:grpSpPr>
+        <a:xfrm>
+          <a:off x="0" y="0"/>
+          <a:ext cx="0" cy="0"/>
+          <a:chOff x="0" y="0"/>
+          <a:chExt cx="0" cy="0"/>
+        </a:xfrm>
+      </p:grpSpPr>
+      <p:sp>
+        <p:nvSpPr>
+          <p:cNvPr id="2" name="Title 1"/>
+          <p:cNvSpPr>
+            <a:spLocks noGrp="1"/>
+          </p:cNvSpPr>
+          <p:nvPr>
+            <p:ph type="title"/>
+          </p:nvPr>
+        </p:nvSpPr>
+        <p:spPr/>
+        <p:txBody>
+          <a:bodyPr/>
+          <a:lstStyle/>
+          <a:p>
+            <a:r>
+              <a:rPr lang="en-US" dirty="0" err="1"/>
+              <a:t>routerLink</a:t>
+            </a:r>
+            <a:r>
+              <a:rPr lang="en-US" dirty="0"/>
+              <a:t> Parameters</a:t>
+            </a:r>
+            <a:endParaRPr lang="he-IL" dirty="0"/>
+          </a:p>
+        </p:txBody>
+      </p:sp>
+      <p:sp>
+        <p:nvSpPr>
+          <p:cNvPr id="3" name="Footer Placeholder 2"/>
+          <p:cNvSpPr>
+            <a:spLocks noGrp="1"/>
+          </p:cNvSpPr>
+          <p:nvPr>
+            <p:ph type="ftr" sz="quarter" idx="11"/>
+          </p:nvPr>
+        </p:nvSpPr>
+        <p:spPr/>
+        <p:txBody>
+          <a:bodyPr/>
+          <a:lstStyle/>
+          <a:p>
+            <a:r>
+              <a:rPr lang="en-US"/>
+              <a:t>© 2016 Ori Calvo</a:t>
+            </a:r>
+            <a:endParaRPr lang="en-US" dirty="0"/>
+          </a:p>
+        </p:txBody>
+      </p:sp>
+      <p:sp>
+        <p:nvSpPr>
+          <p:cNvPr id="4" name="Slide Number Placeholder 3"/>
+          <p:cNvSpPr>
+            <a:spLocks noGrp="1"/>
+          </p:cNvSpPr>
+          <p:nvPr>
+            <p:ph type="sldNum" sz="quarter" idx="12"/>
+          </p:nvPr>
+        </p:nvSpPr>
+        <p:spPr/>
+        <p:txBody>
+          <a:bodyPr>
+            <a:normAutofit fontScale="85000" lnSpcReduction="20000"/>
+          </a:bodyPr>
+          <a:lstStyle/>
+          <a:p>
+            <a:fld id="{6EDEC3BC-0694-4586-AE63-02B4D54ABF43}" type="slidenum">
+              <a:rPr lang="en-US" smtClean="0"/>
+              <a:pPr/>
+              <a:t>19</a:t>
+            </a:fld>
+            <a:endParaRPr lang="en-US"/>
+          </a:p>
+        </p:txBody>
+      </p:sp>
+      <p:sp>
+        <p:nvSpPr>
+          <p:cNvPr id="5" name="Content Placeholder 4"/>
+          <p:cNvSpPr>
+            <a:spLocks noGrp="1"/>
+          </p:cNvSpPr>
+          <p:nvPr>
+            <p:ph sz="quarter" idx="1"/>
+          </p:nvPr>
+        </p:nvSpPr>
+        <p:spPr/>
+        <p:txBody>
+          <a:bodyPr/>
+          <a:lstStyle/>
+          <a:p>
+            <a:r>
+              <a:rPr lang="en-US" dirty="0"/>
+              <a:t>A link may specify additional parameters</a:t>
+            </a:r>
+          </a:p>
+        </p:txBody>
+      </p:sp>
+      <p:sp>
+        <p:nvSpPr>
+          <p:cNvPr id="6" name="Rectangle 5"/>
+          <p:cNvSpPr/>
+          <p:nvPr/>
+        </p:nvSpPr>
+        <p:spPr>
+          <a:xfrm>
+            <a:off x="590165" y="2492896"/>
+            <a:ext cx="8198365" cy="369332"/>
+          </a:xfrm>
+          <a:prstGeom prst="rect">
+            <a:avLst/>
+          </a:prstGeom>
+        </p:spPr>
+        <p:txBody>
+          <a:bodyPr wrap="square">
+            <a:spAutoFit/>
+          </a:bodyPr>
+          <a:lstStyle/>
+          <a:p>
+            <a:r>
+              <a:rPr lang="en-US" dirty="0">
+                <a:latin typeface="Calibri" panose="020F0502020204030204" pitchFamily="34" charset="0"/>
+                <a:ea typeface="Calibri" panose="020F0502020204030204" pitchFamily="34" charset="0"/>
+                <a:cs typeface="Arial" panose="020B0604020202020204" pitchFamily="34" charset="0"/>
+              </a:rPr>
+              <a:t>http://localhost:8080/contacts;orderBy=desc/contact/2;expand=true?lang=en#jump</a:t>
+            </a:r>
+            <a:endParaRPr lang="he-IL" dirty="0"/>
+          </a:p>
+        </p:txBody>
+      </p:sp>
+      <p:sp>
+        <p:nvSpPr>
+          <p:cNvPr id="7" name="Line Callout 2 6"/>
+          <p:cNvSpPr/>
+          <p:nvPr/>
+        </p:nvSpPr>
+        <p:spPr>
+          <a:xfrm>
+            <a:off x="827584" y="4103095"/>
+            <a:ext cx="1152128" cy="550041"/>
+          </a:xfrm>
+          <a:prstGeom prst="borderCallout2">
+            <a:avLst>
+              <a:gd name="adj1" fmla="val -17023"/>
+              <a:gd name="adj2" fmla="val 46922"/>
+              <a:gd name="adj3" fmla="val -18076"/>
+              <a:gd name="adj4" fmla="val 62699"/>
+              <a:gd name="adj5" fmla="val -234860"/>
+              <a:gd name="adj6" fmla="val 187514"/>
+            </a:avLst>
+          </a:prstGeom>
+          <a:solidFill>
+            <a:schemeClr val="accent2"/>
+          </a:solidFill>
+        </p:spPr>
+        <p:style>
+          <a:lnRef idx="2">
+            <a:schemeClr val="accent1">
+              <a:shade val="50000"/>
+            </a:schemeClr>
+          </a:lnRef>
+          <a:fillRef idx="1">
+            <a:schemeClr val="accent1"/>
+          </a:fillRef>
+          <a:effectRef idx="0">
+            <a:schemeClr val="accent1"/>
+          </a:effectRef>
+          <a:fontRef idx="minor">
+            <a:schemeClr val="lt1"/>
+          </a:fontRef>
+        </p:style>
+        <p:txBody>
+          <a:bodyPr rtlCol="0" anchor="ctr"/>
+          <a:lstStyle/>
+          <a:p>
+            <a:pPr algn="ctr"/>
+            <a:r>
+              <a:rPr lang="en-US" sz="1400" dirty="0"/>
+              <a:t>Route path</a:t>
+            </a:r>
+          </a:p>
+        </p:txBody>
+      </p:sp>
+      <p:sp>
+        <p:nvSpPr>
+          <p:cNvPr id="9" name="Line Callout 2 6"/>
+          <p:cNvSpPr/>
+          <p:nvPr/>
+        </p:nvSpPr>
+        <p:spPr>
+          <a:xfrm>
+            <a:off x="2699792" y="4714978"/>
+            <a:ext cx="1296144" cy="730246"/>
+          </a:xfrm>
+          <a:prstGeom prst="borderCallout2">
+            <a:avLst>
+              <a:gd name="adj1" fmla="val -17023"/>
+              <a:gd name="adj2" fmla="val 46922"/>
+              <a:gd name="adj3" fmla="val -18076"/>
+              <a:gd name="adj4" fmla="val 62699"/>
+              <a:gd name="adj5" fmla="val -209323"/>
+              <a:gd name="adj6" fmla="val 116464"/>
+            </a:avLst>
+          </a:prstGeom>
+          <a:solidFill>
+            <a:schemeClr val="accent2"/>
+          </a:solidFill>
+        </p:spPr>
+        <p:style>
+          <a:lnRef idx="2">
+            <a:schemeClr val="accent1">
+              <a:shade val="50000"/>
+            </a:schemeClr>
+          </a:lnRef>
+          <a:fillRef idx="1">
+            <a:schemeClr val="accent1"/>
+          </a:fillRef>
+          <a:effectRef idx="0">
+            <a:schemeClr val="accent1"/>
+          </a:effectRef>
+          <a:fontRef idx="minor">
+            <a:schemeClr val="lt1"/>
+          </a:fontRef>
+        </p:style>
+        <p:txBody>
+          <a:bodyPr rtlCol="0" anchor="ctr"/>
+          <a:lstStyle/>
+          <a:p>
+            <a:pPr algn="ctr"/>
+            <a:r>
+              <a:rPr lang="en-US" sz="1400" dirty="0"/>
+              <a:t>Optional route parameter</a:t>
+            </a:r>
+          </a:p>
+        </p:txBody>
+      </p:sp>
+      <p:sp>
+        <p:nvSpPr>
+          <p:cNvPr id="10" name="Right Brace 9"/>
+          <p:cNvSpPr/>
+          <p:nvPr/>
+        </p:nvSpPr>
+        <p:spPr>
+          <a:xfrm rot="5400000">
+            <a:off x="4068117" y="2460150"/>
+            <a:ext cx="314355" cy="1034782"/>
+          </a:xfrm>
+          <a:prstGeom prst="rightBrace">
+            <a:avLst/>
+          </a:prstGeom>
+        </p:spPr>
+        <p:style>
+          <a:lnRef idx="1">
+            <a:schemeClr val="accent1"/>
+          </a:lnRef>
+          <a:fillRef idx="0">
+            <a:schemeClr val="accent1"/>
+          </a:fillRef>
+          <a:effectRef idx="0">
+            <a:schemeClr val="accent1"/>
+          </a:effectRef>
+          <a:fontRef idx="minor">
+            <a:schemeClr val="tx1"/>
+          </a:fontRef>
+        </p:style>
+        <p:txBody>
+          <a:bodyPr rtlCol="1" anchor="ctr"/>
+          <a:lstStyle/>
+          <a:p>
+            <a:pPr algn="ctr"/>
+            <a:endParaRPr lang="he-IL"/>
+          </a:p>
+        </p:txBody>
+      </p:sp>
+      <p:sp>
+        <p:nvSpPr>
+          <p:cNvPr id="11" name="Right Brace 10"/>
+          <p:cNvSpPr/>
+          <p:nvPr/>
+        </p:nvSpPr>
+        <p:spPr>
+          <a:xfrm rot="5400000">
+            <a:off x="5711954" y="2820178"/>
+            <a:ext cx="140088" cy="144016"/>
+          </a:xfrm>
+          <a:prstGeom prst="rightBrace">
+            <a:avLst/>
+          </a:prstGeom>
+        </p:spPr>
+        <p:style>
+          <a:lnRef idx="1">
+            <a:schemeClr val="accent1"/>
+          </a:lnRef>
+          <a:fillRef idx="0">
+            <a:schemeClr val="accent1"/>
+          </a:fillRef>
+          <a:effectRef idx="0">
+            <a:schemeClr val="accent1"/>
+          </a:effectRef>
+          <a:fontRef idx="minor">
+            <a:schemeClr val="tx1"/>
+          </a:fontRef>
+        </p:style>
+        <p:txBody>
+          <a:bodyPr rtlCol="1" anchor="ctr"/>
+          <a:lstStyle/>
+          <a:p>
+            <a:pPr algn="ctr"/>
+            <a:endParaRPr lang="he-IL"/>
+          </a:p>
+        </p:txBody>
+      </p:sp>
+      <p:sp>
+        <p:nvSpPr>
+          <p:cNvPr id="12" name="Line Callout 2 6"/>
+          <p:cNvSpPr/>
+          <p:nvPr/>
+        </p:nvSpPr>
+        <p:spPr>
+          <a:xfrm>
+            <a:off x="4534826" y="4869160"/>
+            <a:ext cx="1296144" cy="730246"/>
+          </a:xfrm>
+          <a:prstGeom prst="borderCallout2">
+            <a:avLst>
+              <a:gd name="adj1" fmla="val -17023"/>
+              <a:gd name="adj2" fmla="val 46922"/>
+              <a:gd name="adj3" fmla="val -18076"/>
+              <a:gd name="adj4" fmla="val 62699"/>
+              <a:gd name="adj5" fmla="val -250534"/>
+              <a:gd name="adj6" fmla="val 91013"/>
+            </a:avLst>
+          </a:prstGeom>
+          <a:solidFill>
+            <a:schemeClr val="accent2"/>
+          </a:solidFill>
+        </p:spPr>
+        <p:style>
+          <a:lnRef idx="2">
+            <a:schemeClr val="accent1">
+              <a:shade val="50000"/>
+            </a:schemeClr>
+          </a:lnRef>
+          <a:fillRef idx="1">
+            <a:schemeClr val="accent1"/>
+          </a:fillRef>
+          <a:effectRef idx="0">
+            <a:schemeClr val="accent1"/>
+          </a:effectRef>
+          <a:fontRef idx="minor">
+            <a:schemeClr val="lt1"/>
+          </a:fontRef>
+        </p:style>
+        <p:txBody>
+          <a:bodyPr rtlCol="0" anchor="ctr"/>
+          <a:lstStyle/>
+          <a:p>
+            <a:pPr algn="ctr"/>
+            <a:r>
+              <a:rPr lang="en-US" sz="1400" dirty="0"/>
+              <a:t>Required route parameter</a:t>
+            </a:r>
+          </a:p>
+        </p:txBody>
+      </p:sp>
+      <p:sp>
+        <p:nvSpPr>
+          <p:cNvPr id="13" name="Line Callout 2 6"/>
+          <p:cNvSpPr/>
+          <p:nvPr/>
+        </p:nvSpPr>
+        <p:spPr>
+          <a:xfrm>
+            <a:off x="6407696" y="4714978"/>
+            <a:ext cx="1152128" cy="550041"/>
+          </a:xfrm>
+          <a:prstGeom prst="borderCallout2">
+            <a:avLst>
+              <a:gd name="adj1" fmla="val -17023"/>
+              <a:gd name="adj2" fmla="val 46922"/>
+              <a:gd name="adj3" fmla="val -18076"/>
+              <a:gd name="adj4" fmla="val 62699"/>
+              <a:gd name="adj5" fmla="val -345337"/>
+              <a:gd name="adj6" fmla="val -101319"/>
+            </a:avLst>
+          </a:prstGeom>
+          <a:solidFill>
+            <a:schemeClr val="accent2"/>
+          </a:solidFill>
+        </p:spPr>
+        <p:style>
+          <a:lnRef idx="2">
+            <a:schemeClr val="accent1">
+              <a:shade val="50000"/>
+            </a:schemeClr>
+          </a:lnRef>
+          <a:fillRef idx="1">
+            <a:schemeClr val="accent1"/>
+          </a:fillRef>
+          <a:effectRef idx="0">
+            <a:schemeClr val="accent1"/>
+          </a:effectRef>
+          <a:fontRef idx="minor">
+            <a:schemeClr val="lt1"/>
+          </a:fontRef>
+        </p:style>
+        <p:txBody>
+          <a:bodyPr rtlCol="0" anchor="ctr"/>
+          <a:lstStyle/>
+          <a:p>
+            <a:pPr algn="ctr"/>
+            <a:r>
+              <a:rPr lang="en-US" sz="1400" dirty="0"/>
+              <a:t>Another route path</a:t>
+            </a:r>
+          </a:p>
+        </p:txBody>
+      </p:sp>
+      <p:sp>
+        <p:nvSpPr>
+          <p:cNvPr id="14" name="Line Callout 2 6"/>
+          <p:cNvSpPr/>
+          <p:nvPr/>
+        </p:nvSpPr>
+        <p:spPr>
+          <a:xfrm>
+            <a:off x="7380312" y="3670017"/>
+            <a:ext cx="1296144" cy="730246"/>
+          </a:xfrm>
+          <a:prstGeom prst="borderCallout2">
+            <a:avLst>
+              <a:gd name="adj1" fmla="val -112918"/>
+              <a:gd name="adj2" fmla="val 69247"/>
+              <a:gd name="adj3" fmla="val -18076"/>
+              <a:gd name="adj4" fmla="val 62699"/>
+              <a:gd name="adj5" fmla="val -112636"/>
+              <a:gd name="adj6" fmla="val 21358"/>
+            </a:avLst>
+          </a:prstGeom>
+          <a:solidFill>
+            <a:schemeClr val="accent2"/>
+          </a:solidFill>
+        </p:spPr>
+        <p:style>
+          <a:lnRef idx="2">
+            <a:schemeClr val="accent1">
+              <a:shade val="50000"/>
+            </a:schemeClr>
+          </a:lnRef>
+          <a:fillRef idx="1">
+            <a:schemeClr val="accent1"/>
+          </a:fillRef>
+          <a:effectRef idx="0">
+            <a:schemeClr val="accent1"/>
+          </a:effectRef>
+          <a:fontRef idx="minor">
+            <a:schemeClr val="lt1"/>
+          </a:fontRef>
+        </p:style>
+        <p:txBody>
+          <a:bodyPr rtlCol="0" anchor="ctr"/>
+          <a:lstStyle/>
+          <a:p>
+            <a:pPr algn="ctr"/>
+            <a:r>
+              <a:rPr lang="en-US" sz="1400" dirty="0"/>
+              <a:t>Global query </a:t>
+            </a:r>
+            <a:r>
+              <a:rPr lang="en-US" sz="1400" dirty="0" err="1"/>
+              <a:t>params</a:t>
+            </a:r>
+            <a:r>
+              <a:rPr lang="en-US" sz="1400" dirty="0"/>
+              <a:t> &amp; fragment</a:t>
+            </a:r>
+          </a:p>
+        </p:txBody>
+      </p:sp>
+    </p:spTree>
+    <p:extLst>
+      <p:ext uri="{BB962C8B-B14F-4D97-AF65-F5344CB8AC3E}">
+        <p14:creationId xmlns:p14="http://schemas.microsoft.com/office/powerpoint/2010/main" val="2962243053"/>
       </p:ext>
     </p:extLst>
   </p:cSld>
@@ -4607,19 +11510,7 @@
           <a:p>
             <a:r>
               <a:rPr lang="en-US" dirty="0"/>
-              <a:t>Links can be associated </a:t>
-            </a:r>
-            <a:r>
-              <a:rPr lang="en-US" dirty="0" smtClean="0"/>
-              <a:t>with</a:t>
-            </a:r>
-            <a:r>
-              <a:rPr lang="en-US" dirty="0" smtClean="0"/>
-              <a:t> </a:t>
-            </a:r>
-            <a:r>
-              <a:rPr lang="en-US" dirty="0"/>
-              <a:t>URLs</a:t>
+              <a:t>Links can be associated with URLs</a:t>
             </a:r>
           </a:p>
           <a:p>
@@ -4631,13 +11522,8 @@
           <a:p>
             <a:r>
               <a:rPr lang="en-US" dirty="0"/>
-              <a:t>Pass optional parameters to </a:t>
-            </a:r>
-            <a:r>
-              <a:rPr lang="en-US" dirty="0" smtClean="0"/>
-              <a:t>views</a:t>
-            </a:r>
-            <a:endParaRPr lang="en-US" dirty="0"/>
+              <a:t>Pass optional parameters to views</a:t>
+            </a:r>
           </a:p>
         </p:txBody>
       </p:sp>
@@ -4645,6 +11531,1242 @@
     <p:extLst>
       <p:ext uri="{BB962C8B-B14F-4D97-AF65-F5344CB8AC3E}">
         <p14:creationId xmlns:p14="http://schemas.microsoft.com/office/powerpoint/2010/main" val="825497953"/>
+      </p:ext>
+    </p:extLst>
+  </p:cSld>
+  <p:clrMapOvr>
+    <a:masterClrMapping/>
+  </p:clrMapOvr>
+</p:sld>
+</file>
+
+<file path=ppt/slides/slide20.xml><?xml version="1.0" encoding="utf-8"?>
+<p:sld xmlns:a="http://schemas.openxmlformats.org/drawingml/2006/main" xmlns:r="http://schemas.openxmlformats.org/officeDocument/2006/relationships" xmlns:p="http://schemas.openxmlformats.org/presentationml/2006/main">
+  <p:cSld>
+    <p:spTree>
+      <p:nvGrpSpPr>
+        <p:cNvPr id="1" name=""/>
+        <p:cNvGrpSpPr/>
+        <p:nvPr/>
+      </p:nvGrpSpPr>
+      <p:grpSpPr>
+        <a:xfrm>
+          <a:off x="0" y="0"/>
+          <a:ext cx="0" cy="0"/>
+          <a:chOff x="0" y="0"/>
+          <a:chExt cx="0" cy="0"/>
+        </a:xfrm>
+      </p:grpSpPr>
+      <p:sp>
+        <p:nvSpPr>
+          <p:cNvPr id="2" name="Title 1"/>
+          <p:cNvSpPr>
+            <a:spLocks noGrp="1"/>
+          </p:cNvSpPr>
+          <p:nvPr>
+            <p:ph type="title"/>
+          </p:nvPr>
+        </p:nvSpPr>
+        <p:spPr/>
+        <p:txBody>
+          <a:bodyPr/>
+          <a:lstStyle/>
+          <a:p>
+            <a:r>
+              <a:rPr lang="en-US" dirty="0"/>
+              <a:t>Route</a:t>
+            </a:r>
+            <a:endParaRPr lang="he-IL" dirty="0"/>
+          </a:p>
+        </p:txBody>
+      </p:sp>
+      <p:sp>
+        <p:nvSpPr>
+          <p:cNvPr id="3" name="Footer Placeholder 2"/>
+          <p:cNvSpPr>
+            <a:spLocks noGrp="1"/>
+          </p:cNvSpPr>
+          <p:nvPr>
+            <p:ph type="ftr" sz="quarter" idx="11"/>
+          </p:nvPr>
+        </p:nvSpPr>
+        <p:spPr/>
+        <p:txBody>
+          <a:bodyPr/>
+          <a:lstStyle/>
+          <a:p>
+            <a:r>
+              <a:rPr lang="en-US"/>
+              <a:t>© 2016 Ori Calvo</a:t>
+            </a:r>
+            <a:endParaRPr lang="en-US" dirty="0"/>
+          </a:p>
+        </p:txBody>
+      </p:sp>
+      <p:sp>
+        <p:nvSpPr>
+          <p:cNvPr id="4" name="Slide Number Placeholder 3"/>
+          <p:cNvSpPr>
+            <a:spLocks noGrp="1"/>
+          </p:cNvSpPr>
+          <p:nvPr>
+            <p:ph type="sldNum" sz="quarter" idx="12"/>
+          </p:nvPr>
+        </p:nvSpPr>
+        <p:spPr/>
+        <p:txBody>
+          <a:bodyPr>
+            <a:normAutofit fontScale="85000" lnSpcReduction="20000"/>
+          </a:bodyPr>
+          <a:lstStyle/>
+          <a:p>
+            <a:fld id="{6EDEC3BC-0694-4586-AE63-02B4D54ABF43}" type="slidenum">
+              <a:rPr lang="en-US" smtClean="0"/>
+              <a:pPr/>
+              <a:t>20</a:t>
+            </a:fld>
+            <a:endParaRPr lang="en-US"/>
+          </a:p>
+        </p:txBody>
+      </p:sp>
+      <p:sp>
+        <p:nvSpPr>
+          <p:cNvPr id="6" name="Rectangle 5"/>
+          <p:cNvSpPr/>
+          <p:nvPr/>
+        </p:nvSpPr>
+        <p:spPr>
+          <a:xfrm>
+            <a:off x="1403648" y="1916832"/>
+            <a:ext cx="6480720" cy="4278094"/>
+          </a:xfrm>
+          <a:prstGeom prst="rect">
+            <a:avLst/>
+          </a:prstGeom>
+        </p:spPr>
+        <p:txBody>
+          <a:bodyPr wrap="square">
+            <a:spAutoFit/>
+          </a:bodyPr>
+          <a:lstStyle/>
+          <a:p>
+            <a:r>
+              <a:rPr lang="en-US" sz="1600" b="1" dirty="0">
+                <a:solidFill>
+                  <a:srgbClr val="000080"/>
+                </a:solidFill>
+                <a:latin typeface="Courier New" panose="02070309020205020404" pitchFamily="49" charset="0"/>
+                <a:ea typeface="Times New Roman" panose="02020603050405020304" pitchFamily="18" charset="0"/>
+              </a:rPr>
+              <a:t>export interface </a:t>
+            </a:r>
+            <a:r>
+              <a:rPr lang="en-US" sz="1600" dirty="0">
+                <a:solidFill>
+                  <a:srgbClr val="000000"/>
+                </a:solidFill>
+                <a:latin typeface="Courier New" panose="02070309020205020404" pitchFamily="49" charset="0"/>
+                <a:ea typeface="Times New Roman" panose="02020603050405020304" pitchFamily="18" charset="0"/>
+              </a:rPr>
+              <a:t>Route {</a:t>
+            </a:r>
+            <a:br>
+              <a:rPr lang="en-US" sz="1600" dirty="0">
+                <a:solidFill>
+                  <a:srgbClr val="000000"/>
+                </a:solidFill>
+                <a:latin typeface="Courier New" panose="02070309020205020404" pitchFamily="49" charset="0"/>
+                <a:ea typeface="Times New Roman" panose="02020603050405020304" pitchFamily="18" charset="0"/>
+              </a:rPr>
+            </a:br>
+            <a:r>
+              <a:rPr lang="en-US" sz="1600" dirty="0">
+                <a:solidFill>
+                  <a:srgbClr val="000000"/>
+                </a:solidFill>
+                <a:latin typeface="Courier New" panose="02070309020205020404" pitchFamily="49" charset="0"/>
+                <a:ea typeface="Times New Roman" panose="02020603050405020304" pitchFamily="18" charset="0"/>
+              </a:rPr>
+              <a:t>    </a:t>
+            </a:r>
+            <a:r>
+              <a:rPr lang="en-US" sz="1600" b="1" dirty="0">
+                <a:solidFill>
+                  <a:srgbClr val="660E7A"/>
+                </a:solidFill>
+                <a:latin typeface="Courier New" panose="02070309020205020404" pitchFamily="49" charset="0"/>
+                <a:ea typeface="Times New Roman" panose="02020603050405020304" pitchFamily="18" charset="0"/>
+              </a:rPr>
+              <a:t>path</a:t>
+            </a:r>
+            <a:r>
+              <a:rPr lang="en-US" sz="1600" dirty="0">
+                <a:solidFill>
+                  <a:srgbClr val="000000"/>
+                </a:solidFill>
+                <a:latin typeface="Courier New" panose="02070309020205020404" pitchFamily="49" charset="0"/>
+                <a:ea typeface="Times New Roman" panose="02020603050405020304" pitchFamily="18" charset="0"/>
+              </a:rPr>
+              <a:t>?: </a:t>
+            </a:r>
+            <a:r>
+              <a:rPr lang="en-US" sz="1600" b="1" dirty="0">
+                <a:solidFill>
+                  <a:srgbClr val="000080"/>
+                </a:solidFill>
+                <a:latin typeface="Courier New" panose="02070309020205020404" pitchFamily="49" charset="0"/>
+                <a:ea typeface="Times New Roman" panose="02020603050405020304" pitchFamily="18" charset="0"/>
+              </a:rPr>
+              <a:t>string</a:t>
+            </a:r>
+            <a:r>
+              <a:rPr lang="en-US" sz="1600" dirty="0">
+                <a:solidFill>
+                  <a:srgbClr val="000000"/>
+                </a:solidFill>
+                <a:latin typeface="Courier New" panose="02070309020205020404" pitchFamily="49" charset="0"/>
+                <a:ea typeface="Times New Roman" panose="02020603050405020304" pitchFamily="18" charset="0"/>
+              </a:rPr>
+              <a:t>;</a:t>
+            </a:r>
+            <a:br>
+              <a:rPr lang="en-US" sz="1600" dirty="0">
+                <a:solidFill>
+                  <a:srgbClr val="000000"/>
+                </a:solidFill>
+                <a:latin typeface="Courier New" panose="02070309020205020404" pitchFamily="49" charset="0"/>
+                <a:ea typeface="Times New Roman" panose="02020603050405020304" pitchFamily="18" charset="0"/>
+              </a:rPr>
+            </a:br>
+            <a:r>
+              <a:rPr lang="en-US" sz="1600" dirty="0">
+                <a:solidFill>
+                  <a:srgbClr val="000000"/>
+                </a:solidFill>
+                <a:latin typeface="Courier New" panose="02070309020205020404" pitchFamily="49" charset="0"/>
+                <a:ea typeface="Times New Roman" panose="02020603050405020304" pitchFamily="18" charset="0"/>
+              </a:rPr>
+              <a:t>    </a:t>
+            </a:r>
+            <a:r>
+              <a:rPr lang="en-US" sz="1600" b="1" dirty="0" err="1">
+                <a:solidFill>
+                  <a:srgbClr val="660E7A"/>
+                </a:solidFill>
+                <a:latin typeface="Courier New" panose="02070309020205020404" pitchFamily="49" charset="0"/>
+                <a:ea typeface="Times New Roman" panose="02020603050405020304" pitchFamily="18" charset="0"/>
+              </a:rPr>
+              <a:t>pathMatch</a:t>
+            </a:r>
+            <a:r>
+              <a:rPr lang="en-US" sz="1600" dirty="0">
+                <a:solidFill>
+                  <a:srgbClr val="000000"/>
+                </a:solidFill>
+                <a:latin typeface="Courier New" panose="02070309020205020404" pitchFamily="49" charset="0"/>
+                <a:ea typeface="Times New Roman" panose="02020603050405020304" pitchFamily="18" charset="0"/>
+              </a:rPr>
+              <a:t>?: </a:t>
+            </a:r>
+            <a:r>
+              <a:rPr lang="en-US" sz="1600" b="1" dirty="0">
+                <a:solidFill>
+                  <a:srgbClr val="000080"/>
+                </a:solidFill>
+                <a:latin typeface="Courier New" panose="02070309020205020404" pitchFamily="49" charset="0"/>
+                <a:ea typeface="Times New Roman" panose="02020603050405020304" pitchFamily="18" charset="0"/>
+              </a:rPr>
+              <a:t>string</a:t>
+            </a:r>
+            <a:r>
+              <a:rPr lang="en-US" sz="1600" dirty="0">
+                <a:solidFill>
+                  <a:srgbClr val="000000"/>
+                </a:solidFill>
+                <a:latin typeface="Courier New" panose="02070309020205020404" pitchFamily="49" charset="0"/>
+                <a:ea typeface="Times New Roman" panose="02020603050405020304" pitchFamily="18" charset="0"/>
+              </a:rPr>
+              <a:t>;</a:t>
+            </a:r>
+            <a:br>
+              <a:rPr lang="en-US" sz="1600" dirty="0">
+                <a:solidFill>
+                  <a:srgbClr val="000000"/>
+                </a:solidFill>
+                <a:latin typeface="Courier New" panose="02070309020205020404" pitchFamily="49" charset="0"/>
+                <a:ea typeface="Times New Roman" panose="02020603050405020304" pitchFamily="18" charset="0"/>
+              </a:rPr>
+            </a:br>
+            <a:r>
+              <a:rPr lang="en-US" sz="1600" dirty="0">
+                <a:solidFill>
+                  <a:srgbClr val="000000"/>
+                </a:solidFill>
+                <a:latin typeface="Courier New" panose="02070309020205020404" pitchFamily="49" charset="0"/>
+                <a:ea typeface="Times New Roman" panose="02020603050405020304" pitchFamily="18" charset="0"/>
+              </a:rPr>
+              <a:t>    </a:t>
+            </a:r>
+            <a:r>
+              <a:rPr lang="en-US" sz="1600" b="1" dirty="0">
+                <a:solidFill>
+                  <a:srgbClr val="660E7A"/>
+                </a:solidFill>
+                <a:latin typeface="Courier New" panose="02070309020205020404" pitchFamily="49" charset="0"/>
+                <a:ea typeface="Times New Roman" panose="02020603050405020304" pitchFamily="18" charset="0"/>
+              </a:rPr>
+              <a:t>matcher</a:t>
+            </a:r>
+            <a:r>
+              <a:rPr lang="en-US" sz="1600" dirty="0">
+                <a:solidFill>
+                  <a:srgbClr val="000000"/>
+                </a:solidFill>
+                <a:latin typeface="Courier New" panose="02070309020205020404" pitchFamily="49" charset="0"/>
+                <a:ea typeface="Times New Roman" panose="02020603050405020304" pitchFamily="18" charset="0"/>
+              </a:rPr>
+              <a:t>?: </a:t>
+            </a:r>
+            <a:r>
+              <a:rPr lang="en-US" sz="1600" dirty="0" err="1">
+                <a:solidFill>
+                  <a:srgbClr val="000000"/>
+                </a:solidFill>
+                <a:latin typeface="Courier New" panose="02070309020205020404" pitchFamily="49" charset="0"/>
+                <a:ea typeface="Times New Roman" panose="02020603050405020304" pitchFamily="18" charset="0"/>
+              </a:rPr>
+              <a:t>UrlMatcher</a:t>
+            </a:r>
+            <a:r>
+              <a:rPr lang="en-US" sz="1600" dirty="0">
+                <a:solidFill>
+                  <a:srgbClr val="000000"/>
+                </a:solidFill>
+                <a:latin typeface="Courier New" panose="02070309020205020404" pitchFamily="49" charset="0"/>
+                <a:ea typeface="Times New Roman" panose="02020603050405020304" pitchFamily="18" charset="0"/>
+              </a:rPr>
+              <a:t>;</a:t>
+            </a:r>
+            <a:br>
+              <a:rPr lang="en-US" sz="1600" dirty="0">
+                <a:solidFill>
+                  <a:srgbClr val="000000"/>
+                </a:solidFill>
+                <a:latin typeface="Courier New" panose="02070309020205020404" pitchFamily="49" charset="0"/>
+                <a:ea typeface="Times New Roman" panose="02020603050405020304" pitchFamily="18" charset="0"/>
+              </a:rPr>
+            </a:br>
+            <a:r>
+              <a:rPr lang="en-US" sz="1600" dirty="0">
+                <a:solidFill>
+                  <a:srgbClr val="000000"/>
+                </a:solidFill>
+                <a:latin typeface="Courier New" panose="02070309020205020404" pitchFamily="49" charset="0"/>
+                <a:ea typeface="Times New Roman" panose="02020603050405020304" pitchFamily="18" charset="0"/>
+              </a:rPr>
+              <a:t>    </a:t>
+            </a:r>
+            <a:r>
+              <a:rPr lang="en-US" sz="1600" b="1" dirty="0">
+                <a:solidFill>
+                  <a:srgbClr val="660E7A"/>
+                </a:solidFill>
+                <a:latin typeface="Courier New" panose="02070309020205020404" pitchFamily="49" charset="0"/>
+                <a:ea typeface="Times New Roman" panose="02020603050405020304" pitchFamily="18" charset="0"/>
+              </a:rPr>
+              <a:t>component</a:t>
+            </a:r>
+            <a:r>
+              <a:rPr lang="en-US" sz="1600" dirty="0">
+                <a:solidFill>
+                  <a:srgbClr val="000000"/>
+                </a:solidFill>
+                <a:latin typeface="Courier New" panose="02070309020205020404" pitchFamily="49" charset="0"/>
+                <a:ea typeface="Times New Roman" panose="02020603050405020304" pitchFamily="18" charset="0"/>
+              </a:rPr>
+              <a:t>?: Type&lt;</a:t>
+            </a:r>
+            <a:r>
+              <a:rPr lang="en-US" sz="1600" b="1" dirty="0">
+                <a:solidFill>
+                  <a:srgbClr val="000080"/>
+                </a:solidFill>
+                <a:latin typeface="Courier New" panose="02070309020205020404" pitchFamily="49" charset="0"/>
+                <a:ea typeface="Times New Roman" panose="02020603050405020304" pitchFamily="18" charset="0"/>
+              </a:rPr>
+              <a:t>any</a:t>
+            </a:r>
+            <a:r>
+              <a:rPr lang="en-US" sz="1600" dirty="0">
+                <a:solidFill>
+                  <a:srgbClr val="000000"/>
+                </a:solidFill>
+                <a:latin typeface="Courier New" panose="02070309020205020404" pitchFamily="49" charset="0"/>
+                <a:ea typeface="Times New Roman" panose="02020603050405020304" pitchFamily="18" charset="0"/>
+              </a:rPr>
+              <a:t>&gt;;</a:t>
+            </a:r>
+            <a:br>
+              <a:rPr lang="en-US" sz="1600" dirty="0">
+                <a:solidFill>
+                  <a:srgbClr val="000000"/>
+                </a:solidFill>
+                <a:latin typeface="Courier New" panose="02070309020205020404" pitchFamily="49" charset="0"/>
+                <a:ea typeface="Times New Roman" panose="02020603050405020304" pitchFamily="18" charset="0"/>
+              </a:rPr>
+            </a:br>
+            <a:r>
+              <a:rPr lang="en-US" sz="1600" dirty="0">
+                <a:solidFill>
+                  <a:srgbClr val="000000"/>
+                </a:solidFill>
+                <a:latin typeface="Courier New" panose="02070309020205020404" pitchFamily="49" charset="0"/>
+                <a:ea typeface="Times New Roman" panose="02020603050405020304" pitchFamily="18" charset="0"/>
+              </a:rPr>
+              <a:t>    </a:t>
+            </a:r>
+            <a:r>
+              <a:rPr lang="en-US" sz="1600" b="1" dirty="0" err="1">
+                <a:solidFill>
+                  <a:srgbClr val="660E7A"/>
+                </a:solidFill>
+                <a:latin typeface="Courier New" panose="02070309020205020404" pitchFamily="49" charset="0"/>
+                <a:ea typeface="Times New Roman" panose="02020603050405020304" pitchFamily="18" charset="0"/>
+              </a:rPr>
+              <a:t>redirectTo</a:t>
+            </a:r>
+            <a:r>
+              <a:rPr lang="en-US" sz="1600" dirty="0">
+                <a:solidFill>
+                  <a:srgbClr val="000000"/>
+                </a:solidFill>
+                <a:latin typeface="Courier New" panose="02070309020205020404" pitchFamily="49" charset="0"/>
+                <a:ea typeface="Times New Roman" panose="02020603050405020304" pitchFamily="18" charset="0"/>
+              </a:rPr>
+              <a:t>?: </a:t>
+            </a:r>
+            <a:r>
+              <a:rPr lang="en-US" sz="1600" b="1" dirty="0">
+                <a:solidFill>
+                  <a:srgbClr val="000080"/>
+                </a:solidFill>
+                <a:latin typeface="Courier New" panose="02070309020205020404" pitchFamily="49" charset="0"/>
+                <a:ea typeface="Times New Roman" panose="02020603050405020304" pitchFamily="18" charset="0"/>
+              </a:rPr>
+              <a:t>string</a:t>
+            </a:r>
+            <a:r>
+              <a:rPr lang="en-US" sz="1600" dirty="0">
+                <a:solidFill>
+                  <a:srgbClr val="000000"/>
+                </a:solidFill>
+                <a:latin typeface="Courier New" panose="02070309020205020404" pitchFamily="49" charset="0"/>
+                <a:ea typeface="Times New Roman" panose="02020603050405020304" pitchFamily="18" charset="0"/>
+              </a:rPr>
+              <a:t>;</a:t>
+            </a:r>
+            <a:br>
+              <a:rPr lang="en-US" sz="1600" dirty="0">
+                <a:solidFill>
+                  <a:srgbClr val="000000"/>
+                </a:solidFill>
+                <a:latin typeface="Courier New" panose="02070309020205020404" pitchFamily="49" charset="0"/>
+                <a:ea typeface="Times New Roman" panose="02020603050405020304" pitchFamily="18" charset="0"/>
+              </a:rPr>
+            </a:br>
+            <a:r>
+              <a:rPr lang="en-US" sz="1600" dirty="0">
+                <a:solidFill>
+                  <a:srgbClr val="000000"/>
+                </a:solidFill>
+                <a:latin typeface="Courier New" panose="02070309020205020404" pitchFamily="49" charset="0"/>
+                <a:ea typeface="Times New Roman" panose="02020603050405020304" pitchFamily="18" charset="0"/>
+              </a:rPr>
+              <a:t>    </a:t>
+            </a:r>
+            <a:r>
+              <a:rPr lang="en-US" sz="1600" b="1" dirty="0">
+                <a:solidFill>
+                  <a:srgbClr val="660E7A"/>
+                </a:solidFill>
+                <a:latin typeface="Courier New" panose="02070309020205020404" pitchFamily="49" charset="0"/>
+                <a:ea typeface="Times New Roman" panose="02020603050405020304" pitchFamily="18" charset="0"/>
+              </a:rPr>
+              <a:t>outlet</a:t>
+            </a:r>
+            <a:r>
+              <a:rPr lang="en-US" sz="1600" dirty="0">
+                <a:solidFill>
+                  <a:srgbClr val="000000"/>
+                </a:solidFill>
+                <a:latin typeface="Courier New" panose="02070309020205020404" pitchFamily="49" charset="0"/>
+                <a:ea typeface="Times New Roman" panose="02020603050405020304" pitchFamily="18" charset="0"/>
+              </a:rPr>
+              <a:t>?: </a:t>
+            </a:r>
+            <a:r>
+              <a:rPr lang="en-US" sz="1600" b="1" dirty="0">
+                <a:solidFill>
+                  <a:srgbClr val="000080"/>
+                </a:solidFill>
+                <a:latin typeface="Courier New" panose="02070309020205020404" pitchFamily="49" charset="0"/>
+                <a:ea typeface="Times New Roman" panose="02020603050405020304" pitchFamily="18" charset="0"/>
+              </a:rPr>
+              <a:t>string</a:t>
+            </a:r>
+            <a:r>
+              <a:rPr lang="en-US" sz="1600" dirty="0">
+                <a:solidFill>
+                  <a:srgbClr val="000000"/>
+                </a:solidFill>
+                <a:latin typeface="Courier New" panose="02070309020205020404" pitchFamily="49" charset="0"/>
+                <a:ea typeface="Times New Roman" panose="02020603050405020304" pitchFamily="18" charset="0"/>
+              </a:rPr>
+              <a:t>;</a:t>
+            </a:r>
+            <a:br>
+              <a:rPr lang="en-US" sz="1600" dirty="0">
+                <a:solidFill>
+                  <a:srgbClr val="000000"/>
+                </a:solidFill>
+                <a:latin typeface="Courier New" panose="02070309020205020404" pitchFamily="49" charset="0"/>
+                <a:ea typeface="Times New Roman" panose="02020603050405020304" pitchFamily="18" charset="0"/>
+              </a:rPr>
+            </a:br>
+            <a:r>
+              <a:rPr lang="en-US" sz="1600" dirty="0">
+                <a:solidFill>
+                  <a:srgbClr val="000000"/>
+                </a:solidFill>
+                <a:latin typeface="Courier New" panose="02070309020205020404" pitchFamily="49" charset="0"/>
+                <a:ea typeface="Times New Roman" panose="02020603050405020304" pitchFamily="18" charset="0"/>
+              </a:rPr>
+              <a:t>    </a:t>
+            </a:r>
+            <a:r>
+              <a:rPr lang="en-US" sz="1600" b="1" dirty="0" err="1">
+                <a:solidFill>
+                  <a:srgbClr val="660E7A"/>
+                </a:solidFill>
+                <a:latin typeface="Courier New" panose="02070309020205020404" pitchFamily="49" charset="0"/>
+                <a:ea typeface="Times New Roman" panose="02020603050405020304" pitchFamily="18" charset="0"/>
+              </a:rPr>
+              <a:t>canActivate</a:t>
+            </a:r>
+            <a:r>
+              <a:rPr lang="en-US" sz="1600" dirty="0">
+                <a:solidFill>
+                  <a:srgbClr val="000000"/>
+                </a:solidFill>
+                <a:latin typeface="Courier New" panose="02070309020205020404" pitchFamily="49" charset="0"/>
+                <a:ea typeface="Times New Roman" panose="02020603050405020304" pitchFamily="18" charset="0"/>
+              </a:rPr>
+              <a:t>?: </a:t>
+            </a:r>
+            <a:r>
+              <a:rPr lang="en-US" sz="1600" b="1" dirty="0">
+                <a:solidFill>
+                  <a:srgbClr val="000080"/>
+                </a:solidFill>
+                <a:latin typeface="Courier New" panose="02070309020205020404" pitchFamily="49" charset="0"/>
+                <a:ea typeface="Times New Roman" panose="02020603050405020304" pitchFamily="18" charset="0"/>
+              </a:rPr>
+              <a:t>any</a:t>
+            </a:r>
+            <a:r>
+              <a:rPr lang="en-US" sz="1600" dirty="0">
+                <a:solidFill>
+                  <a:srgbClr val="000000"/>
+                </a:solidFill>
+                <a:latin typeface="Courier New" panose="02070309020205020404" pitchFamily="49" charset="0"/>
+                <a:ea typeface="Times New Roman" panose="02020603050405020304" pitchFamily="18" charset="0"/>
+              </a:rPr>
+              <a:t>[];</a:t>
+            </a:r>
+            <a:br>
+              <a:rPr lang="en-US" sz="1600" dirty="0">
+                <a:solidFill>
+                  <a:srgbClr val="000000"/>
+                </a:solidFill>
+                <a:latin typeface="Courier New" panose="02070309020205020404" pitchFamily="49" charset="0"/>
+                <a:ea typeface="Times New Roman" panose="02020603050405020304" pitchFamily="18" charset="0"/>
+              </a:rPr>
+            </a:br>
+            <a:r>
+              <a:rPr lang="en-US" sz="1600" dirty="0">
+                <a:solidFill>
+                  <a:srgbClr val="000000"/>
+                </a:solidFill>
+                <a:latin typeface="Courier New" panose="02070309020205020404" pitchFamily="49" charset="0"/>
+                <a:ea typeface="Times New Roman" panose="02020603050405020304" pitchFamily="18" charset="0"/>
+              </a:rPr>
+              <a:t>    </a:t>
+            </a:r>
+            <a:r>
+              <a:rPr lang="en-US" sz="1600" b="1" dirty="0" err="1">
+                <a:solidFill>
+                  <a:srgbClr val="660E7A"/>
+                </a:solidFill>
+                <a:latin typeface="Courier New" panose="02070309020205020404" pitchFamily="49" charset="0"/>
+                <a:ea typeface="Times New Roman" panose="02020603050405020304" pitchFamily="18" charset="0"/>
+              </a:rPr>
+              <a:t>canActivateChild</a:t>
+            </a:r>
+            <a:r>
+              <a:rPr lang="en-US" sz="1600" dirty="0">
+                <a:solidFill>
+                  <a:srgbClr val="000000"/>
+                </a:solidFill>
+                <a:latin typeface="Courier New" panose="02070309020205020404" pitchFamily="49" charset="0"/>
+                <a:ea typeface="Times New Roman" panose="02020603050405020304" pitchFamily="18" charset="0"/>
+              </a:rPr>
+              <a:t>?: </a:t>
+            </a:r>
+            <a:r>
+              <a:rPr lang="en-US" sz="1600" b="1" dirty="0">
+                <a:solidFill>
+                  <a:srgbClr val="000080"/>
+                </a:solidFill>
+                <a:latin typeface="Courier New" panose="02070309020205020404" pitchFamily="49" charset="0"/>
+                <a:ea typeface="Times New Roman" panose="02020603050405020304" pitchFamily="18" charset="0"/>
+              </a:rPr>
+              <a:t>any</a:t>
+            </a:r>
+            <a:r>
+              <a:rPr lang="en-US" sz="1600" dirty="0">
+                <a:solidFill>
+                  <a:srgbClr val="000000"/>
+                </a:solidFill>
+                <a:latin typeface="Courier New" panose="02070309020205020404" pitchFamily="49" charset="0"/>
+                <a:ea typeface="Times New Roman" panose="02020603050405020304" pitchFamily="18" charset="0"/>
+              </a:rPr>
+              <a:t>[];</a:t>
+            </a:r>
+            <a:br>
+              <a:rPr lang="en-US" sz="1600" dirty="0">
+                <a:solidFill>
+                  <a:srgbClr val="000000"/>
+                </a:solidFill>
+                <a:latin typeface="Courier New" panose="02070309020205020404" pitchFamily="49" charset="0"/>
+                <a:ea typeface="Times New Roman" panose="02020603050405020304" pitchFamily="18" charset="0"/>
+              </a:rPr>
+            </a:br>
+            <a:r>
+              <a:rPr lang="en-US" sz="1600" dirty="0">
+                <a:solidFill>
+                  <a:srgbClr val="000000"/>
+                </a:solidFill>
+                <a:latin typeface="Courier New" panose="02070309020205020404" pitchFamily="49" charset="0"/>
+                <a:ea typeface="Times New Roman" panose="02020603050405020304" pitchFamily="18" charset="0"/>
+              </a:rPr>
+              <a:t>    </a:t>
+            </a:r>
+            <a:r>
+              <a:rPr lang="en-US" sz="1600" b="1" dirty="0" err="1">
+                <a:solidFill>
+                  <a:srgbClr val="660E7A"/>
+                </a:solidFill>
+                <a:latin typeface="Courier New" panose="02070309020205020404" pitchFamily="49" charset="0"/>
+                <a:ea typeface="Times New Roman" panose="02020603050405020304" pitchFamily="18" charset="0"/>
+              </a:rPr>
+              <a:t>canDeactivate</a:t>
+            </a:r>
+            <a:r>
+              <a:rPr lang="en-US" sz="1600" dirty="0">
+                <a:solidFill>
+                  <a:srgbClr val="000000"/>
+                </a:solidFill>
+                <a:latin typeface="Courier New" panose="02070309020205020404" pitchFamily="49" charset="0"/>
+                <a:ea typeface="Times New Roman" panose="02020603050405020304" pitchFamily="18" charset="0"/>
+              </a:rPr>
+              <a:t>?: </a:t>
+            </a:r>
+            <a:r>
+              <a:rPr lang="en-US" sz="1600" b="1" dirty="0">
+                <a:solidFill>
+                  <a:srgbClr val="000080"/>
+                </a:solidFill>
+                <a:latin typeface="Courier New" panose="02070309020205020404" pitchFamily="49" charset="0"/>
+                <a:ea typeface="Times New Roman" panose="02020603050405020304" pitchFamily="18" charset="0"/>
+              </a:rPr>
+              <a:t>any</a:t>
+            </a:r>
+            <a:r>
+              <a:rPr lang="en-US" sz="1600" dirty="0">
+                <a:solidFill>
+                  <a:srgbClr val="000000"/>
+                </a:solidFill>
+                <a:latin typeface="Courier New" panose="02070309020205020404" pitchFamily="49" charset="0"/>
+                <a:ea typeface="Times New Roman" panose="02020603050405020304" pitchFamily="18" charset="0"/>
+              </a:rPr>
+              <a:t>[];</a:t>
+            </a:r>
+            <a:br>
+              <a:rPr lang="en-US" sz="1600" dirty="0">
+                <a:solidFill>
+                  <a:srgbClr val="000000"/>
+                </a:solidFill>
+                <a:latin typeface="Courier New" panose="02070309020205020404" pitchFamily="49" charset="0"/>
+                <a:ea typeface="Times New Roman" panose="02020603050405020304" pitchFamily="18" charset="0"/>
+              </a:rPr>
+            </a:br>
+            <a:r>
+              <a:rPr lang="en-US" sz="1600" dirty="0">
+                <a:solidFill>
+                  <a:srgbClr val="000000"/>
+                </a:solidFill>
+                <a:latin typeface="Courier New" panose="02070309020205020404" pitchFamily="49" charset="0"/>
+                <a:ea typeface="Times New Roman" panose="02020603050405020304" pitchFamily="18" charset="0"/>
+              </a:rPr>
+              <a:t>    </a:t>
+            </a:r>
+            <a:r>
+              <a:rPr lang="en-US" sz="1600" b="1" dirty="0" err="1">
+                <a:solidFill>
+                  <a:srgbClr val="660E7A"/>
+                </a:solidFill>
+                <a:latin typeface="Courier New" panose="02070309020205020404" pitchFamily="49" charset="0"/>
+                <a:ea typeface="Times New Roman" panose="02020603050405020304" pitchFamily="18" charset="0"/>
+              </a:rPr>
+              <a:t>canLoad</a:t>
+            </a:r>
+            <a:r>
+              <a:rPr lang="en-US" sz="1600" dirty="0">
+                <a:solidFill>
+                  <a:srgbClr val="000000"/>
+                </a:solidFill>
+                <a:latin typeface="Courier New" panose="02070309020205020404" pitchFamily="49" charset="0"/>
+                <a:ea typeface="Times New Roman" panose="02020603050405020304" pitchFamily="18" charset="0"/>
+              </a:rPr>
+              <a:t>?: </a:t>
+            </a:r>
+            <a:r>
+              <a:rPr lang="en-US" sz="1600" b="1" dirty="0">
+                <a:solidFill>
+                  <a:srgbClr val="000080"/>
+                </a:solidFill>
+                <a:latin typeface="Courier New" panose="02070309020205020404" pitchFamily="49" charset="0"/>
+                <a:ea typeface="Times New Roman" panose="02020603050405020304" pitchFamily="18" charset="0"/>
+              </a:rPr>
+              <a:t>any</a:t>
+            </a:r>
+            <a:r>
+              <a:rPr lang="en-US" sz="1600" dirty="0">
+                <a:solidFill>
+                  <a:srgbClr val="000000"/>
+                </a:solidFill>
+                <a:latin typeface="Courier New" panose="02070309020205020404" pitchFamily="49" charset="0"/>
+                <a:ea typeface="Times New Roman" panose="02020603050405020304" pitchFamily="18" charset="0"/>
+              </a:rPr>
+              <a:t>[];</a:t>
+            </a:r>
+            <a:br>
+              <a:rPr lang="en-US" sz="1600" dirty="0">
+                <a:solidFill>
+                  <a:srgbClr val="000000"/>
+                </a:solidFill>
+                <a:latin typeface="Courier New" panose="02070309020205020404" pitchFamily="49" charset="0"/>
+                <a:ea typeface="Times New Roman" panose="02020603050405020304" pitchFamily="18" charset="0"/>
+              </a:rPr>
+            </a:br>
+            <a:r>
+              <a:rPr lang="en-US" sz="1600" dirty="0">
+                <a:solidFill>
+                  <a:srgbClr val="000000"/>
+                </a:solidFill>
+                <a:latin typeface="Courier New" panose="02070309020205020404" pitchFamily="49" charset="0"/>
+                <a:ea typeface="Times New Roman" panose="02020603050405020304" pitchFamily="18" charset="0"/>
+              </a:rPr>
+              <a:t>    </a:t>
+            </a:r>
+            <a:r>
+              <a:rPr lang="en-US" sz="1600" b="1" dirty="0">
+                <a:solidFill>
+                  <a:srgbClr val="660E7A"/>
+                </a:solidFill>
+                <a:latin typeface="Courier New" panose="02070309020205020404" pitchFamily="49" charset="0"/>
+                <a:ea typeface="Times New Roman" panose="02020603050405020304" pitchFamily="18" charset="0"/>
+              </a:rPr>
+              <a:t>data</a:t>
+            </a:r>
+            <a:r>
+              <a:rPr lang="en-US" sz="1600" dirty="0">
+                <a:solidFill>
+                  <a:srgbClr val="000000"/>
+                </a:solidFill>
+                <a:latin typeface="Courier New" panose="02070309020205020404" pitchFamily="49" charset="0"/>
+                <a:ea typeface="Times New Roman" panose="02020603050405020304" pitchFamily="18" charset="0"/>
+              </a:rPr>
+              <a:t>?: Data;</a:t>
+            </a:r>
+            <a:br>
+              <a:rPr lang="en-US" sz="1600" dirty="0">
+                <a:solidFill>
+                  <a:srgbClr val="000000"/>
+                </a:solidFill>
+                <a:latin typeface="Courier New" panose="02070309020205020404" pitchFamily="49" charset="0"/>
+                <a:ea typeface="Times New Roman" panose="02020603050405020304" pitchFamily="18" charset="0"/>
+              </a:rPr>
+            </a:br>
+            <a:r>
+              <a:rPr lang="en-US" sz="1600" dirty="0">
+                <a:solidFill>
+                  <a:srgbClr val="000000"/>
+                </a:solidFill>
+                <a:latin typeface="Courier New" panose="02070309020205020404" pitchFamily="49" charset="0"/>
+                <a:ea typeface="Times New Roman" panose="02020603050405020304" pitchFamily="18" charset="0"/>
+              </a:rPr>
+              <a:t>    </a:t>
+            </a:r>
+            <a:r>
+              <a:rPr lang="en-US" sz="1600" b="1" dirty="0">
+                <a:solidFill>
+                  <a:srgbClr val="660E7A"/>
+                </a:solidFill>
+                <a:latin typeface="Courier New" panose="02070309020205020404" pitchFamily="49" charset="0"/>
+                <a:ea typeface="Times New Roman" panose="02020603050405020304" pitchFamily="18" charset="0"/>
+              </a:rPr>
+              <a:t>resolve</a:t>
+            </a:r>
+            <a:r>
+              <a:rPr lang="en-US" sz="1600" dirty="0">
+                <a:solidFill>
+                  <a:srgbClr val="000000"/>
+                </a:solidFill>
+                <a:latin typeface="Courier New" panose="02070309020205020404" pitchFamily="49" charset="0"/>
+                <a:ea typeface="Times New Roman" panose="02020603050405020304" pitchFamily="18" charset="0"/>
+              </a:rPr>
+              <a:t>?: </a:t>
+            </a:r>
+            <a:r>
+              <a:rPr lang="en-US" sz="1600" dirty="0" err="1">
+                <a:solidFill>
+                  <a:srgbClr val="000000"/>
+                </a:solidFill>
+                <a:latin typeface="Courier New" panose="02070309020205020404" pitchFamily="49" charset="0"/>
+                <a:ea typeface="Times New Roman" panose="02020603050405020304" pitchFamily="18" charset="0"/>
+              </a:rPr>
+              <a:t>ResolveData</a:t>
+            </a:r>
+            <a:r>
+              <a:rPr lang="en-US" sz="1600" dirty="0">
+                <a:solidFill>
+                  <a:srgbClr val="000000"/>
+                </a:solidFill>
+                <a:latin typeface="Courier New" panose="02070309020205020404" pitchFamily="49" charset="0"/>
+                <a:ea typeface="Times New Roman" panose="02020603050405020304" pitchFamily="18" charset="0"/>
+              </a:rPr>
+              <a:t>;</a:t>
+            </a:r>
+            <a:br>
+              <a:rPr lang="en-US" sz="1600" dirty="0">
+                <a:solidFill>
+                  <a:srgbClr val="000000"/>
+                </a:solidFill>
+                <a:latin typeface="Courier New" panose="02070309020205020404" pitchFamily="49" charset="0"/>
+                <a:ea typeface="Times New Roman" panose="02020603050405020304" pitchFamily="18" charset="0"/>
+              </a:rPr>
+            </a:br>
+            <a:r>
+              <a:rPr lang="en-US" sz="1600" dirty="0">
+                <a:solidFill>
+                  <a:srgbClr val="000000"/>
+                </a:solidFill>
+                <a:latin typeface="Courier New" panose="02070309020205020404" pitchFamily="49" charset="0"/>
+                <a:ea typeface="Times New Roman" panose="02020603050405020304" pitchFamily="18" charset="0"/>
+              </a:rPr>
+              <a:t>    </a:t>
+            </a:r>
+            <a:r>
+              <a:rPr lang="en-US" sz="1600" b="1" dirty="0">
+                <a:solidFill>
+                  <a:srgbClr val="660E7A"/>
+                </a:solidFill>
+                <a:latin typeface="Courier New" panose="02070309020205020404" pitchFamily="49" charset="0"/>
+                <a:ea typeface="Times New Roman" panose="02020603050405020304" pitchFamily="18" charset="0"/>
+              </a:rPr>
+              <a:t>children</a:t>
+            </a:r>
+            <a:r>
+              <a:rPr lang="en-US" sz="1600" dirty="0">
+                <a:solidFill>
+                  <a:srgbClr val="000000"/>
+                </a:solidFill>
+                <a:latin typeface="Courier New" panose="02070309020205020404" pitchFamily="49" charset="0"/>
+                <a:ea typeface="Times New Roman" panose="02020603050405020304" pitchFamily="18" charset="0"/>
+              </a:rPr>
+              <a:t>?: Routes;</a:t>
+            </a:r>
+            <a:br>
+              <a:rPr lang="en-US" sz="1600" dirty="0">
+                <a:solidFill>
+                  <a:srgbClr val="000000"/>
+                </a:solidFill>
+                <a:latin typeface="Courier New" panose="02070309020205020404" pitchFamily="49" charset="0"/>
+                <a:ea typeface="Times New Roman" panose="02020603050405020304" pitchFamily="18" charset="0"/>
+              </a:rPr>
+            </a:br>
+            <a:r>
+              <a:rPr lang="en-US" sz="1600" dirty="0">
+                <a:solidFill>
+                  <a:srgbClr val="000000"/>
+                </a:solidFill>
+                <a:latin typeface="Courier New" panose="02070309020205020404" pitchFamily="49" charset="0"/>
+                <a:ea typeface="Times New Roman" panose="02020603050405020304" pitchFamily="18" charset="0"/>
+              </a:rPr>
+              <a:t>    </a:t>
+            </a:r>
+            <a:r>
+              <a:rPr lang="en-US" sz="1600" b="1" dirty="0" err="1">
+                <a:solidFill>
+                  <a:srgbClr val="660E7A"/>
+                </a:solidFill>
+                <a:latin typeface="Courier New" panose="02070309020205020404" pitchFamily="49" charset="0"/>
+                <a:ea typeface="Times New Roman" panose="02020603050405020304" pitchFamily="18" charset="0"/>
+              </a:rPr>
+              <a:t>loadChildren</a:t>
+            </a:r>
+            <a:r>
+              <a:rPr lang="en-US" sz="1600" dirty="0">
+                <a:solidFill>
+                  <a:srgbClr val="000000"/>
+                </a:solidFill>
+                <a:latin typeface="Courier New" panose="02070309020205020404" pitchFamily="49" charset="0"/>
+                <a:ea typeface="Times New Roman" panose="02020603050405020304" pitchFamily="18" charset="0"/>
+              </a:rPr>
+              <a:t>?: </a:t>
+            </a:r>
+            <a:r>
+              <a:rPr lang="en-US" sz="1600" dirty="0" err="1">
+                <a:solidFill>
+                  <a:srgbClr val="000000"/>
+                </a:solidFill>
+                <a:latin typeface="Courier New" panose="02070309020205020404" pitchFamily="49" charset="0"/>
+                <a:ea typeface="Times New Roman" panose="02020603050405020304" pitchFamily="18" charset="0"/>
+              </a:rPr>
+              <a:t>LoadChildren</a:t>
+            </a:r>
+            <a:r>
+              <a:rPr lang="en-US" sz="1600" dirty="0">
+                <a:solidFill>
+                  <a:srgbClr val="000000"/>
+                </a:solidFill>
+                <a:latin typeface="Courier New" panose="02070309020205020404" pitchFamily="49" charset="0"/>
+                <a:ea typeface="Times New Roman" panose="02020603050405020304" pitchFamily="18" charset="0"/>
+              </a:rPr>
+              <a:t>;</a:t>
+            </a:r>
+            <a:br>
+              <a:rPr lang="en-US" sz="1600" dirty="0">
+                <a:solidFill>
+                  <a:srgbClr val="000000"/>
+                </a:solidFill>
+                <a:latin typeface="Courier New" panose="02070309020205020404" pitchFamily="49" charset="0"/>
+                <a:ea typeface="Times New Roman" panose="02020603050405020304" pitchFamily="18" charset="0"/>
+              </a:rPr>
+            </a:br>
+            <a:r>
+              <a:rPr lang="en-US" sz="1600" dirty="0">
+                <a:solidFill>
+                  <a:srgbClr val="000000"/>
+                </a:solidFill>
+                <a:latin typeface="Courier New" panose="02070309020205020404" pitchFamily="49" charset="0"/>
+                <a:ea typeface="Times New Roman" panose="02020603050405020304" pitchFamily="18" charset="0"/>
+              </a:rPr>
+              <a:t>    </a:t>
+            </a:r>
+            <a:r>
+              <a:rPr lang="en-US" sz="1600" b="1" dirty="0" err="1">
+                <a:solidFill>
+                  <a:srgbClr val="660E7A"/>
+                </a:solidFill>
+                <a:latin typeface="Courier New" panose="02070309020205020404" pitchFamily="49" charset="0"/>
+                <a:ea typeface="Times New Roman" panose="02020603050405020304" pitchFamily="18" charset="0"/>
+              </a:rPr>
+              <a:t>runGuardsAndResolvers</a:t>
+            </a:r>
+            <a:r>
+              <a:rPr lang="en-US" sz="1600" dirty="0">
+                <a:solidFill>
+                  <a:srgbClr val="000000"/>
+                </a:solidFill>
+                <a:latin typeface="Courier New" panose="02070309020205020404" pitchFamily="49" charset="0"/>
+                <a:ea typeface="Times New Roman" panose="02020603050405020304" pitchFamily="18" charset="0"/>
+              </a:rPr>
+              <a:t>?: </a:t>
+            </a:r>
+            <a:r>
+              <a:rPr lang="en-US" sz="1600" dirty="0" err="1">
+                <a:solidFill>
+                  <a:srgbClr val="000000"/>
+                </a:solidFill>
+                <a:latin typeface="Courier New" panose="02070309020205020404" pitchFamily="49" charset="0"/>
+                <a:ea typeface="Times New Roman" panose="02020603050405020304" pitchFamily="18" charset="0"/>
+              </a:rPr>
+              <a:t>RunGuardsAndResolvers</a:t>
+            </a:r>
+            <a:r>
+              <a:rPr lang="en-US" sz="1600" dirty="0">
+                <a:solidFill>
+                  <a:srgbClr val="000000"/>
+                </a:solidFill>
+                <a:latin typeface="Courier New" panose="02070309020205020404" pitchFamily="49" charset="0"/>
+                <a:ea typeface="Times New Roman" panose="02020603050405020304" pitchFamily="18" charset="0"/>
+              </a:rPr>
+              <a:t>;</a:t>
+            </a:r>
+            <a:br>
+              <a:rPr lang="en-US" sz="1600" dirty="0">
+                <a:solidFill>
+                  <a:srgbClr val="000000"/>
+                </a:solidFill>
+                <a:latin typeface="Courier New" panose="02070309020205020404" pitchFamily="49" charset="0"/>
+                <a:ea typeface="Times New Roman" panose="02020603050405020304" pitchFamily="18" charset="0"/>
+              </a:rPr>
+            </a:br>
+            <a:r>
+              <a:rPr lang="en-US" sz="1600" dirty="0">
+                <a:solidFill>
+                  <a:srgbClr val="000000"/>
+                </a:solidFill>
+                <a:latin typeface="Courier New" panose="02070309020205020404" pitchFamily="49" charset="0"/>
+                <a:ea typeface="Times New Roman" panose="02020603050405020304" pitchFamily="18" charset="0"/>
+              </a:rPr>
+              <a:t>}</a:t>
+            </a:r>
+            <a:endParaRPr lang="he-IL" sz="1600" dirty="0"/>
+          </a:p>
+        </p:txBody>
+      </p:sp>
+      <p:sp>
+        <p:nvSpPr>
+          <p:cNvPr id="7" name="Line Callout 2 6"/>
+          <p:cNvSpPr/>
+          <p:nvPr/>
+        </p:nvSpPr>
+        <p:spPr>
+          <a:xfrm>
+            <a:off x="6991120" y="2564904"/>
+            <a:ext cx="1253288" cy="936104"/>
+          </a:xfrm>
+          <a:prstGeom prst="borderCallout2">
+            <a:avLst>
+              <a:gd name="adj1" fmla="val 18750"/>
+              <a:gd name="adj2" fmla="val -8333"/>
+              <a:gd name="adj3" fmla="val 18750"/>
+              <a:gd name="adj4" fmla="val -16667"/>
+              <a:gd name="adj5" fmla="val 235788"/>
+              <a:gd name="adj6" fmla="val -274349"/>
+            </a:avLst>
+          </a:prstGeom>
+        </p:spPr>
+        <p:style>
+          <a:lnRef idx="2">
+            <a:schemeClr val="accent1">
+              <a:shade val="50000"/>
+            </a:schemeClr>
+          </a:lnRef>
+          <a:fillRef idx="1">
+            <a:schemeClr val="accent1"/>
+          </a:fillRef>
+          <a:effectRef idx="0">
+            <a:schemeClr val="accent1"/>
+          </a:effectRef>
+          <a:fontRef idx="minor">
+            <a:schemeClr val="lt1"/>
+          </a:fontRef>
+        </p:style>
+        <p:txBody>
+          <a:bodyPr rtlCol="0" anchor="ctr"/>
+          <a:lstStyle/>
+          <a:p>
+            <a:pPr algn="ctr"/>
+            <a:r>
+              <a:rPr lang="en-US" sz="1400" dirty="0" err="1"/>
+              <a:t>Readonly</a:t>
+            </a:r>
+            <a:r>
+              <a:rPr lang="en-US" sz="1400" dirty="0"/>
+              <a:t> data usually is a some kind of configuration</a:t>
+            </a:r>
+          </a:p>
+        </p:txBody>
+      </p:sp>
+      <p:sp>
+        <p:nvSpPr>
+          <p:cNvPr id="8" name="Line Callout 2 6"/>
+          <p:cNvSpPr/>
+          <p:nvPr/>
+        </p:nvSpPr>
+        <p:spPr>
+          <a:xfrm>
+            <a:off x="7164288" y="4411856"/>
+            <a:ext cx="1253288" cy="936104"/>
+          </a:xfrm>
+          <a:prstGeom prst="borderCallout2">
+            <a:avLst>
+              <a:gd name="adj1" fmla="val 18750"/>
+              <a:gd name="adj2" fmla="val -8333"/>
+              <a:gd name="adj3" fmla="val 18750"/>
+              <a:gd name="adj4" fmla="val -16667"/>
+              <a:gd name="adj5" fmla="val 64536"/>
+              <a:gd name="adj6" fmla="val -196309"/>
+            </a:avLst>
+          </a:prstGeom>
+        </p:spPr>
+        <p:style>
+          <a:lnRef idx="2">
+            <a:schemeClr val="accent1">
+              <a:shade val="50000"/>
+            </a:schemeClr>
+          </a:lnRef>
+          <a:fillRef idx="1">
+            <a:schemeClr val="accent1"/>
+          </a:fillRef>
+          <a:effectRef idx="0">
+            <a:schemeClr val="accent1"/>
+          </a:effectRef>
+          <a:fontRef idx="minor">
+            <a:schemeClr val="lt1"/>
+          </a:fontRef>
+        </p:style>
+        <p:txBody>
+          <a:bodyPr rtlCol="0" anchor="ctr"/>
+          <a:lstStyle/>
+          <a:p>
+            <a:pPr algn="ctr"/>
+            <a:r>
+              <a:rPr lang="en-US" sz="1400" dirty="0"/>
+              <a:t>Dynamic data that resolved during route activation</a:t>
+            </a:r>
+          </a:p>
+        </p:txBody>
+      </p:sp>
+    </p:spTree>
+    <p:extLst>
+      <p:ext uri="{BB962C8B-B14F-4D97-AF65-F5344CB8AC3E}">
+        <p14:creationId xmlns:p14="http://schemas.microsoft.com/office/powerpoint/2010/main" val="3980266517"/>
+      </p:ext>
+    </p:extLst>
+  </p:cSld>
+  <p:clrMapOvr>
+    <a:masterClrMapping/>
+  </p:clrMapOvr>
+</p:sld>
+</file>
+
+<file path=ppt/slides/slide21.xml><?xml version="1.0" encoding="utf-8"?>
+<p:sld xmlns:a="http://schemas.openxmlformats.org/drawingml/2006/main" xmlns:r="http://schemas.openxmlformats.org/officeDocument/2006/relationships" xmlns:p="http://schemas.openxmlformats.org/presentationml/2006/main">
+  <p:cSld>
+    <p:spTree>
+      <p:nvGrpSpPr>
+        <p:cNvPr id="1" name=""/>
+        <p:cNvGrpSpPr/>
+        <p:nvPr/>
+      </p:nvGrpSpPr>
+      <p:grpSpPr>
+        <a:xfrm>
+          <a:off x="0" y="0"/>
+          <a:ext cx="0" cy="0"/>
+          <a:chOff x="0" y="0"/>
+          <a:chExt cx="0" cy="0"/>
+        </a:xfrm>
+      </p:grpSpPr>
+      <p:sp>
+        <p:nvSpPr>
+          <p:cNvPr id="2" name="Title 1"/>
+          <p:cNvSpPr>
+            <a:spLocks noGrp="1"/>
+          </p:cNvSpPr>
+          <p:nvPr>
+            <p:ph type="title"/>
+          </p:nvPr>
+        </p:nvSpPr>
+        <p:spPr/>
+        <p:txBody>
+          <a:bodyPr/>
+          <a:lstStyle/>
+          <a:p>
+            <a:r>
+              <a:rPr lang="en-US" dirty="0"/>
+              <a:t>Summary</a:t>
+            </a:r>
+            <a:endParaRPr lang="he-IL" dirty="0"/>
+          </a:p>
+        </p:txBody>
+      </p:sp>
+      <p:sp>
+        <p:nvSpPr>
+          <p:cNvPr id="3" name="Footer Placeholder 2"/>
+          <p:cNvSpPr>
+            <a:spLocks noGrp="1"/>
+          </p:cNvSpPr>
+          <p:nvPr>
+            <p:ph type="ftr" sz="quarter" idx="11"/>
+          </p:nvPr>
+        </p:nvSpPr>
+        <p:spPr/>
+        <p:txBody>
+          <a:bodyPr/>
+          <a:lstStyle/>
+          <a:p>
+            <a:r>
+              <a:rPr lang="en-US"/>
+              <a:t>© 2016 Ori Calvo</a:t>
+            </a:r>
+            <a:endParaRPr lang="en-US" dirty="0"/>
+          </a:p>
+        </p:txBody>
+      </p:sp>
+      <p:sp>
+        <p:nvSpPr>
+          <p:cNvPr id="4" name="Slide Number Placeholder 3"/>
+          <p:cNvSpPr>
+            <a:spLocks noGrp="1"/>
+          </p:cNvSpPr>
+          <p:nvPr>
+            <p:ph type="sldNum" sz="quarter" idx="12"/>
+          </p:nvPr>
+        </p:nvSpPr>
+        <p:spPr/>
+        <p:txBody>
+          <a:bodyPr>
+            <a:normAutofit fontScale="85000" lnSpcReduction="20000"/>
+          </a:bodyPr>
+          <a:lstStyle/>
+          <a:p>
+            <a:fld id="{6EDEC3BC-0694-4586-AE63-02B4D54ABF43}" type="slidenum">
+              <a:rPr lang="en-US" smtClean="0"/>
+              <a:pPr/>
+              <a:t>21</a:t>
+            </a:fld>
+            <a:endParaRPr lang="en-US"/>
+          </a:p>
+        </p:txBody>
+      </p:sp>
+      <p:sp>
+        <p:nvSpPr>
+          <p:cNvPr id="5" name="Content Placeholder 4"/>
+          <p:cNvSpPr>
+            <a:spLocks noGrp="1"/>
+          </p:cNvSpPr>
+          <p:nvPr>
+            <p:ph sz="quarter" idx="1"/>
+          </p:nvPr>
+        </p:nvSpPr>
+        <p:spPr/>
+        <p:txBody>
+          <a:bodyPr/>
+          <a:lstStyle/>
+          <a:p>
+            <a:endParaRPr lang="he-IL" dirty="0"/>
+          </a:p>
+        </p:txBody>
+      </p:sp>
+    </p:spTree>
+    <p:extLst>
+      <p:ext uri="{BB962C8B-B14F-4D97-AF65-F5344CB8AC3E}">
+        <p14:creationId xmlns:p14="http://schemas.microsoft.com/office/powerpoint/2010/main" val="1154696767"/>
       </p:ext>
     </p:extLst>
   </p:cSld>
@@ -4788,17 +12910,13 @@
             <a:pPr lvl="1"/>
             <a:r>
               <a:rPr lang="en-US" dirty="0"/>
-              <a:t>Sharing between users is </a:t>
-            </a:r>
-            <a:r>
-              <a:rPr lang="en-US" dirty="0" smtClean="0"/>
-              <a:t>limited</a:t>
+              <a:t>Sharing between users is limited</a:t>
             </a:r>
           </a:p>
           <a:p>
             <a:pPr lvl="1"/>
             <a:r>
-              <a:rPr lang="en-US" dirty="0" smtClean="0"/>
+              <a:rPr lang="en-US" dirty="0"/>
               <a:t>Not what the user expects</a:t>
             </a:r>
             <a:endParaRPr lang="he-IL" dirty="0"/>
@@ -5119,20 +13237,8 @@
           </a:p>
           <a:p>
             <a:r>
-              <a:rPr lang="en-US" dirty="0" smtClean="0"/>
-              <a:t>The </a:t>
-            </a:r>
-            <a:r>
-              <a:rPr lang="en-US" dirty="0" smtClean="0"/>
-              <a:t>latter requires that </a:t>
-            </a:r>
-            <a:r>
-              <a:rPr lang="en-US" dirty="0" smtClean="0"/>
-              <a:t>Angular knows </a:t>
-            </a:r>
-            <a:r>
               <a:rPr lang="en-US" dirty="0"/>
-              <a:t>the base address of the application in order to generate correct URLs</a:t>
+              <a:t>The latter requires that Angular knows the base address of the application in order to generate correct URLs</a:t>
             </a:r>
           </a:p>
           <a:p>
@@ -5302,18 +13408,17 @@
           <a:p>
             <a:pPr lvl="1"/>
             <a:r>
-              <a:rPr lang="en-US" dirty="0" smtClean="0"/>
+              <a:rPr lang="en-US" dirty="0"/>
               <a:t>See </a:t>
             </a:r>
             <a:r>
-              <a:rPr lang="en-US" dirty="0" err="1" smtClean="0"/>
+              <a:rPr lang="en-US" dirty="0" err="1"/>
               <a:t>ui</a:t>
             </a:r>
             <a:r>
-              <a:rPr lang="en-US" dirty="0" smtClean="0"/>
+              <a:rPr lang="en-US" dirty="0"/>
               <a:t>-router</a:t>
             </a:r>
-            <a:endParaRPr lang="en-US" dirty="0"/>
           </a:p>
           <a:p>
             <a:r>
@@ -6068,15 +14173,7 @@
           <a:p>
             <a:r>
               <a:rPr lang="en-US" dirty="0"/>
-              <a:t>Each route </a:t>
-            </a:r>
-            <a:r>
-              <a:rPr lang="en-US" dirty="0" smtClean="0"/>
-              <a:t>consists </a:t>
-            </a:r>
-            <a:r>
-              <a:rPr lang="en-US" dirty="0"/>
-              <a:t>of </a:t>
+              <a:t>Each route consists of </a:t>
             </a:r>
           </a:p>
           <a:p>
@@ -6711,7 +14808,7 @@
           <a:p>
             <a:r>
               <a:rPr lang="en-US" dirty="0"/>
-              <a:t>The outlet</a:t>
+              <a:t>Routes</a:t>
             </a:r>
             <a:endParaRPr lang="he-IL" dirty="0"/>
           </a:p>
@@ -6761,6 +14858,148 @@
               <a:rPr lang="en-US" smtClean="0"/>
               <a:pPr/>
               <a:t>8</a:t>
+            </a:fld>
+            <a:endParaRPr lang="en-US"/>
+          </a:p>
+        </p:txBody>
+      </p:sp>
+      <p:sp>
+        <p:nvSpPr>
+          <p:cNvPr id="5" name="Content Placeholder 4"/>
+          <p:cNvSpPr>
+            <a:spLocks noGrp="1"/>
+          </p:cNvSpPr>
+          <p:nvPr>
+            <p:ph sz="quarter" idx="1"/>
+          </p:nvPr>
+        </p:nvSpPr>
+        <p:spPr/>
+        <p:txBody>
+          <a:bodyPr/>
+          <a:lstStyle/>
+          <a:p>
+            <a:r>
+              <a:rPr lang="en-US" dirty="0"/>
+              <a:t>Each route map a URL to component</a:t>
+            </a:r>
+          </a:p>
+          <a:p>
+            <a:r>
+              <a:rPr lang="en-US" dirty="0"/>
+              <a:t>No leading slash</a:t>
+            </a:r>
+          </a:p>
+          <a:p>
+            <a:r>
+              <a:rPr lang="en-US" dirty="0"/>
+              <a:t>The order does matter</a:t>
+            </a:r>
+          </a:p>
+          <a:p>
+            <a:endParaRPr lang="en-US" dirty="0"/>
+          </a:p>
+          <a:p>
+            <a:endParaRPr lang="he-IL" dirty="0"/>
+          </a:p>
+        </p:txBody>
+      </p:sp>
+    </p:spTree>
+    <p:extLst>
+      <p:ext uri="{BB962C8B-B14F-4D97-AF65-F5344CB8AC3E}">
+        <p14:creationId xmlns:p14="http://schemas.microsoft.com/office/powerpoint/2010/main" val="850693576"/>
+      </p:ext>
+    </p:extLst>
+  </p:cSld>
+  <p:clrMapOvr>
+    <a:masterClrMapping/>
+  </p:clrMapOvr>
+</p:sld>
+</file>
+
+<file path=ppt/slides/slide9.xml><?xml version="1.0" encoding="utf-8"?>
+<p:sld xmlns:a="http://schemas.openxmlformats.org/drawingml/2006/main" xmlns:r="http://schemas.openxmlformats.org/officeDocument/2006/relationships" xmlns:p="http://schemas.openxmlformats.org/presentationml/2006/main">
+  <p:cSld>
+    <p:spTree>
+      <p:nvGrpSpPr>
+        <p:cNvPr id="1" name=""/>
+        <p:cNvGrpSpPr/>
+        <p:nvPr/>
+      </p:nvGrpSpPr>
+      <p:grpSpPr>
+        <a:xfrm>
+          <a:off x="0" y="0"/>
+          <a:ext cx="0" cy="0"/>
+          <a:chOff x="0" y="0"/>
+          <a:chExt cx="0" cy="0"/>
+        </a:xfrm>
+      </p:grpSpPr>
+      <p:sp>
+        <p:nvSpPr>
+          <p:cNvPr id="2" name="Title 1"/>
+          <p:cNvSpPr>
+            <a:spLocks noGrp="1"/>
+          </p:cNvSpPr>
+          <p:nvPr>
+            <p:ph type="title"/>
+          </p:nvPr>
+        </p:nvSpPr>
+        <p:spPr/>
+        <p:txBody>
+          <a:bodyPr/>
+          <a:lstStyle/>
+          <a:p>
+            <a:r>
+              <a:rPr lang="en-US" dirty="0"/>
+              <a:t>The outlet</a:t>
+            </a:r>
+            <a:endParaRPr lang="he-IL" dirty="0"/>
+          </a:p>
+        </p:txBody>
+      </p:sp>
+      <p:sp>
+        <p:nvSpPr>
+          <p:cNvPr id="3" name="Footer Placeholder 2"/>
+          <p:cNvSpPr>
+            <a:spLocks noGrp="1"/>
+          </p:cNvSpPr>
+          <p:nvPr>
+            <p:ph type="ftr" sz="quarter" idx="11"/>
+          </p:nvPr>
+        </p:nvSpPr>
+        <p:spPr/>
+        <p:txBody>
+          <a:bodyPr/>
+          <a:lstStyle/>
+          <a:p>
+            <a:r>
+              <a:rPr lang="en-US"/>
+              <a:t>© 2016 Ori Calvo</a:t>
+            </a:r>
+            <a:endParaRPr lang="en-US" dirty="0"/>
+          </a:p>
+        </p:txBody>
+      </p:sp>
+      <p:sp>
+        <p:nvSpPr>
+          <p:cNvPr id="4" name="Slide Number Placeholder 3"/>
+          <p:cNvSpPr>
+            <a:spLocks noGrp="1"/>
+          </p:cNvSpPr>
+          <p:nvPr>
+            <p:ph type="sldNum" sz="quarter" idx="12"/>
+          </p:nvPr>
+        </p:nvSpPr>
+        <p:spPr/>
+        <p:txBody>
+          <a:bodyPr>
+            <a:normAutofit fontScale="85000" lnSpcReduction="20000"/>
+          </a:bodyPr>
+          <a:lstStyle/>
+          <a:p>
+            <a:fld id="{6EDEC3BC-0694-4586-AE63-02B4D54ABF43}" type="slidenum">
+              <a:rPr lang="en-US" smtClean="0"/>
+              <a:pPr/>
+              <a:t>9</a:t>
             </a:fld>
             <a:endParaRPr lang="en-US"/>
           </a:p>
@@ -6955,24 +15194,15 @@
           <a:p>
             <a:pPr algn="ctr"/>
             <a:r>
-              <a:rPr lang="en-US" sz="1400" dirty="0" smtClean="0"/>
+              <a:rPr lang="en-US" sz="1400" dirty="0"/>
               <a:t>Inside app.component.html </a:t>
             </a:r>
-            <a:endParaRPr lang="en-US" sz="1400" dirty="0"/>
           </a:p>
           <a:p>
             <a:pPr algn="ctr"/>
             <a:r>
               <a:rPr lang="en-US" sz="1400" dirty="0"/>
-              <a:t>a</a:t>
-            </a:r>
-            <a:r>
-              <a:rPr lang="en-US" sz="1400" dirty="0" smtClean="0"/>
-              <a:t>ll </a:t>
-            </a:r>
-            <a:r>
-              <a:rPr lang="en-US" sz="1400" dirty="0"/>
-              <a:t>components are injected </a:t>
+              <a:t>all components are injected </a:t>
             </a:r>
             <a:r>
               <a:rPr lang="en-US" sz="1400" u="sng" dirty="0"/>
@@ -7529,909 +15759,6 @@
     <p:extLst>
       <p:ext uri="{BB962C8B-B14F-4D97-AF65-F5344CB8AC3E}">
         <p14:creationId xmlns:p14="http://schemas.microsoft.com/office/powerpoint/2010/main" val="937623111"/>
-      </p:ext>
-    </p:extLst>
-  </p:cSld>
-  <p:clrMapOvr>
-    <a:masterClrMapping/>
-  </p:clrMapOvr>
-</p:sld>
-</file>
-
-<file path=ppt/slides/slide9.xml><?xml version="1.0" encoding="utf-8"?>
-<p:sld xmlns:a="http://schemas.openxmlformats.org/drawingml/2006/main" xmlns:r="http://schemas.openxmlformats.org/officeDocument/2006/relationships" xmlns:p="http://schemas.openxmlformats.org/presentationml/2006/main">
-  <p:cSld>
-    <p:spTree>
-      <p:nvGrpSpPr>
-        <p:cNvPr id="1" name=""/>
-        <p:cNvGrpSpPr/>
-        <p:nvPr/>
-      </p:nvGrpSpPr>
-      <p:grpSpPr>
-        <a:xfrm>
-          <a:off x="0" y="0"/>
-          <a:ext cx="0" cy="0"/>
-          <a:chOff x="0" y="0"/>
-          <a:chExt cx="0" cy="0"/>
-        </a:xfrm>
-      </p:grpSpPr>
-      <p:sp>
-        <p:nvSpPr>
-          <p:cNvPr id="2" name="Title 1"/>
-          <p:cNvSpPr>
-            <a:spLocks noGrp="1"/>
-          </p:cNvSpPr>
-          <p:nvPr>
-            <p:ph type="title"/>
-          </p:nvPr>
-        </p:nvSpPr>
-        <p:spPr/>
-        <p:txBody>
-          <a:bodyPr/>
-          <a:lstStyle/>
-          <a:p>
-            <a:r>
-              <a:rPr lang="en-US" dirty="0"/>
-              <a:t>Router links</a:t>
-            </a:r>
-            <a:endParaRPr lang="he-IL" dirty="0"/>
-          </a:p>
-        </p:txBody>
-      </p:sp>
-      <p:sp>
-        <p:nvSpPr>
-          <p:cNvPr id="3" name="Footer Placeholder 2"/>
-          <p:cNvSpPr>
-            <a:spLocks noGrp="1"/>
-          </p:cNvSpPr>
-          <p:nvPr>
-            <p:ph type="ftr" sz="quarter" idx="11"/>
-          </p:nvPr>
-        </p:nvSpPr>
-        <p:spPr/>
-        <p:txBody>
-          <a:bodyPr/>
-          <a:lstStyle/>
-          <a:p>
-            <a:r>
-              <a:rPr lang="en-US"/>
-              <a:t>© 2016 Ori Calvo</a:t>
-            </a:r>
-            <a:endParaRPr lang="en-US" dirty="0"/>
-          </a:p>
-        </p:txBody>
-      </p:sp>
-      <p:sp>
-        <p:nvSpPr>
-          <p:cNvPr id="4" name="Slide Number Placeholder 3"/>
-          <p:cNvSpPr>
-            <a:spLocks noGrp="1"/>
-          </p:cNvSpPr>
-          <p:nvPr>
-            <p:ph type="sldNum" sz="quarter" idx="12"/>
-          </p:nvPr>
-        </p:nvSpPr>
-        <p:spPr/>
-        <p:txBody>
-          <a:bodyPr>
-            <a:normAutofit fontScale="85000" lnSpcReduction="20000"/>
-          </a:bodyPr>
-          <a:lstStyle/>
-          <a:p>
-            <a:fld id="{6EDEC3BC-0694-4586-AE63-02B4D54ABF43}" type="slidenum">
-              <a:rPr lang="en-US" smtClean="0"/>
-              <a:pPr/>
-              <a:t>9</a:t>
-            </a:fld>
-            <a:endParaRPr lang="en-US"/>
-          </a:p>
-        </p:txBody>
-      </p:sp>
-      <p:sp>
-        <p:nvSpPr>
-          <p:cNvPr id="5" name="Content Placeholder 4"/>
-          <p:cNvSpPr>
-            <a:spLocks noGrp="1"/>
-          </p:cNvSpPr>
-          <p:nvPr>
-            <p:ph sz="quarter" idx="1"/>
-          </p:nvPr>
-        </p:nvSpPr>
-        <p:spPr>
-          <a:xfrm>
-            <a:off x="612648" y="1600200"/>
-            <a:ext cx="8153400" cy="4495800"/>
-          </a:xfrm>
-        </p:spPr>
-        <p:txBody>
-          <a:bodyPr/>
-          <a:lstStyle/>
-          <a:p>
-            <a:r>
-              <a:rPr lang="en-US" dirty="0"/>
-              <a:t>Don’t use link with </a:t>
-            </a:r>
-            <a:r>
-              <a:rPr lang="en-US" dirty="0" err="1"/>
-              <a:t>href</a:t>
-            </a:r>
-            <a:r>
-              <a:rPr lang="en-US" dirty="0"/>
-              <a:t> since it causes full page reload</a:t>
-            </a:r>
-          </a:p>
-          <a:p>
-            <a:endParaRPr lang="en-US" dirty="0"/>
-          </a:p>
-          <a:p>
-            <a:pPr marL="0" indent="0">
-              <a:buNone/>
-            </a:pPr>
-            <a:endParaRPr lang="en-US" dirty="0"/>
-          </a:p>
-          <a:p>
-            <a:r>
-              <a:rPr lang="en-US" dirty="0"/>
-              <a:t>Use link with </a:t>
-            </a:r>
-            <a:r>
-              <a:rPr lang="en-US" dirty="0" err="1">
-                <a:solidFill>
-                  <a:srgbClr val="FF0000"/>
-                </a:solidFill>
-              </a:rPr>
-              <a:t>routerLink</a:t>
-            </a:r>
-            <a:r>
-              <a:rPr lang="en-US" dirty="0"/>
-              <a:t> attribute</a:t>
-            </a:r>
-            <a:endParaRPr lang="he-IL" dirty="0"/>
-          </a:p>
-        </p:txBody>
-      </p:sp>
-      <p:sp>
-        <p:nvSpPr>
-          <p:cNvPr id="6" name="Rectangle 5"/>
-          <p:cNvSpPr/>
-          <p:nvPr/>
-        </p:nvSpPr>
-        <p:spPr>
-          <a:xfrm>
-            <a:off x="3100966" y="2564904"/>
-            <a:ext cx="3176764" cy="954107"/>
-          </a:xfrm>
-          <a:prstGeom prst="rect">
-            <a:avLst/>
-          </a:prstGeom>
-        </p:spPr>
-        <p:txBody>
-          <a:bodyPr wrap="square">
-            <a:spAutoFit/>
-          </a:bodyPr>
-          <a:lstStyle/>
-          <a:p>
-            <a:r>
-              <a:rPr lang="en-US" sz="1400" dirty="0">
-                <a:solidFill>
-                  <a:srgbClr val="000000"/>
-                </a:solidFill>
-                <a:latin typeface="Calibri" panose="020F0502020204030204" pitchFamily="34" charset="0"/>
-                <a:ea typeface="Calibri" panose="020F0502020204030204" pitchFamily="34" charset="0"/>
-                <a:cs typeface="Arial" panose="020B0604020202020204" pitchFamily="34" charset="0"/>
-              </a:rPr>
-              <a:t>&lt;</a:t>
-            </a:r>
-            <a:r>
-              <a:rPr lang="en-US" sz="1400" b="1" dirty="0">
-                <a:solidFill>
-                  <a:srgbClr val="000080"/>
-                </a:solidFill>
-                <a:latin typeface="Calibri" panose="020F0502020204030204" pitchFamily="34" charset="0"/>
-                <a:ea typeface="Calibri" panose="020F0502020204030204" pitchFamily="34" charset="0"/>
-                <a:cs typeface="Arial" panose="020B0604020202020204" pitchFamily="34" charset="0"/>
-              </a:rPr>
-              <a:t>div </a:t>
-            </a:r>
-            <a:r>
-              <a:rPr lang="en-US" sz="1400" b="1" dirty="0">
-                <a:solidFill>
-                  <a:srgbClr val="0000FF"/>
-                </a:solidFill>
-                <a:latin typeface="Calibri" panose="020F0502020204030204" pitchFamily="34" charset="0"/>
-                <a:ea typeface="Calibri" panose="020F0502020204030204" pitchFamily="34" charset="0"/>
-                <a:cs typeface="Arial" panose="020B0604020202020204" pitchFamily="34" charset="0"/>
-              </a:rPr>
-              <a:t>class=</a:t>
-            </a:r>
-            <a:r>
-              <a:rPr lang="en-US" sz="1400" b="1" dirty="0">
-                <a:solidFill>
-                  <a:srgbClr val="008000"/>
-                </a:solidFill>
-                <a:latin typeface="Calibri" panose="020F0502020204030204" pitchFamily="34" charset="0"/>
-                <a:ea typeface="Calibri" panose="020F0502020204030204" pitchFamily="34" charset="0"/>
-                <a:cs typeface="Arial" panose="020B0604020202020204" pitchFamily="34" charset="0"/>
-              </a:rPr>
-              <a:t>"site-menu"</a:t>
-            </a:r>
-            <a:r>
-              <a:rPr lang="en-US" sz="1400" dirty="0">
-                <a:solidFill>
-                  <a:srgbClr val="000000"/>
-                </a:solidFill>
-                <a:latin typeface="Calibri" panose="020F0502020204030204" pitchFamily="34" charset="0"/>
-                <a:ea typeface="Calibri" panose="020F0502020204030204" pitchFamily="34" charset="0"/>
-                <a:cs typeface="Arial" panose="020B0604020202020204" pitchFamily="34" charset="0"/>
-              </a:rPr>
-              <a:t>&gt;</a:t>
-            </a:r>
-            <a:br>
-              <a:rPr lang="en-US" sz="1400" dirty="0">
-                <a:solidFill>
-                  <a:srgbClr val="000000"/>
-                </a:solidFill>
-                <a:latin typeface="Calibri" panose="020F0502020204030204" pitchFamily="34" charset="0"/>
-                <a:ea typeface="Calibri" panose="020F0502020204030204" pitchFamily="34" charset="0"/>
-                <a:cs typeface="Arial" panose="020B0604020202020204" pitchFamily="34" charset="0"/>
-              </a:rPr>
-            </a:br>
-            <a:r>
-              <a:rPr lang="en-US" sz="1400" dirty="0">
-                <a:solidFill>
-                  <a:srgbClr val="000000"/>
-                </a:solidFill>
-                <a:latin typeface="Calibri" panose="020F0502020204030204" pitchFamily="34" charset="0"/>
-                <a:ea typeface="Calibri" panose="020F0502020204030204" pitchFamily="34" charset="0"/>
-                <a:cs typeface="Arial" panose="020B0604020202020204" pitchFamily="34" charset="0"/>
-              </a:rPr>
-              <a:t>    &lt;</a:t>
-            </a:r>
-            <a:r>
-              <a:rPr lang="en-US" sz="1400" b="1" dirty="0">
-                <a:solidFill>
-                  <a:srgbClr val="000080"/>
-                </a:solidFill>
-                <a:latin typeface="Calibri" panose="020F0502020204030204" pitchFamily="34" charset="0"/>
-                <a:ea typeface="Calibri" panose="020F0502020204030204" pitchFamily="34" charset="0"/>
-                <a:cs typeface="Arial" panose="020B0604020202020204" pitchFamily="34" charset="0"/>
-              </a:rPr>
-              <a:t>a </a:t>
-            </a:r>
-            <a:r>
-              <a:rPr lang="en-US" sz="1400" b="1" dirty="0" err="1">
-                <a:solidFill>
-                  <a:srgbClr val="0000FF"/>
-                </a:solidFill>
-                <a:latin typeface="Calibri" panose="020F0502020204030204" pitchFamily="34" charset="0"/>
-                <a:ea typeface="Calibri" panose="020F0502020204030204" pitchFamily="34" charset="0"/>
-                <a:cs typeface="Arial" panose="020B0604020202020204" pitchFamily="34" charset="0"/>
-              </a:rPr>
-              <a:t>href</a:t>
-            </a:r>
-            <a:r>
-              <a:rPr lang="en-US" sz="1400" b="1" dirty="0">
-                <a:solidFill>
-                  <a:srgbClr val="0000FF"/>
-                </a:solidFill>
-                <a:latin typeface="Calibri" panose="020F0502020204030204" pitchFamily="34" charset="0"/>
-                <a:ea typeface="Calibri" panose="020F0502020204030204" pitchFamily="34" charset="0"/>
-                <a:cs typeface="Arial" panose="020B0604020202020204" pitchFamily="34" charset="0"/>
-              </a:rPr>
-              <a:t>=</a:t>
-            </a:r>
-            <a:r>
-              <a:rPr lang="en-US" sz="1400" b="1" dirty="0">
-                <a:solidFill>
-                  <a:srgbClr val="008000"/>
-                </a:solidFill>
-                <a:latin typeface="Calibri" panose="020F0502020204030204" pitchFamily="34" charset="0"/>
-                <a:ea typeface="Calibri" panose="020F0502020204030204" pitchFamily="34" charset="0"/>
-                <a:cs typeface="Arial" panose="020B0604020202020204" pitchFamily="34" charset="0"/>
-              </a:rPr>
-              <a:t>""</a:t>
-            </a:r>
-            <a:r>
-              <a:rPr lang="en-US" sz="1400" dirty="0">
-                <a:solidFill>
-                  <a:srgbClr val="000000"/>
-                </a:solidFill>
-                <a:latin typeface="Calibri" panose="020F0502020204030204" pitchFamily="34" charset="0"/>
-                <a:ea typeface="Calibri" panose="020F0502020204030204" pitchFamily="34" charset="0"/>
-                <a:cs typeface="Arial" panose="020B0604020202020204" pitchFamily="34" charset="0"/>
-              </a:rPr>
-              <a:t>&gt;Home&lt;/</a:t>
-            </a:r>
-            <a:r>
-              <a:rPr lang="en-US" sz="1400" b="1" dirty="0">
-                <a:solidFill>
-                  <a:srgbClr val="000080"/>
-                </a:solidFill>
-                <a:latin typeface="Calibri" panose="020F0502020204030204" pitchFamily="34" charset="0"/>
-                <a:ea typeface="Calibri" panose="020F0502020204030204" pitchFamily="34" charset="0"/>
-                <a:cs typeface="Arial" panose="020B0604020202020204" pitchFamily="34" charset="0"/>
-              </a:rPr>
-              <a:t>a</a:t>
-            </a:r>
-            <a:r>
-              <a:rPr lang="en-US" sz="1400" dirty="0">
-                <a:solidFill>
-                  <a:srgbClr val="000000"/>
-                </a:solidFill>
-                <a:latin typeface="Calibri" panose="020F0502020204030204" pitchFamily="34" charset="0"/>
-                <a:ea typeface="Calibri" panose="020F0502020204030204" pitchFamily="34" charset="0"/>
-                <a:cs typeface="Arial" panose="020B0604020202020204" pitchFamily="34" charset="0"/>
-              </a:rPr>
-              <a:t>&gt;</a:t>
-            </a:r>
-            <a:br>
-              <a:rPr lang="en-US" sz="1400" dirty="0">
-                <a:solidFill>
-                  <a:srgbClr val="000000"/>
-                </a:solidFill>
-                <a:latin typeface="Calibri" panose="020F0502020204030204" pitchFamily="34" charset="0"/>
-                <a:ea typeface="Calibri" panose="020F0502020204030204" pitchFamily="34" charset="0"/>
-                <a:cs typeface="Arial" panose="020B0604020202020204" pitchFamily="34" charset="0"/>
-              </a:rPr>
-            </a:br>
-            <a:r>
-              <a:rPr lang="en-US" sz="1400" dirty="0">
-                <a:solidFill>
-                  <a:srgbClr val="000000"/>
-                </a:solidFill>
-                <a:latin typeface="Calibri" panose="020F0502020204030204" pitchFamily="34" charset="0"/>
-                <a:ea typeface="Calibri" panose="020F0502020204030204" pitchFamily="34" charset="0"/>
-                <a:cs typeface="Arial" panose="020B0604020202020204" pitchFamily="34" charset="0"/>
-              </a:rPr>
-              <a:t>    &lt;</a:t>
-            </a:r>
-            <a:r>
-              <a:rPr lang="en-US" sz="1400" b="1" dirty="0">
-                <a:solidFill>
-                  <a:srgbClr val="000080"/>
-                </a:solidFill>
-                <a:latin typeface="Calibri" panose="020F0502020204030204" pitchFamily="34" charset="0"/>
-                <a:ea typeface="Calibri" panose="020F0502020204030204" pitchFamily="34" charset="0"/>
-                <a:cs typeface="Arial" panose="020B0604020202020204" pitchFamily="34" charset="0"/>
-              </a:rPr>
-              <a:t>a </a:t>
-            </a:r>
-            <a:r>
-              <a:rPr lang="en-US" sz="1400" b="1" dirty="0" err="1">
-                <a:solidFill>
-                  <a:srgbClr val="0000FF"/>
-                </a:solidFill>
-                <a:latin typeface="Calibri" panose="020F0502020204030204" pitchFamily="34" charset="0"/>
-                <a:ea typeface="Calibri" panose="020F0502020204030204" pitchFamily="34" charset="0"/>
-                <a:cs typeface="Arial" panose="020B0604020202020204" pitchFamily="34" charset="0"/>
-              </a:rPr>
-              <a:t>href</a:t>
-            </a:r>
-            <a:r>
-              <a:rPr lang="en-US" sz="1400" b="1" dirty="0">
-                <a:solidFill>
-                  <a:srgbClr val="0000FF"/>
-                </a:solidFill>
-                <a:latin typeface="Calibri" panose="020F0502020204030204" pitchFamily="34" charset="0"/>
-                <a:ea typeface="Calibri" panose="020F0502020204030204" pitchFamily="34" charset="0"/>
-                <a:cs typeface="Arial" panose="020B0604020202020204" pitchFamily="34" charset="0"/>
-              </a:rPr>
-              <a:t>=</a:t>
-            </a:r>
-            <a:r>
-              <a:rPr lang="en-US" sz="1400" b="1" dirty="0">
-                <a:solidFill>
-                  <a:srgbClr val="008000"/>
-                </a:solidFill>
-                <a:latin typeface="Calibri" panose="020F0502020204030204" pitchFamily="34" charset="0"/>
-                <a:ea typeface="Calibri" panose="020F0502020204030204" pitchFamily="34" charset="0"/>
-                <a:cs typeface="Arial" panose="020B0604020202020204" pitchFamily="34" charset="0"/>
-              </a:rPr>
-              <a:t>"about"</a:t>
-            </a:r>
-            <a:r>
-              <a:rPr lang="en-US" sz="1400" dirty="0">
-                <a:solidFill>
-                  <a:srgbClr val="000000"/>
-                </a:solidFill>
-                <a:latin typeface="Calibri" panose="020F0502020204030204" pitchFamily="34" charset="0"/>
-                <a:ea typeface="Calibri" panose="020F0502020204030204" pitchFamily="34" charset="0"/>
-                <a:cs typeface="Arial" panose="020B0604020202020204" pitchFamily="34" charset="0"/>
-              </a:rPr>
-              <a:t>&gt;About&lt;/</a:t>
-            </a:r>
-            <a:r>
-              <a:rPr lang="en-US" sz="1400" b="1" dirty="0">
-                <a:solidFill>
-                  <a:srgbClr val="000080"/>
-                </a:solidFill>
-                <a:latin typeface="Calibri" panose="020F0502020204030204" pitchFamily="34" charset="0"/>
-                <a:ea typeface="Calibri" panose="020F0502020204030204" pitchFamily="34" charset="0"/>
-                <a:cs typeface="Arial" panose="020B0604020202020204" pitchFamily="34" charset="0"/>
-              </a:rPr>
-              <a:t>a</a:t>
-            </a:r>
-            <a:r>
-              <a:rPr lang="en-US" sz="1400" dirty="0">
-                <a:solidFill>
-                  <a:srgbClr val="000000"/>
-                </a:solidFill>
-                <a:latin typeface="Calibri" panose="020F0502020204030204" pitchFamily="34" charset="0"/>
-                <a:ea typeface="Calibri" panose="020F0502020204030204" pitchFamily="34" charset="0"/>
-                <a:cs typeface="Arial" panose="020B0604020202020204" pitchFamily="34" charset="0"/>
-              </a:rPr>
-              <a:t>&gt;</a:t>
-            </a:r>
-            <a:br>
-              <a:rPr lang="en-US" sz="1400" dirty="0">
-                <a:solidFill>
-                  <a:srgbClr val="000000"/>
-                </a:solidFill>
-                <a:latin typeface="Calibri" panose="020F0502020204030204" pitchFamily="34" charset="0"/>
-                <a:ea typeface="Calibri" panose="020F0502020204030204" pitchFamily="34" charset="0"/>
-                <a:cs typeface="Arial" panose="020B0604020202020204" pitchFamily="34" charset="0"/>
-              </a:rPr>
-            </a:br>
-            <a:r>
-              <a:rPr lang="en-US" sz="1400" dirty="0">
-                <a:solidFill>
-                  <a:srgbClr val="000000"/>
-                </a:solidFill>
-                <a:latin typeface="Calibri" panose="020F0502020204030204" pitchFamily="34" charset="0"/>
-                <a:ea typeface="Calibri" panose="020F0502020204030204" pitchFamily="34" charset="0"/>
-                <a:cs typeface="Arial" panose="020B0604020202020204" pitchFamily="34" charset="0"/>
-              </a:rPr>
-              <a:t>&lt;/</a:t>
-            </a:r>
-            <a:r>
-              <a:rPr lang="en-US" sz="1400" b="1" dirty="0">
-                <a:solidFill>
-                  <a:srgbClr val="000080"/>
-                </a:solidFill>
-                <a:latin typeface="Calibri" panose="020F0502020204030204" pitchFamily="34" charset="0"/>
-                <a:ea typeface="Calibri" panose="020F0502020204030204" pitchFamily="34" charset="0"/>
-                <a:cs typeface="Arial" panose="020B0604020202020204" pitchFamily="34" charset="0"/>
-              </a:rPr>
-              <a:t>div</a:t>
-            </a:r>
-            <a:r>
-              <a:rPr lang="en-US" sz="1400" dirty="0">
-                <a:solidFill>
-                  <a:srgbClr val="000000"/>
-                </a:solidFill>
-                <a:latin typeface="Calibri" panose="020F0502020204030204" pitchFamily="34" charset="0"/>
-                <a:ea typeface="Calibri" panose="020F0502020204030204" pitchFamily="34" charset="0"/>
-                <a:cs typeface="Arial" panose="020B0604020202020204" pitchFamily="34" charset="0"/>
-              </a:rPr>
-              <a:t>&gt;</a:t>
-            </a:r>
-            <a:endParaRPr lang="he-IL" sz="1400" dirty="0"/>
-          </a:p>
-        </p:txBody>
-      </p:sp>
-      <p:sp>
-        <p:nvSpPr>
-          <p:cNvPr id="8" name="Rectangle 7"/>
-          <p:cNvSpPr/>
-          <p:nvPr/>
-        </p:nvSpPr>
-        <p:spPr>
-          <a:xfrm>
-            <a:off x="3042292" y="4483715"/>
-            <a:ext cx="3294112" cy="954107"/>
-          </a:xfrm>
-          <a:prstGeom prst="rect">
-            <a:avLst/>
-          </a:prstGeom>
-        </p:spPr>
-        <p:txBody>
-          <a:bodyPr wrap="square">
-            <a:spAutoFit/>
-          </a:bodyPr>
-          <a:lstStyle/>
-          <a:p>
-            <a:r>
-              <a:rPr lang="en-US" sz="1400" dirty="0">
-                <a:solidFill>
-                  <a:srgbClr val="000000"/>
-                </a:solidFill>
-                <a:latin typeface="Calibri" panose="020F0502020204030204" pitchFamily="34" charset="0"/>
-                <a:ea typeface="Calibri" panose="020F0502020204030204" pitchFamily="34" charset="0"/>
-                <a:cs typeface="Arial" panose="020B0604020202020204" pitchFamily="34" charset="0"/>
-              </a:rPr>
-              <a:t>&lt;</a:t>
-            </a:r>
-            <a:r>
-              <a:rPr lang="en-US" sz="1400" b="1" dirty="0">
-                <a:solidFill>
-                  <a:srgbClr val="000080"/>
-                </a:solidFill>
-                <a:latin typeface="Calibri" panose="020F0502020204030204" pitchFamily="34" charset="0"/>
-                <a:ea typeface="Calibri" panose="020F0502020204030204" pitchFamily="34" charset="0"/>
-                <a:cs typeface="Arial" panose="020B0604020202020204" pitchFamily="34" charset="0"/>
-              </a:rPr>
-              <a:t>div </a:t>
-            </a:r>
-            <a:r>
-              <a:rPr lang="en-US" sz="1400" b="1" dirty="0">
-                <a:solidFill>
-                  <a:srgbClr val="0000FF"/>
-                </a:solidFill>
-                <a:latin typeface="Calibri" panose="020F0502020204030204" pitchFamily="34" charset="0"/>
-                <a:ea typeface="Calibri" panose="020F0502020204030204" pitchFamily="34" charset="0"/>
-                <a:cs typeface="Arial" panose="020B0604020202020204" pitchFamily="34" charset="0"/>
-              </a:rPr>
-              <a:t>class=</a:t>
-            </a:r>
-            <a:r>
-              <a:rPr lang="en-US" sz="1400" b="1" dirty="0">
-                <a:solidFill>
-                  <a:srgbClr val="008000"/>
-                </a:solidFill>
-                <a:latin typeface="Calibri" panose="020F0502020204030204" pitchFamily="34" charset="0"/>
-                <a:ea typeface="Calibri" panose="020F0502020204030204" pitchFamily="34" charset="0"/>
-                <a:cs typeface="Arial" panose="020B0604020202020204" pitchFamily="34" charset="0"/>
-              </a:rPr>
-              <a:t>"site-menu"</a:t>
-            </a:r>
-            <a:r>
-              <a:rPr lang="en-US" sz="1400" dirty="0">
-                <a:solidFill>
-                  <a:srgbClr val="000000"/>
-                </a:solidFill>
-                <a:latin typeface="Calibri" panose="020F0502020204030204" pitchFamily="34" charset="0"/>
-                <a:ea typeface="Calibri" panose="020F0502020204030204" pitchFamily="34" charset="0"/>
-                <a:cs typeface="Arial" panose="020B0604020202020204" pitchFamily="34" charset="0"/>
-              </a:rPr>
-              <a:t>&gt;</a:t>
-            </a:r>
-            <a:br>
-              <a:rPr lang="en-US" sz="1400" dirty="0">
-                <a:solidFill>
-                  <a:srgbClr val="000000"/>
-                </a:solidFill>
-                <a:latin typeface="Calibri" panose="020F0502020204030204" pitchFamily="34" charset="0"/>
-                <a:ea typeface="Calibri" panose="020F0502020204030204" pitchFamily="34" charset="0"/>
-                <a:cs typeface="Arial" panose="020B0604020202020204" pitchFamily="34" charset="0"/>
-              </a:rPr>
-            </a:br>
-            <a:r>
-              <a:rPr lang="en-US" sz="1400" dirty="0">
-                <a:solidFill>
-                  <a:srgbClr val="000000"/>
-                </a:solidFill>
-                <a:latin typeface="Calibri" panose="020F0502020204030204" pitchFamily="34" charset="0"/>
-                <a:ea typeface="Calibri" panose="020F0502020204030204" pitchFamily="34" charset="0"/>
-                <a:cs typeface="Arial" panose="020B0604020202020204" pitchFamily="34" charset="0"/>
-              </a:rPr>
-              <a:t>    &lt;</a:t>
-            </a:r>
-            <a:r>
-              <a:rPr lang="en-US" sz="1400" b="1" dirty="0">
-                <a:solidFill>
-                  <a:srgbClr val="000080"/>
-                </a:solidFill>
-                <a:latin typeface="Calibri" panose="020F0502020204030204" pitchFamily="34" charset="0"/>
-                <a:ea typeface="Calibri" panose="020F0502020204030204" pitchFamily="34" charset="0"/>
-                <a:cs typeface="Arial" panose="020B0604020202020204" pitchFamily="34" charset="0"/>
-              </a:rPr>
-              <a:t>a </a:t>
-            </a:r>
-            <a:r>
-              <a:rPr lang="en-US" sz="1400" b="1" dirty="0" err="1">
-                <a:solidFill>
-                  <a:srgbClr val="0000FF"/>
-                </a:solidFill>
-                <a:latin typeface="Calibri" panose="020F0502020204030204" pitchFamily="34" charset="0"/>
-                <a:ea typeface="Calibri" panose="020F0502020204030204" pitchFamily="34" charset="0"/>
-                <a:cs typeface="Arial" panose="020B0604020202020204" pitchFamily="34" charset="0"/>
-              </a:rPr>
-              <a:t>routerLink</a:t>
-            </a:r>
-            <a:r>
-              <a:rPr lang="en-US" sz="1400" b="1" dirty="0">
-                <a:solidFill>
-                  <a:srgbClr val="0000FF"/>
-                </a:solidFill>
-                <a:latin typeface="Calibri" panose="020F0502020204030204" pitchFamily="34" charset="0"/>
-                <a:ea typeface="Calibri" panose="020F0502020204030204" pitchFamily="34" charset="0"/>
-                <a:cs typeface="Arial" panose="020B0604020202020204" pitchFamily="34" charset="0"/>
-              </a:rPr>
-              <a:t>=</a:t>
-            </a:r>
-            <a:r>
-              <a:rPr lang="en-US" sz="1400" b="1" dirty="0">
-                <a:solidFill>
-                  <a:srgbClr val="008000"/>
-                </a:solidFill>
-                <a:latin typeface="Calibri" panose="020F0502020204030204" pitchFamily="34" charset="0"/>
-                <a:ea typeface="Calibri" panose="020F0502020204030204" pitchFamily="34" charset="0"/>
-                <a:cs typeface="Arial" panose="020B0604020202020204" pitchFamily="34" charset="0"/>
-              </a:rPr>
-              <a:t>""</a:t>
-            </a:r>
-            <a:r>
-              <a:rPr lang="en-US" sz="1400" dirty="0">
-                <a:solidFill>
-                  <a:srgbClr val="000000"/>
-                </a:solidFill>
-                <a:latin typeface="Calibri" panose="020F0502020204030204" pitchFamily="34" charset="0"/>
-                <a:ea typeface="Calibri" panose="020F0502020204030204" pitchFamily="34" charset="0"/>
-                <a:cs typeface="Arial" panose="020B0604020202020204" pitchFamily="34" charset="0"/>
-              </a:rPr>
-              <a:t>&gt;Home&lt;/</a:t>
-            </a:r>
-            <a:r>
-              <a:rPr lang="en-US" sz="1400" b="1" dirty="0">
-                <a:solidFill>
-                  <a:srgbClr val="000080"/>
-                </a:solidFill>
-                <a:latin typeface="Calibri" panose="020F0502020204030204" pitchFamily="34" charset="0"/>
-                <a:ea typeface="Calibri" panose="020F0502020204030204" pitchFamily="34" charset="0"/>
-                <a:cs typeface="Arial" panose="020B0604020202020204" pitchFamily="34" charset="0"/>
-              </a:rPr>
-              <a:t>a</a:t>
-            </a:r>
-            <a:r>
-              <a:rPr lang="en-US" sz="1400" dirty="0">
-                <a:solidFill>
-                  <a:srgbClr val="000000"/>
-                </a:solidFill>
-                <a:latin typeface="Calibri" panose="020F0502020204030204" pitchFamily="34" charset="0"/>
-                <a:ea typeface="Calibri" panose="020F0502020204030204" pitchFamily="34" charset="0"/>
-                <a:cs typeface="Arial" panose="020B0604020202020204" pitchFamily="34" charset="0"/>
-              </a:rPr>
-              <a:t>&gt;</a:t>
-            </a:r>
-            <a:br>
-              <a:rPr lang="en-US" sz="1400" dirty="0">
-                <a:solidFill>
-                  <a:srgbClr val="000000"/>
-                </a:solidFill>
-                <a:latin typeface="Calibri" panose="020F0502020204030204" pitchFamily="34" charset="0"/>
-                <a:ea typeface="Calibri" panose="020F0502020204030204" pitchFamily="34" charset="0"/>
-                <a:cs typeface="Arial" panose="020B0604020202020204" pitchFamily="34" charset="0"/>
-              </a:rPr>
-            </a:br>
-            <a:r>
-              <a:rPr lang="en-US" sz="1400" dirty="0">
-                <a:solidFill>
-                  <a:srgbClr val="000000"/>
-                </a:solidFill>
-                <a:latin typeface="Calibri" panose="020F0502020204030204" pitchFamily="34" charset="0"/>
-                <a:ea typeface="Calibri" panose="020F0502020204030204" pitchFamily="34" charset="0"/>
-                <a:cs typeface="Arial" panose="020B0604020202020204" pitchFamily="34" charset="0"/>
-              </a:rPr>
-              <a:t>    &lt;</a:t>
-            </a:r>
-            <a:r>
-              <a:rPr lang="en-US" sz="1400" b="1" dirty="0">
-                <a:solidFill>
-                  <a:srgbClr val="000080"/>
-                </a:solidFill>
-                <a:latin typeface="Calibri" panose="020F0502020204030204" pitchFamily="34" charset="0"/>
-                <a:ea typeface="Calibri" panose="020F0502020204030204" pitchFamily="34" charset="0"/>
-                <a:cs typeface="Arial" panose="020B0604020202020204" pitchFamily="34" charset="0"/>
-              </a:rPr>
-              <a:t>a </a:t>
-            </a:r>
-            <a:r>
-              <a:rPr lang="en-US" sz="1400" b="1" dirty="0" err="1">
-                <a:solidFill>
-                  <a:srgbClr val="0000FF"/>
-                </a:solidFill>
-                <a:latin typeface="Calibri" panose="020F0502020204030204" pitchFamily="34" charset="0"/>
-                <a:ea typeface="Calibri" panose="020F0502020204030204" pitchFamily="34" charset="0"/>
-                <a:cs typeface="Arial" panose="020B0604020202020204" pitchFamily="34" charset="0"/>
-              </a:rPr>
-              <a:t>routerLink</a:t>
-            </a:r>
-            <a:r>
-              <a:rPr lang="en-US" sz="1400" b="1" dirty="0">
-                <a:solidFill>
-                  <a:srgbClr val="0000FF"/>
-                </a:solidFill>
-                <a:latin typeface="Calibri" panose="020F0502020204030204" pitchFamily="34" charset="0"/>
-                <a:ea typeface="Calibri" panose="020F0502020204030204" pitchFamily="34" charset="0"/>
-                <a:cs typeface="Arial" panose="020B0604020202020204" pitchFamily="34" charset="0"/>
-              </a:rPr>
-              <a:t>=</a:t>
-            </a:r>
-            <a:r>
-              <a:rPr lang="en-US" sz="1400" b="1" dirty="0">
-                <a:solidFill>
-                  <a:srgbClr val="008000"/>
-                </a:solidFill>
-                <a:latin typeface="Calibri" panose="020F0502020204030204" pitchFamily="34" charset="0"/>
-                <a:ea typeface="Calibri" panose="020F0502020204030204" pitchFamily="34" charset="0"/>
-                <a:cs typeface="Arial" panose="020B0604020202020204" pitchFamily="34" charset="0"/>
-              </a:rPr>
-              <a:t>"about"</a:t>
-            </a:r>
-            <a:r>
-              <a:rPr lang="en-US" sz="1400" dirty="0">
-                <a:solidFill>
-                  <a:srgbClr val="000000"/>
-                </a:solidFill>
-                <a:latin typeface="Calibri" panose="020F0502020204030204" pitchFamily="34" charset="0"/>
-                <a:ea typeface="Calibri" panose="020F0502020204030204" pitchFamily="34" charset="0"/>
-                <a:cs typeface="Arial" panose="020B0604020202020204" pitchFamily="34" charset="0"/>
-              </a:rPr>
-              <a:t>&gt;About&lt;/</a:t>
-            </a:r>
-            <a:r>
-              <a:rPr lang="en-US" sz="1400" b="1" dirty="0">
-                <a:solidFill>
-                  <a:srgbClr val="000080"/>
-                </a:solidFill>
-                <a:latin typeface="Calibri" panose="020F0502020204030204" pitchFamily="34" charset="0"/>
-                <a:ea typeface="Calibri" panose="020F0502020204030204" pitchFamily="34" charset="0"/>
-                <a:cs typeface="Arial" panose="020B0604020202020204" pitchFamily="34" charset="0"/>
-              </a:rPr>
-              <a:t>a</a:t>
-            </a:r>
-            <a:r>
-              <a:rPr lang="en-US" sz="1400" dirty="0">
-                <a:solidFill>
-                  <a:srgbClr val="000000"/>
-                </a:solidFill>
-                <a:latin typeface="Calibri" panose="020F0502020204030204" pitchFamily="34" charset="0"/>
-                <a:ea typeface="Calibri" panose="020F0502020204030204" pitchFamily="34" charset="0"/>
-                <a:cs typeface="Arial" panose="020B0604020202020204" pitchFamily="34" charset="0"/>
-              </a:rPr>
-              <a:t>&gt;</a:t>
-            </a:r>
-            <a:br>
-              <a:rPr lang="en-US" sz="1400" dirty="0">
-                <a:solidFill>
-                  <a:srgbClr val="000000"/>
-                </a:solidFill>
-                <a:latin typeface="Calibri" panose="020F0502020204030204" pitchFamily="34" charset="0"/>
-                <a:ea typeface="Calibri" panose="020F0502020204030204" pitchFamily="34" charset="0"/>
-                <a:cs typeface="Arial" panose="020B0604020202020204" pitchFamily="34" charset="0"/>
-              </a:rPr>
-            </a:br>
-            <a:r>
-              <a:rPr lang="en-US" sz="1400" dirty="0">
-                <a:solidFill>
-                  <a:srgbClr val="000000"/>
-                </a:solidFill>
-                <a:latin typeface="Calibri" panose="020F0502020204030204" pitchFamily="34" charset="0"/>
-                <a:ea typeface="Calibri" panose="020F0502020204030204" pitchFamily="34" charset="0"/>
-                <a:cs typeface="Arial" panose="020B0604020202020204" pitchFamily="34" charset="0"/>
-              </a:rPr>
-              <a:t>&lt;/</a:t>
-            </a:r>
-            <a:r>
-              <a:rPr lang="en-US" sz="1400" b="1" dirty="0">
-                <a:solidFill>
-                  <a:srgbClr val="000080"/>
-                </a:solidFill>
-                <a:latin typeface="Calibri" panose="020F0502020204030204" pitchFamily="34" charset="0"/>
-                <a:ea typeface="Calibri" panose="020F0502020204030204" pitchFamily="34" charset="0"/>
-                <a:cs typeface="Arial" panose="020B0604020202020204" pitchFamily="34" charset="0"/>
-              </a:rPr>
-              <a:t>div</a:t>
-            </a:r>
-            <a:r>
-              <a:rPr lang="en-US" sz="1400" dirty="0">
-                <a:solidFill>
-                  <a:srgbClr val="000000"/>
-                </a:solidFill>
-                <a:latin typeface="Calibri" panose="020F0502020204030204" pitchFamily="34" charset="0"/>
-                <a:ea typeface="Calibri" panose="020F0502020204030204" pitchFamily="34" charset="0"/>
-                <a:cs typeface="Arial" panose="020B0604020202020204" pitchFamily="34" charset="0"/>
-              </a:rPr>
-              <a:t>&gt;</a:t>
-            </a:r>
-            <a:endParaRPr lang="he-IL" sz="1400" dirty="0"/>
-          </a:p>
-        </p:txBody>
-      </p:sp>
-      <p:sp>
-        <p:nvSpPr>
-          <p:cNvPr id="9" name="Line Callout 2 6"/>
-          <p:cNvSpPr/>
-          <p:nvPr/>
-        </p:nvSpPr>
-        <p:spPr>
-          <a:xfrm>
-            <a:off x="533400" y="4725144"/>
-            <a:ext cx="1950368" cy="1008112"/>
-          </a:xfrm>
-          <a:prstGeom prst="borderCallout2">
-            <a:avLst>
-              <a:gd name="adj1" fmla="val 39417"/>
-              <a:gd name="adj2" fmla="val 104721"/>
-              <a:gd name="adj3" fmla="val 52046"/>
-              <a:gd name="adj4" fmla="val 104399"/>
-              <a:gd name="adj5" fmla="val 14006"/>
-              <a:gd name="adj6" fmla="val 140385"/>
-            </a:avLst>
-          </a:prstGeom>
-        </p:spPr>
-        <p:style>
-          <a:lnRef idx="2">
-            <a:schemeClr val="accent1">
-              <a:shade val="50000"/>
-            </a:schemeClr>
-          </a:lnRef>
-          <a:fillRef idx="1">
-            <a:schemeClr val="accent1"/>
-          </a:fillRef>
-          <a:effectRef idx="0">
-            <a:schemeClr val="accent1"/>
-          </a:effectRef>
-          <a:fontRef idx="minor">
-            <a:schemeClr val="lt1"/>
-          </a:fontRef>
-        </p:style>
-        <p:txBody>
-          <a:bodyPr rtlCol="0" anchor="ctr"/>
-          <a:lstStyle/>
-          <a:p>
-            <a:pPr algn="ctr"/>
-            <a:r>
-              <a:rPr lang="en-US" sz="1400" dirty="0"/>
-              <a:t>A directive which takes control over the link and does not let it reload</a:t>
-            </a:r>
-          </a:p>
-        </p:txBody>
-      </p:sp>
-      <p:sp>
-        <p:nvSpPr>
-          <p:cNvPr id="10" name="Line Callout 2 6"/>
-          <p:cNvSpPr/>
-          <p:nvPr/>
-        </p:nvSpPr>
-        <p:spPr>
-          <a:xfrm>
-            <a:off x="6991120" y="2564904"/>
-            <a:ext cx="1253288" cy="936104"/>
-          </a:xfrm>
-          <a:prstGeom prst="borderCallout2">
-            <a:avLst>
-              <a:gd name="adj1" fmla="val 18750"/>
-              <a:gd name="adj2" fmla="val -8333"/>
-              <a:gd name="adj3" fmla="val 18750"/>
-              <a:gd name="adj4" fmla="val -16667"/>
-              <a:gd name="adj5" fmla="val 38570"/>
-              <a:gd name="adj6" fmla="val -156597"/>
-            </a:avLst>
-          </a:prstGeom>
-        </p:spPr>
-        <p:style>
-          <a:lnRef idx="2">
-            <a:schemeClr val="accent1">
-              <a:shade val="50000"/>
-            </a:schemeClr>
-          </a:lnRef>
-          <a:fillRef idx="1">
-            <a:schemeClr val="accent1"/>
-          </a:fillRef>
-          <a:effectRef idx="0">
-            <a:schemeClr val="accent1"/>
-          </a:effectRef>
-          <a:fontRef idx="minor">
-            <a:schemeClr val="lt1"/>
-          </a:fontRef>
-        </p:style>
-        <p:txBody>
-          <a:bodyPr rtlCol="0" anchor="ctr"/>
-          <a:lstStyle/>
-          <a:p>
-            <a:pPr algn="ctr"/>
-            <a:r>
-              <a:rPr lang="en-US" sz="1400" dirty="0"/>
-              <a:t>Causes full page reload</a:t>
-            </a:r>
-          </a:p>
-        </p:txBody>
-      </p:sp>
-    </p:spTree>
-    <p:extLst>
-      <p:ext uri="{BB962C8B-B14F-4D97-AF65-F5344CB8AC3E}">
-        <p14:creationId xmlns:p14="http://schemas.microsoft.com/office/powerpoint/2010/main" val="4165925904"/>
       </p:ext>
     </p:extLst>
   </p:cSld>

--- a/PPTs/03 Routing.pptx
+++ b/PPTs/03 Routing.pptx
@@ -247,7 +247,7 @@
             <a:fld id="{4991502B-FFA8-47B9-B4E5-980CA415BAFF}" type="datetimeFigureOut">
               <a:rPr lang="en-US" smtClean="0"/>
               <a:pPr/>
-              <a:t>5/13/2017</a:t>
+              <a:t>5/14/2017</a:t>
             </a:fld>
             <a:endParaRPr lang="en-US"/>
           </a:p>
@@ -5438,6 +5438,12 @@
           <a:prstGeom prst="rect">
             <a:avLst/>
           </a:prstGeom>
+          <a:solidFill>
+            <a:schemeClr val="accent1">
+              <a:lumMod val="40000"/>
+              <a:lumOff val="60000"/>
+            </a:schemeClr>
+          </a:solidFill>
         </p:spPr>
         <p:txBody>
           <a:bodyPr wrap="square">
@@ -5830,6 +5836,9 @@
               <a:gd name="adj6" fmla="val -127505"/>
             </a:avLst>
           </a:prstGeom>
+          <a:solidFill>
+            <a:schemeClr val="accent4"/>
+          </a:solidFill>
         </p:spPr>
         <p:style>
           <a:lnRef idx="2">
@@ -5978,7 +5987,15 @@
           <a:p>
             <a:r>
               <a:rPr lang="en-US" dirty="0"/>
-              <a:t>Use :id syntax inside route definition</a:t>
+              <a:t>Use </a:t>
+            </a:r>
+            <a:r>
+              <a:rPr lang="en-US" dirty="0" smtClean="0"/>
+              <a:t>: </a:t>
+            </a:r>
+            <a:r>
+              <a:rPr lang="en-US" dirty="0"/>
+              <a:t>syntax inside route definition</a:t>
             </a:r>
           </a:p>
           <a:p>
@@ -6741,6 +6758,17 @@
                 <a:cs typeface="Arial" panose="020B0604020202020204" pitchFamily="34" charset="0"/>
               </a:rPr>
             </a:br>
+            <a:r>
+              <a:rPr lang="en-US" sz="1400" dirty="0">
+                <a:solidFill>
+                  <a:srgbClr val="000000"/>
+                </a:solidFill>
+                <a:latin typeface="Calibri" panose="020F0502020204030204" pitchFamily="34" charset="0"/>
+                <a:ea typeface="Calibri" panose="020F0502020204030204" pitchFamily="34" charset="0"/>
+                <a:cs typeface="Arial" panose="020B0604020202020204" pitchFamily="34" charset="0"/>
+              </a:rPr>
+              <a:t/>
+            </a:r>
             <a:br>
               <a:rPr lang="en-US" sz="1400" dirty="0">
                 <a:solidFill>
@@ -7904,6 +7932,17 @@
                 <a:cs typeface="Arial" panose="020B0604020202020204" pitchFamily="34" charset="0"/>
               </a:rPr>
             </a:br>
+            <a:r>
+              <a:rPr lang="en-US" sz="1200" dirty="0">
+                <a:solidFill>
+                  <a:srgbClr val="000000"/>
+                </a:solidFill>
+                <a:latin typeface="Calibri" panose="020F0502020204030204" pitchFamily="34" charset="0"/>
+                <a:ea typeface="Calibri" panose="020F0502020204030204" pitchFamily="34" charset="0"/>
+                <a:cs typeface="Arial" panose="020B0604020202020204" pitchFamily="34" charset="0"/>
+              </a:rPr>
+              <a:t/>
+            </a:r>
             <a:br>
               <a:rPr lang="en-US" sz="1200" dirty="0">
                 <a:solidFill>
@@ -8237,6 +8276,17 @@
                 <a:cs typeface="Arial" panose="020B0604020202020204" pitchFamily="34" charset="0"/>
               </a:rPr>
               <a:t>.activatedRoute</a:t>
+            </a:r>
+            <a:r>
+              <a:rPr lang="en-US" sz="1200" dirty="0">
+                <a:solidFill>
+                  <a:srgbClr val="000000"/>
+                </a:solidFill>
+                <a:latin typeface="Calibri" panose="020F0502020204030204" pitchFamily="34" charset="0"/>
+                <a:ea typeface="Calibri" panose="020F0502020204030204" pitchFamily="34" charset="0"/>
+                <a:cs typeface="Arial" panose="020B0604020202020204" pitchFamily="34" charset="0"/>
+              </a:rPr>
+              <a:t/>
             </a:r>
             <a:br>
               <a:rPr lang="en-US" sz="1200" dirty="0">
@@ -8820,6 +8870,17 @@
                 <a:cs typeface="Arial" panose="020B0604020202020204" pitchFamily="34" charset="0"/>
               </a:rPr>
             </a:br>
+            <a:r>
+              <a:rPr lang="en-US" sz="1200" dirty="0">
+                <a:solidFill>
+                  <a:srgbClr val="000000"/>
+                </a:solidFill>
+                <a:latin typeface="Calibri" panose="020F0502020204030204" pitchFamily="34" charset="0"/>
+                <a:ea typeface="Calibri" panose="020F0502020204030204" pitchFamily="34" charset="0"/>
+                <a:cs typeface="Arial" panose="020B0604020202020204" pitchFamily="34" charset="0"/>
+              </a:rPr>
+              <a:t/>
+            </a:r>
             <a:br>
               <a:rPr lang="en-US" sz="1200" dirty="0">
                 <a:solidFill>
@@ -10351,6 +10412,17 @@
                 <a:cs typeface="Arial" panose="020B0604020202020204" pitchFamily="34" charset="0"/>
               </a:rPr>
             </a:br>
+            <a:r>
+              <a:rPr lang="en-US" sz="1400" dirty="0">
+                <a:solidFill>
+                  <a:srgbClr val="000000"/>
+                </a:solidFill>
+                <a:latin typeface="Calibri" panose="020F0502020204030204" pitchFamily="34" charset="0"/>
+                <a:ea typeface="Calibri" panose="020F0502020204030204" pitchFamily="34" charset="0"/>
+                <a:cs typeface="Arial" panose="020B0604020202020204" pitchFamily="34" charset="0"/>
+              </a:rPr>
+              <a:t/>
+            </a:r>
             <a:br>
               <a:rPr lang="en-US" sz="1400" dirty="0">
                 <a:solidFill>
@@ -10492,6 +10564,17 @@
                 <a:cs typeface="Arial" panose="020B0604020202020204" pitchFamily="34" charset="0"/>
               </a:rPr>
             </a:br>
+            <a:r>
+              <a:rPr lang="en-US" sz="1400" dirty="0">
+                <a:solidFill>
+                  <a:srgbClr val="000000"/>
+                </a:solidFill>
+                <a:latin typeface="Calibri" panose="020F0502020204030204" pitchFamily="34" charset="0"/>
+                <a:ea typeface="Calibri" panose="020F0502020204030204" pitchFamily="34" charset="0"/>
+                <a:cs typeface="Arial" panose="020B0604020202020204" pitchFamily="34" charset="0"/>
+              </a:rPr>
+              <a:t/>
+            </a:r>
             <a:br>
               <a:rPr lang="en-US" sz="1400" dirty="0">
                 <a:solidFill>
@@ -11560,6 +11643,17 @@
                 <a:cs typeface="Arial" panose="020B0604020202020204" pitchFamily="34" charset="0"/>
               </a:rPr>
             </a:br>
+            <a:r>
+              <a:rPr lang="en-US" sz="1000" dirty="0">
+                <a:solidFill>
+                  <a:srgbClr val="000000"/>
+                </a:solidFill>
+                <a:latin typeface="Calibri" panose="020F0502020204030204" pitchFamily="34" charset="0"/>
+                <a:ea typeface="Calibri" panose="020F0502020204030204" pitchFamily="34" charset="0"/>
+                <a:cs typeface="Arial" panose="020B0604020202020204" pitchFamily="34" charset="0"/>
+              </a:rPr>
+              <a:t/>
+            </a:r>
             <a:br>
               <a:rPr lang="en-US" sz="1000" dirty="0">
                 <a:solidFill>
@@ -12037,6 +12131,17 @@
                 <a:cs typeface="Arial" panose="020B0604020202020204" pitchFamily="34" charset="0"/>
               </a:rPr>
             </a:br>
+            <a:r>
+              <a:rPr lang="en-US" sz="1000" dirty="0">
+                <a:solidFill>
+                  <a:srgbClr val="000000"/>
+                </a:solidFill>
+                <a:latin typeface="Calibri" panose="020F0502020204030204" pitchFamily="34" charset="0"/>
+                <a:ea typeface="Calibri" panose="020F0502020204030204" pitchFamily="34" charset="0"/>
+                <a:cs typeface="Arial" panose="020B0604020202020204" pitchFamily="34" charset="0"/>
+              </a:rPr>
+              <a:t/>
+            </a:r>
             <a:br>
               <a:rPr lang="en-US" sz="1000" dirty="0">
                 <a:solidFill>
@@ -12899,54 +13004,46 @@
         </p:nvSpPr>
         <p:spPr/>
         <p:txBody>
-          <a:bodyPr/>
+          <a:bodyPr>
+            <a:normAutofit/>
+          </a:bodyPr>
           <a:lstStyle/>
           <a:p>
             <a:r>
               <a:rPr lang="en-US" dirty="0"/>
-              <a:t>Splitting the application into different areas</a:t>
-            </a:r>
-          </a:p>
-          <a:p>
+              <a:t>Simulate a “standard” browser </a:t>
+            </a:r>
+            <a:r>
+              <a:rPr lang="en-US" dirty="0" smtClean="0"/>
+              <a:t>navigation inside SPA</a:t>
+            </a:r>
+            <a:endParaRPr lang="en-US" dirty="0" smtClean="0"/>
+          </a:p>
+          <a:p>
+            <a:r>
+              <a:rPr lang="en-US" dirty="0" smtClean="0"/>
+              <a:t>A routing table describes the association between URLs and components</a:t>
+            </a:r>
+          </a:p>
+          <a:p>
+            <a:r>
+              <a:rPr lang="en-US" dirty="0" smtClean="0"/>
+              <a:t>Integrate </a:t>
+            </a:r>
             <a:r>
               <a:rPr lang="en-US" dirty="0"/>
-              <a:t>Based on some rules</a:t>
-            </a:r>
-          </a:p>
-          <a:p>
-            <a:r>
-              <a:rPr lang="en-US" dirty="0"/>
-              <a:t>Usually based on the current URL</a:t>
-            </a:r>
-          </a:p>
-          <a:p>
-            <a:r>
-              <a:rPr lang="en-US" dirty="0"/>
-              <a:t>Integrate with browser’s history button</a:t>
-            </a:r>
-          </a:p>
-          <a:p>
-            <a:r>
-              <a:rPr lang="en-US" dirty="0"/>
-              <a:t>Simulate a “standard” browser navigation</a:t>
-            </a:r>
-          </a:p>
-          <a:p>
-            <a:r>
-              <a:rPr lang="en-US" dirty="0"/>
-              <a:t>Links can be associated with URLs</a:t>
-            </a:r>
-          </a:p>
-          <a:p>
-            <a:r>
-              <a:rPr lang="en-US" dirty="0"/>
-              <a:t>Can navigate imperatively</a:t>
-            </a:r>
-          </a:p>
-          <a:p>
-            <a:r>
-              <a:rPr lang="en-US" dirty="0"/>
-              <a:t>Pass optional parameters to views</a:t>
+              <a:t>with browser’s history </a:t>
+            </a:r>
+            <a:r>
+              <a:rPr lang="en-US" dirty="0" smtClean="0"/>
+              <a:t>buttons</a:t>
+            </a:r>
+            <a:endParaRPr lang="en-US" dirty="0"/>
+          </a:p>
+          <a:p>
+            <a:r>
+              <a:rPr lang="en-US" dirty="0" smtClean="0"/>
+              <a:t>Navigation is done using links or code (imperatively)</a:t>
             </a:r>
           </a:p>
         </p:txBody>
@@ -13180,6 +13277,17 @@
                 <a:cs typeface="Arial" panose="020B0604020202020204" pitchFamily="34" charset="0"/>
               </a:rPr>
             </a:br>
+            <a:r>
+              <a:rPr lang="en-US" dirty="0">
+                <a:solidFill>
+                  <a:srgbClr val="000000"/>
+                </a:solidFill>
+                <a:latin typeface="Calibri" panose="020F0502020204030204" pitchFamily="34" charset="0"/>
+                <a:ea typeface="Calibri" panose="020F0502020204030204" pitchFamily="34" charset="0"/>
+                <a:cs typeface="Arial" panose="020B0604020202020204" pitchFamily="34" charset="0"/>
+              </a:rPr>
+              <a:t/>
+            </a:r>
             <a:br>
               <a:rPr lang="en-US" dirty="0">
                 <a:solidFill>
@@ -13277,6 +13385,17 @@
                 <a:cs typeface="Arial" panose="020B0604020202020204" pitchFamily="34" charset="0"/>
               </a:rPr>
             </a:br>
+            <a:r>
+              <a:rPr lang="en-US" dirty="0">
+                <a:solidFill>
+                  <a:srgbClr val="000000"/>
+                </a:solidFill>
+                <a:latin typeface="Calibri" panose="020F0502020204030204" pitchFamily="34" charset="0"/>
+                <a:ea typeface="Calibri" panose="020F0502020204030204" pitchFamily="34" charset="0"/>
+                <a:cs typeface="Arial" panose="020B0604020202020204" pitchFamily="34" charset="0"/>
+              </a:rPr>
+              <a:t/>
+            </a:r>
             <a:br>
               <a:rPr lang="en-US" dirty="0">
                 <a:solidFill>
@@ -15103,6 +15222,17 @@
                 <a:cs typeface="Arial" panose="020B0604020202020204" pitchFamily="34" charset="0"/>
               </a:rPr>
             </a:br>
+            <a:r>
+              <a:rPr lang="en-US" sz="1000" dirty="0">
+                <a:solidFill>
+                  <a:srgbClr val="000000"/>
+                </a:solidFill>
+                <a:latin typeface="Calibri" panose="020F0502020204030204" pitchFamily="34" charset="0"/>
+                <a:ea typeface="Calibri" panose="020F0502020204030204" pitchFamily="34" charset="0"/>
+                <a:cs typeface="Arial" panose="020B0604020202020204" pitchFamily="34" charset="0"/>
+              </a:rPr>
+              <a:t/>
+            </a:r>
             <a:br>
               <a:rPr lang="en-US" sz="1000" dirty="0">
                 <a:solidFill>
@@ -15275,6 +15405,17 @@
                 <a:cs typeface="Arial" panose="020B0604020202020204" pitchFamily="34" charset="0"/>
               </a:rPr>
             </a:br>
+            <a:r>
+              <a:rPr lang="en-US" sz="1000" dirty="0">
+                <a:solidFill>
+                  <a:srgbClr val="000000"/>
+                </a:solidFill>
+                <a:latin typeface="Calibri" panose="020F0502020204030204" pitchFamily="34" charset="0"/>
+                <a:ea typeface="Calibri" panose="020F0502020204030204" pitchFamily="34" charset="0"/>
+                <a:cs typeface="Arial" panose="020B0604020202020204" pitchFamily="34" charset="0"/>
+              </a:rPr>
+              <a:t/>
+            </a:r>
             <a:br>
               <a:rPr lang="en-US" sz="1000" dirty="0">
                 <a:solidFill>
@@ -15546,6 +15687,17 @@
                 <a:cs typeface="Arial" panose="020B0604020202020204" pitchFamily="34" charset="0"/>
               </a:rPr>
             </a:br>
+            <a:r>
+              <a:rPr lang="en-US" sz="1000" dirty="0">
+                <a:solidFill>
+                  <a:srgbClr val="000000"/>
+                </a:solidFill>
+                <a:latin typeface="Calibri" panose="020F0502020204030204" pitchFamily="34" charset="0"/>
+                <a:ea typeface="Calibri" panose="020F0502020204030204" pitchFamily="34" charset="0"/>
+                <a:cs typeface="Arial" panose="020B0604020202020204" pitchFamily="34" charset="0"/>
+              </a:rPr>
+              <a:t/>
+            </a:r>
             <a:br>
               <a:rPr lang="en-US" sz="1000" dirty="0">
                 <a:solidFill>
@@ -15872,6 +16024,17 @@
                 <a:cs typeface="Arial" panose="020B0604020202020204" pitchFamily="34" charset="0"/>
               </a:rPr>
             </a:br>
+            <a:r>
+              <a:rPr lang="en-US" sz="1000" dirty="0">
+                <a:solidFill>
+                  <a:srgbClr val="000000"/>
+                </a:solidFill>
+                <a:latin typeface="Calibri" panose="020F0502020204030204" pitchFamily="34" charset="0"/>
+                <a:ea typeface="Calibri" panose="020F0502020204030204" pitchFamily="34" charset="0"/>
+                <a:cs typeface="Arial" panose="020B0604020202020204" pitchFamily="34" charset="0"/>
+              </a:rPr>
+              <a:t/>
+            </a:r>
             <a:br>
               <a:rPr lang="en-US" sz="1000" dirty="0">
                 <a:solidFill>
@@ -16154,6 +16317,17 @@
                 <a:cs typeface="Arial" panose="020B0604020202020204" pitchFamily="34" charset="0"/>
               </a:rPr>
             </a:br>
+            <a:r>
+              <a:rPr lang="en-US" sz="1000" dirty="0">
+                <a:solidFill>
+                  <a:srgbClr val="000000"/>
+                </a:solidFill>
+                <a:latin typeface="Calibri" panose="020F0502020204030204" pitchFamily="34" charset="0"/>
+                <a:ea typeface="Calibri" panose="020F0502020204030204" pitchFamily="34" charset="0"/>
+                <a:cs typeface="Arial" panose="020B0604020202020204" pitchFamily="34" charset="0"/>
+              </a:rPr>
+              <a:t/>
+            </a:r>
             <a:br>
               <a:rPr lang="en-US" sz="1000" dirty="0">
                 <a:solidFill>
@@ -23197,6 +23371,17 @@
                 <a:cs typeface="Arial" panose="020B0604020202020204" pitchFamily="34" charset="0"/>
               </a:rPr>
             </a:br>
+            <a:r>
+              <a:rPr lang="en-US" sz="1200" dirty="0">
+                <a:solidFill>
+                  <a:srgbClr val="000000"/>
+                </a:solidFill>
+                <a:latin typeface="Calibri" panose="020F0502020204030204" pitchFamily="34" charset="0"/>
+                <a:ea typeface="Calibri" panose="020F0502020204030204" pitchFamily="34" charset="0"/>
+                <a:cs typeface="Arial" panose="020B0604020202020204" pitchFamily="34" charset="0"/>
+              </a:rPr>
+              <a:t/>
+            </a:r>
             <a:br>
               <a:rPr lang="en-US" sz="1200" dirty="0">
                 <a:solidFill>
@@ -23549,8 +23734,8 @@
           <a:lstStyle/>
           <a:p>
             <a:r>
-              <a:rPr lang="en-US" dirty="0"/>
-              <a:t>Why use routing</a:t>
+              <a:rPr lang="en-US" dirty="0" smtClean="0"/>
+              <a:t>Why bother changing the URL ?</a:t>
             </a:r>
             <a:endParaRPr lang="he-IL" dirty="0"/>
           </a:p>
@@ -25345,6 +25530,17 @@
                 <a:cs typeface="Arial" panose="020B0604020202020204" pitchFamily="34" charset="0"/>
               </a:rPr>
             </a:br>
+            <a:r>
+              <a:rPr lang="en-US" sz="1400" dirty="0">
+                <a:solidFill>
+                  <a:srgbClr val="000000"/>
+                </a:solidFill>
+                <a:latin typeface="Calibri" panose="020F0502020204030204" pitchFamily="34" charset="0"/>
+                <a:ea typeface="Calibri" panose="020F0502020204030204" pitchFamily="34" charset="0"/>
+                <a:cs typeface="Arial" panose="020B0604020202020204" pitchFamily="34" charset="0"/>
+              </a:rPr>
+              <a:t/>
+            </a:r>
             <a:br>
               <a:rPr lang="en-US" sz="1400" dirty="0">
                 <a:solidFill>
@@ -25551,6 +25747,17 @@
                 <a:cs typeface="Arial" panose="020B0604020202020204" pitchFamily="34" charset="0"/>
               </a:rPr>
             </a:br>
+            <a:r>
+              <a:rPr lang="en-US" sz="1400" dirty="0">
+                <a:solidFill>
+                  <a:srgbClr val="000000"/>
+                </a:solidFill>
+                <a:latin typeface="Calibri" panose="020F0502020204030204" pitchFamily="34" charset="0"/>
+                <a:ea typeface="Calibri" panose="020F0502020204030204" pitchFamily="34" charset="0"/>
+                <a:cs typeface="Arial" panose="020B0604020202020204" pitchFamily="34" charset="0"/>
+              </a:rPr>
+              <a:t/>
+            </a:r>
             <a:br>
               <a:rPr lang="en-US" sz="1400" dirty="0">
                 <a:solidFill>
@@ -25702,6 +25909,17 @@
                 <a:cs typeface="Arial" panose="020B0604020202020204" pitchFamily="34" charset="0"/>
               </a:rPr>
             </a:br>
+            <a:r>
+              <a:rPr lang="en-US" sz="1400" dirty="0">
+                <a:solidFill>
+                  <a:srgbClr val="000000"/>
+                </a:solidFill>
+                <a:latin typeface="Calibri" panose="020F0502020204030204" pitchFamily="34" charset="0"/>
+                <a:ea typeface="Calibri" panose="020F0502020204030204" pitchFamily="34" charset="0"/>
+                <a:cs typeface="Arial" panose="020B0604020202020204" pitchFamily="34" charset="0"/>
+              </a:rPr>
+              <a:t/>
+            </a:r>
             <a:br>
               <a:rPr lang="en-US" sz="1400" dirty="0">
                 <a:solidFill>
@@ -25908,6 +26126,17 @@
                 <a:cs typeface="Arial" panose="020B0604020202020204" pitchFamily="34" charset="0"/>
               </a:rPr>
             </a:br>
+            <a:r>
+              <a:rPr lang="en-US" sz="1400" dirty="0">
+                <a:solidFill>
+                  <a:srgbClr val="000000"/>
+                </a:solidFill>
+                <a:latin typeface="Calibri" panose="020F0502020204030204" pitchFamily="34" charset="0"/>
+                <a:ea typeface="Calibri" panose="020F0502020204030204" pitchFamily="34" charset="0"/>
+                <a:cs typeface="Arial" panose="020B0604020202020204" pitchFamily="34" charset="0"/>
+              </a:rPr>
+              <a:t/>
+            </a:r>
             <a:br>
               <a:rPr lang="en-US" sz="1400" dirty="0">
                 <a:solidFill>
@@ -28995,8 +29224,8 @@
           <a:lstStyle/>
           <a:p>
             <a:r>
-              <a:rPr lang="en-US" dirty="0"/>
-              <a:t>base</a:t>
+              <a:rPr lang="en-US" dirty="0" smtClean="0"/>
+              <a:t>Base tag</a:t>
             </a:r>
             <a:endParaRPr lang="he-IL" dirty="0"/>
           </a:p>
@@ -30794,10 +31023,18 @@
               <a:t>Specificity does not matter </a:t>
             </a:r>
             <a:r>
-              <a:rPr lang="en-US" dirty="0">
+              <a:rPr lang="en-US" dirty="0" smtClean="0">
                 <a:sym typeface="Wingdings" panose="05000000000000000000" pitchFamily="2" charset="2"/>
               </a:rPr>
               <a:t></a:t>
+            </a:r>
+          </a:p>
+          <a:p>
+            <a:r>
+              <a:rPr lang="en-US" dirty="0" smtClean="0">
+                <a:sym typeface="Wingdings" panose="05000000000000000000" pitchFamily="2" charset="2"/>
+              </a:rPr>
+              <a:t>Nested routes are supported</a:t>
             </a:r>
             <a:endParaRPr lang="en-US" dirty="0"/>
           </a:p>
@@ -30920,7 +31157,7 @@
         <p:spPr>
           <a:xfrm>
             <a:off x="1043608" y="1988840"/>
-            <a:ext cx="3320780" cy="584775"/>
+            <a:ext cx="3320780" cy="830997"/>
           </a:xfrm>
           <a:prstGeom prst="rect">
             <a:avLst/>
@@ -30983,6 +31220,19 @@
               <a:t>h1</a:t>
             </a:r>
             <a:r>
+              <a:rPr lang="en-US" sz="1600" dirty="0" smtClean="0">
+                <a:solidFill>
+                  <a:srgbClr val="000000"/>
+                </a:solidFill>
+                <a:latin typeface="Calibri" panose="020F0502020204030204" pitchFamily="34" charset="0"/>
+                <a:ea typeface="Calibri" panose="020F0502020204030204" pitchFamily="34" charset="0"/>
+                <a:cs typeface="Arial" panose="020B0604020202020204" pitchFamily="34" charset="0"/>
+              </a:rPr>
+              <a:t>&gt;</a:t>
+            </a:r>
+          </a:p>
+          <a:p>
+            <a:r>
               <a:rPr lang="en-US" sz="1600" dirty="0">
                 <a:solidFill>
                   <a:srgbClr val="000000"/>
@@ -30991,7 +31241,7 @@
                 <a:ea typeface="Calibri" panose="020F0502020204030204" pitchFamily="34" charset="0"/>
                 <a:cs typeface="Arial" panose="020B0604020202020204" pitchFamily="34" charset="0"/>
               </a:rPr>
-              <a:t>&gt;</a:t>
+              <a:t/>
             </a:r>
             <a:br>
               <a:rPr lang="en-US" sz="1600" dirty="0">
